--- a/poster.pptx
+++ b/poster.pptx
@@ -1620,6 +1620,2247 @@
 </file>
 
 <file path=ppt/diagrams/colors3.xml><?xml version="1.0" encoding="utf-8"?>
+<dgm:colorsDef xmlns:dgm="http://schemas.openxmlformats.org/drawingml/2006/diagram" xmlns:a="http://schemas.openxmlformats.org/drawingml/2006/main" uniqueId="urn:microsoft.com/office/officeart/2005/8/colors/accent1_2">
+  <dgm:title val=""/>
+  <dgm:desc val=""/>
+  <dgm:catLst>
+    <dgm:cat type="accent1" pri="11200"/>
+  </dgm:catLst>
+  <dgm:styleLbl name="node0">
+    <dgm:fillClrLst meth="repeat">
+      <a:schemeClr val="accent1"/>
+    </dgm:fillClrLst>
+    <dgm:linClrLst meth="repeat">
+      <a:schemeClr val="lt1"/>
+    </dgm:linClrLst>
+    <dgm:effectClrLst/>
+    <dgm:txLinClrLst/>
+    <dgm:txFillClrLst/>
+    <dgm:txEffectClrLst/>
+  </dgm:styleLbl>
+  <dgm:styleLbl name="alignNode1">
+    <dgm:fillClrLst meth="repeat">
+      <a:schemeClr val="accent1"/>
+    </dgm:fillClrLst>
+    <dgm:linClrLst meth="repeat">
+      <a:schemeClr val="accent1"/>
+    </dgm:linClrLst>
+    <dgm:effectClrLst/>
+    <dgm:txLinClrLst/>
+    <dgm:txFillClrLst/>
+    <dgm:txEffectClrLst/>
+  </dgm:styleLbl>
+  <dgm:styleLbl name="node1">
+    <dgm:fillClrLst meth="repeat">
+      <a:schemeClr val="accent1"/>
+    </dgm:fillClrLst>
+    <dgm:linClrLst meth="repeat">
+      <a:schemeClr val="lt1"/>
+    </dgm:linClrLst>
+    <dgm:effectClrLst/>
+    <dgm:txLinClrLst/>
+    <dgm:txFillClrLst/>
+    <dgm:txEffectClrLst/>
+  </dgm:styleLbl>
+  <dgm:styleLbl name="lnNode1">
+    <dgm:fillClrLst meth="repeat">
+      <a:schemeClr val="accent1"/>
+    </dgm:fillClrLst>
+    <dgm:linClrLst meth="repeat">
+      <a:schemeClr val="lt1"/>
+    </dgm:linClrLst>
+    <dgm:effectClrLst/>
+    <dgm:txLinClrLst/>
+    <dgm:txFillClrLst/>
+    <dgm:txEffectClrLst/>
+  </dgm:styleLbl>
+  <dgm:styleLbl name="vennNode1">
+    <dgm:fillClrLst meth="repeat">
+      <a:schemeClr val="accent1">
+        <a:alpha val="50000"/>
+      </a:schemeClr>
+    </dgm:fillClrLst>
+    <dgm:linClrLst meth="repeat">
+      <a:schemeClr val="lt1"/>
+    </dgm:linClrLst>
+    <dgm:effectClrLst/>
+    <dgm:txLinClrLst/>
+    <dgm:txFillClrLst/>
+    <dgm:txEffectClrLst/>
+  </dgm:styleLbl>
+  <dgm:styleLbl name="node2">
+    <dgm:fillClrLst meth="repeat">
+      <a:schemeClr val="accent1"/>
+    </dgm:fillClrLst>
+    <dgm:linClrLst meth="repeat">
+      <a:schemeClr val="lt1"/>
+    </dgm:linClrLst>
+    <dgm:effectClrLst/>
+    <dgm:txLinClrLst/>
+    <dgm:txFillClrLst/>
+    <dgm:txEffectClrLst/>
+  </dgm:styleLbl>
+  <dgm:styleLbl name="node3">
+    <dgm:fillClrLst meth="repeat">
+      <a:schemeClr val="accent1"/>
+    </dgm:fillClrLst>
+    <dgm:linClrLst meth="repeat">
+      <a:schemeClr val="lt1"/>
+    </dgm:linClrLst>
+    <dgm:effectClrLst/>
+    <dgm:txLinClrLst/>
+    <dgm:txFillClrLst/>
+    <dgm:txEffectClrLst/>
+  </dgm:styleLbl>
+  <dgm:styleLbl name="node4">
+    <dgm:fillClrLst meth="repeat">
+      <a:schemeClr val="accent1"/>
+    </dgm:fillClrLst>
+    <dgm:linClrLst meth="repeat">
+      <a:schemeClr val="lt1"/>
+    </dgm:linClrLst>
+    <dgm:effectClrLst/>
+    <dgm:txLinClrLst/>
+    <dgm:txFillClrLst/>
+    <dgm:txEffectClrLst/>
+  </dgm:styleLbl>
+  <dgm:styleLbl name="fgImgPlace1">
+    <dgm:fillClrLst meth="repeat">
+      <a:schemeClr val="accent1">
+        <a:tint val="50000"/>
+      </a:schemeClr>
+    </dgm:fillClrLst>
+    <dgm:linClrLst meth="repeat">
+      <a:schemeClr val="lt1"/>
+    </dgm:linClrLst>
+    <dgm:effectClrLst/>
+    <dgm:txLinClrLst/>
+    <dgm:txFillClrLst meth="repeat">
+      <a:schemeClr val="lt1"/>
+    </dgm:txFillClrLst>
+    <dgm:txEffectClrLst/>
+  </dgm:styleLbl>
+  <dgm:styleLbl name="alignImgPlace1">
+    <dgm:fillClrLst meth="repeat">
+      <a:schemeClr val="accent1">
+        <a:tint val="50000"/>
+      </a:schemeClr>
+    </dgm:fillClrLst>
+    <dgm:linClrLst meth="repeat">
+      <a:schemeClr val="lt1"/>
+    </dgm:linClrLst>
+    <dgm:effectClrLst/>
+    <dgm:txLinClrLst/>
+    <dgm:txFillClrLst meth="repeat">
+      <a:schemeClr val="lt1"/>
+    </dgm:txFillClrLst>
+    <dgm:txEffectClrLst/>
+  </dgm:styleLbl>
+  <dgm:styleLbl name="bgImgPlace1">
+    <dgm:fillClrLst meth="repeat">
+      <a:schemeClr val="accent1">
+        <a:tint val="50000"/>
+      </a:schemeClr>
+    </dgm:fillClrLst>
+    <dgm:linClrLst meth="repeat">
+      <a:schemeClr val="lt1"/>
+    </dgm:linClrLst>
+    <dgm:effectClrLst/>
+    <dgm:txLinClrLst/>
+    <dgm:txFillClrLst meth="repeat">
+      <a:schemeClr val="lt1"/>
+    </dgm:txFillClrLst>
+    <dgm:txEffectClrLst/>
+  </dgm:styleLbl>
+  <dgm:styleLbl name="sibTrans2D1">
+    <dgm:fillClrLst meth="repeat">
+      <a:schemeClr val="accent1">
+        <a:tint val="60000"/>
+      </a:schemeClr>
+    </dgm:fillClrLst>
+    <dgm:linClrLst meth="repeat">
+      <a:schemeClr val="accent1">
+        <a:tint val="60000"/>
+      </a:schemeClr>
+    </dgm:linClrLst>
+    <dgm:effectClrLst/>
+    <dgm:txLinClrLst/>
+    <dgm:txFillClrLst/>
+    <dgm:txEffectClrLst/>
+  </dgm:styleLbl>
+  <dgm:styleLbl name="fgSibTrans2D1">
+    <dgm:fillClrLst meth="repeat">
+      <a:schemeClr val="accent1">
+        <a:tint val="60000"/>
+      </a:schemeClr>
+    </dgm:fillClrLst>
+    <dgm:linClrLst meth="repeat">
+      <a:schemeClr val="accent1">
+        <a:tint val="60000"/>
+      </a:schemeClr>
+    </dgm:linClrLst>
+    <dgm:effectClrLst/>
+    <dgm:txLinClrLst/>
+    <dgm:txFillClrLst/>
+    <dgm:txEffectClrLst/>
+  </dgm:styleLbl>
+  <dgm:styleLbl name="bgSibTrans2D1">
+    <dgm:fillClrLst meth="repeat">
+      <a:schemeClr val="accent1">
+        <a:tint val="60000"/>
+      </a:schemeClr>
+    </dgm:fillClrLst>
+    <dgm:linClrLst meth="repeat">
+      <a:schemeClr val="accent1">
+        <a:tint val="60000"/>
+      </a:schemeClr>
+    </dgm:linClrLst>
+    <dgm:effectClrLst/>
+    <dgm:txLinClrLst/>
+    <dgm:txFillClrLst/>
+    <dgm:txEffectClrLst/>
+  </dgm:styleLbl>
+  <dgm:styleLbl name="sibTrans1D1">
+    <dgm:fillClrLst meth="repeat">
+      <a:schemeClr val="accent1"/>
+    </dgm:fillClrLst>
+    <dgm:linClrLst meth="repeat">
+      <a:schemeClr val="accent1"/>
+    </dgm:linClrLst>
+    <dgm:effectClrLst/>
+    <dgm:txLinClrLst/>
+    <dgm:txFillClrLst meth="repeat">
+      <a:schemeClr val="tx1"/>
+    </dgm:txFillClrLst>
+    <dgm:txEffectClrLst/>
+  </dgm:styleLbl>
+  <dgm:styleLbl name="callout">
+    <dgm:fillClrLst meth="repeat">
+      <a:schemeClr val="accent1"/>
+    </dgm:fillClrLst>
+    <dgm:linClrLst meth="repeat">
+      <a:schemeClr val="accent1">
+        <a:tint val="50000"/>
+      </a:schemeClr>
+    </dgm:linClrLst>
+    <dgm:effectClrLst/>
+    <dgm:txLinClrLst/>
+    <dgm:txFillClrLst meth="repeat">
+      <a:schemeClr val="tx1"/>
+    </dgm:txFillClrLst>
+    <dgm:txEffectClrLst/>
+  </dgm:styleLbl>
+  <dgm:styleLbl name="asst0">
+    <dgm:fillClrLst meth="repeat">
+      <a:schemeClr val="accent1"/>
+    </dgm:fillClrLst>
+    <dgm:linClrLst meth="repeat">
+      <a:schemeClr val="lt1"/>
+    </dgm:linClrLst>
+    <dgm:effectClrLst/>
+    <dgm:txLinClrLst/>
+    <dgm:txFillClrLst/>
+    <dgm:txEffectClrLst/>
+  </dgm:styleLbl>
+  <dgm:styleLbl name="asst1">
+    <dgm:fillClrLst meth="repeat">
+      <a:schemeClr val="accent1"/>
+    </dgm:fillClrLst>
+    <dgm:linClrLst meth="repeat">
+      <a:schemeClr val="lt1"/>
+    </dgm:linClrLst>
+    <dgm:effectClrLst/>
+    <dgm:txLinClrLst/>
+    <dgm:txFillClrLst/>
+    <dgm:txEffectClrLst/>
+  </dgm:styleLbl>
+  <dgm:styleLbl name="asst2">
+    <dgm:fillClrLst meth="repeat">
+      <a:schemeClr val="accent1"/>
+    </dgm:fillClrLst>
+    <dgm:linClrLst meth="repeat">
+      <a:schemeClr val="lt1"/>
+    </dgm:linClrLst>
+    <dgm:effectClrLst/>
+    <dgm:txLinClrLst/>
+    <dgm:txFillClrLst/>
+    <dgm:txEffectClrLst/>
+  </dgm:styleLbl>
+  <dgm:styleLbl name="asst3">
+    <dgm:fillClrLst meth="repeat">
+      <a:schemeClr val="accent1"/>
+    </dgm:fillClrLst>
+    <dgm:linClrLst meth="repeat">
+      <a:schemeClr val="lt1"/>
+    </dgm:linClrLst>
+    <dgm:effectClrLst/>
+    <dgm:txLinClrLst/>
+    <dgm:txFillClrLst/>
+    <dgm:txEffectClrLst/>
+  </dgm:styleLbl>
+  <dgm:styleLbl name="asst4">
+    <dgm:fillClrLst meth="repeat">
+      <a:schemeClr val="accent1"/>
+    </dgm:fillClrLst>
+    <dgm:linClrLst meth="repeat">
+      <a:schemeClr val="lt1"/>
+    </dgm:linClrLst>
+    <dgm:effectClrLst/>
+    <dgm:txLinClrLst/>
+    <dgm:txFillClrLst/>
+    <dgm:txEffectClrLst/>
+  </dgm:styleLbl>
+  <dgm:styleLbl name="parChTrans2D1">
+    <dgm:fillClrLst meth="repeat">
+      <a:schemeClr val="accent1">
+        <a:tint val="60000"/>
+      </a:schemeClr>
+    </dgm:fillClrLst>
+    <dgm:linClrLst meth="repeat">
+      <a:schemeClr val="accent1">
+        <a:tint val="60000"/>
+      </a:schemeClr>
+    </dgm:linClrLst>
+    <dgm:effectClrLst/>
+    <dgm:txLinClrLst/>
+    <dgm:txFillClrLst meth="repeat">
+      <a:schemeClr val="lt1"/>
+    </dgm:txFillClrLst>
+    <dgm:txEffectClrLst/>
+  </dgm:styleLbl>
+  <dgm:styleLbl name="parChTrans2D2">
+    <dgm:fillClrLst meth="repeat">
+      <a:schemeClr val="accent1"/>
+    </dgm:fillClrLst>
+    <dgm:linClrLst meth="repeat">
+      <a:schemeClr val="accent1"/>
+    </dgm:linClrLst>
+    <dgm:effectClrLst/>
+    <dgm:txLinClrLst/>
+    <dgm:txFillClrLst meth="repeat">
+      <a:schemeClr val="lt1"/>
+    </dgm:txFillClrLst>
+    <dgm:txEffectClrLst/>
+  </dgm:styleLbl>
+  <dgm:styleLbl name="parChTrans2D3">
+    <dgm:fillClrLst meth="repeat">
+      <a:schemeClr val="accent1"/>
+    </dgm:fillClrLst>
+    <dgm:linClrLst meth="repeat">
+      <a:schemeClr val="accent1"/>
+    </dgm:linClrLst>
+    <dgm:effectClrLst/>
+    <dgm:txLinClrLst/>
+    <dgm:txFillClrLst meth="repeat">
+      <a:schemeClr val="lt1"/>
+    </dgm:txFillClrLst>
+    <dgm:txEffectClrLst/>
+  </dgm:styleLbl>
+  <dgm:styleLbl name="parChTrans2D4">
+    <dgm:fillClrLst meth="repeat">
+      <a:schemeClr val="accent1"/>
+    </dgm:fillClrLst>
+    <dgm:linClrLst meth="repeat">
+      <a:schemeClr val="accent1"/>
+    </dgm:linClrLst>
+    <dgm:effectClrLst/>
+    <dgm:txLinClrLst/>
+    <dgm:txFillClrLst meth="repeat">
+      <a:schemeClr val="lt1"/>
+    </dgm:txFillClrLst>
+    <dgm:txEffectClrLst/>
+  </dgm:styleLbl>
+  <dgm:styleLbl name="parChTrans1D1">
+    <dgm:fillClrLst meth="repeat">
+      <a:schemeClr val="accent1"/>
+    </dgm:fillClrLst>
+    <dgm:linClrLst meth="repeat">
+      <a:schemeClr val="accent1">
+        <a:shade val="60000"/>
+      </a:schemeClr>
+    </dgm:linClrLst>
+    <dgm:effectClrLst/>
+    <dgm:txLinClrLst/>
+    <dgm:txFillClrLst meth="repeat">
+      <a:schemeClr val="tx1"/>
+    </dgm:txFillClrLst>
+    <dgm:txEffectClrLst/>
+  </dgm:styleLbl>
+  <dgm:styleLbl name="parChTrans1D2">
+    <dgm:fillClrLst meth="repeat">
+      <a:schemeClr val="accent1"/>
+    </dgm:fillClrLst>
+    <dgm:linClrLst meth="repeat">
+      <a:schemeClr val="accent1">
+        <a:shade val="60000"/>
+      </a:schemeClr>
+    </dgm:linClrLst>
+    <dgm:effectClrLst/>
+    <dgm:txLinClrLst/>
+    <dgm:txFillClrLst meth="repeat">
+      <a:schemeClr val="tx1"/>
+    </dgm:txFillClrLst>
+    <dgm:txEffectClrLst/>
+  </dgm:styleLbl>
+  <dgm:styleLbl name="parChTrans1D3">
+    <dgm:fillClrLst meth="repeat">
+      <a:schemeClr val="accent1"/>
+    </dgm:fillClrLst>
+    <dgm:linClrLst meth="repeat">
+      <a:schemeClr val="accent1">
+        <a:shade val="80000"/>
+      </a:schemeClr>
+    </dgm:linClrLst>
+    <dgm:effectClrLst/>
+    <dgm:txLinClrLst/>
+    <dgm:txFillClrLst meth="repeat">
+      <a:schemeClr val="tx1"/>
+    </dgm:txFillClrLst>
+    <dgm:txEffectClrLst/>
+  </dgm:styleLbl>
+  <dgm:styleLbl name="parChTrans1D4">
+    <dgm:fillClrLst meth="repeat">
+      <a:schemeClr val="accent1"/>
+    </dgm:fillClrLst>
+    <dgm:linClrLst meth="repeat">
+      <a:schemeClr val="accent1">
+        <a:shade val="80000"/>
+      </a:schemeClr>
+    </dgm:linClrLst>
+    <dgm:effectClrLst/>
+    <dgm:txLinClrLst/>
+    <dgm:txFillClrLst meth="repeat">
+      <a:schemeClr val="tx1"/>
+    </dgm:txFillClrLst>
+    <dgm:txEffectClrLst/>
+  </dgm:styleLbl>
+  <dgm:styleLbl name="fgAcc1">
+    <dgm:fillClrLst meth="repeat">
+      <a:schemeClr val="lt1">
+        <a:alpha val="90000"/>
+      </a:schemeClr>
+    </dgm:fillClrLst>
+    <dgm:linClrLst meth="repeat">
+      <a:schemeClr val="accent1"/>
+    </dgm:linClrLst>
+    <dgm:effectClrLst/>
+    <dgm:txLinClrLst/>
+    <dgm:txFillClrLst meth="repeat">
+      <a:schemeClr val="dk1"/>
+    </dgm:txFillClrLst>
+    <dgm:txEffectClrLst/>
+  </dgm:styleLbl>
+  <dgm:styleLbl name="conFgAcc1">
+    <dgm:fillClrLst meth="repeat">
+      <a:schemeClr val="lt1">
+        <a:alpha val="90000"/>
+      </a:schemeClr>
+    </dgm:fillClrLst>
+    <dgm:linClrLst meth="repeat">
+      <a:schemeClr val="accent1"/>
+    </dgm:linClrLst>
+    <dgm:effectClrLst/>
+    <dgm:txLinClrLst/>
+    <dgm:txFillClrLst meth="repeat">
+      <a:schemeClr val="dk1"/>
+    </dgm:txFillClrLst>
+    <dgm:txEffectClrLst/>
+  </dgm:styleLbl>
+  <dgm:styleLbl name="alignAcc1">
+    <dgm:fillClrLst meth="repeat">
+      <a:schemeClr val="lt1">
+        <a:alpha val="90000"/>
+      </a:schemeClr>
+    </dgm:fillClrLst>
+    <dgm:linClrLst meth="repeat">
+      <a:schemeClr val="accent1"/>
+    </dgm:linClrLst>
+    <dgm:effectClrLst/>
+    <dgm:txLinClrLst/>
+    <dgm:txFillClrLst meth="repeat">
+      <a:schemeClr val="dk1"/>
+    </dgm:txFillClrLst>
+    <dgm:txEffectClrLst/>
+  </dgm:styleLbl>
+  <dgm:styleLbl name="trAlignAcc1">
+    <dgm:fillClrLst meth="repeat">
+      <a:schemeClr val="lt1">
+        <a:alpha val="40000"/>
+      </a:schemeClr>
+    </dgm:fillClrLst>
+    <dgm:linClrLst meth="repeat">
+      <a:schemeClr val="accent1"/>
+    </dgm:linClrLst>
+    <dgm:effectClrLst/>
+    <dgm:txLinClrLst/>
+    <dgm:txFillClrLst meth="repeat">
+      <a:schemeClr val="dk1"/>
+    </dgm:txFillClrLst>
+    <dgm:txEffectClrLst/>
+  </dgm:styleLbl>
+  <dgm:styleLbl name="bgAcc1">
+    <dgm:fillClrLst meth="repeat">
+      <a:schemeClr val="lt1">
+        <a:alpha val="90000"/>
+      </a:schemeClr>
+    </dgm:fillClrLst>
+    <dgm:linClrLst meth="repeat">
+      <a:schemeClr val="accent1"/>
+    </dgm:linClrLst>
+    <dgm:effectClrLst/>
+    <dgm:txLinClrLst/>
+    <dgm:txFillClrLst meth="repeat">
+      <a:schemeClr val="dk1"/>
+    </dgm:txFillClrLst>
+    <dgm:txEffectClrLst/>
+  </dgm:styleLbl>
+  <dgm:styleLbl name="solidFgAcc1">
+    <dgm:fillClrLst meth="repeat">
+      <a:schemeClr val="lt1"/>
+    </dgm:fillClrLst>
+    <dgm:linClrLst meth="repeat">
+      <a:schemeClr val="accent1"/>
+    </dgm:linClrLst>
+    <dgm:effectClrLst/>
+    <dgm:txLinClrLst/>
+    <dgm:txFillClrLst meth="repeat">
+      <a:schemeClr val="dk1"/>
+    </dgm:txFillClrLst>
+    <dgm:txEffectClrLst/>
+  </dgm:styleLbl>
+  <dgm:styleLbl name="solidAlignAcc1">
+    <dgm:fillClrLst meth="repeat">
+      <a:schemeClr val="lt1"/>
+    </dgm:fillClrLst>
+    <dgm:linClrLst meth="repeat">
+      <a:schemeClr val="accent1"/>
+    </dgm:linClrLst>
+    <dgm:effectClrLst/>
+    <dgm:txLinClrLst/>
+    <dgm:txFillClrLst meth="repeat">
+      <a:schemeClr val="dk1"/>
+    </dgm:txFillClrLst>
+    <dgm:txEffectClrLst/>
+  </dgm:styleLbl>
+  <dgm:styleLbl name="solidBgAcc1">
+    <dgm:fillClrLst meth="repeat">
+      <a:schemeClr val="lt1"/>
+    </dgm:fillClrLst>
+    <dgm:linClrLst meth="repeat">
+      <a:schemeClr val="accent1"/>
+    </dgm:linClrLst>
+    <dgm:effectClrLst/>
+    <dgm:txLinClrLst/>
+    <dgm:txFillClrLst meth="repeat">
+      <a:schemeClr val="dk1"/>
+    </dgm:txFillClrLst>
+    <dgm:txEffectClrLst/>
+  </dgm:styleLbl>
+  <dgm:styleLbl name="fgAccFollowNode1">
+    <dgm:fillClrLst meth="repeat">
+      <a:schemeClr val="accent1">
+        <a:alpha val="90000"/>
+        <a:tint val="40000"/>
+      </a:schemeClr>
+    </dgm:fillClrLst>
+    <dgm:linClrLst meth="repeat">
+      <a:schemeClr val="accent1">
+        <a:alpha val="90000"/>
+        <a:tint val="40000"/>
+      </a:schemeClr>
+    </dgm:linClrLst>
+    <dgm:effectClrLst/>
+    <dgm:txLinClrLst/>
+    <dgm:txFillClrLst meth="repeat">
+      <a:schemeClr val="dk1"/>
+    </dgm:txFillClrLst>
+    <dgm:txEffectClrLst/>
+  </dgm:styleLbl>
+  <dgm:styleLbl name="alignAccFollowNode1">
+    <dgm:fillClrLst meth="repeat">
+      <a:schemeClr val="accent1">
+        <a:alpha val="90000"/>
+        <a:tint val="40000"/>
+      </a:schemeClr>
+    </dgm:fillClrLst>
+    <dgm:linClrLst meth="repeat">
+      <a:schemeClr val="accent1">
+        <a:alpha val="90000"/>
+        <a:tint val="40000"/>
+      </a:schemeClr>
+    </dgm:linClrLst>
+    <dgm:effectClrLst/>
+    <dgm:txLinClrLst/>
+    <dgm:txFillClrLst meth="repeat">
+      <a:schemeClr val="dk1"/>
+    </dgm:txFillClrLst>
+    <dgm:txEffectClrLst/>
+  </dgm:styleLbl>
+  <dgm:styleLbl name="bgAccFollowNode1">
+    <dgm:fillClrLst meth="repeat">
+      <a:schemeClr val="accent1">
+        <a:alpha val="90000"/>
+        <a:tint val="40000"/>
+      </a:schemeClr>
+    </dgm:fillClrLst>
+    <dgm:linClrLst meth="repeat">
+      <a:schemeClr val="accent1">
+        <a:alpha val="90000"/>
+        <a:tint val="40000"/>
+      </a:schemeClr>
+    </dgm:linClrLst>
+    <dgm:effectClrLst/>
+    <dgm:txLinClrLst/>
+    <dgm:txFillClrLst meth="repeat">
+      <a:schemeClr val="dk1"/>
+    </dgm:txFillClrLst>
+    <dgm:txEffectClrLst/>
+  </dgm:styleLbl>
+  <dgm:styleLbl name="fgAcc0">
+    <dgm:fillClrLst meth="repeat">
+      <a:schemeClr val="lt1">
+        <a:alpha val="90000"/>
+      </a:schemeClr>
+    </dgm:fillClrLst>
+    <dgm:linClrLst meth="repeat">
+      <a:schemeClr val="accent1"/>
+    </dgm:linClrLst>
+    <dgm:effectClrLst/>
+    <dgm:txLinClrLst/>
+    <dgm:txFillClrLst meth="repeat">
+      <a:schemeClr val="dk1"/>
+    </dgm:txFillClrLst>
+    <dgm:txEffectClrLst/>
+  </dgm:styleLbl>
+  <dgm:styleLbl name="fgAcc2">
+    <dgm:fillClrLst meth="repeat">
+      <a:schemeClr val="lt1">
+        <a:alpha val="90000"/>
+      </a:schemeClr>
+    </dgm:fillClrLst>
+    <dgm:linClrLst meth="repeat">
+      <a:schemeClr val="accent1"/>
+    </dgm:linClrLst>
+    <dgm:effectClrLst/>
+    <dgm:txLinClrLst/>
+    <dgm:txFillClrLst meth="repeat">
+      <a:schemeClr val="dk1"/>
+    </dgm:txFillClrLst>
+    <dgm:txEffectClrLst/>
+  </dgm:styleLbl>
+  <dgm:styleLbl name="fgAcc3">
+    <dgm:fillClrLst meth="repeat">
+      <a:schemeClr val="lt1">
+        <a:alpha val="90000"/>
+      </a:schemeClr>
+    </dgm:fillClrLst>
+    <dgm:linClrLst meth="repeat">
+      <a:schemeClr val="accent1"/>
+    </dgm:linClrLst>
+    <dgm:effectClrLst/>
+    <dgm:txLinClrLst/>
+    <dgm:txFillClrLst meth="repeat">
+      <a:schemeClr val="dk1"/>
+    </dgm:txFillClrLst>
+    <dgm:txEffectClrLst/>
+  </dgm:styleLbl>
+  <dgm:styleLbl name="fgAcc4">
+    <dgm:fillClrLst meth="repeat">
+      <a:schemeClr val="lt1">
+        <a:alpha val="90000"/>
+      </a:schemeClr>
+    </dgm:fillClrLst>
+    <dgm:linClrLst meth="repeat">
+      <a:schemeClr val="accent1"/>
+    </dgm:linClrLst>
+    <dgm:effectClrLst/>
+    <dgm:txLinClrLst/>
+    <dgm:txFillClrLst meth="repeat">
+      <a:schemeClr val="dk1"/>
+    </dgm:txFillClrLst>
+    <dgm:txEffectClrLst/>
+  </dgm:styleLbl>
+  <dgm:styleLbl name="bgShp">
+    <dgm:fillClrLst meth="repeat">
+      <a:schemeClr val="accent1">
+        <a:tint val="40000"/>
+      </a:schemeClr>
+    </dgm:fillClrLst>
+    <dgm:linClrLst meth="repeat">
+      <a:schemeClr val="accent1"/>
+    </dgm:linClrLst>
+    <dgm:effectClrLst/>
+    <dgm:txLinClrLst/>
+    <dgm:txFillClrLst meth="repeat">
+      <a:schemeClr val="dk1"/>
+    </dgm:txFillClrLst>
+    <dgm:txEffectClrLst/>
+  </dgm:styleLbl>
+  <dgm:styleLbl name="dkBgShp">
+    <dgm:fillClrLst meth="repeat">
+      <a:schemeClr val="accent1">
+        <a:shade val="80000"/>
+      </a:schemeClr>
+    </dgm:fillClrLst>
+    <dgm:linClrLst meth="repeat">
+      <a:schemeClr val="accent1"/>
+    </dgm:linClrLst>
+    <dgm:effectClrLst/>
+    <dgm:txLinClrLst/>
+    <dgm:txFillClrLst meth="repeat">
+      <a:schemeClr val="lt1"/>
+    </dgm:txFillClrLst>
+    <dgm:txEffectClrLst/>
+  </dgm:styleLbl>
+  <dgm:styleLbl name="trBgShp">
+    <dgm:fillClrLst meth="repeat">
+      <a:schemeClr val="accent1">
+        <a:tint val="50000"/>
+        <a:alpha val="40000"/>
+      </a:schemeClr>
+    </dgm:fillClrLst>
+    <dgm:linClrLst meth="repeat">
+      <a:schemeClr val="accent1"/>
+    </dgm:linClrLst>
+    <dgm:effectClrLst/>
+    <dgm:txLinClrLst/>
+    <dgm:txFillClrLst meth="repeat">
+      <a:schemeClr val="lt1"/>
+    </dgm:txFillClrLst>
+    <dgm:txEffectClrLst/>
+  </dgm:styleLbl>
+  <dgm:styleLbl name="fgShp">
+    <dgm:fillClrLst meth="repeat">
+      <a:schemeClr val="accent1">
+        <a:tint val="60000"/>
+      </a:schemeClr>
+    </dgm:fillClrLst>
+    <dgm:linClrLst meth="repeat">
+      <a:schemeClr val="lt1"/>
+    </dgm:linClrLst>
+    <dgm:effectClrLst/>
+    <dgm:txLinClrLst/>
+    <dgm:txFillClrLst meth="repeat">
+      <a:schemeClr val="dk1"/>
+    </dgm:txFillClrLst>
+    <dgm:txEffectClrLst/>
+  </dgm:styleLbl>
+  <dgm:styleLbl name="revTx">
+    <dgm:fillClrLst meth="repeat">
+      <a:schemeClr val="lt1">
+        <a:alpha val="0"/>
+      </a:schemeClr>
+    </dgm:fillClrLst>
+    <dgm:linClrLst meth="repeat">
+      <a:schemeClr val="dk1">
+        <a:alpha val="0"/>
+      </a:schemeClr>
+    </dgm:linClrLst>
+    <dgm:effectClrLst/>
+    <dgm:txLinClrLst/>
+    <dgm:txFillClrLst meth="repeat">
+      <a:schemeClr val="tx1"/>
+    </dgm:txFillClrLst>
+    <dgm:txEffectClrLst/>
+  </dgm:styleLbl>
+</dgm:colorsDef>
+</file>
+
+<file path=ppt/diagrams/colors4.xml><?xml version="1.0" encoding="utf-8"?>
+<dgm:colorsDef xmlns:dgm="http://schemas.openxmlformats.org/drawingml/2006/diagram" xmlns:a="http://schemas.openxmlformats.org/drawingml/2006/main" uniqueId="urn:microsoft.com/office/officeart/2005/8/colors/accent1_2">
+  <dgm:title val=""/>
+  <dgm:desc val=""/>
+  <dgm:catLst>
+    <dgm:cat type="accent1" pri="11200"/>
+  </dgm:catLst>
+  <dgm:styleLbl name="node0">
+    <dgm:fillClrLst meth="repeat">
+      <a:schemeClr val="accent1"/>
+    </dgm:fillClrLst>
+    <dgm:linClrLst meth="repeat">
+      <a:schemeClr val="lt1"/>
+    </dgm:linClrLst>
+    <dgm:effectClrLst/>
+    <dgm:txLinClrLst/>
+    <dgm:txFillClrLst/>
+    <dgm:txEffectClrLst/>
+  </dgm:styleLbl>
+  <dgm:styleLbl name="alignNode1">
+    <dgm:fillClrLst meth="repeat">
+      <a:schemeClr val="accent1"/>
+    </dgm:fillClrLst>
+    <dgm:linClrLst meth="repeat">
+      <a:schemeClr val="accent1"/>
+    </dgm:linClrLst>
+    <dgm:effectClrLst/>
+    <dgm:txLinClrLst/>
+    <dgm:txFillClrLst/>
+    <dgm:txEffectClrLst/>
+  </dgm:styleLbl>
+  <dgm:styleLbl name="node1">
+    <dgm:fillClrLst meth="repeat">
+      <a:schemeClr val="accent1"/>
+    </dgm:fillClrLst>
+    <dgm:linClrLst meth="repeat">
+      <a:schemeClr val="lt1"/>
+    </dgm:linClrLst>
+    <dgm:effectClrLst/>
+    <dgm:txLinClrLst/>
+    <dgm:txFillClrLst/>
+    <dgm:txEffectClrLst/>
+  </dgm:styleLbl>
+  <dgm:styleLbl name="lnNode1">
+    <dgm:fillClrLst meth="repeat">
+      <a:schemeClr val="accent1"/>
+    </dgm:fillClrLst>
+    <dgm:linClrLst meth="repeat">
+      <a:schemeClr val="lt1"/>
+    </dgm:linClrLst>
+    <dgm:effectClrLst/>
+    <dgm:txLinClrLst/>
+    <dgm:txFillClrLst/>
+    <dgm:txEffectClrLst/>
+  </dgm:styleLbl>
+  <dgm:styleLbl name="vennNode1">
+    <dgm:fillClrLst meth="repeat">
+      <a:schemeClr val="accent1">
+        <a:alpha val="50000"/>
+      </a:schemeClr>
+    </dgm:fillClrLst>
+    <dgm:linClrLst meth="repeat">
+      <a:schemeClr val="lt1"/>
+    </dgm:linClrLst>
+    <dgm:effectClrLst/>
+    <dgm:txLinClrLst/>
+    <dgm:txFillClrLst/>
+    <dgm:txEffectClrLst/>
+  </dgm:styleLbl>
+  <dgm:styleLbl name="node2">
+    <dgm:fillClrLst meth="repeat">
+      <a:schemeClr val="accent1"/>
+    </dgm:fillClrLst>
+    <dgm:linClrLst meth="repeat">
+      <a:schemeClr val="lt1"/>
+    </dgm:linClrLst>
+    <dgm:effectClrLst/>
+    <dgm:txLinClrLst/>
+    <dgm:txFillClrLst/>
+    <dgm:txEffectClrLst/>
+  </dgm:styleLbl>
+  <dgm:styleLbl name="node3">
+    <dgm:fillClrLst meth="repeat">
+      <a:schemeClr val="accent1"/>
+    </dgm:fillClrLst>
+    <dgm:linClrLst meth="repeat">
+      <a:schemeClr val="lt1"/>
+    </dgm:linClrLst>
+    <dgm:effectClrLst/>
+    <dgm:txLinClrLst/>
+    <dgm:txFillClrLst/>
+    <dgm:txEffectClrLst/>
+  </dgm:styleLbl>
+  <dgm:styleLbl name="node4">
+    <dgm:fillClrLst meth="repeat">
+      <a:schemeClr val="accent1"/>
+    </dgm:fillClrLst>
+    <dgm:linClrLst meth="repeat">
+      <a:schemeClr val="lt1"/>
+    </dgm:linClrLst>
+    <dgm:effectClrLst/>
+    <dgm:txLinClrLst/>
+    <dgm:txFillClrLst/>
+    <dgm:txEffectClrLst/>
+  </dgm:styleLbl>
+  <dgm:styleLbl name="fgImgPlace1">
+    <dgm:fillClrLst meth="repeat">
+      <a:schemeClr val="accent1">
+        <a:tint val="50000"/>
+      </a:schemeClr>
+    </dgm:fillClrLst>
+    <dgm:linClrLst meth="repeat">
+      <a:schemeClr val="lt1"/>
+    </dgm:linClrLst>
+    <dgm:effectClrLst/>
+    <dgm:txLinClrLst/>
+    <dgm:txFillClrLst meth="repeat">
+      <a:schemeClr val="lt1"/>
+    </dgm:txFillClrLst>
+    <dgm:txEffectClrLst/>
+  </dgm:styleLbl>
+  <dgm:styleLbl name="alignImgPlace1">
+    <dgm:fillClrLst meth="repeat">
+      <a:schemeClr val="accent1">
+        <a:tint val="50000"/>
+      </a:schemeClr>
+    </dgm:fillClrLst>
+    <dgm:linClrLst meth="repeat">
+      <a:schemeClr val="lt1"/>
+    </dgm:linClrLst>
+    <dgm:effectClrLst/>
+    <dgm:txLinClrLst/>
+    <dgm:txFillClrLst meth="repeat">
+      <a:schemeClr val="lt1"/>
+    </dgm:txFillClrLst>
+    <dgm:txEffectClrLst/>
+  </dgm:styleLbl>
+  <dgm:styleLbl name="bgImgPlace1">
+    <dgm:fillClrLst meth="repeat">
+      <a:schemeClr val="accent1">
+        <a:tint val="50000"/>
+      </a:schemeClr>
+    </dgm:fillClrLst>
+    <dgm:linClrLst meth="repeat">
+      <a:schemeClr val="lt1"/>
+    </dgm:linClrLst>
+    <dgm:effectClrLst/>
+    <dgm:txLinClrLst/>
+    <dgm:txFillClrLst meth="repeat">
+      <a:schemeClr val="lt1"/>
+    </dgm:txFillClrLst>
+    <dgm:txEffectClrLst/>
+  </dgm:styleLbl>
+  <dgm:styleLbl name="sibTrans2D1">
+    <dgm:fillClrLst meth="repeat">
+      <a:schemeClr val="accent1">
+        <a:tint val="60000"/>
+      </a:schemeClr>
+    </dgm:fillClrLst>
+    <dgm:linClrLst meth="repeat">
+      <a:schemeClr val="accent1">
+        <a:tint val="60000"/>
+      </a:schemeClr>
+    </dgm:linClrLst>
+    <dgm:effectClrLst/>
+    <dgm:txLinClrLst/>
+    <dgm:txFillClrLst/>
+    <dgm:txEffectClrLst/>
+  </dgm:styleLbl>
+  <dgm:styleLbl name="fgSibTrans2D1">
+    <dgm:fillClrLst meth="repeat">
+      <a:schemeClr val="accent1">
+        <a:tint val="60000"/>
+      </a:schemeClr>
+    </dgm:fillClrLst>
+    <dgm:linClrLst meth="repeat">
+      <a:schemeClr val="accent1">
+        <a:tint val="60000"/>
+      </a:schemeClr>
+    </dgm:linClrLst>
+    <dgm:effectClrLst/>
+    <dgm:txLinClrLst/>
+    <dgm:txFillClrLst/>
+    <dgm:txEffectClrLst/>
+  </dgm:styleLbl>
+  <dgm:styleLbl name="bgSibTrans2D1">
+    <dgm:fillClrLst meth="repeat">
+      <a:schemeClr val="accent1">
+        <a:tint val="60000"/>
+      </a:schemeClr>
+    </dgm:fillClrLst>
+    <dgm:linClrLst meth="repeat">
+      <a:schemeClr val="accent1">
+        <a:tint val="60000"/>
+      </a:schemeClr>
+    </dgm:linClrLst>
+    <dgm:effectClrLst/>
+    <dgm:txLinClrLst/>
+    <dgm:txFillClrLst/>
+    <dgm:txEffectClrLst/>
+  </dgm:styleLbl>
+  <dgm:styleLbl name="sibTrans1D1">
+    <dgm:fillClrLst meth="repeat">
+      <a:schemeClr val="accent1"/>
+    </dgm:fillClrLst>
+    <dgm:linClrLst meth="repeat">
+      <a:schemeClr val="accent1"/>
+    </dgm:linClrLst>
+    <dgm:effectClrLst/>
+    <dgm:txLinClrLst/>
+    <dgm:txFillClrLst meth="repeat">
+      <a:schemeClr val="tx1"/>
+    </dgm:txFillClrLst>
+    <dgm:txEffectClrLst/>
+  </dgm:styleLbl>
+  <dgm:styleLbl name="callout">
+    <dgm:fillClrLst meth="repeat">
+      <a:schemeClr val="accent1"/>
+    </dgm:fillClrLst>
+    <dgm:linClrLst meth="repeat">
+      <a:schemeClr val="accent1">
+        <a:tint val="50000"/>
+      </a:schemeClr>
+    </dgm:linClrLst>
+    <dgm:effectClrLst/>
+    <dgm:txLinClrLst/>
+    <dgm:txFillClrLst meth="repeat">
+      <a:schemeClr val="tx1"/>
+    </dgm:txFillClrLst>
+    <dgm:txEffectClrLst/>
+  </dgm:styleLbl>
+  <dgm:styleLbl name="asst0">
+    <dgm:fillClrLst meth="repeat">
+      <a:schemeClr val="accent1"/>
+    </dgm:fillClrLst>
+    <dgm:linClrLst meth="repeat">
+      <a:schemeClr val="lt1"/>
+    </dgm:linClrLst>
+    <dgm:effectClrLst/>
+    <dgm:txLinClrLst/>
+    <dgm:txFillClrLst/>
+    <dgm:txEffectClrLst/>
+  </dgm:styleLbl>
+  <dgm:styleLbl name="asst1">
+    <dgm:fillClrLst meth="repeat">
+      <a:schemeClr val="accent1"/>
+    </dgm:fillClrLst>
+    <dgm:linClrLst meth="repeat">
+      <a:schemeClr val="lt1"/>
+    </dgm:linClrLst>
+    <dgm:effectClrLst/>
+    <dgm:txLinClrLst/>
+    <dgm:txFillClrLst/>
+    <dgm:txEffectClrLst/>
+  </dgm:styleLbl>
+  <dgm:styleLbl name="asst2">
+    <dgm:fillClrLst meth="repeat">
+      <a:schemeClr val="accent1"/>
+    </dgm:fillClrLst>
+    <dgm:linClrLst meth="repeat">
+      <a:schemeClr val="lt1"/>
+    </dgm:linClrLst>
+    <dgm:effectClrLst/>
+    <dgm:txLinClrLst/>
+    <dgm:txFillClrLst/>
+    <dgm:txEffectClrLst/>
+  </dgm:styleLbl>
+  <dgm:styleLbl name="asst3">
+    <dgm:fillClrLst meth="repeat">
+      <a:schemeClr val="accent1"/>
+    </dgm:fillClrLst>
+    <dgm:linClrLst meth="repeat">
+      <a:schemeClr val="lt1"/>
+    </dgm:linClrLst>
+    <dgm:effectClrLst/>
+    <dgm:txLinClrLst/>
+    <dgm:txFillClrLst/>
+    <dgm:txEffectClrLst/>
+  </dgm:styleLbl>
+  <dgm:styleLbl name="asst4">
+    <dgm:fillClrLst meth="repeat">
+      <a:schemeClr val="accent1"/>
+    </dgm:fillClrLst>
+    <dgm:linClrLst meth="repeat">
+      <a:schemeClr val="lt1"/>
+    </dgm:linClrLst>
+    <dgm:effectClrLst/>
+    <dgm:txLinClrLst/>
+    <dgm:txFillClrLst/>
+    <dgm:txEffectClrLst/>
+  </dgm:styleLbl>
+  <dgm:styleLbl name="parChTrans2D1">
+    <dgm:fillClrLst meth="repeat">
+      <a:schemeClr val="accent1">
+        <a:tint val="60000"/>
+      </a:schemeClr>
+    </dgm:fillClrLst>
+    <dgm:linClrLst meth="repeat">
+      <a:schemeClr val="accent1">
+        <a:tint val="60000"/>
+      </a:schemeClr>
+    </dgm:linClrLst>
+    <dgm:effectClrLst/>
+    <dgm:txLinClrLst/>
+    <dgm:txFillClrLst meth="repeat">
+      <a:schemeClr val="lt1"/>
+    </dgm:txFillClrLst>
+    <dgm:txEffectClrLst/>
+  </dgm:styleLbl>
+  <dgm:styleLbl name="parChTrans2D2">
+    <dgm:fillClrLst meth="repeat">
+      <a:schemeClr val="accent1"/>
+    </dgm:fillClrLst>
+    <dgm:linClrLst meth="repeat">
+      <a:schemeClr val="accent1"/>
+    </dgm:linClrLst>
+    <dgm:effectClrLst/>
+    <dgm:txLinClrLst/>
+    <dgm:txFillClrLst meth="repeat">
+      <a:schemeClr val="lt1"/>
+    </dgm:txFillClrLst>
+    <dgm:txEffectClrLst/>
+  </dgm:styleLbl>
+  <dgm:styleLbl name="parChTrans2D3">
+    <dgm:fillClrLst meth="repeat">
+      <a:schemeClr val="accent1"/>
+    </dgm:fillClrLst>
+    <dgm:linClrLst meth="repeat">
+      <a:schemeClr val="accent1"/>
+    </dgm:linClrLst>
+    <dgm:effectClrLst/>
+    <dgm:txLinClrLst/>
+    <dgm:txFillClrLst meth="repeat">
+      <a:schemeClr val="lt1"/>
+    </dgm:txFillClrLst>
+    <dgm:txEffectClrLst/>
+  </dgm:styleLbl>
+  <dgm:styleLbl name="parChTrans2D4">
+    <dgm:fillClrLst meth="repeat">
+      <a:schemeClr val="accent1"/>
+    </dgm:fillClrLst>
+    <dgm:linClrLst meth="repeat">
+      <a:schemeClr val="accent1"/>
+    </dgm:linClrLst>
+    <dgm:effectClrLst/>
+    <dgm:txLinClrLst/>
+    <dgm:txFillClrLst meth="repeat">
+      <a:schemeClr val="lt1"/>
+    </dgm:txFillClrLst>
+    <dgm:txEffectClrLst/>
+  </dgm:styleLbl>
+  <dgm:styleLbl name="parChTrans1D1">
+    <dgm:fillClrLst meth="repeat">
+      <a:schemeClr val="accent1"/>
+    </dgm:fillClrLst>
+    <dgm:linClrLst meth="repeat">
+      <a:schemeClr val="accent1">
+        <a:shade val="60000"/>
+      </a:schemeClr>
+    </dgm:linClrLst>
+    <dgm:effectClrLst/>
+    <dgm:txLinClrLst/>
+    <dgm:txFillClrLst meth="repeat">
+      <a:schemeClr val="tx1"/>
+    </dgm:txFillClrLst>
+    <dgm:txEffectClrLst/>
+  </dgm:styleLbl>
+  <dgm:styleLbl name="parChTrans1D2">
+    <dgm:fillClrLst meth="repeat">
+      <a:schemeClr val="accent1"/>
+    </dgm:fillClrLst>
+    <dgm:linClrLst meth="repeat">
+      <a:schemeClr val="accent1">
+        <a:shade val="60000"/>
+      </a:schemeClr>
+    </dgm:linClrLst>
+    <dgm:effectClrLst/>
+    <dgm:txLinClrLst/>
+    <dgm:txFillClrLst meth="repeat">
+      <a:schemeClr val="tx1"/>
+    </dgm:txFillClrLst>
+    <dgm:txEffectClrLst/>
+  </dgm:styleLbl>
+  <dgm:styleLbl name="parChTrans1D3">
+    <dgm:fillClrLst meth="repeat">
+      <a:schemeClr val="accent1"/>
+    </dgm:fillClrLst>
+    <dgm:linClrLst meth="repeat">
+      <a:schemeClr val="accent1">
+        <a:shade val="80000"/>
+      </a:schemeClr>
+    </dgm:linClrLst>
+    <dgm:effectClrLst/>
+    <dgm:txLinClrLst/>
+    <dgm:txFillClrLst meth="repeat">
+      <a:schemeClr val="tx1"/>
+    </dgm:txFillClrLst>
+    <dgm:txEffectClrLst/>
+  </dgm:styleLbl>
+  <dgm:styleLbl name="parChTrans1D4">
+    <dgm:fillClrLst meth="repeat">
+      <a:schemeClr val="accent1"/>
+    </dgm:fillClrLst>
+    <dgm:linClrLst meth="repeat">
+      <a:schemeClr val="accent1">
+        <a:shade val="80000"/>
+      </a:schemeClr>
+    </dgm:linClrLst>
+    <dgm:effectClrLst/>
+    <dgm:txLinClrLst/>
+    <dgm:txFillClrLst meth="repeat">
+      <a:schemeClr val="tx1"/>
+    </dgm:txFillClrLst>
+    <dgm:txEffectClrLst/>
+  </dgm:styleLbl>
+  <dgm:styleLbl name="fgAcc1">
+    <dgm:fillClrLst meth="repeat">
+      <a:schemeClr val="lt1">
+        <a:alpha val="90000"/>
+      </a:schemeClr>
+    </dgm:fillClrLst>
+    <dgm:linClrLst meth="repeat">
+      <a:schemeClr val="accent1"/>
+    </dgm:linClrLst>
+    <dgm:effectClrLst/>
+    <dgm:txLinClrLst/>
+    <dgm:txFillClrLst meth="repeat">
+      <a:schemeClr val="dk1"/>
+    </dgm:txFillClrLst>
+    <dgm:txEffectClrLst/>
+  </dgm:styleLbl>
+  <dgm:styleLbl name="conFgAcc1">
+    <dgm:fillClrLst meth="repeat">
+      <a:schemeClr val="lt1">
+        <a:alpha val="90000"/>
+      </a:schemeClr>
+    </dgm:fillClrLst>
+    <dgm:linClrLst meth="repeat">
+      <a:schemeClr val="accent1"/>
+    </dgm:linClrLst>
+    <dgm:effectClrLst/>
+    <dgm:txLinClrLst/>
+    <dgm:txFillClrLst meth="repeat">
+      <a:schemeClr val="dk1"/>
+    </dgm:txFillClrLst>
+    <dgm:txEffectClrLst/>
+  </dgm:styleLbl>
+  <dgm:styleLbl name="alignAcc1">
+    <dgm:fillClrLst meth="repeat">
+      <a:schemeClr val="lt1">
+        <a:alpha val="90000"/>
+      </a:schemeClr>
+    </dgm:fillClrLst>
+    <dgm:linClrLst meth="repeat">
+      <a:schemeClr val="accent1"/>
+    </dgm:linClrLst>
+    <dgm:effectClrLst/>
+    <dgm:txLinClrLst/>
+    <dgm:txFillClrLst meth="repeat">
+      <a:schemeClr val="dk1"/>
+    </dgm:txFillClrLst>
+    <dgm:txEffectClrLst/>
+  </dgm:styleLbl>
+  <dgm:styleLbl name="trAlignAcc1">
+    <dgm:fillClrLst meth="repeat">
+      <a:schemeClr val="lt1">
+        <a:alpha val="40000"/>
+      </a:schemeClr>
+    </dgm:fillClrLst>
+    <dgm:linClrLst meth="repeat">
+      <a:schemeClr val="accent1"/>
+    </dgm:linClrLst>
+    <dgm:effectClrLst/>
+    <dgm:txLinClrLst/>
+    <dgm:txFillClrLst meth="repeat">
+      <a:schemeClr val="dk1"/>
+    </dgm:txFillClrLst>
+    <dgm:txEffectClrLst/>
+  </dgm:styleLbl>
+  <dgm:styleLbl name="bgAcc1">
+    <dgm:fillClrLst meth="repeat">
+      <a:schemeClr val="lt1">
+        <a:alpha val="90000"/>
+      </a:schemeClr>
+    </dgm:fillClrLst>
+    <dgm:linClrLst meth="repeat">
+      <a:schemeClr val="accent1"/>
+    </dgm:linClrLst>
+    <dgm:effectClrLst/>
+    <dgm:txLinClrLst/>
+    <dgm:txFillClrLst meth="repeat">
+      <a:schemeClr val="dk1"/>
+    </dgm:txFillClrLst>
+    <dgm:txEffectClrLst/>
+  </dgm:styleLbl>
+  <dgm:styleLbl name="solidFgAcc1">
+    <dgm:fillClrLst meth="repeat">
+      <a:schemeClr val="lt1"/>
+    </dgm:fillClrLst>
+    <dgm:linClrLst meth="repeat">
+      <a:schemeClr val="accent1"/>
+    </dgm:linClrLst>
+    <dgm:effectClrLst/>
+    <dgm:txLinClrLst/>
+    <dgm:txFillClrLst meth="repeat">
+      <a:schemeClr val="dk1"/>
+    </dgm:txFillClrLst>
+    <dgm:txEffectClrLst/>
+  </dgm:styleLbl>
+  <dgm:styleLbl name="solidAlignAcc1">
+    <dgm:fillClrLst meth="repeat">
+      <a:schemeClr val="lt1"/>
+    </dgm:fillClrLst>
+    <dgm:linClrLst meth="repeat">
+      <a:schemeClr val="accent1"/>
+    </dgm:linClrLst>
+    <dgm:effectClrLst/>
+    <dgm:txLinClrLst/>
+    <dgm:txFillClrLst meth="repeat">
+      <a:schemeClr val="dk1"/>
+    </dgm:txFillClrLst>
+    <dgm:txEffectClrLst/>
+  </dgm:styleLbl>
+  <dgm:styleLbl name="solidBgAcc1">
+    <dgm:fillClrLst meth="repeat">
+      <a:schemeClr val="lt1"/>
+    </dgm:fillClrLst>
+    <dgm:linClrLst meth="repeat">
+      <a:schemeClr val="accent1"/>
+    </dgm:linClrLst>
+    <dgm:effectClrLst/>
+    <dgm:txLinClrLst/>
+    <dgm:txFillClrLst meth="repeat">
+      <a:schemeClr val="dk1"/>
+    </dgm:txFillClrLst>
+    <dgm:txEffectClrLst/>
+  </dgm:styleLbl>
+  <dgm:styleLbl name="fgAccFollowNode1">
+    <dgm:fillClrLst meth="repeat">
+      <a:schemeClr val="accent1">
+        <a:alpha val="90000"/>
+        <a:tint val="40000"/>
+      </a:schemeClr>
+    </dgm:fillClrLst>
+    <dgm:linClrLst meth="repeat">
+      <a:schemeClr val="accent1">
+        <a:alpha val="90000"/>
+        <a:tint val="40000"/>
+      </a:schemeClr>
+    </dgm:linClrLst>
+    <dgm:effectClrLst/>
+    <dgm:txLinClrLst/>
+    <dgm:txFillClrLst meth="repeat">
+      <a:schemeClr val="dk1"/>
+    </dgm:txFillClrLst>
+    <dgm:txEffectClrLst/>
+  </dgm:styleLbl>
+  <dgm:styleLbl name="alignAccFollowNode1">
+    <dgm:fillClrLst meth="repeat">
+      <a:schemeClr val="accent1">
+        <a:alpha val="90000"/>
+        <a:tint val="40000"/>
+      </a:schemeClr>
+    </dgm:fillClrLst>
+    <dgm:linClrLst meth="repeat">
+      <a:schemeClr val="accent1">
+        <a:alpha val="90000"/>
+        <a:tint val="40000"/>
+      </a:schemeClr>
+    </dgm:linClrLst>
+    <dgm:effectClrLst/>
+    <dgm:txLinClrLst/>
+    <dgm:txFillClrLst meth="repeat">
+      <a:schemeClr val="dk1"/>
+    </dgm:txFillClrLst>
+    <dgm:txEffectClrLst/>
+  </dgm:styleLbl>
+  <dgm:styleLbl name="bgAccFollowNode1">
+    <dgm:fillClrLst meth="repeat">
+      <a:schemeClr val="accent1">
+        <a:alpha val="90000"/>
+        <a:tint val="40000"/>
+      </a:schemeClr>
+    </dgm:fillClrLst>
+    <dgm:linClrLst meth="repeat">
+      <a:schemeClr val="accent1">
+        <a:alpha val="90000"/>
+        <a:tint val="40000"/>
+      </a:schemeClr>
+    </dgm:linClrLst>
+    <dgm:effectClrLst/>
+    <dgm:txLinClrLst/>
+    <dgm:txFillClrLst meth="repeat">
+      <a:schemeClr val="dk1"/>
+    </dgm:txFillClrLst>
+    <dgm:txEffectClrLst/>
+  </dgm:styleLbl>
+  <dgm:styleLbl name="fgAcc0">
+    <dgm:fillClrLst meth="repeat">
+      <a:schemeClr val="lt1">
+        <a:alpha val="90000"/>
+      </a:schemeClr>
+    </dgm:fillClrLst>
+    <dgm:linClrLst meth="repeat">
+      <a:schemeClr val="accent1"/>
+    </dgm:linClrLst>
+    <dgm:effectClrLst/>
+    <dgm:txLinClrLst/>
+    <dgm:txFillClrLst meth="repeat">
+      <a:schemeClr val="dk1"/>
+    </dgm:txFillClrLst>
+    <dgm:txEffectClrLst/>
+  </dgm:styleLbl>
+  <dgm:styleLbl name="fgAcc2">
+    <dgm:fillClrLst meth="repeat">
+      <a:schemeClr val="lt1">
+        <a:alpha val="90000"/>
+      </a:schemeClr>
+    </dgm:fillClrLst>
+    <dgm:linClrLst meth="repeat">
+      <a:schemeClr val="accent1"/>
+    </dgm:linClrLst>
+    <dgm:effectClrLst/>
+    <dgm:txLinClrLst/>
+    <dgm:txFillClrLst meth="repeat">
+      <a:schemeClr val="dk1"/>
+    </dgm:txFillClrLst>
+    <dgm:txEffectClrLst/>
+  </dgm:styleLbl>
+  <dgm:styleLbl name="fgAcc3">
+    <dgm:fillClrLst meth="repeat">
+      <a:schemeClr val="lt1">
+        <a:alpha val="90000"/>
+      </a:schemeClr>
+    </dgm:fillClrLst>
+    <dgm:linClrLst meth="repeat">
+      <a:schemeClr val="accent1"/>
+    </dgm:linClrLst>
+    <dgm:effectClrLst/>
+    <dgm:txLinClrLst/>
+    <dgm:txFillClrLst meth="repeat">
+      <a:schemeClr val="dk1"/>
+    </dgm:txFillClrLst>
+    <dgm:txEffectClrLst/>
+  </dgm:styleLbl>
+  <dgm:styleLbl name="fgAcc4">
+    <dgm:fillClrLst meth="repeat">
+      <a:schemeClr val="lt1">
+        <a:alpha val="90000"/>
+      </a:schemeClr>
+    </dgm:fillClrLst>
+    <dgm:linClrLst meth="repeat">
+      <a:schemeClr val="accent1"/>
+    </dgm:linClrLst>
+    <dgm:effectClrLst/>
+    <dgm:txLinClrLst/>
+    <dgm:txFillClrLst meth="repeat">
+      <a:schemeClr val="dk1"/>
+    </dgm:txFillClrLst>
+    <dgm:txEffectClrLst/>
+  </dgm:styleLbl>
+  <dgm:styleLbl name="bgShp">
+    <dgm:fillClrLst meth="repeat">
+      <a:schemeClr val="accent1">
+        <a:tint val="40000"/>
+      </a:schemeClr>
+    </dgm:fillClrLst>
+    <dgm:linClrLst meth="repeat">
+      <a:schemeClr val="accent1"/>
+    </dgm:linClrLst>
+    <dgm:effectClrLst/>
+    <dgm:txLinClrLst/>
+    <dgm:txFillClrLst meth="repeat">
+      <a:schemeClr val="dk1"/>
+    </dgm:txFillClrLst>
+    <dgm:txEffectClrLst/>
+  </dgm:styleLbl>
+  <dgm:styleLbl name="dkBgShp">
+    <dgm:fillClrLst meth="repeat">
+      <a:schemeClr val="accent1">
+        <a:shade val="80000"/>
+      </a:schemeClr>
+    </dgm:fillClrLst>
+    <dgm:linClrLst meth="repeat">
+      <a:schemeClr val="accent1"/>
+    </dgm:linClrLst>
+    <dgm:effectClrLst/>
+    <dgm:txLinClrLst/>
+    <dgm:txFillClrLst meth="repeat">
+      <a:schemeClr val="lt1"/>
+    </dgm:txFillClrLst>
+    <dgm:txEffectClrLst/>
+  </dgm:styleLbl>
+  <dgm:styleLbl name="trBgShp">
+    <dgm:fillClrLst meth="repeat">
+      <a:schemeClr val="accent1">
+        <a:tint val="50000"/>
+        <a:alpha val="40000"/>
+      </a:schemeClr>
+    </dgm:fillClrLst>
+    <dgm:linClrLst meth="repeat">
+      <a:schemeClr val="accent1"/>
+    </dgm:linClrLst>
+    <dgm:effectClrLst/>
+    <dgm:txLinClrLst/>
+    <dgm:txFillClrLst meth="repeat">
+      <a:schemeClr val="lt1"/>
+    </dgm:txFillClrLst>
+    <dgm:txEffectClrLst/>
+  </dgm:styleLbl>
+  <dgm:styleLbl name="fgShp">
+    <dgm:fillClrLst meth="repeat">
+      <a:schemeClr val="accent1">
+        <a:tint val="60000"/>
+      </a:schemeClr>
+    </dgm:fillClrLst>
+    <dgm:linClrLst meth="repeat">
+      <a:schemeClr val="lt1"/>
+    </dgm:linClrLst>
+    <dgm:effectClrLst/>
+    <dgm:txLinClrLst/>
+    <dgm:txFillClrLst meth="repeat">
+      <a:schemeClr val="dk1"/>
+    </dgm:txFillClrLst>
+    <dgm:txEffectClrLst/>
+  </dgm:styleLbl>
+  <dgm:styleLbl name="revTx">
+    <dgm:fillClrLst meth="repeat">
+      <a:schemeClr val="lt1">
+        <a:alpha val="0"/>
+      </a:schemeClr>
+    </dgm:fillClrLst>
+    <dgm:linClrLst meth="repeat">
+      <a:schemeClr val="dk1">
+        <a:alpha val="0"/>
+      </a:schemeClr>
+    </dgm:linClrLst>
+    <dgm:effectClrLst/>
+    <dgm:txLinClrLst/>
+    <dgm:txFillClrLst meth="repeat">
+      <a:schemeClr val="tx1"/>
+    </dgm:txFillClrLst>
+    <dgm:txEffectClrLst/>
+  </dgm:styleLbl>
+</dgm:colorsDef>
+</file>
+
+<file path=ppt/diagrams/colors5.xml><?xml version="1.0" encoding="utf-8"?>
+<dgm:colorsDef xmlns:dgm="http://schemas.openxmlformats.org/drawingml/2006/diagram" xmlns:a="http://schemas.openxmlformats.org/drawingml/2006/main" uniqueId="urn:microsoft.com/office/officeart/2005/8/colors/accent1_2">
+  <dgm:title val=""/>
+  <dgm:desc val=""/>
+  <dgm:catLst>
+    <dgm:cat type="accent1" pri="11200"/>
+  </dgm:catLst>
+  <dgm:styleLbl name="node0">
+    <dgm:fillClrLst meth="repeat">
+      <a:schemeClr val="accent1"/>
+    </dgm:fillClrLst>
+    <dgm:linClrLst meth="repeat">
+      <a:schemeClr val="lt1"/>
+    </dgm:linClrLst>
+    <dgm:effectClrLst/>
+    <dgm:txLinClrLst/>
+    <dgm:txFillClrLst/>
+    <dgm:txEffectClrLst/>
+  </dgm:styleLbl>
+  <dgm:styleLbl name="alignNode1">
+    <dgm:fillClrLst meth="repeat">
+      <a:schemeClr val="accent1"/>
+    </dgm:fillClrLst>
+    <dgm:linClrLst meth="repeat">
+      <a:schemeClr val="accent1"/>
+    </dgm:linClrLst>
+    <dgm:effectClrLst/>
+    <dgm:txLinClrLst/>
+    <dgm:txFillClrLst/>
+    <dgm:txEffectClrLst/>
+  </dgm:styleLbl>
+  <dgm:styleLbl name="node1">
+    <dgm:fillClrLst meth="repeat">
+      <a:schemeClr val="accent1"/>
+    </dgm:fillClrLst>
+    <dgm:linClrLst meth="repeat">
+      <a:schemeClr val="lt1"/>
+    </dgm:linClrLst>
+    <dgm:effectClrLst/>
+    <dgm:txLinClrLst/>
+    <dgm:txFillClrLst/>
+    <dgm:txEffectClrLst/>
+  </dgm:styleLbl>
+  <dgm:styleLbl name="lnNode1">
+    <dgm:fillClrLst meth="repeat">
+      <a:schemeClr val="accent1"/>
+    </dgm:fillClrLst>
+    <dgm:linClrLst meth="repeat">
+      <a:schemeClr val="lt1"/>
+    </dgm:linClrLst>
+    <dgm:effectClrLst/>
+    <dgm:txLinClrLst/>
+    <dgm:txFillClrLst/>
+    <dgm:txEffectClrLst/>
+  </dgm:styleLbl>
+  <dgm:styleLbl name="vennNode1">
+    <dgm:fillClrLst meth="repeat">
+      <a:schemeClr val="accent1">
+        <a:alpha val="50000"/>
+      </a:schemeClr>
+    </dgm:fillClrLst>
+    <dgm:linClrLst meth="repeat">
+      <a:schemeClr val="lt1"/>
+    </dgm:linClrLst>
+    <dgm:effectClrLst/>
+    <dgm:txLinClrLst/>
+    <dgm:txFillClrLst/>
+    <dgm:txEffectClrLst/>
+  </dgm:styleLbl>
+  <dgm:styleLbl name="node2">
+    <dgm:fillClrLst meth="repeat">
+      <a:schemeClr val="accent1"/>
+    </dgm:fillClrLst>
+    <dgm:linClrLst meth="repeat">
+      <a:schemeClr val="lt1"/>
+    </dgm:linClrLst>
+    <dgm:effectClrLst/>
+    <dgm:txLinClrLst/>
+    <dgm:txFillClrLst/>
+    <dgm:txEffectClrLst/>
+  </dgm:styleLbl>
+  <dgm:styleLbl name="node3">
+    <dgm:fillClrLst meth="repeat">
+      <a:schemeClr val="accent1"/>
+    </dgm:fillClrLst>
+    <dgm:linClrLst meth="repeat">
+      <a:schemeClr val="lt1"/>
+    </dgm:linClrLst>
+    <dgm:effectClrLst/>
+    <dgm:txLinClrLst/>
+    <dgm:txFillClrLst/>
+    <dgm:txEffectClrLst/>
+  </dgm:styleLbl>
+  <dgm:styleLbl name="node4">
+    <dgm:fillClrLst meth="repeat">
+      <a:schemeClr val="accent1"/>
+    </dgm:fillClrLst>
+    <dgm:linClrLst meth="repeat">
+      <a:schemeClr val="lt1"/>
+    </dgm:linClrLst>
+    <dgm:effectClrLst/>
+    <dgm:txLinClrLst/>
+    <dgm:txFillClrLst/>
+    <dgm:txEffectClrLst/>
+  </dgm:styleLbl>
+  <dgm:styleLbl name="fgImgPlace1">
+    <dgm:fillClrLst meth="repeat">
+      <a:schemeClr val="accent1">
+        <a:tint val="50000"/>
+      </a:schemeClr>
+    </dgm:fillClrLst>
+    <dgm:linClrLst meth="repeat">
+      <a:schemeClr val="lt1"/>
+    </dgm:linClrLst>
+    <dgm:effectClrLst/>
+    <dgm:txLinClrLst/>
+    <dgm:txFillClrLst meth="repeat">
+      <a:schemeClr val="lt1"/>
+    </dgm:txFillClrLst>
+    <dgm:txEffectClrLst/>
+  </dgm:styleLbl>
+  <dgm:styleLbl name="alignImgPlace1">
+    <dgm:fillClrLst meth="repeat">
+      <a:schemeClr val="accent1">
+        <a:tint val="50000"/>
+      </a:schemeClr>
+    </dgm:fillClrLst>
+    <dgm:linClrLst meth="repeat">
+      <a:schemeClr val="lt1"/>
+    </dgm:linClrLst>
+    <dgm:effectClrLst/>
+    <dgm:txLinClrLst/>
+    <dgm:txFillClrLst meth="repeat">
+      <a:schemeClr val="lt1"/>
+    </dgm:txFillClrLst>
+    <dgm:txEffectClrLst/>
+  </dgm:styleLbl>
+  <dgm:styleLbl name="bgImgPlace1">
+    <dgm:fillClrLst meth="repeat">
+      <a:schemeClr val="accent1">
+        <a:tint val="50000"/>
+      </a:schemeClr>
+    </dgm:fillClrLst>
+    <dgm:linClrLst meth="repeat">
+      <a:schemeClr val="lt1"/>
+    </dgm:linClrLst>
+    <dgm:effectClrLst/>
+    <dgm:txLinClrLst/>
+    <dgm:txFillClrLst meth="repeat">
+      <a:schemeClr val="lt1"/>
+    </dgm:txFillClrLst>
+    <dgm:txEffectClrLst/>
+  </dgm:styleLbl>
+  <dgm:styleLbl name="sibTrans2D1">
+    <dgm:fillClrLst meth="repeat">
+      <a:schemeClr val="accent1">
+        <a:tint val="60000"/>
+      </a:schemeClr>
+    </dgm:fillClrLst>
+    <dgm:linClrLst meth="repeat">
+      <a:schemeClr val="accent1">
+        <a:tint val="60000"/>
+      </a:schemeClr>
+    </dgm:linClrLst>
+    <dgm:effectClrLst/>
+    <dgm:txLinClrLst/>
+    <dgm:txFillClrLst/>
+    <dgm:txEffectClrLst/>
+  </dgm:styleLbl>
+  <dgm:styleLbl name="fgSibTrans2D1">
+    <dgm:fillClrLst meth="repeat">
+      <a:schemeClr val="accent1">
+        <a:tint val="60000"/>
+      </a:schemeClr>
+    </dgm:fillClrLst>
+    <dgm:linClrLst meth="repeat">
+      <a:schemeClr val="accent1">
+        <a:tint val="60000"/>
+      </a:schemeClr>
+    </dgm:linClrLst>
+    <dgm:effectClrLst/>
+    <dgm:txLinClrLst/>
+    <dgm:txFillClrLst/>
+    <dgm:txEffectClrLst/>
+  </dgm:styleLbl>
+  <dgm:styleLbl name="bgSibTrans2D1">
+    <dgm:fillClrLst meth="repeat">
+      <a:schemeClr val="accent1">
+        <a:tint val="60000"/>
+      </a:schemeClr>
+    </dgm:fillClrLst>
+    <dgm:linClrLst meth="repeat">
+      <a:schemeClr val="accent1">
+        <a:tint val="60000"/>
+      </a:schemeClr>
+    </dgm:linClrLst>
+    <dgm:effectClrLst/>
+    <dgm:txLinClrLst/>
+    <dgm:txFillClrLst/>
+    <dgm:txEffectClrLst/>
+  </dgm:styleLbl>
+  <dgm:styleLbl name="sibTrans1D1">
+    <dgm:fillClrLst meth="repeat">
+      <a:schemeClr val="accent1"/>
+    </dgm:fillClrLst>
+    <dgm:linClrLst meth="repeat">
+      <a:schemeClr val="accent1"/>
+    </dgm:linClrLst>
+    <dgm:effectClrLst/>
+    <dgm:txLinClrLst/>
+    <dgm:txFillClrLst meth="repeat">
+      <a:schemeClr val="tx1"/>
+    </dgm:txFillClrLst>
+    <dgm:txEffectClrLst/>
+  </dgm:styleLbl>
+  <dgm:styleLbl name="callout">
+    <dgm:fillClrLst meth="repeat">
+      <a:schemeClr val="accent1"/>
+    </dgm:fillClrLst>
+    <dgm:linClrLst meth="repeat">
+      <a:schemeClr val="accent1">
+        <a:tint val="50000"/>
+      </a:schemeClr>
+    </dgm:linClrLst>
+    <dgm:effectClrLst/>
+    <dgm:txLinClrLst/>
+    <dgm:txFillClrLst meth="repeat">
+      <a:schemeClr val="tx1"/>
+    </dgm:txFillClrLst>
+    <dgm:txEffectClrLst/>
+  </dgm:styleLbl>
+  <dgm:styleLbl name="asst0">
+    <dgm:fillClrLst meth="repeat">
+      <a:schemeClr val="accent1"/>
+    </dgm:fillClrLst>
+    <dgm:linClrLst meth="repeat">
+      <a:schemeClr val="lt1"/>
+    </dgm:linClrLst>
+    <dgm:effectClrLst/>
+    <dgm:txLinClrLst/>
+    <dgm:txFillClrLst/>
+    <dgm:txEffectClrLst/>
+  </dgm:styleLbl>
+  <dgm:styleLbl name="asst1">
+    <dgm:fillClrLst meth="repeat">
+      <a:schemeClr val="accent1"/>
+    </dgm:fillClrLst>
+    <dgm:linClrLst meth="repeat">
+      <a:schemeClr val="lt1"/>
+    </dgm:linClrLst>
+    <dgm:effectClrLst/>
+    <dgm:txLinClrLst/>
+    <dgm:txFillClrLst/>
+    <dgm:txEffectClrLst/>
+  </dgm:styleLbl>
+  <dgm:styleLbl name="asst2">
+    <dgm:fillClrLst meth="repeat">
+      <a:schemeClr val="accent1"/>
+    </dgm:fillClrLst>
+    <dgm:linClrLst meth="repeat">
+      <a:schemeClr val="lt1"/>
+    </dgm:linClrLst>
+    <dgm:effectClrLst/>
+    <dgm:txLinClrLst/>
+    <dgm:txFillClrLst/>
+    <dgm:txEffectClrLst/>
+  </dgm:styleLbl>
+  <dgm:styleLbl name="asst3">
+    <dgm:fillClrLst meth="repeat">
+      <a:schemeClr val="accent1"/>
+    </dgm:fillClrLst>
+    <dgm:linClrLst meth="repeat">
+      <a:schemeClr val="lt1"/>
+    </dgm:linClrLst>
+    <dgm:effectClrLst/>
+    <dgm:txLinClrLst/>
+    <dgm:txFillClrLst/>
+    <dgm:txEffectClrLst/>
+  </dgm:styleLbl>
+  <dgm:styleLbl name="asst4">
+    <dgm:fillClrLst meth="repeat">
+      <a:schemeClr val="accent1"/>
+    </dgm:fillClrLst>
+    <dgm:linClrLst meth="repeat">
+      <a:schemeClr val="lt1"/>
+    </dgm:linClrLst>
+    <dgm:effectClrLst/>
+    <dgm:txLinClrLst/>
+    <dgm:txFillClrLst/>
+    <dgm:txEffectClrLst/>
+  </dgm:styleLbl>
+  <dgm:styleLbl name="parChTrans2D1">
+    <dgm:fillClrLst meth="repeat">
+      <a:schemeClr val="accent1">
+        <a:tint val="60000"/>
+      </a:schemeClr>
+    </dgm:fillClrLst>
+    <dgm:linClrLst meth="repeat">
+      <a:schemeClr val="accent1">
+        <a:tint val="60000"/>
+      </a:schemeClr>
+    </dgm:linClrLst>
+    <dgm:effectClrLst/>
+    <dgm:txLinClrLst/>
+    <dgm:txFillClrLst meth="repeat">
+      <a:schemeClr val="lt1"/>
+    </dgm:txFillClrLst>
+    <dgm:txEffectClrLst/>
+  </dgm:styleLbl>
+  <dgm:styleLbl name="parChTrans2D2">
+    <dgm:fillClrLst meth="repeat">
+      <a:schemeClr val="accent1"/>
+    </dgm:fillClrLst>
+    <dgm:linClrLst meth="repeat">
+      <a:schemeClr val="accent1"/>
+    </dgm:linClrLst>
+    <dgm:effectClrLst/>
+    <dgm:txLinClrLst/>
+    <dgm:txFillClrLst meth="repeat">
+      <a:schemeClr val="lt1"/>
+    </dgm:txFillClrLst>
+    <dgm:txEffectClrLst/>
+  </dgm:styleLbl>
+  <dgm:styleLbl name="parChTrans2D3">
+    <dgm:fillClrLst meth="repeat">
+      <a:schemeClr val="accent1"/>
+    </dgm:fillClrLst>
+    <dgm:linClrLst meth="repeat">
+      <a:schemeClr val="accent1"/>
+    </dgm:linClrLst>
+    <dgm:effectClrLst/>
+    <dgm:txLinClrLst/>
+    <dgm:txFillClrLst meth="repeat">
+      <a:schemeClr val="lt1"/>
+    </dgm:txFillClrLst>
+    <dgm:txEffectClrLst/>
+  </dgm:styleLbl>
+  <dgm:styleLbl name="parChTrans2D4">
+    <dgm:fillClrLst meth="repeat">
+      <a:schemeClr val="accent1"/>
+    </dgm:fillClrLst>
+    <dgm:linClrLst meth="repeat">
+      <a:schemeClr val="accent1"/>
+    </dgm:linClrLst>
+    <dgm:effectClrLst/>
+    <dgm:txLinClrLst/>
+    <dgm:txFillClrLst meth="repeat">
+      <a:schemeClr val="lt1"/>
+    </dgm:txFillClrLst>
+    <dgm:txEffectClrLst/>
+  </dgm:styleLbl>
+  <dgm:styleLbl name="parChTrans1D1">
+    <dgm:fillClrLst meth="repeat">
+      <a:schemeClr val="accent1"/>
+    </dgm:fillClrLst>
+    <dgm:linClrLst meth="repeat">
+      <a:schemeClr val="accent1">
+        <a:shade val="60000"/>
+      </a:schemeClr>
+    </dgm:linClrLst>
+    <dgm:effectClrLst/>
+    <dgm:txLinClrLst/>
+    <dgm:txFillClrLst meth="repeat">
+      <a:schemeClr val="tx1"/>
+    </dgm:txFillClrLst>
+    <dgm:txEffectClrLst/>
+  </dgm:styleLbl>
+  <dgm:styleLbl name="parChTrans1D2">
+    <dgm:fillClrLst meth="repeat">
+      <a:schemeClr val="accent1"/>
+    </dgm:fillClrLst>
+    <dgm:linClrLst meth="repeat">
+      <a:schemeClr val="accent1">
+        <a:shade val="60000"/>
+      </a:schemeClr>
+    </dgm:linClrLst>
+    <dgm:effectClrLst/>
+    <dgm:txLinClrLst/>
+    <dgm:txFillClrLst meth="repeat">
+      <a:schemeClr val="tx1"/>
+    </dgm:txFillClrLst>
+    <dgm:txEffectClrLst/>
+  </dgm:styleLbl>
+  <dgm:styleLbl name="parChTrans1D3">
+    <dgm:fillClrLst meth="repeat">
+      <a:schemeClr val="accent1"/>
+    </dgm:fillClrLst>
+    <dgm:linClrLst meth="repeat">
+      <a:schemeClr val="accent1">
+        <a:shade val="80000"/>
+      </a:schemeClr>
+    </dgm:linClrLst>
+    <dgm:effectClrLst/>
+    <dgm:txLinClrLst/>
+    <dgm:txFillClrLst meth="repeat">
+      <a:schemeClr val="tx1"/>
+    </dgm:txFillClrLst>
+    <dgm:txEffectClrLst/>
+  </dgm:styleLbl>
+  <dgm:styleLbl name="parChTrans1D4">
+    <dgm:fillClrLst meth="repeat">
+      <a:schemeClr val="accent1"/>
+    </dgm:fillClrLst>
+    <dgm:linClrLst meth="repeat">
+      <a:schemeClr val="accent1">
+        <a:shade val="80000"/>
+      </a:schemeClr>
+    </dgm:linClrLst>
+    <dgm:effectClrLst/>
+    <dgm:txLinClrLst/>
+    <dgm:txFillClrLst meth="repeat">
+      <a:schemeClr val="tx1"/>
+    </dgm:txFillClrLst>
+    <dgm:txEffectClrLst/>
+  </dgm:styleLbl>
+  <dgm:styleLbl name="fgAcc1">
+    <dgm:fillClrLst meth="repeat">
+      <a:schemeClr val="lt1">
+        <a:alpha val="90000"/>
+      </a:schemeClr>
+    </dgm:fillClrLst>
+    <dgm:linClrLst meth="repeat">
+      <a:schemeClr val="accent1"/>
+    </dgm:linClrLst>
+    <dgm:effectClrLst/>
+    <dgm:txLinClrLst/>
+    <dgm:txFillClrLst meth="repeat">
+      <a:schemeClr val="dk1"/>
+    </dgm:txFillClrLst>
+    <dgm:txEffectClrLst/>
+  </dgm:styleLbl>
+  <dgm:styleLbl name="conFgAcc1">
+    <dgm:fillClrLst meth="repeat">
+      <a:schemeClr val="lt1">
+        <a:alpha val="90000"/>
+      </a:schemeClr>
+    </dgm:fillClrLst>
+    <dgm:linClrLst meth="repeat">
+      <a:schemeClr val="accent1"/>
+    </dgm:linClrLst>
+    <dgm:effectClrLst/>
+    <dgm:txLinClrLst/>
+    <dgm:txFillClrLst meth="repeat">
+      <a:schemeClr val="dk1"/>
+    </dgm:txFillClrLst>
+    <dgm:txEffectClrLst/>
+  </dgm:styleLbl>
+  <dgm:styleLbl name="alignAcc1">
+    <dgm:fillClrLst meth="repeat">
+      <a:schemeClr val="lt1">
+        <a:alpha val="90000"/>
+      </a:schemeClr>
+    </dgm:fillClrLst>
+    <dgm:linClrLst meth="repeat">
+      <a:schemeClr val="accent1"/>
+    </dgm:linClrLst>
+    <dgm:effectClrLst/>
+    <dgm:txLinClrLst/>
+    <dgm:txFillClrLst meth="repeat">
+      <a:schemeClr val="dk1"/>
+    </dgm:txFillClrLst>
+    <dgm:txEffectClrLst/>
+  </dgm:styleLbl>
+  <dgm:styleLbl name="trAlignAcc1">
+    <dgm:fillClrLst meth="repeat">
+      <a:schemeClr val="lt1">
+        <a:alpha val="40000"/>
+      </a:schemeClr>
+    </dgm:fillClrLst>
+    <dgm:linClrLst meth="repeat">
+      <a:schemeClr val="accent1"/>
+    </dgm:linClrLst>
+    <dgm:effectClrLst/>
+    <dgm:txLinClrLst/>
+    <dgm:txFillClrLst meth="repeat">
+      <a:schemeClr val="dk1"/>
+    </dgm:txFillClrLst>
+    <dgm:txEffectClrLst/>
+  </dgm:styleLbl>
+  <dgm:styleLbl name="bgAcc1">
+    <dgm:fillClrLst meth="repeat">
+      <a:schemeClr val="lt1">
+        <a:alpha val="90000"/>
+      </a:schemeClr>
+    </dgm:fillClrLst>
+    <dgm:linClrLst meth="repeat">
+      <a:schemeClr val="accent1"/>
+    </dgm:linClrLst>
+    <dgm:effectClrLst/>
+    <dgm:txLinClrLst/>
+    <dgm:txFillClrLst meth="repeat">
+      <a:schemeClr val="dk1"/>
+    </dgm:txFillClrLst>
+    <dgm:txEffectClrLst/>
+  </dgm:styleLbl>
+  <dgm:styleLbl name="solidFgAcc1">
+    <dgm:fillClrLst meth="repeat">
+      <a:schemeClr val="lt1"/>
+    </dgm:fillClrLst>
+    <dgm:linClrLst meth="repeat">
+      <a:schemeClr val="accent1"/>
+    </dgm:linClrLst>
+    <dgm:effectClrLst/>
+    <dgm:txLinClrLst/>
+    <dgm:txFillClrLst meth="repeat">
+      <a:schemeClr val="dk1"/>
+    </dgm:txFillClrLst>
+    <dgm:txEffectClrLst/>
+  </dgm:styleLbl>
+  <dgm:styleLbl name="solidAlignAcc1">
+    <dgm:fillClrLst meth="repeat">
+      <a:schemeClr val="lt1"/>
+    </dgm:fillClrLst>
+    <dgm:linClrLst meth="repeat">
+      <a:schemeClr val="accent1"/>
+    </dgm:linClrLst>
+    <dgm:effectClrLst/>
+    <dgm:txLinClrLst/>
+    <dgm:txFillClrLst meth="repeat">
+      <a:schemeClr val="dk1"/>
+    </dgm:txFillClrLst>
+    <dgm:txEffectClrLst/>
+  </dgm:styleLbl>
+  <dgm:styleLbl name="solidBgAcc1">
+    <dgm:fillClrLst meth="repeat">
+      <a:schemeClr val="lt1"/>
+    </dgm:fillClrLst>
+    <dgm:linClrLst meth="repeat">
+      <a:schemeClr val="accent1"/>
+    </dgm:linClrLst>
+    <dgm:effectClrLst/>
+    <dgm:txLinClrLst/>
+    <dgm:txFillClrLst meth="repeat">
+      <a:schemeClr val="dk1"/>
+    </dgm:txFillClrLst>
+    <dgm:txEffectClrLst/>
+  </dgm:styleLbl>
+  <dgm:styleLbl name="fgAccFollowNode1">
+    <dgm:fillClrLst meth="repeat">
+      <a:schemeClr val="accent1">
+        <a:alpha val="90000"/>
+        <a:tint val="40000"/>
+      </a:schemeClr>
+    </dgm:fillClrLst>
+    <dgm:linClrLst meth="repeat">
+      <a:schemeClr val="accent1">
+        <a:alpha val="90000"/>
+        <a:tint val="40000"/>
+      </a:schemeClr>
+    </dgm:linClrLst>
+    <dgm:effectClrLst/>
+    <dgm:txLinClrLst/>
+    <dgm:txFillClrLst meth="repeat">
+      <a:schemeClr val="dk1"/>
+    </dgm:txFillClrLst>
+    <dgm:txEffectClrLst/>
+  </dgm:styleLbl>
+  <dgm:styleLbl name="alignAccFollowNode1">
+    <dgm:fillClrLst meth="repeat">
+      <a:schemeClr val="accent1">
+        <a:alpha val="90000"/>
+        <a:tint val="40000"/>
+      </a:schemeClr>
+    </dgm:fillClrLst>
+    <dgm:linClrLst meth="repeat">
+      <a:schemeClr val="accent1">
+        <a:alpha val="90000"/>
+        <a:tint val="40000"/>
+      </a:schemeClr>
+    </dgm:linClrLst>
+    <dgm:effectClrLst/>
+    <dgm:txLinClrLst/>
+    <dgm:txFillClrLst meth="repeat">
+      <a:schemeClr val="dk1"/>
+    </dgm:txFillClrLst>
+    <dgm:txEffectClrLst/>
+  </dgm:styleLbl>
+  <dgm:styleLbl name="bgAccFollowNode1">
+    <dgm:fillClrLst meth="repeat">
+      <a:schemeClr val="accent1">
+        <a:alpha val="90000"/>
+        <a:tint val="40000"/>
+      </a:schemeClr>
+    </dgm:fillClrLst>
+    <dgm:linClrLst meth="repeat">
+      <a:schemeClr val="accent1">
+        <a:alpha val="90000"/>
+        <a:tint val="40000"/>
+      </a:schemeClr>
+    </dgm:linClrLst>
+    <dgm:effectClrLst/>
+    <dgm:txLinClrLst/>
+    <dgm:txFillClrLst meth="repeat">
+      <a:schemeClr val="dk1"/>
+    </dgm:txFillClrLst>
+    <dgm:txEffectClrLst/>
+  </dgm:styleLbl>
+  <dgm:styleLbl name="fgAcc0">
+    <dgm:fillClrLst meth="repeat">
+      <a:schemeClr val="lt1">
+        <a:alpha val="90000"/>
+      </a:schemeClr>
+    </dgm:fillClrLst>
+    <dgm:linClrLst meth="repeat">
+      <a:schemeClr val="accent1"/>
+    </dgm:linClrLst>
+    <dgm:effectClrLst/>
+    <dgm:txLinClrLst/>
+    <dgm:txFillClrLst meth="repeat">
+      <a:schemeClr val="dk1"/>
+    </dgm:txFillClrLst>
+    <dgm:txEffectClrLst/>
+  </dgm:styleLbl>
+  <dgm:styleLbl name="fgAcc2">
+    <dgm:fillClrLst meth="repeat">
+      <a:schemeClr val="lt1">
+        <a:alpha val="90000"/>
+      </a:schemeClr>
+    </dgm:fillClrLst>
+    <dgm:linClrLst meth="repeat">
+      <a:schemeClr val="accent1"/>
+    </dgm:linClrLst>
+    <dgm:effectClrLst/>
+    <dgm:txLinClrLst/>
+    <dgm:txFillClrLst meth="repeat">
+      <a:schemeClr val="dk1"/>
+    </dgm:txFillClrLst>
+    <dgm:txEffectClrLst/>
+  </dgm:styleLbl>
+  <dgm:styleLbl name="fgAcc3">
+    <dgm:fillClrLst meth="repeat">
+      <a:schemeClr val="lt1">
+        <a:alpha val="90000"/>
+      </a:schemeClr>
+    </dgm:fillClrLst>
+    <dgm:linClrLst meth="repeat">
+      <a:schemeClr val="accent1"/>
+    </dgm:linClrLst>
+    <dgm:effectClrLst/>
+    <dgm:txLinClrLst/>
+    <dgm:txFillClrLst meth="repeat">
+      <a:schemeClr val="dk1"/>
+    </dgm:txFillClrLst>
+    <dgm:txEffectClrLst/>
+  </dgm:styleLbl>
+  <dgm:styleLbl name="fgAcc4">
+    <dgm:fillClrLst meth="repeat">
+      <a:schemeClr val="lt1">
+        <a:alpha val="90000"/>
+      </a:schemeClr>
+    </dgm:fillClrLst>
+    <dgm:linClrLst meth="repeat">
+      <a:schemeClr val="accent1"/>
+    </dgm:linClrLst>
+    <dgm:effectClrLst/>
+    <dgm:txLinClrLst/>
+    <dgm:txFillClrLst meth="repeat">
+      <a:schemeClr val="dk1"/>
+    </dgm:txFillClrLst>
+    <dgm:txEffectClrLst/>
+  </dgm:styleLbl>
+  <dgm:styleLbl name="bgShp">
+    <dgm:fillClrLst meth="repeat">
+      <a:schemeClr val="accent1">
+        <a:tint val="40000"/>
+      </a:schemeClr>
+    </dgm:fillClrLst>
+    <dgm:linClrLst meth="repeat">
+      <a:schemeClr val="accent1"/>
+    </dgm:linClrLst>
+    <dgm:effectClrLst/>
+    <dgm:txLinClrLst/>
+    <dgm:txFillClrLst meth="repeat">
+      <a:schemeClr val="dk1"/>
+    </dgm:txFillClrLst>
+    <dgm:txEffectClrLst/>
+  </dgm:styleLbl>
+  <dgm:styleLbl name="dkBgShp">
+    <dgm:fillClrLst meth="repeat">
+      <a:schemeClr val="accent1">
+        <a:shade val="80000"/>
+      </a:schemeClr>
+    </dgm:fillClrLst>
+    <dgm:linClrLst meth="repeat">
+      <a:schemeClr val="accent1"/>
+    </dgm:linClrLst>
+    <dgm:effectClrLst/>
+    <dgm:txLinClrLst/>
+    <dgm:txFillClrLst meth="repeat">
+      <a:schemeClr val="lt1"/>
+    </dgm:txFillClrLst>
+    <dgm:txEffectClrLst/>
+  </dgm:styleLbl>
+  <dgm:styleLbl name="trBgShp">
+    <dgm:fillClrLst meth="repeat">
+      <a:schemeClr val="accent1">
+        <a:tint val="50000"/>
+        <a:alpha val="40000"/>
+      </a:schemeClr>
+    </dgm:fillClrLst>
+    <dgm:linClrLst meth="repeat">
+      <a:schemeClr val="accent1"/>
+    </dgm:linClrLst>
+    <dgm:effectClrLst/>
+    <dgm:txLinClrLst/>
+    <dgm:txFillClrLst meth="repeat">
+      <a:schemeClr val="lt1"/>
+    </dgm:txFillClrLst>
+    <dgm:txEffectClrLst/>
+  </dgm:styleLbl>
+  <dgm:styleLbl name="fgShp">
+    <dgm:fillClrLst meth="repeat">
+      <a:schemeClr val="accent1">
+        <a:tint val="60000"/>
+      </a:schemeClr>
+    </dgm:fillClrLst>
+    <dgm:linClrLst meth="repeat">
+      <a:schemeClr val="lt1"/>
+    </dgm:linClrLst>
+    <dgm:effectClrLst/>
+    <dgm:txLinClrLst/>
+    <dgm:txFillClrLst meth="repeat">
+      <a:schemeClr val="dk1"/>
+    </dgm:txFillClrLst>
+    <dgm:txEffectClrLst/>
+  </dgm:styleLbl>
+  <dgm:styleLbl name="revTx">
+    <dgm:fillClrLst meth="repeat">
+      <a:schemeClr val="lt1">
+        <a:alpha val="0"/>
+      </a:schemeClr>
+    </dgm:fillClrLst>
+    <dgm:linClrLst meth="repeat">
+      <a:schemeClr val="dk1">
+        <a:alpha val="0"/>
+      </a:schemeClr>
+    </dgm:linClrLst>
+    <dgm:effectClrLst/>
+    <dgm:txLinClrLst/>
+    <dgm:txFillClrLst meth="repeat">
+      <a:schemeClr val="tx1"/>
+    </dgm:txFillClrLst>
+    <dgm:txEffectClrLst/>
+  </dgm:styleLbl>
+</dgm:colorsDef>
+</file>
+
+<file path=ppt/diagrams/colors6.xml><?xml version="1.0" encoding="utf-8"?>
 <dgm:colorsDef xmlns:dgm="http://schemas.openxmlformats.org/drawingml/2006/diagram" xmlns:a="http://schemas.openxmlformats.org/drawingml/2006/main" uniqueId="urn:microsoft.com/office/officeart/2005/8/colors/accent1_2">
   <dgm:title val=""/>
   <dgm:desc val=""/>
@@ -2923,7 +5164,7 @@
         <a:lstStyle/>
         <a:p>
           <a:r>
-            <a:rPr lang="en-US" sz="1500" dirty="0"/>
+            <a:rPr lang="en-US" sz="1600" dirty="0"/>
             <a:t>Each small rectangle represent a hidden state, implemented with a LSTM cell. </a:t>
           </a:r>
         </a:p>
@@ -2936,7 +5177,7 @@
         <a:bodyPr/>
         <a:lstStyle/>
         <a:p>
-          <a:endParaRPr lang="en-US" sz="1500"/>
+          <a:endParaRPr lang="en-US" sz="1600"/>
         </a:p>
       </dgm:t>
     </dgm:pt>
@@ -2947,7 +5188,7 @@
         <a:bodyPr/>
         <a:lstStyle/>
         <a:p>
-          <a:endParaRPr lang="en-US" sz="1500"/>
+          <a:endParaRPr lang="en-US" sz="1600"/>
         </a:p>
       </dgm:t>
     </dgm:pt>
@@ -2959,7 +5200,7 @@
         <a:lstStyle/>
         <a:p>
           <a:r>
-            <a:rPr lang="en-US" sz="1500" dirty="0"/>
+            <a:rPr lang="en-US" sz="1600" dirty="0"/>
             <a:t>Each English Instruction (input sequence) and each Unix command (output/target sequence) need to be encoded into a sequence of integers.</a:t>
           </a:r>
         </a:p>
@@ -2972,7 +5213,7 @@
         <a:bodyPr/>
         <a:lstStyle/>
         <a:p>
-          <a:endParaRPr lang="en-US" sz="1500"/>
+          <a:endParaRPr lang="en-US" sz="1600"/>
         </a:p>
       </dgm:t>
     </dgm:pt>
@@ -2983,7 +5224,7 @@
         <a:bodyPr/>
         <a:lstStyle/>
         <a:p>
-          <a:endParaRPr lang="en-US" sz="1500"/>
+          <a:endParaRPr lang="en-US" sz="1600"/>
         </a:p>
       </dgm:t>
     </dgm:pt>
@@ -2995,7 +5236,7 @@
         <a:lstStyle/>
         <a:p>
           <a:r>
-            <a:rPr lang="en-US" sz="1500" dirty="0"/>
+            <a:rPr lang="en-US" sz="1600" dirty="0"/>
             <a:t>A special integer ARG_ID is reserved to denote the “argument” in the instructions (see “Argument Detection” in the “Key improvements” section)</a:t>
           </a:r>
         </a:p>
@@ -3008,7 +5249,7 @@
         <a:bodyPr/>
         <a:lstStyle/>
         <a:p>
-          <a:endParaRPr lang="en-US" sz="1500"/>
+          <a:endParaRPr lang="en-US" sz="1600"/>
         </a:p>
       </dgm:t>
     </dgm:pt>
@@ -3019,7 +5260,7 @@
         <a:bodyPr/>
         <a:lstStyle/>
         <a:p>
-          <a:endParaRPr lang="en-US" sz="1500"/>
+          <a:endParaRPr lang="en-US" sz="1600"/>
         </a:p>
       </dgm:t>
     </dgm:pt>
@@ -3031,24 +5272,8 @@
         <a:lstStyle/>
         <a:p>
           <a:r>
-            <a:rPr lang="en-US" sz="1500" dirty="0"/>
-            <a:t>Since usually we need one RNN model for every pair of (</a:t>
-          </a:r>
-          <a:r>
-            <a:rPr lang="en-US" sz="1500" dirty="0" err="1"/>
-            <a:t>instruction_length</a:t>
-          </a:r>
-          <a:r>
-            <a:rPr lang="en-US" sz="1500" dirty="0"/>
-            <a:t>, </a:t>
-          </a:r>
-          <a:r>
-            <a:rPr lang="en-US" sz="1500" dirty="0" err="1"/>
-            <a:t>command_length</a:t>
-          </a:r>
-          <a:r>
-            <a:rPr lang="en-US" sz="1500" dirty="0"/>
-            <a:t>), both input sequences and output sequences are padded, with special character ‘PAD’, to length 50, so only 1 model is needed to handle the (50, 50) case.</a:t>
+            <a:rPr lang="en-US" sz="1600" dirty="0"/>
+            <a:t>Since usually we need one RNN model for every pair of (input length, output length), both input sequences and output sequences are padded, with special character ‘PAD’, to length 50, so only 1 model is needed to handle the (50, 50) case.</a:t>
           </a:r>
         </a:p>
       </dgm:t>
@@ -3060,7 +5285,7 @@
         <a:bodyPr/>
         <a:lstStyle/>
         <a:p>
-          <a:endParaRPr lang="en-US" sz="1500"/>
+          <a:endParaRPr lang="en-US" sz="1600"/>
         </a:p>
       </dgm:t>
     </dgm:pt>
@@ -3071,7 +5296,7 @@
         <a:bodyPr/>
         <a:lstStyle/>
         <a:p>
-          <a:endParaRPr lang="en-US" sz="1500"/>
+          <a:endParaRPr lang="en-US" sz="1600"/>
         </a:p>
       </dgm:t>
     </dgm:pt>
@@ -3083,7 +5308,7 @@
         <a:lstStyle/>
         <a:p>
           <a:r>
-            <a:rPr lang="en-US" sz="1500" dirty="0"/>
+            <a:rPr lang="en-US" sz="1600" dirty="0"/>
             <a:t>The RNN is bi-directional, though not shown on above graph</a:t>
           </a:r>
         </a:p>
@@ -3096,7 +5321,7 @@
         <a:bodyPr/>
         <a:lstStyle/>
         <a:p>
-          <a:endParaRPr lang="en-US" sz="1500"/>
+          <a:endParaRPr lang="en-US" sz="1600"/>
         </a:p>
       </dgm:t>
     </dgm:pt>
@@ -3107,7 +5332,7 @@
         <a:bodyPr/>
         <a:lstStyle/>
         <a:p>
-          <a:endParaRPr lang="en-US" sz="1500"/>
+          <a:endParaRPr lang="en-US" sz="1600"/>
         </a:p>
       </dgm:t>
     </dgm:pt>
@@ -3119,7 +5344,7 @@
         <a:lstStyle/>
         <a:p>
           <a:r>
-            <a:rPr lang="en-US" sz="1500" dirty="0"/>
+            <a:rPr lang="en-US" sz="1600" dirty="0"/>
             <a:t>&lt;go&gt; represents a special end-of-line character, signaling the end of this input sequence, and the decoder part of the RNN will begin</a:t>
           </a:r>
         </a:p>
@@ -3132,7 +5357,7 @@
         <a:bodyPr/>
         <a:lstStyle/>
         <a:p>
-          <a:endParaRPr lang="en-US" sz="1500"/>
+          <a:endParaRPr lang="en-US" sz="1600"/>
         </a:p>
       </dgm:t>
     </dgm:pt>
@@ -3143,7 +5368,7 @@
         <a:bodyPr/>
         <a:lstStyle/>
         <a:p>
-          <a:endParaRPr lang="en-US" sz="1500"/>
+          <a:endParaRPr lang="en-US" sz="1600"/>
         </a:p>
       </dgm:t>
     </dgm:pt>
@@ -3155,7 +5380,7 @@
         <a:lstStyle/>
         <a:p>
           <a:r>
-            <a:rPr lang="en-US" sz="1500" dirty="0"/>
+            <a:rPr lang="en-US" sz="1600" dirty="0"/>
             <a:t>For each of encoder and decoder, the weights on the edge between any time t-1 and t is the same, by the definition of RNN</a:t>
           </a:r>
         </a:p>
@@ -3168,7 +5393,7 @@
         <a:bodyPr/>
         <a:lstStyle/>
         <a:p>
-          <a:endParaRPr lang="en-US" sz="1500"/>
+          <a:endParaRPr lang="en-US" sz="1600"/>
         </a:p>
       </dgm:t>
     </dgm:pt>
@@ -3179,7 +5404,7 @@
         <a:bodyPr/>
         <a:lstStyle/>
         <a:p>
-          <a:endParaRPr lang="en-US" sz="1500"/>
+          <a:endParaRPr lang="en-US" sz="1600"/>
         </a:p>
       </dgm:t>
     </dgm:pt>
@@ -3191,7 +5416,7 @@
         <a:lstStyle/>
         <a:p>
           <a:r>
-            <a:rPr lang="en-US" sz="1500" dirty="0"/>
+            <a:rPr lang="en-US" sz="1600" dirty="0"/>
             <a:t>The encoder portion and decoder portion do not share weights</a:t>
           </a:r>
         </a:p>
@@ -3204,7 +5429,7 @@
         <a:bodyPr/>
         <a:lstStyle/>
         <a:p>
-          <a:endParaRPr lang="en-US" sz="1500"/>
+          <a:endParaRPr lang="en-US" sz="1600"/>
         </a:p>
       </dgm:t>
     </dgm:pt>
@@ -3215,7 +5440,7 @@
         <a:bodyPr/>
         <a:lstStyle/>
         <a:p>
-          <a:endParaRPr lang="en-US" sz="1500"/>
+          <a:endParaRPr lang="en-US" sz="1600"/>
         </a:p>
       </dgm:t>
     </dgm:pt>
@@ -3286,7 +5511,7 @@
       <dgm:spPr/>
     </dgm:pt>
     <dgm:pt modelId="{A72436F6-3ADD-4703-90F8-DA7F03030E17}" type="pres">
-      <dgm:prSet presAssocID="{58FC0365-3B30-4E74-A423-F1FDCD0CA822}" presName="tx1" presStyleLbl="revTx" presStyleIdx="3" presStyleCnt="8" custScaleY="236929"/>
+      <dgm:prSet presAssocID="{58FC0365-3B30-4E74-A423-F1FDCD0CA822}" presName="tx1" presStyleLbl="revTx" presStyleIdx="3" presStyleCnt="8" custScaleY="190037"/>
       <dgm:spPr/>
     </dgm:pt>
     <dgm:pt modelId="{C721B44A-9887-4F6D-8B2F-22AFA09B0F47}" type="pres">
@@ -3413,7 +5638,7 @@
   <dgm:whole/>
   <dgm:extLst>
     <a:ext uri="http://schemas.microsoft.com/office/drawing/2008/diagram">
-      <dsp:dataModelExt xmlns:dsp="http://schemas.microsoft.com/office/drawing/2008/diagram" relId="rId13" minVer="http://schemas.openxmlformats.org/drawingml/2006/diagram"/>
+      <dsp:dataModelExt xmlns:dsp="http://schemas.microsoft.com/office/drawing/2008/diagram" relId="rId16" minVer="http://schemas.openxmlformats.org/drawingml/2006/diagram"/>
     </a:ext>
   </dgm:extLst>
 </dgm:dataModel>
@@ -3470,14 +5695,14 @@
       </dgm:t>
     </dgm:pt>
     <dgm:pt modelId="{479B8324-0F6D-447A-8885-DD9AECADE26E}">
-      <dgm:prSet phldrT="[Text]"/>
+      <dgm:prSet phldrT="[Text]" custT="1"/>
       <dgm:spPr/>
       <dgm:t>
         <a:bodyPr/>
         <a:lstStyle/>
         <a:p>
           <a:r>
-            <a:rPr lang="en-US" dirty="0"/>
+            <a:rPr lang="en-US" sz="2000" dirty="0"/>
             <a:t>0.5</a:t>
           </a:r>
         </a:p>
@@ -3542,14 +5767,14 @@
       </dgm:t>
     </dgm:pt>
     <dgm:pt modelId="{9A10B435-16A7-4A99-87FF-54C67F13B1B9}">
-      <dgm:prSet phldrT="[Text]"/>
+      <dgm:prSet phldrT="[Text]" custT="1"/>
       <dgm:spPr/>
       <dgm:t>
         <a:bodyPr/>
         <a:lstStyle/>
         <a:p>
           <a:r>
-            <a:rPr lang="en-US" dirty="0"/>
+            <a:rPr lang="en-US" sz="2000" dirty="0"/>
             <a:t>0.99</a:t>
           </a:r>
         </a:p>
@@ -3614,14 +5839,14 @@
       </dgm:t>
     </dgm:pt>
     <dgm:pt modelId="{6259C2BC-E40C-4807-BFF1-FD301B922AA1}">
-      <dgm:prSet phldrT="[Text]"/>
+      <dgm:prSet phldrT="[Text]" custT="1"/>
       <dgm:spPr/>
       <dgm:t>
         <a:bodyPr/>
         <a:lstStyle/>
         <a:p>
           <a:r>
-            <a:rPr lang="en-US" dirty="0"/>
+            <a:rPr lang="en-US" sz="2000" dirty="0"/>
             <a:t>128</a:t>
           </a:r>
         </a:p>
@@ -3686,14 +5911,14 @@
       </dgm:t>
     </dgm:pt>
     <dgm:pt modelId="{F0373064-4ED8-4557-8EE8-FED1DA6BF6DA}">
-      <dgm:prSet phldrT="[Text]"/>
+      <dgm:prSet phldrT="[Text]" custT="1"/>
       <dgm:spPr/>
       <dgm:t>
         <a:bodyPr/>
         <a:lstStyle/>
         <a:p>
           <a:r>
-            <a:rPr lang="en-US" dirty="0"/>
+            <a:rPr lang="en-US" sz="2000" dirty="0"/>
             <a:t>2</a:t>
           </a:r>
         </a:p>
@@ -3758,14 +5983,14 @@
       </dgm:t>
     </dgm:pt>
     <dgm:pt modelId="{1DDA0409-17F2-41BC-87F8-F563DA28D453}">
-      <dgm:prSet phldrT="[Text]"/>
+      <dgm:prSet phldrT="[Text]" custT="1"/>
       <dgm:spPr/>
       <dgm:t>
         <a:bodyPr/>
         <a:lstStyle/>
         <a:p>
           <a:r>
-            <a:rPr lang="en-US" dirty="0"/>
+            <a:rPr lang="en-US" sz="2000" dirty="0"/>
             <a:t>16</a:t>
           </a:r>
         </a:p>
@@ -3830,14 +6055,14 @@
       </dgm:t>
     </dgm:pt>
     <dgm:pt modelId="{F1D776DE-E951-41B9-B122-118064950EAA}">
-      <dgm:prSet phldrT="[Text]"/>
+      <dgm:prSet phldrT="[Text]" custT="1"/>
       <dgm:spPr/>
       <dgm:t>
         <a:bodyPr/>
         <a:lstStyle/>
         <a:p>
           <a:r>
-            <a:rPr lang="en-US" dirty="0"/>
+            <a:rPr lang="en-US" sz="2000" dirty="0"/>
             <a:t>5.0</a:t>
           </a:r>
         </a:p>
@@ -4082,7 +6307,270 @@
   <dgm:whole/>
   <dgm:extLst>
     <a:ext uri="http://schemas.microsoft.com/office/drawing/2008/diagram">
-      <dsp:dataModelExt xmlns:dsp="http://schemas.microsoft.com/office/drawing/2008/diagram" relId="rId18" minVer="http://schemas.openxmlformats.org/drawingml/2006/diagram"/>
+      <dsp:dataModelExt xmlns:dsp="http://schemas.microsoft.com/office/drawing/2008/diagram" relId="rId21" minVer="http://schemas.openxmlformats.org/drawingml/2006/diagram"/>
+    </a:ext>
+  </dgm:extLst>
+</dgm:dataModel>
+</file>
+
+<file path=ppt/diagrams/data4.xml><?xml version="1.0" encoding="utf-8"?>
+<dgm:dataModel xmlns:dgm="http://schemas.openxmlformats.org/drawingml/2006/diagram" xmlns:a="http://schemas.openxmlformats.org/drawingml/2006/main">
+  <dgm:ptLst>
+    <dgm:pt modelId="{48372200-5A46-4613-B914-519B1BCCA926}" type="doc">
+      <dgm:prSet loTypeId="urn:microsoft.com/office/officeart/2005/8/layout/vList2" loCatId="list" qsTypeId="urn:microsoft.com/office/officeart/2005/8/quickstyle/simple1" qsCatId="simple" csTypeId="urn:microsoft.com/office/officeart/2005/8/colors/accent1_2" csCatId="accent1"/>
+      <dgm:spPr/>
+      <dgm:t>
+        <a:bodyPr/>
+        <a:lstStyle/>
+        <a:p>
+          <a:endParaRPr lang="en-US"/>
+        </a:p>
+      </dgm:t>
+    </dgm:pt>
+    <dgm:pt modelId="{5425DF2A-55E5-4EEC-97B8-E1DB29C58C82}">
+      <dgm:prSet/>
+      <dgm:spPr/>
+      <dgm:t>
+        <a:bodyPr/>
+        <a:lstStyle/>
+        <a:p>
+          <a:r>
+            <a:rPr lang="en-US" dirty="0"/>
+            <a:t>The sampled </a:t>
+          </a:r>
+          <a:r>
+            <a:rPr lang="en-US" dirty="0" err="1"/>
+            <a:t>softmax</a:t>
+          </a:r>
+          <a:r>
+            <a:rPr lang="en-US" dirty="0"/>
+            <a:t> loss should serve as a good general indicator of how the model is performing as it approximates how many parts/tokens of a translated command matches with the target command</a:t>
+          </a:r>
+        </a:p>
+      </dgm:t>
+    </dgm:pt>
+    <dgm:pt modelId="{B7D137C6-1D11-4025-9E0D-637D774639E0}" type="parTrans" cxnId="{268EB6E4-55AD-4822-89E8-1A9542B2ABEF}">
+      <dgm:prSet/>
+      <dgm:spPr/>
+      <dgm:t>
+        <a:bodyPr/>
+        <a:lstStyle/>
+        <a:p>
+          <a:endParaRPr lang="en-US"/>
+        </a:p>
+      </dgm:t>
+    </dgm:pt>
+    <dgm:pt modelId="{69F13960-CFA6-47BA-9109-3F1FDD1B6A37}" type="sibTrans" cxnId="{268EB6E4-55AD-4822-89E8-1A9542B2ABEF}">
+      <dgm:prSet/>
+      <dgm:spPr/>
+      <dgm:t>
+        <a:bodyPr/>
+        <a:lstStyle/>
+        <a:p>
+          <a:endParaRPr lang="en-US"/>
+        </a:p>
+      </dgm:t>
+    </dgm:pt>
+    <dgm:pt modelId="{8371E80F-BDC5-404F-8B98-1226E8918A24}" type="pres">
+      <dgm:prSet presAssocID="{48372200-5A46-4613-B914-519B1BCCA926}" presName="linear" presStyleCnt="0">
+        <dgm:presLayoutVars>
+          <dgm:animLvl val="lvl"/>
+          <dgm:resizeHandles val="exact"/>
+        </dgm:presLayoutVars>
+      </dgm:prSet>
+      <dgm:spPr/>
+    </dgm:pt>
+    <dgm:pt modelId="{59516624-3E09-4384-890B-C70EBD81BFE0}" type="pres">
+      <dgm:prSet presAssocID="{5425DF2A-55E5-4EEC-97B8-E1DB29C58C82}" presName="parentText" presStyleLbl="node1" presStyleIdx="0" presStyleCnt="1">
+        <dgm:presLayoutVars>
+          <dgm:chMax val="0"/>
+          <dgm:bulletEnabled val="1"/>
+        </dgm:presLayoutVars>
+      </dgm:prSet>
+      <dgm:spPr/>
+    </dgm:pt>
+  </dgm:ptLst>
+  <dgm:cxnLst>
+    <dgm:cxn modelId="{A891A21A-BED1-4EC8-B955-BA5E9E322F88}" type="presOf" srcId="{48372200-5A46-4613-B914-519B1BCCA926}" destId="{8371E80F-BDC5-404F-8B98-1226E8918A24}" srcOrd="0" destOrd="0" presId="urn:microsoft.com/office/officeart/2005/8/layout/vList2"/>
+    <dgm:cxn modelId="{6F913651-3B1E-4E7D-AFFD-5E4779083A40}" type="presOf" srcId="{5425DF2A-55E5-4EEC-97B8-E1DB29C58C82}" destId="{59516624-3E09-4384-890B-C70EBD81BFE0}" srcOrd="0" destOrd="0" presId="urn:microsoft.com/office/officeart/2005/8/layout/vList2"/>
+    <dgm:cxn modelId="{268EB6E4-55AD-4822-89E8-1A9542B2ABEF}" srcId="{48372200-5A46-4613-B914-519B1BCCA926}" destId="{5425DF2A-55E5-4EEC-97B8-E1DB29C58C82}" srcOrd="0" destOrd="0" parTransId="{B7D137C6-1D11-4025-9E0D-637D774639E0}" sibTransId="{69F13960-CFA6-47BA-9109-3F1FDD1B6A37}"/>
+    <dgm:cxn modelId="{585A88CB-4D41-42C8-B009-1FCBAB81772D}" type="presParOf" srcId="{8371E80F-BDC5-404F-8B98-1226E8918A24}" destId="{59516624-3E09-4384-890B-C70EBD81BFE0}" srcOrd="0" destOrd="0" presId="urn:microsoft.com/office/officeart/2005/8/layout/vList2"/>
+  </dgm:cxnLst>
+  <dgm:bg/>
+  <dgm:whole/>
+  <dgm:extLst>
+    <a:ext uri="http://schemas.microsoft.com/office/drawing/2008/diagram">
+      <dsp:dataModelExt xmlns:dsp="http://schemas.microsoft.com/office/drawing/2008/diagram" relId="rId26" minVer="http://schemas.openxmlformats.org/drawingml/2006/diagram"/>
+    </a:ext>
+  </dgm:extLst>
+</dgm:dataModel>
+</file>
+
+<file path=ppt/diagrams/data5.xml><?xml version="1.0" encoding="utf-8"?>
+<dgm:dataModel xmlns:dgm="http://schemas.openxmlformats.org/drawingml/2006/diagram" xmlns:a="http://schemas.openxmlformats.org/drawingml/2006/main">
+  <dgm:ptLst>
+    <dgm:pt modelId="{180598E7-0A85-4B05-ACD4-E123FAC63721}" type="doc">
+      <dgm:prSet loTypeId="urn:microsoft.com/office/officeart/2005/8/layout/vList2" loCatId="list" qsTypeId="urn:microsoft.com/office/officeart/2005/8/quickstyle/simple1" qsCatId="simple" csTypeId="urn:microsoft.com/office/officeart/2005/8/colors/accent1_2" csCatId="accent1" phldr="1"/>
+      <dgm:spPr/>
+      <dgm:t>
+        <a:bodyPr/>
+        <a:lstStyle/>
+        <a:p>
+          <a:endParaRPr lang="en-US"/>
+        </a:p>
+      </dgm:t>
+    </dgm:pt>
+    <dgm:pt modelId="{4DBFAC02-F1FB-43B2-90F9-E1E34179E645}">
+      <dgm:prSet/>
+      <dgm:spPr/>
+      <dgm:t>
+        <a:bodyPr/>
+        <a:lstStyle/>
+        <a:p>
+          <a:r>
+            <a:rPr lang="en-US" dirty="0"/>
+            <a:t>Our implementation</a:t>
+          </a:r>
+        </a:p>
+      </dgm:t>
+    </dgm:pt>
+    <dgm:pt modelId="{4CDA35AA-850A-4F77-992D-F49555D3B27E}" type="parTrans" cxnId="{FAB2595F-DFB0-4134-804F-051AFD24C459}">
+      <dgm:prSet/>
+      <dgm:spPr/>
+      <dgm:t>
+        <a:bodyPr/>
+        <a:lstStyle/>
+        <a:p>
+          <a:endParaRPr lang="en-US"/>
+        </a:p>
+      </dgm:t>
+    </dgm:pt>
+    <dgm:pt modelId="{E04841B5-AE64-40CF-80D7-1993C69C16E9}" type="sibTrans" cxnId="{FAB2595F-DFB0-4134-804F-051AFD24C459}">
+      <dgm:prSet/>
+      <dgm:spPr/>
+      <dgm:t>
+        <a:bodyPr/>
+        <a:lstStyle/>
+        <a:p>
+          <a:endParaRPr lang="en-US"/>
+        </a:p>
+      </dgm:t>
+    </dgm:pt>
+    <dgm:pt modelId="{6852C787-1278-4654-98FE-869C73DB429A}" type="pres">
+      <dgm:prSet presAssocID="{180598E7-0A85-4B05-ACD4-E123FAC63721}" presName="linear" presStyleCnt="0">
+        <dgm:presLayoutVars>
+          <dgm:animLvl val="lvl"/>
+          <dgm:resizeHandles val="exact"/>
+        </dgm:presLayoutVars>
+      </dgm:prSet>
+      <dgm:spPr/>
+    </dgm:pt>
+    <dgm:pt modelId="{3F4A93A3-8ACB-4605-B567-702CB05DADAA}" type="pres">
+      <dgm:prSet presAssocID="{4DBFAC02-F1FB-43B2-90F9-E1E34179E645}" presName="parentText" presStyleLbl="node1" presStyleIdx="0" presStyleCnt="1">
+        <dgm:presLayoutVars>
+          <dgm:chMax val="0"/>
+          <dgm:bulletEnabled val="1"/>
+        </dgm:presLayoutVars>
+      </dgm:prSet>
+      <dgm:spPr/>
+    </dgm:pt>
+  </dgm:ptLst>
+  <dgm:cxnLst>
+    <dgm:cxn modelId="{FAB2595F-DFB0-4134-804F-051AFD24C459}" srcId="{180598E7-0A85-4B05-ACD4-E123FAC63721}" destId="{4DBFAC02-F1FB-43B2-90F9-E1E34179E645}" srcOrd="0" destOrd="0" parTransId="{4CDA35AA-850A-4F77-992D-F49555D3B27E}" sibTransId="{E04841B5-AE64-40CF-80D7-1993C69C16E9}"/>
+    <dgm:cxn modelId="{BD292FA3-DC82-43EB-AF3D-0CE474FC2489}" type="presOf" srcId="{180598E7-0A85-4B05-ACD4-E123FAC63721}" destId="{6852C787-1278-4654-98FE-869C73DB429A}" srcOrd="0" destOrd="0" presId="urn:microsoft.com/office/officeart/2005/8/layout/vList2"/>
+    <dgm:cxn modelId="{728404E8-74BE-443E-8FEE-7C8A58997D7F}" type="presOf" srcId="{4DBFAC02-F1FB-43B2-90F9-E1E34179E645}" destId="{3F4A93A3-8ACB-4605-B567-702CB05DADAA}" srcOrd="0" destOrd="0" presId="urn:microsoft.com/office/officeart/2005/8/layout/vList2"/>
+    <dgm:cxn modelId="{2BEDDBEA-EB56-459E-8069-E637B12AEC6A}" type="presParOf" srcId="{6852C787-1278-4654-98FE-869C73DB429A}" destId="{3F4A93A3-8ACB-4605-B567-702CB05DADAA}" srcOrd="0" destOrd="0" presId="urn:microsoft.com/office/officeart/2005/8/layout/vList2"/>
+  </dgm:cxnLst>
+  <dgm:bg/>
+  <dgm:whole/>
+  <dgm:extLst>
+    <a:ext uri="http://schemas.microsoft.com/office/drawing/2008/diagram">
+      <dsp:dataModelExt xmlns:dsp="http://schemas.microsoft.com/office/drawing/2008/diagram" relId="rId31" minVer="http://schemas.openxmlformats.org/drawingml/2006/diagram"/>
+    </a:ext>
+  </dgm:extLst>
+</dgm:dataModel>
+</file>
+
+<file path=ppt/diagrams/data6.xml><?xml version="1.0" encoding="utf-8"?>
+<dgm:dataModel xmlns:dgm="http://schemas.openxmlformats.org/drawingml/2006/diagram" xmlns:a="http://schemas.openxmlformats.org/drawingml/2006/main">
+  <dgm:ptLst>
+    <dgm:pt modelId="{C37BD506-1CB7-4723-A5E7-D4C329C75DEE}" type="doc">
+      <dgm:prSet loTypeId="urn:microsoft.com/office/officeart/2005/8/layout/vList2" loCatId="list" qsTypeId="urn:microsoft.com/office/officeart/2005/8/quickstyle/simple1" qsCatId="simple" csTypeId="urn:microsoft.com/office/officeart/2005/8/colors/accent1_2" csCatId="accent1" phldr="1"/>
+      <dgm:spPr/>
+      <dgm:t>
+        <a:bodyPr/>
+        <a:lstStyle/>
+        <a:p>
+          <a:endParaRPr lang="en-US"/>
+        </a:p>
+      </dgm:t>
+    </dgm:pt>
+    <dgm:pt modelId="{ECA5093C-3D62-4663-B58F-438143B82F99}">
+      <dgm:prSet/>
+      <dgm:spPr/>
+      <dgm:t>
+        <a:bodyPr/>
+        <a:lstStyle/>
+        <a:p>
+          <a:r>
+            <a:rPr lang="en-US" dirty="0"/>
+            <a:t>Linear Regression/Baseline</a:t>
+          </a:r>
+        </a:p>
+      </dgm:t>
+    </dgm:pt>
+    <dgm:pt modelId="{838149C8-D834-4116-9D0E-5AF9948EF99E}" type="parTrans" cxnId="{DF904747-1520-471D-94F2-E3B1A762925A}">
+      <dgm:prSet/>
+      <dgm:spPr/>
+      <dgm:t>
+        <a:bodyPr/>
+        <a:lstStyle/>
+        <a:p>
+          <a:endParaRPr lang="en-US"/>
+        </a:p>
+      </dgm:t>
+    </dgm:pt>
+    <dgm:pt modelId="{55551BA4-91CD-462F-9AD8-1F59B58D22AB}" type="sibTrans" cxnId="{DF904747-1520-471D-94F2-E3B1A762925A}">
+      <dgm:prSet/>
+      <dgm:spPr/>
+      <dgm:t>
+        <a:bodyPr/>
+        <a:lstStyle/>
+        <a:p>
+          <a:endParaRPr lang="en-US"/>
+        </a:p>
+      </dgm:t>
+    </dgm:pt>
+    <dgm:pt modelId="{BF333EC0-85EF-4B99-AB6C-C80260BC8CD3}" type="pres">
+      <dgm:prSet presAssocID="{C37BD506-1CB7-4723-A5E7-D4C329C75DEE}" presName="linear" presStyleCnt="0">
+        <dgm:presLayoutVars>
+          <dgm:animLvl val="lvl"/>
+          <dgm:resizeHandles val="exact"/>
+        </dgm:presLayoutVars>
+      </dgm:prSet>
+      <dgm:spPr/>
+    </dgm:pt>
+    <dgm:pt modelId="{FDFB4DF1-FDBE-4924-8A75-901129ECCC9F}" type="pres">
+      <dgm:prSet presAssocID="{ECA5093C-3D62-4663-B58F-438143B82F99}" presName="parentText" presStyleLbl="node1" presStyleIdx="0" presStyleCnt="1">
+        <dgm:presLayoutVars>
+          <dgm:chMax val="0"/>
+          <dgm:bulletEnabled val="1"/>
+        </dgm:presLayoutVars>
+      </dgm:prSet>
+      <dgm:spPr/>
+    </dgm:pt>
+  </dgm:ptLst>
+  <dgm:cxnLst>
+    <dgm:cxn modelId="{DF904747-1520-471D-94F2-E3B1A762925A}" srcId="{C37BD506-1CB7-4723-A5E7-D4C329C75DEE}" destId="{ECA5093C-3D62-4663-B58F-438143B82F99}" srcOrd="0" destOrd="0" parTransId="{838149C8-D834-4116-9D0E-5AF9948EF99E}" sibTransId="{55551BA4-91CD-462F-9AD8-1F59B58D22AB}"/>
+    <dgm:cxn modelId="{E8F08A82-3182-464F-910B-9CBF78F0597E}" type="presOf" srcId="{ECA5093C-3D62-4663-B58F-438143B82F99}" destId="{FDFB4DF1-FDBE-4924-8A75-901129ECCC9F}" srcOrd="0" destOrd="0" presId="urn:microsoft.com/office/officeart/2005/8/layout/vList2"/>
+    <dgm:cxn modelId="{98F6EAAF-E5F1-4F07-A437-2EB0E9F7C9BF}" type="presOf" srcId="{C37BD506-1CB7-4723-A5E7-D4C329C75DEE}" destId="{BF333EC0-85EF-4B99-AB6C-C80260BC8CD3}" srcOrd="0" destOrd="0" presId="urn:microsoft.com/office/officeart/2005/8/layout/vList2"/>
+    <dgm:cxn modelId="{38B394EB-28C3-4A91-BBC4-391D12D30C6D}" type="presParOf" srcId="{BF333EC0-85EF-4B99-AB6C-C80260BC8CD3}" destId="{FDFB4DF1-FDBE-4924-8A75-901129ECCC9F}" srcOrd="0" destOrd="0" presId="urn:microsoft.com/office/officeart/2005/8/layout/vList2"/>
+  </dgm:cxnLst>
+  <dgm:bg/>
+  <dgm:whole/>
+  <dgm:extLst>
+    <a:ext uri="http://schemas.microsoft.com/office/drawing/2008/diagram">
+      <dsp:dataModelExt xmlns:dsp="http://schemas.microsoft.com/office/drawing/2008/diagram" relId="rId37" minVer="http://schemas.openxmlformats.org/drawingml/2006/diagram"/>
     </a:ext>
   </dgm:extLst>
 </dgm:dataModel>
@@ -4693,7 +7181,7 @@
       </dsp:nvSpPr>
       <dsp:spPr>
         <a:xfrm>
-          <a:off x="0" y="284"/>
+          <a:off x="0" y="223"/>
           <a:ext cx="8001000" cy="0"/>
         </a:xfrm>
         <a:prstGeom prst="line">
@@ -4743,8 +7231,8 @@
       </dsp:nvSpPr>
       <dsp:spPr>
         <a:xfrm>
-          <a:off x="0" y="284"/>
-          <a:ext cx="7993186" cy="407443"/>
+          <a:off x="0" y="223"/>
+          <a:ext cx="7993186" cy="573004"/>
         </a:xfrm>
         <a:prstGeom prst="rect">
           <a:avLst/>
@@ -4768,12 +7256,12 @@
         <a:fontRef idx="minor"/>
       </dsp:style>
       <dsp:txBody>
-        <a:bodyPr spcFirstLastPara="0" vert="horz" wrap="square" lIns="57150" tIns="57150" rIns="57150" bIns="57150" numCol="1" spcCol="1270" anchor="t" anchorCtr="0">
+        <a:bodyPr spcFirstLastPara="0" vert="horz" wrap="square" lIns="60960" tIns="60960" rIns="60960" bIns="60960" numCol="1" spcCol="1270" anchor="t" anchorCtr="0">
           <a:noAutofit/>
         </a:bodyPr>
         <a:lstStyle/>
         <a:p>
-          <a:pPr marL="0" lvl="0" indent="0" algn="l" defTabSz="666750">
+          <a:pPr marL="0" lvl="0" indent="0" algn="l" defTabSz="711200">
             <a:lnSpc>
               <a:spcPct val="90000"/>
             </a:lnSpc>
@@ -4786,14 +7274,14 @@
             <a:buNone/>
           </a:pPr>
           <a:r>
-            <a:rPr lang="en-US" sz="1500" kern="1200" dirty="0"/>
+            <a:rPr lang="en-US" sz="1600" kern="1200" dirty="0"/>
             <a:t>Each small rectangle represent a hidden state, implemented with a LSTM cell. </a:t>
           </a:r>
         </a:p>
       </dsp:txBody>
       <dsp:txXfrm>
-        <a:off x="0" y="284"/>
-        <a:ext cx="7993186" cy="407443"/>
+        <a:off x="0" y="223"/>
+        <a:ext cx="7993186" cy="573004"/>
       </dsp:txXfrm>
     </dsp:sp>
     <dsp:sp modelId="{38102430-F9E8-474C-ADD0-39ADC47C7D6C}">
@@ -4803,7 +7291,7 @@
       </dsp:nvSpPr>
       <dsp:spPr>
         <a:xfrm>
-          <a:off x="0" y="309742"/>
+          <a:off x="0" y="435426"/>
           <a:ext cx="8001000" cy="0"/>
         </a:xfrm>
         <a:prstGeom prst="line">
@@ -4853,8 +7341,8 @@
       </dsp:nvSpPr>
       <dsp:spPr>
         <a:xfrm>
-          <a:off x="0" y="315305"/>
-          <a:ext cx="7993186" cy="541330"/>
+          <a:off x="0" y="443250"/>
+          <a:ext cx="7993186" cy="761295"/>
         </a:xfrm>
         <a:prstGeom prst="rect">
           <a:avLst/>
@@ -4878,12 +7366,12 @@
         <a:fontRef idx="minor"/>
       </dsp:style>
       <dsp:txBody>
-        <a:bodyPr spcFirstLastPara="0" vert="horz" wrap="square" lIns="57150" tIns="57150" rIns="57150" bIns="57150" numCol="1" spcCol="1270" anchor="t" anchorCtr="0">
+        <a:bodyPr spcFirstLastPara="0" vert="horz" wrap="square" lIns="60960" tIns="60960" rIns="60960" bIns="60960" numCol="1" spcCol="1270" anchor="t" anchorCtr="0">
           <a:noAutofit/>
         </a:bodyPr>
         <a:lstStyle/>
         <a:p>
-          <a:pPr marL="0" lvl="0" indent="0" algn="l" defTabSz="666750">
+          <a:pPr marL="0" lvl="0" indent="0" algn="l" defTabSz="711200">
             <a:lnSpc>
               <a:spcPct val="90000"/>
             </a:lnSpc>
@@ -4896,14 +7384,14 @@
             <a:buNone/>
           </a:pPr>
           <a:r>
-            <a:rPr lang="en-US" sz="1500" kern="1200" dirty="0"/>
+            <a:rPr lang="en-US" sz="1600" kern="1200" dirty="0"/>
             <a:t>Each English Instruction (input sequence) and each Unix command (output/target sequence) need to be encoded into a sequence of integers.</a:t>
           </a:r>
         </a:p>
       </dsp:txBody>
       <dsp:txXfrm>
-        <a:off x="0" y="315305"/>
-        <a:ext cx="7993186" cy="541330"/>
+        <a:off x="0" y="443250"/>
+        <a:ext cx="7993186" cy="761295"/>
       </dsp:txXfrm>
     </dsp:sp>
     <dsp:sp modelId="{C59BD4C9-1FCF-404F-9893-F03DE8871791}">
@@ -4913,7 +7401,7 @@
       </dsp:nvSpPr>
       <dsp:spPr>
         <a:xfrm>
-          <a:off x="0" y="834733"/>
+          <a:off x="0" y="1173744"/>
           <a:ext cx="8001000" cy="0"/>
         </a:xfrm>
         <a:prstGeom prst="line">
@@ -4963,8 +7451,8 @@
       </dsp:nvSpPr>
       <dsp:spPr>
         <a:xfrm>
-          <a:off x="0" y="900695"/>
-          <a:ext cx="7993186" cy="457153"/>
+          <a:off x="0" y="1266508"/>
+          <a:ext cx="7993186" cy="642913"/>
         </a:xfrm>
         <a:prstGeom prst="rect">
           <a:avLst/>
@@ -4988,12 +7476,12 @@
         <a:fontRef idx="minor"/>
       </dsp:style>
       <dsp:txBody>
-        <a:bodyPr spcFirstLastPara="0" vert="horz" wrap="square" lIns="57150" tIns="57150" rIns="57150" bIns="57150" numCol="1" spcCol="1270" anchor="t" anchorCtr="0">
+        <a:bodyPr spcFirstLastPara="0" vert="horz" wrap="square" lIns="60960" tIns="60960" rIns="60960" bIns="60960" numCol="1" spcCol="1270" anchor="t" anchorCtr="0">
           <a:noAutofit/>
         </a:bodyPr>
         <a:lstStyle/>
         <a:p>
-          <a:pPr marL="0" lvl="0" indent="0" algn="l" defTabSz="666750">
+          <a:pPr marL="0" lvl="0" indent="0" algn="l" defTabSz="711200">
             <a:lnSpc>
               <a:spcPct val="90000"/>
             </a:lnSpc>
@@ -5006,14 +7494,14 @@
             <a:buNone/>
           </a:pPr>
           <a:r>
-            <a:rPr lang="en-US" sz="1500" kern="1200" dirty="0"/>
+            <a:rPr lang="en-US" sz="1600" kern="1200" dirty="0"/>
             <a:t>A special integer ARG_ID is reserved to denote the “argument” in the instructions (see “Argument Detection” in the “Key improvements” section)</a:t>
           </a:r>
         </a:p>
       </dsp:txBody>
       <dsp:txXfrm>
-        <a:off x="0" y="900695"/>
-        <a:ext cx="7993186" cy="457153"/>
+        <a:off x="0" y="1266508"/>
+        <a:ext cx="7993186" cy="642913"/>
       </dsp:txXfrm>
     </dsp:sp>
     <dsp:sp modelId="{0731D6B2-8928-4EE0-8F1D-7F589B02671E}">
@@ -5023,7 +7511,7 @@
       </dsp:nvSpPr>
       <dsp:spPr>
         <a:xfrm>
-          <a:off x="0" y="1406212"/>
+          <a:off x="0" y="1977437"/>
           <a:ext cx="8001000" cy="0"/>
         </a:xfrm>
         <a:prstGeom prst="line">
@@ -5073,8 +7561,8 @@
       </dsp:nvSpPr>
       <dsp:spPr>
         <a:xfrm>
-          <a:off x="0" y="1406212"/>
-          <a:ext cx="7993186" cy="809349"/>
+          <a:off x="0" y="1977437"/>
+          <a:ext cx="7993186" cy="912950"/>
         </a:xfrm>
         <a:prstGeom prst="rect">
           <a:avLst/>
@@ -5098,12 +7586,12 @@
         <a:fontRef idx="minor"/>
       </dsp:style>
       <dsp:txBody>
-        <a:bodyPr spcFirstLastPara="0" vert="horz" wrap="square" lIns="57150" tIns="57150" rIns="57150" bIns="57150" numCol="1" spcCol="1270" anchor="t" anchorCtr="0">
+        <a:bodyPr spcFirstLastPara="0" vert="horz" wrap="square" lIns="60960" tIns="60960" rIns="60960" bIns="60960" numCol="1" spcCol="1270" anchor="t" anchorCtr="0">
           <a:noAutofit/>
         </a:bodyPr>
         <a:lstStyle/>
         <a:p>
-          <a:pPr marL="0" lvl="0" indent="0" algn="l" defTabSz="666750">
+          <a:pPr marL="0" lvl="0" indent="0" algn="l" defTabSz="711200">
             <a:lnSpc>
               <a:spcPct val="90000"/>
             </a:lnSpc>
@@ -5116,30 +7604,14 @@
             <a:buNone/>
           </a:pPr>
           <a:r>
-            <a:rPr lang="en-US" sz="1500" kern="1200" dirty="0"/>
-            <a:t>Since usually we need one RNN model for every pair of (</a:t>
-          </a:r>
-          <a:r>
-            <a:rPr lang="en-US" sz="1500" kern="1200" dirty="0" err="1"/>
-            <a:t>instruction_length</a:t>
-          </a:r>
-          <a:r>
-            <a:rPr lang="en-US" sz="1500" kern="1200" dirty="0"/>
-            <a:t>, </a:t>
-          </a:r>
-          <a:r>
-            <a:rPr lang="en-US" sz="1500" kern="1200" dirty="0" err="1"/>
-            <a:t>command_length</a:t>
-          </a:r>
-          <a:r>
-            <a:rPr lang="en-US" sz="1500" kern="1200" dirty="0"/>
-            <a:t>), both input sequences and output sequences are padded, with special character ‘PAD’, to length 50, so only 1 model is needed to handle the (50, 50) case.</a:t>
+            <a:rPr lang="en-US" sz="1600" kern="1200" dirty="0"/>
+            <a:t>Since usually we need one RNN model for every pair of (input length, output length), both input sequences and output sequences are padded, with special character ‘PAD’, to length 50, so only 1 model is needed to handle the (50, 50) case.</a:t>
           </a:r>
         </a:p>
       </dsp:txBody>
       <dsp:txXfrm>
-        <a:off x="0" y="1406212"/>
-        <a:ext cx="7993186" cy="809349"/>
+        <a:off x="0" y="1977437"/>
+        <a:ext cx="7993186" cy="912950"/>
       </dsp:txXfrm>
     </dsp:sp>
     <dsp:sp modelId="{F75723EE-DA06-4DA9-9E51-1E3AEFDABDF0}">
@@ -5149,7 +7621,7 @@
       </dsp:nvSpPr>
       <dsp:spPr>
         <a:xfrm>
-          <a:off x="0" y="2215562"/>
+          <a:off x="0" y="2890387"/>
           <a:ext cx="8001000" cy="0"/>
         </a:xfrm>
         <a:prstGeom prst="line">
@@ -5199,8 +7671,8 @@
       </dsp:nvSpPr>
       <dsp:spPr>
         <a:xfrm>
-          <a:off x="0" y="2215562"/>
-          <a:ext cx="8001000" cy="305657"/>
+          <a:off x="0" y="2890387"/>
+          <a:ext cx="8001000" cy="429858"/>
         </a:xfrm>
         <a:prstGeom prst="rect">
           <a:avLst/>
@@ -5224,12 +7696,12 @@
         <a:fontRef idx="minor"/>
       </dsp:style>
       <dsp:txBody>
-        <a:bodyPr spcFirstLastPara="0" vert="horz" wrap="square" lIns="57150" tIns="57150" rIns="57150" bIns="57150" numCol="1" spcCol="1270" anchor="t" anchorCtr="0">
+        <a:bodyPr spcFirstLastPara="0" vert="horz" wrap="square" lIns="60960" tIns="60960" rIns="60960" bIns="60960" numCol="1" spcCol="1270" anchor="t" anchorCtr="0">
           <a:noAutofit/>
         </a:bodyPr>
         <a:lstStyle/>
         <a:p>
-          <a:pPr marL="0" lvl="0" indent="0" algn="l" defTabSz="666750">
+          <a:pPr marL="0" lvl="0" indent="0" algn="l" defTabSz="711200">
             <a:lnSpc>
               <a:spcPct val="90000"/>
             </a:lnSpc>
@@ -5242,14 +7714,14 @@
             <a:buNone/>
           </a:pPr>
           <a:r>
-            <a:rPr lang="en-US" sz="1500" kern="1200" dirty="0"/>
+            <a:rPr lang="en-US" sz="1600" kern="1200" dirty="0"/>
             <a:t>The RNN is bi-directional, though not shown on above graph</a:t>
           </a:r>
         </a:p>
       </dsp:txBody>
       <dsp:txXfrm>
-        <a:off x="0" y="2215562"/>
-        <a:ext cx="8001000" cy="305657"/>
+        <a:off x="0" y="2890387"/>
+        <a:ext cx="8001000" cy="429858"/>
       </dsp:txXfrm>
     </dsp:sp>
     <dsp:sp modelId="{862840BA-46F6-4672-ABE9-E3C5A2EBF193}">
@@ -5259,7 +7731,7 @@
       </dsp:nvSpPr>
       <dsp:spPr>
         <a:xfrm>
-          <a:off x="0" y="2521219"/>
+          <a:off x="0" y="3320246"/>
           <a:ext cx="8001000" cy="0"/>
         </a:xfrm>
         <a:prstGeom prst="line">
@@ -5309,8 +7781,8 @@
       </dsp:nvSpPr>
       <dsp:spPr>
         <a:xfrm>
-          <a:off x="0" y="2521219"/>
-          <a:ext cx="7993186" cy="551793"/>
+          <a:off x="0" y="3320246"/>
+          <a:ext cx="7993186" cy="776010"/>
         </a:xfrm>
         <a:prstGeom prst="rect">
           <a:avLst/>
@@ -5334,12 +7806,12 @@
         <a:fontRef idx="minor"/>
       </dsp:style>
       <dsp:txBody>
-        <a:bodyPr spcFirstLastPara="0" vert="horz" wrap="square" lIns="57150" tIns="57150" rIns="57150" bIns="57150" numCol="1" spcCol="1270" anchor="t" anchorCtr="0">
+        <a:bodyPr spcFirstLastPara="0" vert="horz" wrap="square" lIns="60960" tIns="60960" rIns="60960" bIns="60960" numCol="1" spcCol="1270" anchor="t" anchorCtr="0">
           <a:noAutofit/>
         </a:bodyPr>
         <a:lstStyle/>
         <a:p>
-          <a:pPr marL="0" lvl="0" indent="0" algn="l" defTabSz="666750">
+          <a:pPr marL="0" lvl="0" indent="0" algn="l" defTabSz="711200">
             <a:lnSpc>
               <a:spcPct val="90000"/>
             </a:lnSpc>
@@ -5352,14 +7824,14 @@
             <a:buNone/>
           </a:pPr>
           <a:r>
-            <a:rPr lang="en-US" sz="1500" kern="1200" dirty="0"/>
+            <a:rPr lang="en-US" sz="1600" kern="1200" dirty="0"/>
             <a:t>&lt;go&gt; represents a special end-of-line character, signaling the end of this input sequence, and the decoder part of the RNN will begin</a:t>
           </a:r>
         </a:p>
       </dsp:txBody>
       <dsp:txXfrm>
-        <a:off x="0" y="2521219"/>
-        <a:ext cx="7993186" cy="551793"/>
+        <a:off x="0" y="3320246"/>
+        <a:ext cx="7993186" cy="776010"/>
       </dsp:txXfrm>
     </dsp:sp>
     <dsp:sp modelId="{27FBB675-D408-433A-BC1F-D60164044887}">
@@ -5369,7 +7841,7 @@
       </dsp:nvSpPr>
       <dsp:spPr>
         <a:xfrm>
-          <a:off x="0" y="3073012"/>
+          <a:off x="0" y="4096256"/>
           <a:ext cx="8001000" cy="0"/>
         </a:xfrm>
         <a:prstGeom prst="line">
@@ -5419,8 +7891,8 @@
       </dsp:nvSpPr>
       <dsp:spPr>
         <a:xfrm>
-          <a:off x="0" y="3073012"/>
-          <a:ext cx="7993186" cy="471753"/>
+          <a:off x="0" y="4096256"/>
+          <a:ext cx="7993186" cy="663446"/>
         </a:xfrm>
         <a:prstGeom prst="rect">
           <a:avLst/>
@@ -5444,12 +7916,12 @@
         <a:fontRef idx="minor"/>
       </dsp:style>
       <dsp:txBody>
-        <a:bodyPr spcFirstLastPara="0" vert="horz" wrap="square" lIns="57150" tIns="57150" rIns="57150" bIns="57150" numCol="1" spcCol="1270" anchor="t" anchorCtr="0">
+        <a:bodyPr spcFirstLastPara="0" vert="horz" wrap="square" lIns="60960" tIns="60960" rIns="60960" bIns="60960" numCol="1" spcCol="1270" anchor="t" anchorCtr="0">
           <a:noAutofit/>
         </a:bodyPr>
         <a:lstStyle/>
         <a:p>
-          <a:pPr marL="0" lvl="0" indent="0" algn="l" defTabSz="666750">
+          <a:pPr marL="0" lvl="0" indent="0" algn="l" defTabSz="711200">
             <a:lnSpc>
               <a:spcPct val="90000"/>
             </a:lnSpc>
@@ -5462,14 +7934,14 @@
             <a:buNone/>
           </a:pPr>
           <a:r>
-            <a:rPr lang="en-US" sz="1500" kern="1200" dirty="0"/>
+            <a:rPr lang="en-US" sz="1600" kern="1200" dirty="0"/>
             <a:t>For each of encoder and decoder, the weights on the edge between any time t-1 and t is the same, by the definition of RNN</a:t>
           </a:r>
         </a:p>
       </dsp:txBody>
       <dsp:txXfrm>
-        <a:off x="0" y="3073012"/>
-        <a:ext cx="7993186" cy="471753"/>
+        <a:off x="0" y="4096256"/>
+        <a:ext cx="7993186" cy="663446"/>
       </dsp:txXfrm>
     </dsp:sp>
     <dsp:sp modelId="{F6D0266A-94BC-4B64-BB40-3AEDB7A36830}">
@@ -5479,7 +7951,7 @@
       </dsp:nvSpPr>
       <dsp:spPr>
         <a:xfrm>
-          <a:off x="0" y="3544765"/>
+          <a:off x="0" y="4759702"/>
           <a:ext cx="8001000" cy="0"/>
         </a:xfrm>
         <a:prstGeom prst="line">
@@ -5529,8 +8001,8 @@
       </dsp:nvSpPr>
       <dsp:spPr>
         <a:xfrm>
-          <a:off x="0" y="3544765"/>
-          <a:ext cx="8001000" cy="341600"/>
+          <a:off x="0" y="4759702"/>
+          <a:ext cx="8001000" cy="480406"/>
         </a:xfrm>
         <a:prstGeom prst="rect">
           <a:avLst/>
@@ -5554,12 +8026,12 @@
         <a:fontRef idx="minor"/>
       </dsp:style>
       <dsp:txBody>
-        <a:bodyPr spcFirstLastPara="0" vert="horz" wrap="square" lIns="57150" tIns="57150" rIns="57150" bIns="57150" numCol="1" spcCol="1270" anchor="t" anchorCtr="0">
+        <a:bodyPr spcFirstLastPara="0" vert="horz" wrap="square" lIns="60960" tIns="60960" rIns="60960" bIns="60960" numCol="1" spcCol="1270" anchor="t" anchorCtr="0">
           <a:noAutofit/>
         </a:bodyPr>
         <a:lstStyle/>
         <a:p>
-          <a:pPr marL="0" lvl="0" indent="0" algn="l" defTabSz="666750">
+          <a:pPr marL="0" lvl="0" indent="0" algn="l" defTabSz="711200">
             <a:lnSpc>
               <a:spcPct val="90000"/>
             </a:lnSpc>
@@ -5572,14 +8044,14 @@
             <a:buNone/>
           </a:pPr>
           <a:r>
-            <a:rPr lang="en-US" sz="1500" kern="1200" dirty="0"/>
+            <a:rPr lang="en-US" sz="1600" kern="1200" dirty="0"/>
             <a:t>The encoder portion and decoder portion do not share weights</a:t>
           </a:r>
         </a:p>
       </dsp:txBody>
       <dsp:txXfrm>
-        <a:off x="0" y="3544765"/>
-        <a:ext cx="8001000" cy="341600"/>
+        <a:off x="0" y="4759702"/>
+        <a:ext cx="8001000" cy="480406"/>
       </dsp:txXfrm>
     </dsp:sp>
   </dsp:spTree>
@@ -5601,7 +8073,7 @@
       </dsp:nvSpPr>
       <dsp:spPr>
         <a:xfrm>
-          <a:off x="2246" y="96894"/>
+          <a:off x="2246" y="88659"/>
           <a:ext cx="1193508" cy="415620"/>
         </a:xfrm>
         <a:prstGeom prst="rect">
@@ -5668,7 +8140,7 @@
         </a:p>
       </dsp:txBody>
       <dsp:txXfrm>
-        <a:off x="2246" y="96894"/>
+        <a:off x="2246" y="88659"/>
         <a:ext cx="1193508" cy="415620"/>
       </dsp:txXfrm>
     </dsp:sp>
@@ -5679,8 +8151,8 @@
       </dsp:nvSpPr>
       <dsp:spPr>
         <a:xfrm>
-          <a:off x="2246" y="512514"/>
-          <a:ext cx="1193508" cy="527040"/>
+          <a:off x="2246" y="504279"/>
+          <a:ext cx="1193508" cy="543510"/>
         </a:xfrm>
         <a:prstGeom prst="rect">
           <a:avLst/>
@@ -5724,12 +8196,12 @@
         <a:fontRef idx="minor"/>
       </dsp:style>
       <dsp:txBody>
-        <a:bodyPr spcFirstLastPara="0" vert="horz" wrap="square" lIns="64008" tIns="64008" rIns="85344" bIns="96012" numCol="1" spcCol="1270" anchor="t" anchorCtr="0">
+        <a:bodyPr spcFirstLastPara="0" vert="horz" wrap="square" lIns="106680" tIns="106680" rIns="142240" bIns="160020" numCol="1" spcCol="1270" anchor="t" anchorCtr="0">
           <a:noAutofit/>
         </a:bodyPr>
         <a:lstStyle/>
         <a:p>
-          <a:pPr marL="114300" lvl="1" indent="-114300" algn="l" defTabSz="533400">
+          <a:pPr marL="228600" lvl="1" indent="-228600" algn="l" defTabSz="889000">
             <a:lnSpc>
               <a:spcPct val="90000"/>
             </a:lnSpc>
@@ -5742,14 +8214,14 @@
             <a:buChar char="•"/>
           </a:pPr>
           <a:r>
-            <a:rPr lang="en-US" sz="1200" kern="1200" dirty="0"/>
+            <a:rPr lang="en-US" sz="2000" kern="1200" dirty="0"/>
             <a:t>0.5</a:t>
           </a:r>
         </a:p>
       </dsp:txBody>
       <dsp:txXfrm>
-        <a:off x="2246" y="512514"/>
-        <a:ext cx="1193508" cy="527040"/>
+        <a:off x="2246" y="504279"/>
+        <a:ext cx="1193508" cy="543510"/>
       </dsp:txXfrm>
     </dsp:sp>
     <dsp:sp modelId="{B00DF5CE-5260-4CB5-B446-82232FF614DF}">
@@ -5759,7 +8231,7 @@
       </dsp:nvSpPr>
       <dsp:spPr>
         <a:xfrm>
-          <a:off x="1362846" y="96894"/>
+          <a:off x="1362846" y="88659"/>
           <a:ext cx="1193508" cy="415620"/>
         </a:xfrm>
         <a:prstGeom prst="rect">
@@ -5826,7 +8298,7 @@
         </a:p>
       </dsp:txBody>
       <dsp:txXfrm>
-        <a:off x="1362846" y="96894"/>
+        <a:off x="1362846" y="88659"/>
         <a:ext cx="1193508" cy="415620"/>
       </dsp:txXfrm>
     </dsp:sp>
@@ -5837,8 +8309,8 @@
       </dsp:nvSpPr>
       <dsp:spPr>
         <a:xfrm>
-          <a:off x="1362846" y="512514"/>
-          <a:ext cx="1193508" cy="527040"/>
+          <a:off x="1362846" y="504279"/>
+          <a:ext cx="1193508" cy="543510"/>
         </a:xfrm>
         <a:prstGeom prst="rect">
           <a:avLst/>
@@ -5882,12 +8354,12 @@
         <a:fontRef idx="minor"/>
       </dsp:style>
       <dsp:txBody>
-        <a:bodyPr spcFirstLastPara="0" vert="horz" wrap="square" lIns="64008" tIns="64008" rIns="85344" bIns="96012" numCol="1" spcCol="1270" anchor="t" anchorCtr="0">
+        <a:bodyPr spcFirstLastPara="0" vert="horz" wrap="square" lIns="106680" tIns="106680" rIns="142240" bIns="160020" numCol="1" spcCol="1270" anchor="t" anchorCtr="0">
           <a:noAutofit/>
         </a:bodyPr>
         <a:lstStyle/>
         <a:p>
-          <a:pPr marL="114300" lvl="1" indent="-114300" algn="l" defTabSz="533400">
+          <a:pPr marL="228600" lvl="1" indent="-228600" algn="l" defTabSz="889000">
             <a:lnSpc>
               <a:spcPct val="90000"/>
             </a:lnSpc>
@@ -5900,14 +8372,14 @@
             <a:buChar char="•"/>
           </a:pPr>
           <a:r>
-            <a:rPr lang="en-US" sz="1200" kern="1200" dirty="0"/>
+            <a:rPr lang="en-US" sz="2000" kern="1200" dirty="0"/>
             <a:t>0.99</a:t>
           </a:r>
         </a:p>
       </dsp:txBody>
       <dsp:txXfrm>
-        <a:off x="1362846" y="512514"/>
-        <a:ext cx="1193508" cy="527040"/>
+        <a:off x="1362846" y="504279"/>
+        <a:ext cx="1193508" cy="543510"/>
       </dsp:txXfrm>
     </dsp:sp>
     <dsp:sp modelId="{81E4123C-BEC8-499A-9184-EA75D1BE54D3}">
@@ -5917,7 +8389,7 @@
       </dsp:nvSpPr>
       <dsp:spPr>
         <a:xfrm>
-          <a:off x="2723445" y="96894"/>
+          <a:off x="2723445" y="88659"/>
           <a:ext cx="1193508" cy="415620"/>
         </a:xfrm>
         <a:prstGeom prst="rect">
@@ -5984,7 +8456,7 @@
         </a:p>
       </dsp:txBody>
       <dsp:txXfrm>
-        <a:off x="2723445" y="96894"/>
+        <a:off x="2723445" y="88659"/>
         <a:ext cx="1193508" cy="415620"/>
       </dsp:txXfrm>
     </dsp:sp>
@@ -5995,8 +8467,8 @@
       </dsp:nvSpPr>
       <dsp:spPr>
         <a:xfrm>
-          <a:off x="2723445" y="512514"/>
-          <a:ext cx="1193508" cy="527040"/>
+          <a:off x="2723445" y="504279"/>
+          <a:ext cx="1193508" cy="543510"/>
         </a:xfrm>
         <a:prstGeom prst="rect">
           <a:avLst/>
@@ -6040,12 +8512,12 @@
         <a:fontRef idx="minor"/>
       </dsp:style>
       <dsp:txBody>
-        <a:bodyPr spcFirstLastPara="0" vert="horz" wrap="square" lIns="64008" tIns="64008" rIns="85344" bIns="96012" numCol="1" spcCol="1270" anchor="t" anchorCtr="0">
+        <a:bodyPr spcFirstLastPara="0" vert="horz" wrap="square" lIns="106680" tIns="106680" rIns="142240" bIns="160020" numCol="1" spcCol="1270" anchor="t" anchorCtr="0">
           <a:noAutofit/>
         </a:bodyPr>
         <a:lstStyle/>
         <a:p>
-          <a:pPr marL="114300" lvl="1" indent="-114300" algn="l" defTabSz="533400">
+          <a:pPr marL="228600" lvl="1" indent="-228600" algn="l" defTabSz="889000">
             <a:lnSpc>
               <a:spcPct val="90000"/>
             </a:lnSpc>
@@ -6058,14 +8530,14 @@
             <a:buChar char="•"/>
           </a:pPr>
           <a:r>
-            <a:rPr lang="en-US" sz="1200" kern="1200" dirty="0"/>
+            <a:rPr lang="en-US" sz="2000" kern="1200" dirty="0"/>
             <a:t>2</a:t>
           </a:r>
         </a:p>
       </dsp:txBody>
       <dsp:txXfrm>
-        <a:off x="2723445" y="512514"/>
-        <a:ext cx="1193508" cy="527040"/>
+        <a:off x="2723445" y="504279"/>
+        <a:ext cx="1193508" cy="543510"/>
       </dsp:txXfrm>
     </dsp:sp>
     <dsp:sp modelId="{A257D0EC-64E5-475A-9AD0-1622D5F34E07}">
@@ -6075,7 +8547,7 @@
       </dsp:nvSpPr>
       <dsp:spPr>
         <a:xfrm>
-          <a:off x="4084045" y="96894"/>
+          <a:off x="4084045" y="88659"/>
           <a:ext cx="1193508" cy="415620"/>
         </a:xfrm>
         <a:prstGeom prst="rect">
@@ -6142,7 +8614,7 @@
         </a:p>
       </dsp:txBody>
       <dsp:txXfrm>
-        <a:off x="4084045" y="96894"/>
+        <a:off x="4084045" y="88659"/>
         <a:ext cx="1193508" cy="415620"/>
       </dsp:txXfrm>
     </dsp:sp>
@@ -6153,8 +8625,8 @@
       </dsp:nvSpPr>
       <dsp:spPr>
         <a:xfrm>
-          <a:off x="4084045" y="512514"/>
-          <a:ext cx="1193508" cy="527040"/>
+          <a:off x="4084045" y="504279"/>
+          <a:ext cx="1193508" cy="543510"/>
         </a:xfrm>
         <a:prstGeom prst="rect">
           <a:avLst/>
@@ -6198,12 +8670,12 @@
         <a:fontRef idx="minor"/>
       </dsp:style>
       <dsp:txBody>
-        <a:bodyPr spcFirstLastPara="0" vert="horz" wrap="square" lIns="64008" tIns="64008" rIns="85344" bIns="96012" numCol="1" spcCol="1270" anchor="t" anchorCtr="0">
+        <a:bodyPr spcFirstLastPara="0" vert="horz" wrap="square" lIns="106680" tIns="106680" rIns="142240" bIns="160020" numCol="1" spcCol="1270" anchor="t" anchorCtr="0">
           <a:noAutofit/>
         </a:bodyPr>
         <a:lstStyle/>
         <a:p>
-          <a:pPr marL="114300" lvl="1" indent="-114300" algn="l" defTabSz="533400">
+          <a:pPr marL="228600" lvl="1" indent="-228600" algn="l" defTabSz="889000">
             <a:lnSpc>
               <a:spcPct val="90000"/>
             </a:lnSpc>
@@ -6216,14 +8688,14 @@
             <a:buChar char="•"/>
           </a:pPr>
           <a:r>
-            <a:rPr lang="en-US" sz="1200" kern="1200" dirty="0"/>
+            <a:rPr lang="en-US" sz="2000" kern="1200" dirty="0"/>
             <a:t>16</a:t>
           </a:r>
         </a:p>
       </dsp:txBody>
       <dsp:txXfrm>
-        <a:off x="4084045" y="512514"/>
-        <a:ext cx="1193508" cy="527040"/>
+        <a:off x="4084045" y="504279"/>
+        <a:ext cx="1193508" cy="543510"/>
       </dsp:txXfrm>
     </dsp:sp>
     <dsp:sp modelId="{9FBE4F6C-C0B8-49A9-BF34-DA04217B8126}">
@@ -6233,7 +8705,7 @@
       </dsp:nvSpPr>
       <dsp:spPr>
         <a:xfrm>
-          <a:off x="5444645" y="96894"/>
+          <a:off x="5444645" y="88659"/>
           <a:ext cx="1193508" cy="415620"/>
         </a:xfrm>
         <a:prstGeom prst="rect">
@@ -6300,7 +8772,7 @@
         </a:p>
       </dsp:txBody>
       <dsp:txXfrm>
-        <a:off x="5444645" y="96894"/>
+        <a:off x="5444645" y="88659"/>
         <a:ext cx="1193508" cy="415620"/>
       </dsp:txXfrm>
     </dsp:sp>
@@ -6311,8 +8783,8 @@
       </dsp:nvSpPr>
       <dsp:spPr>
         <a:xfrm>
-          <a:off x="5444645" y="512514"/>
-          <a:ext cx="1193508" cy="527040"/>
+          <a:off x="5444645" y="504279"/>
+          <a:ext cx="1193508" cy="543510"/>
         </a:xfrm>
         <a:prstGeom prst="rect">
           <a:avLst/>
@@ -6356,12 +8828,12 @@
         <a:fontRef idx="minor"/>
       </dsp:style>
       <dsp:txBody>
-        <a:bodyPr spcFirstLastPara="0" vert="horz" wrap="square" lIns="64008" tIns="64008" rIns="85344" bIns="96012" numCol="1" spcCol="1270" anchor="t" anchorCtr="0">
+        <a:bodyPr spcFirstLastPara="0" vert="horz" wrap="square" lIns="106680" tIns="106680" rIns="142240" bIns="160020" numCol="1" spcCol="1270" anchor="t" anchorCtr="0">
           <a:noAutofit/>
         </a:bodyPr>
         <a:lstStyle/>
         <a:p>
-          <a:pPr marL="114300" lvl="1" indent="-114300" algn="l" defTabSz="533400">
+          <a:pPr marL="228600" lvl="1" indent="-228600" algn="l" defTabSz="889000">
             <a:lnSpc>
               <a:spcPct val="90000"/>
             </a:lnSpc>
@@ -6374,14 +8846,14 @@
             <a:buChar char="•"/>
           </a:pPr>
           <a:r>
-            <a:rPr lang="en-US" sz="1200" kern="1200" dirty="0"/>
+            <a:rPr lang="en-US" sz="2000" kern="1200" dirty="0"/>
             <a:t>5.0</a:t>
           </a:r>
         </a:p>
       </dsp:txBody>
       <dsp:txXfrm>
-        <a:off x="5444645" y="512514"/>
-        <a:ext cx="1193508" cy="527040"/>
+        <a:off x="5444645" y="504279"/>
+        <a:ext cx="1193508" cy="543510"/>
       </dsp:txXfrm>
     </dsp:sp>
     <dsp:sp modelId="{E642770B-10F4-4C81-84B8-AD64008BCE45}">
@@ -6391,7 +8863,7 @@
       </dsp:nvSpPr>
       <dsp:spPr>
         <a:xfrm>
-          <a:off x="6805245" y="96894"/>
+          <a:off x="6805245" y="88659"/>
           <a:ext cx="1193508" cy="415620"/>
         </a:xfrm>
         <a:prstGeom prst="rect">
@@ -6458,7 +8930,7 @@
         </a:p>
       </dsp:txBody>
       <dsp:txXfrm>
-        <a:off x="6805245" y="96894"/>
+        <a:off x="6805245" y="88659"/>
         <a:ext cx="1193508" cy="415620"/>
       </dsp:txXfrm>
     </dsp:sp>
@@ -6469,8 +8941,8 @@
       </dsp:nvSpPr>
       <dsp:spPr>
         <a:xfrm>
-          <a:off x="6805245" y="512514"/>
-          <a:ext cx="1193508" cy="527040"/>
+          <a:off x="6805245" y="504279"/>
+          <a:ext cx="1193508" cy="543510"/>
         </a:xfrm>
         <a:prstGeom prst="rect">
           <a:avLst/>
@@ -6514,12 +8986,12 @@
         <a:fontRef idx="minor"/>
       </dsp:style>
       <dsp:txBody>
-        <a:bodyPr spcFirstLastPara="0" vert="horz" wrap="square" lIns="64008" tIns="64008" rIns="85344" bIns="96012" numCol="1" spcCol="1270" anchor="t" anchorCtr="0">
+        <a:bodyPr spcFirstLastPara="0" vert="horz" wrap="square" lIns="106680" tIns="106680" rIns="142240" bIns="160020" numCol="1" spcCol="1270" anchor="t" anchorCtr="0">
           <a:noAutofit/>
         </a:bodyPr>
         <a:lstStyle/>
         <a:p>
-          <a:pPr marL="114300" lvl="1" indent="-114300" algn="l" defTabSz="533400">
+          <a:pPr marL="228600" lvl="1" indent="-228600" algn="l" defTabSz="889000">
             <a:lnSpc>
               <a:spcPct val="90000"/>
             </a:lnSpc>
@@ -6532,14 +9004,292 @@
             <a:buChar char="•"/>
           </a:pPr>
           <a:r>
-            <a:rPr lang="en-US" sz="1200" kern="1200" dirty="0"/>
+            <a:rPr lang="en-US" sz="2000" kern="1200" dirty="0"/>
             <a:t>128</a:t>
           </a:r>
         </a:p>
       </dsp:txBody>
       <dsp:txXfrm>
-        <a:off x="6805245" y="512514"/>
-        <a:ext cx="1193508" cy="527040"/>
+        <a:off x="6805245" y="504279"/>
+        <a:ext cx="1193508" cy="543510"/>
+      </dsp:txXfrm>
+    </dsp:sp>
+  </dsp:spTree>
+</dsp:drawing>
+</file>
+
+<file path=ppt/diagrams/drawing4.xml><?xml version="1.0" encoding="utf-8"?>
+<dsp:drawing xmlns:dgm="http://schemas.openxmlformats.org/drawingml/2006/diagram" xmlns:dsp="http://schemas.microsoft.com/office/drawing/2008/diagram" xmlns:a="http://schemas.openxmlformats.org/drawingml/2006/main">
+  <dsp:spTree>
+    <dsp:nvGrpSpPr>
+      <dsp:cNvPr id="0" name=""/>
+      <dsp:cNvGrpSpPr/>
+    </dsp:nvGrpSpPr>
+    <dsp:grpSpPr/>
+    <dsp:sp modelId="{59516624-3E09-4384-890B-C70EBD81BFE0}">
+      <dsp:nvSpPr>
+        <dsp:cNvPr id="0" name=""/>
+        <dsp:cNvSpPr/>
+      </dsp:nvSpPr>
+      <dsp:spPr>
+        <a:xfrm>
+          <a:off x="0" y="11679"/>
+          <a:ext cx="3117849" cy="1684800"/>
+        </a:xfrm>
+        <a:prstGeom prst="roundRect">
+          <a:avLst/>
+        </a:prstGeom>
+        <a:solidFill>
+          <a:schemeClr val="accent1">
+            <a:hueOff val="0"/>
+            <a:satOff val="0"/>
+            <a:lumOff val="0"/>
+            <a:alphaOff val="0"/>
+          </a:schemeClr>
+        </a:solidFill>
+        <a:ln w="12700" cap="flat" cmpd="sng" algn="ctr">
+          <a:solidFill>
+            <a:schemeClr val="lt1">
+              <a:hueOff val="0"/>
+              <a:satOff val="0"/>
+              <a:lumOff val="0"/>
+              <a:alphaOff val="0"/>
+            </a:schemeClr>
+          </a:solidFill>
+          <a:prstDash val="solid"/>
+          <a:miter lim="800000"/>
+        </a:ln>
+        <a:effectLst/>
+      </dsp:spPr>
+      <dsp:style>
+        <a:lnRef idx="2">
+          <a:scrgbClr r="0" g="0" b="0"/>
+        </a:lnRef>
+        <a:fillRef idx="1">
+          <a:scrgbClr r="0" g="0" b="0"/>
+        </a:fillRef>
+        <a:effectRef idx="0">
+          <a:scrgbClr r="0" g="0" b="0"/>
+        </a:effectRef>
+        <a:fontRef idx="minor">
+          <a:schemeClr val="lt1"/>
+        </a:fontRef>
+      </dsp:style>
+      <dsp:txBody>
+        <a:bodyPr spcFirstLastPara="0" vert="horz" wrap="square" lIns="57150" tIns="57150" rIns="57150" bIns="57150" numCol="1" spcCol="1270" anchor="ctr" anchorCtr="0">
+          <a:noAutofit/>
+        </a:bodyPr>
+        <a:lstStyle/>
+        <a:p>
+          <a:pPr marL="0" lvl="0" indent="0" algn="l" defTabSz="666750">
+            <a:lnSpc>
+              <a:spcPct val="90000"/>
+            </a:lnSpc>
+            <a:spcBef>
+              <a:spcPct val="0"/>
+            </a:spcBef>
+            <a:spcAft>
+              <a:spcPct val="35000"/>
+            </a:spcAft>
+            <a:buNone/>
+          </a:pPr>
+          <a:r>
+            <a:rPr lang="en-US" sz="1500" kern="1200" dirty="0"/>
+            <a:t>The sampled </a:t>
+          </a:r>
+          <a:r>
+            <a:rPr lang="en-US" sz="1500" kern="1200" dirty="0" err="1"/>
+            <a:t>softmax</a:t>
+          </a:r>
+          <a:r>
+            <a:rPr lang="en-US" sz="1500" kern="1200" dirty="0"/>
+            <a:t> loss should serve as a good general indicator of how the model is performing as it approximates how many parts/tokens of a translated command matches with the target command</a:t>
+          </a:r>
+        </a:p>
+      </dsp:txBody>
+      <dsp:txXfrm>
+        <a:off x="82245" y="93924"/>
+        <a:ext cx="2953359" cy="1520310"/>
+      </dsp:txXfrm>
+    </dsp:sp>
+  </dsp:spTree>
+</dsp:drawing>
+</file>
+
+<file path=ppt/diagrams/drawing5.xml><?xml version="1.0" encoding="utf-8"?>
+<dsp:drawing xmlns:dgm="http://schemas.openxmlformats.org/drawingml/2006/diagram" xmlns:dsp="http://schemas.microsoft.com/office/drawing/2008/diagram" xmlns:a="http://schemas.openxmlformats.org/drawingml/2006/main">
+  <dsp:spTree>
+    <dsp:nvGrpSpPr>
+      <dsp:cNvPr id="0" name=""/>
+      <dsp:cNvGrpSpPr/>
+    </dsp:nvGrpSpPr>
+    <dsp:grpSpPr/>
+    <dsp:sp modelId="{3F4A93A3-8ACB-4605-B567-702CB05DADAA}">
+      <dsp:nvSpPr>
+        <dsp:cNvPr id="0" name=""/>
+        <dsp:cNvSpPr/>
+      </dsp:nvSpPr>
+      <dsp:spPr>
+        <a:xfrm>
+          <a:off x="0" y="9482"/>
+          <a:ext cx="1700213" cy="304200"/>
+        </a:xfrm>
+        <a:prstGeom prst="roundRect">
+          <a:avLst/>
+        </a:prstGeom>
+        <a:solidFill>
+          <a:schemeClr val="accent1">
+            <a:hueOff val="0"/>
+            <a:satOff val="0"/>
+            <a:lumOff val="0"/>
+            <a:alphaOff val="0"/>
+          </a:schemeClr>
+        </a:solidFill>
+        <a:ln w="12700" cap="flat" cmpd="sng" algn="ctr">
+          <a:solidFill>
+            <a:schemeClr val="lt1">
+              <a:hueOff val="0"/>
+              <a:satOff val="0"/>
+              <a:lumOff val="0"/>
+              <a:alphaOff val="0"/>
+            </a:schemeClr>
+          </a:solidFill>
+          <a:prstDash val="solid"/>
+          <a:miter lim="800000"/>
+        </a:ln>
+        <a:effectLst/>
+      </dsp:spPr>
+      <dsp:style>
+        <a:lnRef idx="2">
+          <a:scrgbClr r="0" g="0" b="0"/>
+        </a:lnRef>
+        <a:fillRef idx="1">
+          <a:scrgbClr r="0" g="0" b="0"/>
+        </a:fillRef>
+        <a:effectRef idx="0">
+          <a:scrgbClr r="0" g="0" b="0"/>
+        </a:effectRef>
+        <a:fontRef idx="minor">
+          <a:schemeClr val="lt1"/>
+        </a:fontRef>
+      </dsp:style>
+      <dsp:txBody>
+        <a:bodyPr spcFirstLastPara="0" vert="horz" wrap="square" lIns="49530" tIns="49530" rIns="49530" bIns="49530" numCol="1" spcCol="1270" anchor="ctr" anchorCtr="0">
+          <a:noAutofit/>
+        </a:bodyPr>
+        <a:lstStyle/>
+        <a:p>
+          <a:pPr marL="0" lvl="0" indent="0" algn="l" defTabSz="577850">
+            <a:lnSpc>
+              <a:spcPct val="90000"/>
+            </a:lnSpc>
+            <a:spcBef>
+              <a:spcPct val="0"/>
+            </a:spcBef>
+            <a:spcAft>
+              <a:spcPct val="35000"/>
+            </a:spcAft>
+            <a:buNone/>
+          </a:pPr>
+          <a:r>
+            <a:rPr lang="en-US" sz="1300" kern="1200" dirty="0"/>
+            <a:t>Our implementation</a:t>
+          </a:r>
+        </a:p>
+      </dsp:txBody>
+      <dsp:txXfrm>
+        <a:off x="14850" y="24332"/>
+        <a:ext cx="1670513" cy="274500"/>
+      </dsp:txXfrm>
+    </dsp:sp>
+  </dsp:spTree>
+</dsp:drawing>
+</file>
+
+<file path=ppt/diagrams/drawing6.xml><?xml version="1.0" encoding="utf-8"?>
+<dsp:drawing xmlns:dgm="http://schemas.openxmlformats.org/drawingml/2006/diagram" xmlns:dsp="http://schemas.microsoft.com/office/drawing/2008/diagram" xmlns:a="http://schemas.openxmlformats.org/drawingml/2006/main">
+  <dsp:spTree>
+    <dsp:nvGrpSpPr>
+      <dsp:cNvPr id="0" name=""/>
+      <dsp:cNvGrpSpPr/>
+    </dsp:nvGrpSpPr>
+    <dsp:grpSpPr/>
+    <dsp:sp modelId="{FDFB4DF1-FDBE-4924-8A75-901129ECCC9F}">
+      <dsp:nvSpPr>
+        <dsp:cNvPr id="0" name=""/>
+        <dsp:cNvSpPr/>
+      </dsp:nvSpPr>
+      <dsp:spPr>
+        <a:xfrm>
+          <a:off x="0" y="56282"/>
+          <a:ext cx="1502227" cy="210600"/>
+        </a:xfrm>
+        <a:prstGeom prst="roundRect">
+          <a:avLst/>
+        </a:prstGeom>
+        <a:solidFill>
+          <a:schemeClr val="accent1">
+            <a:hueOff val="0"/>
+            <a:satOff val="0"/>
+            <a:lumOff val="0"/>
+            <a:alphaOff val="0"/>
+          </a:schemeClr>
+        </a:solidFill>
+        <a:ln w="12700" cap="flat" cmpd="sng" algn="ctr">
+          <a:solidFill>
+            <a:schemeClr val="lt1">
+              <a:hueOff val="0"/>
+              <a:satOff val="0"/>
+              <a:lumOff val="0"/>
+              <a:alphaOff val="0"/>
+            </a:schemeClr>
+          </a:solidFill>
+          <a:prstDash val="solid"/>
+          <a:miter lim="800000"/>
+        </a:ln>
+        <a:effectLst/>
+      </dsp:spPr>
+      <dsp:style>
+        <a:lnRef idx="2">
+          <a:scrgbClr r="0" g="0" b="0"/>
+        </a:lnRef>
+        <a:fillRef idx="1">
+          <a:scrgbClr r="0" g="0" b="0"/>
+        </a:fillRef>
+        <a:effectRef idx="0">
+          <a:scrgbClr r="0" g="0" b="0"/>
+        </a:effectRef>
+        <a:fontRef idx="minor">
+          <a:schemeClr val="lt1"/>
+        </a:fontRef>
+      </dsp:style>
+      <dsp:txBody>
+        <a:bodyPr spcFirstLastPara="0" vert="horz" wrap="square" lIns="34290" tIns="34290" rIns="34290" bIns="34290" numCol="1" spcCol="1270" anchor="ctr" anchorCtr="0">
+          <a:noAutofit/>
+        </a:bodyPr>
+        <a:lstStyle/>
+        <a:p>
+          <a:pPr marL="0" lvl="0" indent="0" algn="l" defTabSz="400050">
+            <a:lnSpc>
+              <a:spcPct val="90000"/>
+            </a:lnSpc>
+            <a:spcBef>
+              <a:spcPct val="0"/>
+            </a:spcBef>
+            <a:spcAft>
+              <a:spcPct val="35000"/>
+            </a:spcAft>
+            <a:buNone/>
+          </a:pPr>
+          <a:r>
+            <a:rPr lang="en-US" sz="900" kern="1200" dirty="0"/>
+            <a:t>Linear Regression/Baseline</a:t>
+          </a:r>
+        </a:p>
+      </dsp:txBody>
+      <dsp:txXfrm>
+        <a:off x="10281" y="66563"/>
+        <a:ext cx="1481665" cy="190038"/>
       </dsp:txXfrm>
     </dsp:sp>
   </dsp:spTree>
@@ -7446,6 +10196,507 @@
 </dgm:layoutDef>
 </file>
 
+<file path=ppt/diagrams/layout4.xml><?xml version="1.0" encoding="utf-8"?>
+<dgm:layoutDef xmlns:dgm="http://schemas.openxmlformats.org/drawingml/2006/diagram" xmlns:a="http://schemas.openxmlformats.org/drawingml/2006/main" uniqueId="urn:microsoft.com/office/officeart/2005/8/layout/vList2">
+  <dgm:title val=""/>
+  <dgm:desc val=""/>
+  <dgm:catLst>
+    <dgm:cat type="list" pri="3000"/>
+    <dgm:cat type="convert" pri="1000"/>
+  </dgm:catLst>
+  <dgm:sampData>
+    <dgm:dataModel>
+      <dgm:ptLst>
+        <dgm:pt modelId="0" type="doc"/>
+        <dgm:pt modelId="1">
+          <dgm:prSet phldr="1"/>
+        </dgm:pt>
+        <dgm:pt modelId="11">
+          <dgm:prSet phldr="1"/>
+        </dgm:pt>
+        <dgm:pt modelId="2">
+          <dgm:prSet phldr="1"/>
+        </dgm:pt>
+        <dgm:pt modelId="21">
+          <dgm:prSet phldr="1"/>
+        </dgm:pt>
+      </dgm:ptLst>
+      <dgm:cxnLst>
+        <dgm:cxn modelId="4" srcId="0" destId="1" srcOrd="0" destOrd="0"/>
+        <dgm:cxn modelId="5" srcId="0" destId="2" srcOrd="1" destOrd="0"/>
+        <dgm:cxn modelId="12" srcId="1" destId="11" srcOrd="0" destOrd="0"/>
+        <dgm:cxn modelId="23" srcId="2" destId="21" srcOrd="0" destOrd="0"/>
+      </dgm:cxnLst>
+      <dgm:bg/>
+      <dgm:whole/>
+    </dgm:dataModel>
+  </dgm:sampData>
+  <dgm:styleData>
+    <dgm:dataModel>
+      <dgm:ptLst>
+        <dgm:pt modelId="0" type="doc"/>
+        <dgm:pt modelId="1"/>
+        <dgm:pt modelId="2"/>
+      </dgm:ptLst>
+      <dgm:cxnLst>
+        <dgm:cxn modelId="3" srcId="0" destId="1" srcOrd="0" destOrd="0"/>
+        <dgm:cxn modelId="4" srcId="0" destId="2" srcOrd="1" destOrd="0"/>
+      </dgm:cxnLst>
+      <dgm:bg/>
+      <dgm:whole/>
+    </dgm:dataModel>
+  </dgm:styleData>
+  <dgm:clrData>
+    <dgm:dataModel>
+      <dgm:ptLst>
+        <dgm:pt modelId="0" type="doc"/>
+        <dgm:pt modelId="1"/>
+        <dgm:pt modelId="2"/>
+        <dgm:pt modelId="3"/>
+        <dgm:pt modelId="4"/>
+      </dgm:ptLst>
+      <dgm:cxnLst>
+        <dgm:cxn modelId="5" srcId="0" destId="1" srcOrd="0" destOrd="0"/>
+        <dgm:cxn modelId="6" srcId="0" destId="2" srcOrd="1" destOrd="0"/>
+        <dgm:cxn modelId="7" srcId="0" destId="3" srcOrd="2" destOrd="0"/>
+        <dgm:cxn modelId="8" srcId="0" destId="4" srcOrd="3" destOrd="0"/>
+      </dgm:cxnLst>
+      <dgm:bg/>
+      <dgm:whole/>
+    </dgm:dataModel>
+  </dgm:clrData>
+  <dgm:layoutNode name="linear">
+    <dgm:varLst>
+      <dgm:animLvl val="lvl"/>
+      <dgm:resizeHandles val="exact"/>
+    </dgm:varLst>
+    <dgm:alg type="lin">
+      <dgm:param type="linDir" val="fromT"/>
+      <dgm:param type="vertAlign" val="mid"/>
+    </dgm:alg>
+    <dgm:shape xmlns:r="http://schemas.openxmlformats.org/officeDocument/2006/relationships" r:blip="">
+      <dgm:adjLst/>
+    </dgm:shape>
+    <dgm:presOf/>
+    <dgm:constrLst>
+      <dgm:constr type="w" for="ch" forName="parentText" refType="w"/>
+      <dgm:constr type="h" for="ch" forName="parentText" refType="primFontSz" refFor="ch" refForName="parentText" fact="0.52"/>
+      <dgm:constr type="w" for="ch" forName="childText" refType="w"/>
+      <dgm:constr type="h" for="ch" forName="childText" refType="primFontSz" refFor="ch" refForName="parentText" fact="0.46"/>
+      <dgm:constr type="h" for="ch" forName="parentText" op="equ"/>
+      <dgm:constr type="primFontSz" for="ch" forName="parentText" op="equ" val="65"/>
+      <dgm:constr type="primFontSz" for="ch" forName="childText" refType="primFontSz" refFor="ch" refForName="parentText" op="equ"/>
+      <dgm:constr type="h" for="ch" forName="spacer" refType="primFontSz" refFor="ch" refForName="parentText" fact="0.08"/>
+    </dgm:constrLst>
+    <dgm:ruleLst>
+      <dgm:rule type="primFontSz" for="ch" forName="parentText" val="5" fact="NaN" max="NaN"/>
+    </dgm:ruleLst>
+    <dgm:forEach name="Name0" axis="ch" ptType="node">
+      <dgm:layoutNode name="parentText" styleLbl="node1">
+        <dgm:varLst>
+          <dgm:chMax val="0"/>
+          <dgm:bulletEnabled val="1"/>
+        </dgm:varLst>
+        <dgm:alg type="tx">
+          <dgm:param type="parTxLTRAlign" val="l"/>
+          <dgm:param type="parTxRTLAlign" val="r"/>
+        </dgm:alg>
+        <dgm:shape xmlns:r="http://schemas.openxmlformats.org/officeDocument/2006/relationships" type="roundRect" r:blip="">
+          <dgm:adjLst/>
+        </dgm:shape>
+        <dgm:presOf axis="self"/>
+        <dgm:constrLst>
+          <dgm:constr type="tMarg" refType="primFontSz" fact="0.3"/>
+          <dgm:constr type="bMarg" refType="primFontSz" fact="0.3"/>
+          <dgm:constr type="lMarg" refType="primFontSz" fact="0.3"/>
+          <dgm:constr type="rMarg" refType="primFontSz" fact="0.3"/>
+        </dgm:constrLst>
+        <dgm:ruleLst>
+          <dgm:rule type="h" val="INF" fact="NaN" max="NaN"/>
+        </dgm:ruleLst>
+      </dgm:layoutNode>
+      <dgm:choose name="Name1">
+        <dgm:if name="Name2" axis="ch" ptType="node" func="cnt" op="gte" val="1">
+          <dgm:layoutNode name="childText" styleLbl="revTx">
+            <dgm:varLst>
+              <dgm:bulletEnabled val="1"/>
+            </dgm:varLst>
+            <dgm:alg type="tx">
+              <dgm:param type="stBulletLvl" val="1"/>
+              <dgm:param type="lnSpAfChP" val="20"/>
+            </dgm:alg>
+            <dgm:shape xmlns:r="http://schemas.openxmlformats.org/officeDocument/2006/relationships" type="rect" r:blip="">
+              <dgm:adjLst/>
+            </dgm:shape>
+            <dgm:presOf axis="des" ptType="node"/>
+            <dgm:constrLst>
+              <dgm:constr type="tMarg" refType="primFontSz" fact="0.1"/>
+              <dgm:constr type="bMarg" refType="primFontSz" fact="0.1"/>
+              <dgm:constr type="lMarg" refType="w" fact="0.09"/>
+            </dgm:constrLst>
+            <dgm:ruleLst>
+              <dgm:rule type="h" val="INF" fact="NaN" max="NaN"/>
+            </dgm:ruleLst>
+          </dgm:layoutNode>
+        </dgm:if>
+        <dgm:else name="Name3">
+          <dgm:choose name="Name4">
+            <dgm:if name="Name5" axis="par ch" ptType="doc node" func="cnt" op="gte" val="2">
+              <dgm:forEach name="Name6" axis="followSib" ptType="sibTrans" cnt="1">
+                <dgm:layoutNode name="spacer">
+                  <dgm:alg type="sp"/>
+                  <dgm:shape xmlns:r="http://schemas.openxmlformats.org/officeDocument/2006/relationships" r:blip="">
+                    <dgm:adjLst/>
+                  </dgm:shape>
+                  <dgm:presOf/>
+                  <dgm:constrLst/>
+                  <dgm:ruleLst/>
+                </dgm:layoutNode>
+              </dgm:forEach>
+            </dgm:if>
+            <dgm:else name="Name7"/>
+          </dgm:choose>
+        </dgm:else>
+      </dgm:choose>
+    </dgm:forEach>
+  </dgm:layoutNode>
+</dgm:layoutDef>
+</file>
+
+<file path=ppt/diagrams/layout5.xml><?xml version="1.0" encoding="utf-8"?>
+<dgm:layoutDef xmlns:dgm="http://schemas.openxmlformats.org/drawingml/2006/diagram" xmlns:a="http://schemas.openxmlformats.org/drawingml/2006/main" uniqueId="urn:microsoft.com/office/officeart/2005/8/layout/vList2">
+  <dgm:title val=""/>
+  <dgm:desc val=""/>
+  <dgm:catLst>
+    <dgm:cat type="list" pri="3000"/>
+    <dgm:cat type="convert" pri="1000"/>
+  </dgm:catLst>
+  <dgm:sampData>
+    <dgm:dataModel>
+      <dgm:ptLst>
+        <dgm:pt modelId="0" type="doc"/>
+        <dgm:pt modelId="1">
+          <dgm:prSet phldr="1"/>
+        </dgm:pt>
+        <dgm:pt modelId="11">
+          <dgm:prSet phldr="1"/>
+        </dgm:pt>
+        <dgm:pt modelId="2">
+          <dgm:prSet phldr="1"/>
+        </dgm:pt>
+        <dgm:pt modelId="21">
+          <dgm:prSet phldr="1"/>
+        </dgm:pt>
+      </dgm:ptLst>
+      <dgm:cxnLst>
+        <dgm:cxn modelId="4" srcId="0" destId="1" srcOrd="0" destOrd="0"/>
+        <dgm:cxn modelId="5" srcId="0" destId="2" srcOrd="1" destOrd="0"/>
+        <dgm:cxn modelId="12" srcId="1" destId="11" srcOrd="0" destOrd="0"/>
+        <dgm:cxn modelId="23" srcId="2" destId="21" srcOrd="0" destOrd="0"/>
+      </dgm:cxnLst>
+      <dgm:bg/>
+      <dgm:whole/>
+    </dgm:dataModel>
+  </dgm:sampData>
+  <dgm:styleData>
+    <dgm:dataModel>
+      <dgm:ptLst>
+        <dgm:pt modelId="0" type="doc"/>
+        <dgm:pt modelId="1"/>
+        <dgm:pt modelId="2"/>
+      </dgm:ptLst>
+      <dgm:cxnLst>
+        <dgm:cxn modelId="3" srcId="0" destId="1" srcOrd="0" destOrd="0"/>
+        <dgm:cxn modelId="4" srcId="0" destId="2" srcOrd="1" destOrd="0"/>
+      </dgm:cxnLst>
+      <dgm:bg/>
+      <dgm:whole/>
+    </dgm:dataModel>
+  </dgm:styleData>
+  <dgm:clrData>
+    <dgm:dataModel>
+      <dgm:ptLst>
+        <dgm:pt modelId="0" type="doc"/>
+        <dgm:pt modelId="1"/>
+        <dgm:pt modelId="2"/>
+        <dgm:pt modelId="3"/>
+        <dgm:pt modelId="4"/>
+      </dgm:ptLst>
+      <dgm:cxnLst>
+        <dgm:cxn modelId="5" srcId="0" destId="1" srcOrd="0" destOrd="0"/>
+        <dgm:cxn modelId="6" srcId="0" destId="2" srcOrd="1" destOrd="0"/>
+        <dgm:cxn modelId="7" srcId="0" destId="3" srcOrd="2" destOrd="0"/>
+        <dgm:cxn modelId="8" srcId="0" destId="4" srcOrd="3" destOrd="0"/>
+      </dgm:cxnLst>
+      <dgm:bg/>
+      <dgm:whole/>
+    </dgm:dataModel>
+  </dgm:clrData>
+  <dgm:layoutNode name="linear">
+    <dgm:varLst>
+      <dgm:animLvl val="lvl"/>
+      <dgm:resizeHandles val="exact"/>
+    </dgm:varLst>
+    <dgm:alg type="lin">
+      <dgm:param type="linDir" val="fromT"/>
+      <dgm:param type="vertAlign" val="mid"/>
+    </dgm:alg>
+    <dgm:shape xmlns:r="http://schemas.openxmlformats.org/officeDocument/2006/relationships" r:blip="">
+      <dgm:adjLst/>
+    </dgm:shape>
+    <dgm:presOf/>
+    <dgm:constrLst>
+      <dgm:constr type="w" for="ch" forName="parentText" refType="w"/>
+      <dgm:constr type="h" for="ch" forName="parentText" refType="primFontSz" refFor="ch" refForName="parentText" fact="0.52"/>
+      <dgm:constr type="w" for="ch" forName="childText" refType="w"/>
+      <dgm:constr type="h" for="ch" forName="childText" refType="primFontSz" refFor="ch" refForName="parentText" fact="0.46"/>
+      <dgm:constr type="h" for="ch" forName="parentText" op="equ"/>
+      <dgm:constr type="primFontSz" for="ch" forName="parentText" op="equ" val="65"/>
+      <dgm:constr type="primFontSz" for="ch" forName="childText" refType="primFontSz" refFor="ch" refForName="parentText" op="equ"/>
+      <dgm:constr type="h" for="ch" forName="spacer" refType="primFontSz" refFor="ch" refForName="parentText" fact="0.08"/>
+    </dgm:constrLst>
+    <dgm:ruleLst>
+      <dgm:rule type="primFontSz" for="ch" forName="parentText" val="5" fact="NaN" max="NaN"/>
+    </dgm:ruleLst>
+    <dgm:forEach name="Name0" axis="ch" ptType="node">
+      <dgm:layoutNode name="parentText" styleLbl="node1">
+        <dgm:varLst>
+          <dgm:chMax val="0"/>
+          <dgm:bulletEnabled val="1"/>
+        </dgm:varLst>
+        <dgm:alg type="tx">
+          <dgm:param type="parTxLTRAlign" val="l"/>
+          <dgm:param type="parTxRTLAlign" val="r"/>
+        </dgm:alg>
+        <dgm:shape xmlns:r="http://schemas.openxmlformats.org/officeDocument/2006/relationships" type="roundRect" r:blip="">
+          <dgm:adjLst/>
+        </dgm:shape>
+        <dgm:presOf axis="self"/>
+        <dgm:constrLst>
+          <dgm:constr type="tMarg" refType="primFontSz" fact="0.3"/>
+          <dgm:constr type="bMarg" refType="primFontSz" fact="0.3"/>
+          <dgm:constr type="lMarg" refType="primFontSz" fact="0.3"/>
+          <dgm:constr type="rMarg" refType="primFontSz" fact="0.3"/>
+        </dgm:constrLst>
+        <dgm:ruleLst>
+          <dgm:rule type="h" val="INF" fact="NaN" max="NaN"/>
+        </dgm:ruleLst>
+      </dgm:layoutNode>
+      <dgm:choose name="Name1">
+        <dgm:if name="Name2" axis="ch" ptType="node" func="cnt" op="gte" val="1">
+          <dgm:layoutNode name="childText" styleLbl="revTx">
+            <dgm:varLst>
+              <dgm:bulletEnabled val="1"/>
+            </dgm:varLst>
+            <dgm:alg type="tx">
+              <dgm:param type="stBulletLvl" val="1"/>
+              <dgm:param type="lnSpAfChP" val="20"/>
+            </dgm:alg>
+            <dgm:shape xmlns:r="http://schemas.openxmlformats.org/officeDocument/2006/relationships" type="rect" r:blip="">
+              <dgm:adjLst/>
+            </dgm:shape>
+            <dgm:presOf axis="des" ptType="node"/>
+            <dgm:constrLst>
+              <dgm:constr type="tMarg" refType="primFontSz" fact="0.1"/>
+              <dgm:constr type="bMarg" refType="primFontSz" fact="0.1"/>
+              <dgm:constr type="lMarg" refType="w" fact="0.09"/>
+            </dgm:constrLst>
+            <dgm:ruleLst>
+              <dgm:rule type="h" val="INF" fact="NaN" max="NaN"/>
+            </dgm:ruleLst>
+          </dgm:layoutNode>
+        </dgm:if>
+        <dgm:else name="Name3">
+          <dgm:choose name="Name4">
+            <dgm:if name="Name5" axis="par ch" ptType="doc node" func="cnt" op="gte" val="2">
+              <dgm:forEach name="Name6" axis="followSib" ptType="sibTrans" cnt="1">
+                <dgm:layoutNode name="spacer">
+                  <dgm:alg type="sp"/>
+                  <dgm:shape xmlns:r="http://schemas.openxmlformats.org/officeDocument/2006/relationships" r:blip="">
+                    <dgm:adjLst/>
+                  </dgm:shape>
+                  <dgm:presOf/>
+                  <dgm:constrLst/>
+                  <dgm:ruleLst/>
+                </dgm:layoutNode>
+              </dgm:forEach>
+            </dgm:if>
+            <dgm:else name="Name7"/>
+          </dgm:choose>
+        </dgm:else>
+      </dgm:choose>
+    </dgm:forEach>
+  </dgm:layoutNode>
+</dgm:layoutDef>
+</file>
+
+<file path=ppt/diagrams/layout6.xml><?xml version="1.0" encoding="utf-8"?>
+<dgm:layoutDef xmlns:dgm="http://schemas.openxmlformats.org/drawingml/2006/diagram" xmlns:a="http://schemas.openxmlformats.org/drawingml/2006/main" uniqueId="urn:microsoft.com/office/officeart/2005/8/layout/vList2">
+  <dgm:title val=""/>
+  <dgm:desc val=""/>
+  <dgm:catLst>
+    <dgm:cat type="list" pri="3000"/>
+    <dgm:cat type="convert" pri="1000"/>
+  </dgm:catLst>
+  <dgm:sampData>
+    <dgm:dataModel>
+      <dgm:ptLst>
+        <dgm:pt modelId="0" type="doc"/>
+        <dgm:pt modelId="1">
+          <dgm:prSet phldr="1"/>
+        </dgm:pt>
+        <dgm:pt modelId="11">
+          <dgm:prSet phldr="1"/>
+        </dgm:pt>
+        <dgm:pt modelId="2">
+          <dgm:prSet phldr="1"/>
+        </dgm:pt>
+        <dgm:pt modelId="21">
+          <dgm:prSet phldr="1"/>
+        </dgm:pt>
+      </dgm:ptLst>
+      <dgm:cxnLst>
+        <dgm:cxn modelId="4" srcId="0" destId="1" srcOrd="0" destOrd="0"/>
+        <dgm:cxn modelId="5" srcId="0" destId="2" srcOrd="1" destOrd="0"/>
+        <dgm:cxn modelId="12" srcId="1" destId="11" srcOrd="0" destOrd="0"/>
+        <dgm:cxn modelId="23" srcId="2" destId="21" srcOrd="0" destOrd="0"/>
+      </dgm:cxnLst>
+      <dgm:bg/>
+      <dgm:whole/>
+    </dgm:dataModel>
+  </dgm:sampData>
+  <dgm:styleData>
+    <dgm:dataModel>
+      <dgm:ptLst>
+        <dgm:pt modelId="0" type="doc"/>
+        <dgm:pt modelId="1"/>
+        <dgm:pt modelId="2"/>
+      </dgm:ptLst>
+      <dgm:cxnLst>
+        <dgm:cxn modelId="3" srcId="0" destId="1" srcOrd="0" destOrd="0"/>
+        <dgm:cxn modelId="4" srcId="0" destId="2" srcOrd="1" destOrd="0"/>
+      </dgm:cxnLst>
+      <dgm:bg/>
+      <dgm:whole/>
+    </dgm:dataModel>
+  </dgm:styleData>
+  <dgm:clrData>
+    <dgm:dataModel>
+      <dgm:ptLst>
+        <dgm:pt modelId="0" type="doc"/>
+        <dgm:pt modelId="1"/>
+        <dgm:pt modelId="2"/>
+        <dgm:pt modelId="3"/>
+        <dgm:pt modelId="4"/>
+      </dgm:ptLst>
+      <dgm:cxnLst>
+        <dgm:cxn modelId="5" srcId="0" destId="1" srcOrd="0" destOrd="0"/>
+        <dgm:cxn modelId="6" srcId="0" destId="2" srcOrd="1" destOrd="0"/>
+        <dgm:cxn modelId="7" srcId="0" destId="3" srcOrd="2" destOrd="0"/>
+        <dgm:cxn modelId="8" srcId="0" destId="4" srcOrd="3" destOrd="0"/>
+      </dgm:cxnLst>
+      <dgm:bg/>
+      <dgm:whole/>
+    </dgm:dataModel>
+  </dgm:clrData>
+  <dgm:layoutNode name="linear">
+    <dgm:varLst>
+      <dgm:animLvl val="lvl"/>
+      <dgm:resizeHandles val="exact"/>
+    </dgm:varLst>
+    <dgm:alg type="lin">
+      <dgm:param type="linDir" val="fromT"/>
+      <dgm:param type="vertAlign" val="mid"/>
+    </dgm:alg>
+    <dgm:shape xmlns:r="http://schemas.openxmlformats.org/officeDocument/2006/relationships" r:blip="">
+      <dgm:adjLst/>
+    </dgm:shape>
+    <dgm:presOf/>
+    <dgm:constrLst>
+      <dgm:constr type="w" for="ch" forName="parentText" refType="w"/>
+      <dgm:constr type="h" for="ch" forName="parentText" refType="primFontSz" refFor="ch" refForName="parentText" fact="0.52"/>
+      <dgm:constr type="w" for="ch" forName="childText" refType="w"/>
+      <dgm:constr type="h" for="ch" forName="childText" refType="primFontSz" refFor="ch" refForName="parentText" fact="0.46"/>
+      <dgm:constr type="h" for="ch" forName="parentText" op="equ"/>
+      <dgm:constr type="primFontSz" for="ch" forName="parentText" op="equ" val="65"/>
+      <dgm:constr type="primFontSz" for="ch" forName="childText" refType="primFontSz" refFor="ch" refForName="parentText" op="equ"/>
+      <dgm:constr type="h" for="ch" forName="spacer" refType="primFontSz" refFor="ch" refForName="parentText" fact="0.08"/>
+    </dgm:constrLst>
+    <dgm:ruleLst>
+      <dgm:rule type="primFontSz" for="ch" forName="parentText" val="5" fact="NaN" max="NaN"/>
+    </dgm:ruleLst>
+    <dgm:forEach name="Name0" axis="ch" ptType="node">
+      <dgm:layoutNode name="parentText" styleLbl="node1">
+        <dgm:varLst>
+          <dgm:chMax val="0"/>
+          <dgm:bulletEnabled val="1"/>
+        </dgm:varLst>
+        <dgm:alg type="tx">
+          <dgm:param type="parTxLTRAlign" val="l"/>
+          <dgm:param type="parTxRTLAlign" val="r"/>
+        </dgm:alg>
+        <dgm:shape xmlns:r="http://schemas.openxmlformats.org/officeDocument/2006/relationships" type="roundRect" r:blip="">
+          <dgm:adjLst/>
+        </dgm:shape>
+        <dgm:presOf axis="self"/>
+        <dgm:constrLst>
+          <dgm:constr type="tMarg" refType="primFontSz" fact="0.3"/>
+          <dgm:constr type="bMarg" refType="primFontSz" fact="0.3"/>
+          <dgm:constr type="lMarg" refType="primFontSz" fact="0.3"/>
+          <dgm:constr type="rMarg" refType="primFontSz" fact="0.3"/>
+        </dgm:constrLst>
+        <dgm:ruleLst>
+          <dgm:rule type="h" val="INF" fact="NaN" max="NaN"/>
+        </dgm:ruleLst>
+      </dgm:layoutNode>
+      <dgm:choose name="Name1">
+        <dgm:if name="Name2" axis="ch" ptType="node" func="cnt" op="gte" val="1">
+          <dgm:layoutNode name="childText" styleLbl="revTx">
+            <dgm:varLst>
+              <dgm:bulletEnabled val="1"/>
+            </dgm:varLst>
+            <dgm:alg type="tx">
+              <dgm:param type="stBulletLvl" val="1"/>
+              <dgm:param type="lnSpAfChP" val="20"/>
+            </dgm:alg>
+            <dgm:shape xmlns:r="http://schemas.openxmlformats.org/officeDocument/2006/relationships" type="rect" r:blip="">
+              <dgm:adjLst/>
+            </dgm:shape>
+            <dgm:presOf axis="des" ptType="node"/>
+            <dgm:constrLst>
+              <dgm:constr type="tMarg" refType="primFontSz" fact="0.1"/>
+              <dgm:constr type="bMarg" refType="primFontSz" fact="0.1"/>
+              <dgm:constr type="lMarg" refType="w" fact="0.09"/>
+            </dgm:constrLst>
+            <dgm:ruleLst>
+              <dgm:rule type="h" val="INF" fact="NaN" max="NaN"/>
+            </dgm:ruleLst>
+          </dgm:layoutNode>
+        </dgm:if>
+        <dgm:else name="Name3">
+          <dgm:choose name="Name4">
+            <dgm:if name="Name5" axis="par ch" ptType="doc node" func="cnt" op="gte" val="2">
+              <dgm:forEach name="Name6" axis="followSib" ptType="sibTrans" cnt="1">
+                <dgm:layoutNode name="spacer">
+                  <dgm:alg type="sp"/>
+                  <dgm:shape xmlns:r="http://schemas.openxmlformats.org/officeDocument/2006/relationships" r:blip="">
+                    <dgm:adjLst/>
+                  </dgm:shape>
+                  <dgm:presOf/>
+                  <dgm:constrLst/>
+                  <dgm:ruleLst/>
+                </dgm:layoutNode>
+              </dgm:forEach>
+            </dgm:if>
+            <dgm:else name="Name7"/>
+          </dgm:choose>
+        </dgm:else>
+      </dgm:choose>
+    </dgm:forEach>
+  </dgm:layoutNode>
+</dgm:layoutDef>
+</file>
+
 <file path=ppt/diagrams/quickStyle1.xml><?xml version="1.0" encoding="utf-8"?>
 <dgm:styleDef xmlns:dgm="http://schemas.openxmlformats.org/drawingml/2006/diagram" xmlns:a="http://schemas.openxmlformats.org/drawingml/2006/main" uniqueId="urn:microsoft.com/office/officeart/2005/8/quickstyle/simple1">
   <dgm:title val=""/>
@@ -9515,6 +12766,3108 @@
 </file>
 
 <file path=ppt/diagrams/quickStyle3.xml><?xml version="1.0" encoding="utf-8"?>
+<dgm:styleDef xmlns:dgm="http://schemas.openxmlformats.org/drawingml/2006/diagram" xmlns:a="http://schemas.openxmlformats.org/drawingml/2006/main" uniqueId="urn:microsoft.com/office/officeart/2005/8/quickstyle/simple1">
+  <dgm:title val=""/>
+  <dgm:desc val=""/>
+  <dgm:catLst>
+    <dgm:cat type="simple" pri="10100"/>
+  </dgm:catLst>
+  <dgm:scene3d>
+    <a:camera prst="orthographicFront"/>
+    <a:lightRig rig="threePt" dir="t"/>
+  </dgm:scene3d>
+  <dgm:styleLbl name="node0">
+    <dgm:scene3d>
+      <a:camera prst="orthographicFront"/>
+      <a:lightRig rig="threePt" dir="t"/>
+    </dgm:scene3d>
+    <dgm:sp3d/>
+    <dgm:txPr/>
+    <dgm:style>
+      <a:lnRef idx="2">
+        <a:scrgbClr r="0" g="0" b="0"/>
+      </a:lnRef>
+      <a:fillRef idx="1">
+        <a:scrgbClr r="0" g="0" b="0"/>
+      </a:fillRef>
+      <a:effectRef idx="0">
+        <a:scrgbClr r="0" g="0" b="0"/>
+      </a:effectRef>
+      <a:fontRef idx="minor">
+        <a:schemeClr val="lt1"/>
+      </a:fontRef>
+    </dgm:style>
+  </dgm:styleLbl>
+  <dgm:styleLbl name="lnNode1">
+    <dgm:scene3d>
+      <a:camera prst="orthographicFront"/>
+      <a:lightRig rig="threePt" dir="t"/>
+    </dgm:scene3d>
+    <dgm:sp3d/>
+    <dgm:txPr/>
+    <dgm:style>
+      <a:lnRef idx="2">
+        <a:scrgbClr r="0" g="0" b="0"/>
+      </a:lnRef>
+      <a:fillRef idx="1">
+        <a:scrgbClr r="0" g="0" b="0"/>
+      </a:fillRef>
+      <a:effectRef idx="0">
+        <a:scrgbClr r="0" g="0" b="0"/>
+      </a:effectRef>
+      <a:fontRef idx="minor">
+        <a:schemeClr val="lt1"/>
+      </a:fontRef>
+    </dgm:style>
+  </dgm:styleLbl>
+  <dgm:styleLbl name="vennNode1">
+    <dgm:scene3d>
+      <a:camera prst="orthographicFront"/>
+      <a:lightRig rig="threePt" dir="t"/>
+    </dgm:scene3d>
+    <dgm:sp3d/>
+    <dgm:txPr/>
+    <dgm:style>
+      <a:lnRef idx="2">
+        <a:scrgbClr r="0" g="0" b="0"/>
+      </a:lnRef>
+      <a:fillRef idx="1">
+        <a:scrgbClr r="0" g="0" b="0"/>
+      </a:fillRef>
+      <a:effectRef idx="0">
+        <a:scrgbClr r="0" g="0" b="0"/>
+      </a:effectRef>
+      <a:fontRef idx="minor">
+        <a:schemeClr val="tx1"/>
+      </a:fontRef>
+    </dgm:style>
+  </dgm:styleLbl>
+  <dgm:styleLbl name="alignNode1">
+    <dgm:scene3d>
+      <a:camera prst="orthographicFront"/>
+      <a:lightRig rig="threePt" dir="t"/>
+    </dgm:scene3d>
+    <dgm:sp3d/>
+    <dgm:txPr/>
+    <dgm:style>
+      <a:lnRef idx="2">
+        <a:scrgbClr r="0" g="0" b="0"/>
+      </a:lnRef>
+      <a:fillRef idx="1">
+        <a:scrgbClr r="0" g="0" b="0"/>
+      </a:fillRef>
+      <a:effectRef idx="0">
+        <a:scrgbClr r="0" g="0" b="0"/>
+      </a:effectRef>
+      <a:fontRef idx="minor">
+        <a:schemeClr val="lt1"/>
+      </a:fontRef>
+    </dgm:style>
+  </dgm:styleLbl>
+  <dgm:styleLbl name="node1">
+    <dgm:scene3d>
+      <a:camera prst="orthographicFront"/>
+      <a:lightRig rig="threePt" dir="t"/>
+    </dgm:scene3d>
+    <dgm:sp3d/>
+    <dgm:txPr/>
+    <dgm:style>
+      <a:lnRef idx="2">
+        <a:scrgbClr r="0" g="0" b="0"/>
+      </a:lnRef>
+      <a:fillRef idx="1">
+        <a:scrgbClr r="0" g="0" b="0"/>
+      </a:fillRef>
+      <a:effectRef idx="0">
+        <a:scrgbClr r="0" g="0" b="0"/>
+      </a:effectRef>
+      <a:fontRef idx="minor">
+        <a:schemeClr val="lt1"/>
+      </a:fontRef>
+    </dgm:style>
+  </dgm:styleLbl>
+  <dgm:styleLbl name="node2">
+    <dgm:scene3d>
+      <a:camera prst="orthographicFront"/>
+      <a:lightRig rig="threePt" dir="t"/>
+    </dgm:scene3d>
+    <dgm:sp3d/>
+    <dgm:txPr/>
+    <dgm:style>
+      <a:lnRef idx="2">
+        <a:scrgbClr r="0" g="0" b="0"/>
+      </a:lnRef>
+      <a:fillRef idx="1">
+        <a:scrgbClr r="0" g="0" b="0"/>
+      </a:fillRef>
+      <a:effectRef idx="0">
+        <a:scrgbClr r="0" g="0" b="0"/>
+      </a:effectRef>
+      <a:fontRef idx="minor">
+        <a:schemeClr val="lt1"/>
+      </a:fontRef>
+    </dgm:style>
+  </dgm:styleLbl>
+  <dgm:styleLbl name="node3">
+    <dgm:scene3d>
+      <a:camera prst="orthographicFront"/>
+      <a:lightRig rig="threePt" dir="t"/>
+    </dgm:scene3d>
+    <dgm:sp3d/>
+    <dgm:txPr/>
+    <dgm:style>
+      <a:lnRef idx="2">
+        <a:scrgbClr r="0" g="0" b="0"/>
+      </a:lnRef>
+      <a:fillRef idx="1">
+        <a:scrgbClr r="0" g="0" b="0"/>
+      </a:fillRef>
+      <a:effectRef idx="0">
+        <a:scrgbClr r="0" g="0" b="0"/>
+      </a:effectRef>
+      <a:fontRef idx="minor">
+        <a:schemeClr val="lt1"/>
+      </a:fontRef>
+    </dgm:style>
+  </dgm:styleLbl>
+  <dgm:styleLbl name="node4">
+    <dgm:scene3d>
+      <a:camera prst="orthographicFront"/>
+      <a:lightRig rig="threePt" dir="t"/>
+    </dgm:scene3d>
+    <dgm:sp3d/>
+    <dgm:txPr/>
+    <dgm:style>
+      <a:lnRef idx="2">
+        <a:scrgbClr r="0" g="0" b="0"/>
+      </a:lnRef>
+      <a:fillRef idx="1">
+        <a:scrgbClr r="0" g="0" b="0"/>
+      </a:fillRef>
+      <a:effectRef idx="0">
+        <a:scrgbClr r="0" g="0" b="0"/>
+      </a:effectRef>
+      <a:fontRef idx="minor">
+        <a:schemeClr val="lt1"/>
+      </a:fontRef>
+    </dgm:style>
+  </dgm:styleLbl>
+  <dgm:styleLbl name="fgImgPlace1">
+    <dgm:scene3d>
+      <a:camera prst="orthographicFront"/>
+      <a:lightRig rig="threePt" dir="t"/>
+    </dgm:scene3d>
+    <dgm:sp3d/>
+    <dgm:txPr/>
+    <dgm:style>
+      <a:lnRef idx="2">
+        <a:scrgbClr r="0" g="0" b="0"/>
+      </a:lnRef>
+      <a:fillRef idx="1">
+        <a:scrgbClr r="0" g="0" b="0"/>
+      </a:fillRef>
+      <a:effectRef idx="0">
+        <a:scrgbClr r="0" g="0" b="0"/>
+      </a:effectRef>
+      <a:fontRef idx="minor"/>
+    </dgm:style>
+  </dgm:styleLbl>
+  <dgm:styleLbl name="alignImgPlace1">
+    <dgm:scene3d>
+      <a:camera prst="orthographicFront"/>
+      <a:lightRig rig="threePt" dir="t"/>
+    </dgm:scene3d>
+    <dgm:sp3d/>
+    <dgm:txPr/>
+    <dgm:style>
+      <a:lnRef idx="2">
+        <a:scrgbClr r="0" g="0" b="0"/>
+      </a:lnRef>
+      <a:fillRef idx="1">
+        <a:scrgbClr r="0" g="0" b="0"/>
+      </a:fillRef>
+      <a:effectRef idx="0">
+        <a:scrgbClr r="0" g="0" b="0"/>
+      </a:effectRef>
+      <a:fontRef idx="minor"/>
+    </dgm:style>
+  </dgm:styleLbl>
+  <dgm:styleLbl name="bgImgPlace1">
+    <dgm:scene3d>
+      <a:camera prst="orthographicFront"/>
+      <a:lightRig rig="threePt" dir="t"/>
+    </dgm:scene3d>
+    <dgm:sp3d/>
+    <dgm:txPr/>
+    <dgm:style>
+      <a:lnRef idx="2">
+        <a:scrgbClr r="0" g="0" b="0"/>
+      </a:lnRef>
+      <a:fillRef idx="1">
+        <a:scrgbClr r="0" g="0" b="0"/>
+      </a:fillRef>
+      <a:effectRef idx="0">
+        <a:scrgbClr r="0" g="0" b="0"/>
+      </a:effectRef>
+      <a:fontRef idx="minor"/>
+    </dgm:style>
+  </dgm:styleLbl>
+  <dgm:styleLbl name="sibTrans2D1">
+    <dgm:scene3d>
+      <a:camera prst="orthographicFront"/>
+      <a:lightRig rig="threePt" dir="t"/>
+    </dgm:scene3d>
+    <dgm:sp3d/>
+    <dgm:txPr/>
+    <dgm:style>
+      <a:lnRef idx="0">
+        <a:scrgbClr r="0" g="0" b="0"/>
+      </a:lnRef>
+      <a:fillRef idx="1">
+        <a:scrgbClr r="0" g="0" b="0"/>
+      </a:fillRef>
+      <a:effectRef idx="0">
+        <a:scrgbClr r="0" g="0" b="0"/>
+      </a:effectRef>
+      <a:fontRef idx="minor">
+        <a:schemeClr val="lt1"/>
+      </a:fontRef>
+    </dgm:style>
+  </dgm:styleLbl>
+  <dgm:styleLbl name="fgSibTrans2D1">
+    <dgm:scene3d>
+      <a:camera prst="orthographicFront"/>
+      <a:lightRig rig="threePt" dir="t"/>
+    </dgm:scene3d>
+    <dgm:sp3d/>
+    <dgm:txPr/>
+    <dgm:style>
+      <a:lnRef idx="0">
+        <a:scrgbClr r="0" g="0" b="0"/>
+      </a:lnRef>
+      <a:fillRef idx="1">
+        <a:scrgbClr r="0" g="0" b="0"/>
+      </a:fillRef>
+      <a:effectRef idx="0">
+        <a:scrgbClr r="0" g="0" b="0"/>
+      </a:effectRef>
+      <a:fontRef idx="minor">
+        <a:schemeClr val="lt1"/>
+      </a:fontRef>
+    </dgm:style>
+  </dgm:styleLbl>
+  <dgm:styleLbl name="bgSibTrans2D1">
+    <dgm:scene3d>
+      <a:camera prst="orthographicFront"/>
+      <a:lightRig rig="threePt" dir="t"/>
+    </dgm:scene3d>
+    <dgm:sp3d/>
+    <dgm:txPr/>
+    <dgm:style>
+      <a:lnRef idx="0">
+        <a:scrgbClr r="0" g="0" b="0"/>
+      </a:lnRef>
+      <a:fillRef idx="1">
+        <a:scrgbClr r="0" g="0" b="0"/>
+      </a:fillRef>
+      <a:effectRef idx="0">
+        <a:scrgbClr r="0" g="0" b="0"/>
+      </a:effectRef>
+      <a:fontRef idx="minor">
+        <a:schemeClr val="lt1"/>
+      </a:fontRef>
+    </dgm:style>
+  </dgm:styleLbl>
+  <dgm:styleLbl name="sibTrans1D1">
+    <dgm:scene3d>
+      <a:camera prst="orthographicFront"/>
+      <a:lightRig rig="threePt" dir="t"/>
+    </dgm:scene3d>
+    <dgm:sp3d/>
+    <dgm:txPr/>
+    <dgm:style>
+      <a:lnRef idx="1">
+        <a:scrgbClr r="0" g="0" b="0"/>
+      </a:lnRef>
+      <a:fillRef idx="0">
+        <a:scrgbClr r="0" g="0" b="0"/>
+      </a:fillRef>
+      <a:effectRef idx="0">
+        <a:scrgbClr r="0" g="0" b="0"/>
+      </a:effectRef>
+      <a:fontRef idx="minor"/>
+    </dgm:style>
+  </dgm:styleLbl>
+  <dgm:styleLbl name="callout">
+    <dgm:scene3d>
+      <a:camera prst="orthographicFront"/>
+      <a:lightRig rig="threePt" dir="t"/>
+    </dgm:scene3d>
+    <dgm:sp3d/>
+    <dgm:txPr/>
+    <dgm:style>
+      <a:lnRef idx="2">
+        <a:scrgbClr r="0" g="0" b="0"/>
+      </a:lnRef>
+      <a:fillRef idx="1">
+        <a:scrgbClr r="0" g="0" b="0"/>
+      </a:fillRef>
+      <a:effectRef idx="0">
+        <a:scrgbClr r="0" g="0" b="0"/>
+      </a:effectRef>
+      <a:fontRef idx="minor"/>
+    </dgm:style>
+  </dgm:styleLbl>
+  <dgm:styleLbl name="asst0">
+    <dgm:scene3d>
+      <a:camera prst="orthographicFront"/>
+      <a:lightRig rig="threePt" dir="t"/>
+    </dgm:scene3d>
+    <dgm:sp3d/>
+    <dgm:txPr/>
+    <dgm:style>
+      <a:lnRef idx="2">
+        <a:scrgbClr r="0" g="0" b="0"/>
+      </a:lnRef>
+      <a:fillRef idx="1">
+        <a:scrgbClr r="0" g="0" b="0"/>
+      </a:fillRef>
+      <a:effectRef idx="0">
+        <a:scrgbClr r="0" g="0" b="0"/>
+      </a:effectRef>
+      <a:fontRef idx="minor">
+        <a:schemeClr val="lt1"/>
+      </a:fontRef>
+    </dgm:style>
+  </dgm:styleLbl>
+  <dgm:styleLbl name="asst1">
+    <dgm:scene3d>
+      <a:camera prst="orthographicFront"/>
+      <a:lightRig rig="threePt" dir="t"/>
+    </dgm:scene3d>
+    <dgm:sp3d/>
+    <dgm:txPr/>
+    <dgm:style>
+      <a:lnRef idx="2">
+        <a:scrgbClr r="0" g="0" b="0"/>
+      </a:lnRef>
+      <a:fillRef idx="1">
+        <a:scrgbClr r="0" g="0" b="0"/>
+      </a:fillRef>
+      <a:effectRef idx="0">
+        <a:scrgbClr r="0" g="0" b="0"/>
+      </a:effectRef>
+      <a:fontRef idx="minor">
+        <a:schemeClr val="lt1"/>
+      </a:fontRef>
+    </dgm:style>
+  </dgm:styleLbl>
+  <dgm:styleLbl name="asst2">
+    <dgm:scene3d>
+      <a:camera prst="orthographicFront"/>
+      <a:lightRig rig="threePt" dir="t"/>
+    </dgm:scene3d>
+    <dgm:sp3d/>
+    <dgm:txPr/>
+    <dgm:style>
+      <a:lnRef idx="2">
+        <a:scrgbClr r="0" g="0" b="0"/>
+      </a:lnRef>
+      <a:fillRef idx="1">
+        <a:scrgbClr r="0" g="0" b="0"/>
+      </a:fillRef>
+      <a:effectRef idx="0">
+        <a:scrgbClr r="0" g="0" b="0"/>
+      </a:effectRef>
+      <a:fontRef idx="minor">
+        <a:schemeClr val="lt1"/>
+      </a:fontRef>
+    </dgm:style>
+  </dgm:styleLbl>
+  <dgm:styleLbl name="asst3">
+    <dgm:scene3d>
+      <a:camera prst="orthographicFront"/>
+      <a:lightRig rig="threePt" dir="t"/>
+    </dgm:scene3d>
+    <dgm:sp3d/>
+    <dgm:txPr/>
+    <dgm:style>
+      <a:lnRef idx="2">
+        <a:scrgbClr r="0" g="0" b="0"/>
+      </a:lnRef>
+      <a:fillRef idx="1">
+        <a:scrgbClr r="0" g="0" b="0"/>
+      </a:fillRef>
+      <a:effectRef idx="0">
+        <a:scrgbClr r="0" g="0" b="0"/>
+      </a:effectRef>
+      <a:fontRef idx="minor">
+        <a:schemeClr val="lt1"/>
+      </a:fontRef>
+    </dgm:style>
+  </dgm:styleLbl>
+  <dgm:styleLbl name="asst4">
+    <dgm:scene3d>
+      <a:camera prst="orthographicFront"/>
+      <a:lightRig rig="threePt" dir="t"/>
+    </dgm:scene3d>
+    <dgm:sp3d/>
+    <dgm:txPr/>
+    <dgm:style>
+      <a:lnRef idx="2">
+        <a:scrgbClr r="0" g="0" b="0"/>
+      </a:lnRef>
+      <a:fillRef idx="1">
+        <a:scrgbClr r="0" g="0" b="0"/>
+      </a:fillRef>
+      <a:effectRef idx="0">
+        <a:scrgbClr r="0" g="0" b="0"/>
+      </a:effectRef>
+      <a:fontRef idx="minor">
+        <a:schemeClr val="lt1"/>
+      </a:fontRef>
+    </dgm:style>
+  </dgm:styleLbl>
+  <dgm:styleLbl name="parChTrans2D1">
+    <dgm:scene3d>
+      <a:camera prst="orthographicFront"/>
+      <a:lightRig rig="threePt" dir="t"/>
+    </dgm:scene3d>
+    <dgm:sp3d/>
+    <dgm:txPr/>
+    <dgm:style>
+      <a:lnRef idx="2">
+        <a:scrgbClr r="0" g="0" b="0"/>
+      </a:lnRef>
+      <a:fillRef idx="1">
+        <a:scrgbClr r="0" g="0" b="0"/>
+      </a:fillRef>
+      <a:effectRef idx="0">
+        <a:scrgbClr r="0" g="0" b="0"/>
+      </a:effectRef>
+      <a:fontRef idx="minor">
+        <a:schemeClr val="lt1"/>
+      </a:fontRef>
+    </dgm:style>
+  </dgm:styleLbl>
+  <dgm:styleLbl name="parChTrans2D2">
+    <dgm:scene3d>
+      <a:camera prst="orthographicFront"/>
+      <a:lightRig rig="threePt" dir="t"/>
+    </dgm:scene3d>
+    <dgm:sp3d/>
+    <dgm:txPr/>
+    <dgm:style>
+      <a:lnRef idx="2">
+        <a:scrgbClr r="0" g="0" b="0"/>
+      </a:lnRef>
+      <a:fillRef idx="1">
+        <a:scrgbClr r="0" g="0" b="0"/>
+      </a:fillRef>
+      <a:effectRef idx="0">
+        <a:scrgbClr r="0" g="0" b="0"/>
+      </a:effectRef>
+      <a:fontRef idx="minor">
+        <a:schemeClr val="lt1"/>
+      </a:fontRef>
+    </dgm:style>
+  </dgm:styleLbl>
+  <dgm:styleLbl name="parChTrans2D3">
+    <dgm:scene3d>
+      <a:camera prst="orthographicFront"/>
+      <a:lightRig rig="threePt" dir="t"/>
+    </dgm:scene3d>
+    <dgm:sp3d/>
+    <dgm:txPr/>
+    <dgm:style>
+      <a:lnRef idx="2">
+        <a:scrgbClr r="0" g="0" b="0"/>
+      </a:lnRef>
+      <a:fillRef idx="1">
+        <a:scrgbClr r="0" g="0" b="0"/>
+      </a:fillRef>
+      <a:effectRef idx="0">
+        <a:scrgbClr r="0" g="0" b="0"/>
+      </a:effectRef>
+      <a:fontRef idx="minor">
+        <a:schemeClr val="lt1"/>
+      </a:fontRef>
+    </dgm:style>
+  </dgm:styleLbl>
+  <dgm:styleLbl name="parChTrans2D4">
+    <dgm:scene3d>
+      <a:camera prst="orthographicFront"/>
+      <a:lightRig rig="threePt" dir="t"/>
+    </dgm:scene3d>
+    <dgm:sp3d/>
+    <dgm:txPr/>
+    <dgm:style>
+      <a:lnRef idx="2">
+        <a:scrgbClr r="0" g="0" b="0"/>
+      </a:lnRef>
+      <a:fillRef idx="1">
+        <a:scrgbClr r="0" g="0" b="0"/>
+      </a:fillRef>
+      <a:effectRef idx="0">
+        <a:scrgbClr r="0" g="0" b="0"/>
+      </a:effectRef>
+      <a:fontRef idx="minor">
+        <a:schemeClr val="lt1"/>
+      </a:fontRef>
+    </dgm:style>
+  </dgm:styleLbl>
+  <dgm:styleLbl name="parChTrans1D1">
+    <dgm:scene3d>
+      <a:camera prst="orthographicFront"/>
+      <a:lightRig rig="threePt" dir="t"/>
+    </dgm:scene3d>
+    <dgm:sp3d/>
+    <dgm:txPr/>
+    <dgm:style>
+      <a:lnRef idx="2">
+        <a:scrgbClr r="0" g="0" b="0"/>
+      </a:lnRef>
+      <a:fillRef idx="0">
+        <a:scrgbClr r="0" g="0" b="0"/>
+      </a:fillRef>
+      <a:effectRef idx="0">
+        <a:scrgbClr r="0" g="0" b="0"/>
+      </a:effectRef>
+      <a:fontRef idx="minor"/>
+    </dgm:style>
+  </dgm:styleLbl>
+  <dgm:styleLbl name="parChTrans1D2">
+    <dgm:scene3d>
+      <a:camera prst="orthographicFront"/>
+      <a:lightRig rig="threePt" dir="t"/>
+    </dgm:scene3d>
+    <dgm:sp3d/>
+    <dgm:txPr/>
+    <dgm:style>
+      <a:lnRef idx="2">
+        <a:scrgbClr r="0" g="0" b="0"/>
+      </a:lnRef>
+      <a:fillRef idx="0">
+        <a:scrgbClr r="0" g="0" b="0"/>
+      </a:fillRef>
+      <a:effectRef idx="0">
+        <a:scrgbClr r="0" g="0" b="0"/>
+      </a:effectRef>
+      <a:fontRef idx="minor"/>
+    </dgm:style>
+  </dgm:styleLbl>
+  <dgm:styleLbl name="parChTrans1D3">
+    <dgm:scene3d>
+      <a:camera prst="orthographicFront"/>
+      <a:lightRig rig="threePt" dir="t"/>
+    </dgm:scene3d>
+    <dgm:sp3d/>
+    <dgm:txPr/>
+    <dgm:style>
+      <a:lnRef idx="2">
+        <a:scrgbClr r="0" g="0" b="0"/>
+      </a:lnRef>
+      <a:fillRef idx="0">
+        <a:scrgbClr r="0" g="0" b="0"/>
+      </a:fillRef>
+      <a:effectRef idx="0">
+        <a:scrgbClr r="0" g="0" b="0"/>
+      </a:effectRef>
+      <a:fontRef idx="minor"/>
+    </dgm:style>
+  </dgm:styleLbl>
+  <dgm:styleLbl name="parChTrans1D4">
+    <dgm:scene3d>
+      <a:camera prst="orthographicFront"/>
+      <a:lightRig rig="threePt" dir="t"/>
+    </dgm:scene3d>
+    <dgm:sp3d/>
+    <dgm:txPr/>
+    <dgm:style>
+      <a:lnRef idx="2">
+        <a:scrgbClr r="0" g="0" b="0"/>
+      </a:lnRef>
+      <a:fillRef idx="0">
+        <a:scrgbClr r="0" g="0" b="0"/>
+      </a:fillRef>
+      <a:effectRef idx="0">
+        <a:scrgbClr r="0" g="0" b="0"/>
+      </a:effectRef>
+      <a:fontRef idx="minor"/>
+    </dgm:style>
+  </dgm:styleLbl>
+  <dgm:styleLbl name="fgAcc1">
+    <dgm:scene3d>
+      <a:camera prst="orthographicFront"/>
+      <a:lightRig rig="threePt" dir="t"/>
+    </dgm:scene3d>
+    <dgm:sp3d/>
+    <dgm:txPr/>
+    <dgm:style>
+      <a:lnRef idx="2">
+        <a:scrgbClr r="0" g="0" b="0"/>
+      </a:lnRef>
+      <a:fillRef idx="1">
+        <a:scrgbClr r="0" g="0" b="0"/>
+      </a:fillRef>
+      <a:effectRef idx="0">
+        <a:scrgbClr r="0" g="0" b="0"/>
+      </a:effectRef>
+      <a:fontRef idx="minor"/>
+    </dgm:style>
+  </dgm:styleLbl>
+  <dgm:styleLbl name="conFgAcc1">
+    <dgm:scene3d>
+      <a:camera prst="orthographicFront"/>
+      <a:lightRig rig="threePt" dir="t"/>
+    </dgm:scene3d>
+    <dgm:sp3d/>
+    <dgm:txPr/>
+    <dgm:style>
+      <a:lnRef idx="2">
+        <a:scrgbClr r="0" g="0" b="0"/>
+      </a:lnRef>
+      <a:fillRef idx="1">
+        <a:scrgbClr r="0" g="0" b="0"/>
+      </a:fillRef>
+      <a:effectRef idx="0">
+        <a:scrgbClr r="0" g="0" b="0"/>
+      </a:effectRef>
+      <a:fontRef idx="minor"/>
+    </dgm:style>
+  </dgm:styleLbl>
+  <dgm:styleLbl name="alignAcc1">
+    <dgm:scene3d>
+      <a:camera prst="orthographicFront"/>
+      <a:lightRig rig="threePt" dir="t"/>
+    </dgm:scene3d>
+    <dgm:sp3d/>
+    <dgm:txPr/>
+    <dgm:style>
+      <a:lnRef idx="2">
+        <a:scrgbClr r="0" g="0" b="0"/>
+      </a:lnRef>
+      <a:fillRef idx="1">
+        <a:scrgbClr r="0" g="0" b="0"/>
+      </a:fillRef>
+      <a:effectRef idx="0">
+        <a:scrgbClr r="0" g="0" b="0"/>
+      </a:effectRef>
+      <a:fontRef idx="minor"/>
+    </dgm:style>
+  </dgm:styleLbl>
+  <dgm:styleLbl name="trAlignAcc1">
+    <dgm:scene3d>
+      <a:camera prst="orthographicFront"/>
+      <a:lightRig rig="threePt" dir="t"/>
+    </dgm:scene3d>
+    <dgm:sp3d/>
+    <dgm:txPr/>
+    <dgm:style>
+      <a:lnRef idx="1">
+        <a:scrgbClr r="0" g="0" b="0"/>
+      </a:lnRef>
+      <a:fillRef idx="1">
+        <a:scrgbClr r="0" g="0" b="0"/>
+      </a:fillRef>
+      <a:effectRef idx="0">
+        <a:scrgbClr r="0" g="0" b="0"/>
+      </a:effectRef>
+      <a:fontRef idx="minor"/>
+    </dgm:style>
+  </dgm:styleLbl>
+  <dgm:styleLbl name="bgAcc1">
+    <dgm:scene3d>
+      <a:camera prst="orthographicFront"/>
+      <a:lightRig rig="threePt" dir="t"/>
+    </dgm:scene3d>
+    <dgm:sp3d/>
+    <dgm:txPr/>
+    <dgm:style>
+      <a:lnRef idx="2">
+        <a:scrgbClr r="0" g="0" b="0"/>
+      </a:lnRef>
+      <a:fillRef idx="1">
+        <a:scrgbClr r="0" g="0" b="0"/>
+      </a:fillRef>
+      <a:effectRef idx="0">
+        <a:scrgbClr r="0" g="0" b="0"/>
+      </a:effectRef>
+      <a:fontRef idx="minor"/>
+    </dgm:style>
+  </dgm:styleLbl>
+  <dgm:styleLbl name="solidFgAcc1">
+    <dgm:scene3d>
+      <a:camera prst="orthographicFront"/>
+      <a:lightRig rig="threePt" dir="t"/>
+    </dgm:scene3d>
+    <dgm:sp3d/>
+    <dgm:txPr/>
+    <dgm:style>
+      <a:lnRef idx="2">
+        <a:scrgbClr r="0" g="0" b="0"/>
+      </a:lnRef>
+      <a:fillRef idx="1">
+        <a:scrgbClr r="0" g="0" b="0"/>
+      </a:fillRef>
+      <a:effectRef idx="0">
+        <a:scrgbClr r="0" g="0" b="0"/>
+      </a:effectRef>
+      <a:fontRef idx="minor"/>
+    </dgm:style>
+  </dgm:styleLbl>
+  <dgm:styleLbl name="solidAlignAcc1">
+    <dgm:scene3d>
+      <a:camera prst="orthographicFront"/>
+      <a:lightRig rig="threePt" dir="t"/>
+    </dgm:scene3d>
+    <dgm:sp3d/>
+    <dgm:txPr/>
+    <dgm:style>
+      <a:lnRef idx="2">
+        <a:scrgbClr r="0" g="0" b="0"/>
+      </a:lnRef>
+      <a:fillRef idx="1">
+        <a:scrgbClr r="0" g="0" b="0"/>
+      </a:fillRef>
+      <a:effectRef idx="0">
+        <a:scrgbClr r="0" g="0" b="0"/>
+      </a:effectRef>
+      <a:fontRef idx="minor"/>
+    </dgm:style>
+  </dgm:styleLbl>
+  <dgm:styleLbl name="solidBgAcc1">
+    <dgm:scene3d>
+      <a:camera prst="orthographicFront"/>
+      <a:lightRig rig="threePt" dir="t"/>
+    </dgm:scene3d>
+    <dgm:sp3d/>
+    <dgm:txPr/>
+    <dgm:style>
+      <a:lnRef idx="2">
+        <a:scrgbClr r="0" g="0" b="0"/>
+      </a:lnRef>
+      <a:fillRef idx="1">
+        <a:scrgbClr r="0" g="0" b="0"/>
+      </a:fillRef>
+      <a:effectRef idx="0">
+        <a:scrgbClr r="0" g="0" b="0"/>
+      </a:effectRef>
+      <a:fontRef idx="minor"/>
+    </dgm:style>
+  </dgm:styleLbl>
+  <dgm:styleLbl name="fgAccFollowNode1">
+    <dgm:scene3d>
+      <a:camera prst="orthographicFront"/>
+      <a:lightRig rig="threePt" dir="t"/>
+    </dgm:scene3d>
+    <dgm:sp3d/>
+    <dgm:txPr/>
+    <dgm:style>
+      <a:lnRef idx="2">
+        <a:scrgbClr r="0" g="0" b="0"/>
+      </a:lnRef>
+      <a:fillRef idx="1">
+        <a:scrgbClr r="0" g="0" b="0"/>
+      </a:fillRef>
+      <a:effectRef idx="0">
+        <a:scrgbClr r="0" g="0" b="0"/>
+      </a:effectRef>
+      <a:fontRef idx="minor"/>
+    </dgm:style>
+  </dgm:styleLbl>
+  <dgm:styleLbl name="alignAccFollowNode1">
+    <dgm:scene3d>
+      <a:camera prst="orthographicFront"/>
+      <a:lightRig rig="threePt" dir="t"/>
+    </dgm:scene3d>
+    <dgm:sp3d/>
+    <dgm:txPr/>
+    <dgm:style>
+      <a:lnRef idx="2">
+        <a:scrgbClr r="0" g="0" b="0"/>
+      </a:lnRef>
+      <a:fillRef idx="1">
+        <a:scrgbClr r="0" g="0" b="0"/>
+      </a:fillRef>
+      <a:effectRef idx="0">
+        <a:scrgbClr r="0" g="0" b="0"/>
+      </a:effectRef>
+      <a:fontRef idx="minor"/>
+    </dgm:style>
+  </dgm:styleLbl>
+  <dgm:styleLbl name="bgAccFollowNode1">
+    <dgm:scene3d>
+      <a:camera prst="orthographicFront"/>
+      <a:lightRig rig="threePt" dir="t"/>
+    </dgm:scene3d>
+    <dgm:sp3d/>
+    <dgm:txPr/>
+    <dgm:style>
+      <a:lnRef idx="2">
+        <a:scrgbClr r="0" g="0" b="0"/>
+      </a:lnRef>
+      <a:fillRef idx="1">
+        <a:scrgbClr r="0" g="0" b="0"/>
+      </a:fillRef>
+      <a:effectRef idx="0">
+        <a:scrgbClr r="0" g="0" b="0"/>
+      </a:effectRef>
+      <a:fontRef idx="minor"/>
+    </dgm:style>
+  </dgm:styleLbl>
+  <dgm:styleLbl name="fgAcc0">
+    <dgm:scene3d>
+      <a:camera prst="orthographicFront"/>
+      <a:lightRig rig="threePt" dir="t"/>
+    </dgm:scene3d>
+    <dgm:sp3d/>
+    <dgm:txPr/>
+    <dgm:style>
+      <a:lnRef idx="2">
+        <a:scrgbClr r="0" g="0" b="0"/>
+      </a:lnRef>
+      <a:fillRef idx="1">
+        <a:scrgbClr r="0" g="0" b="0"/>
+      </a:fillRef>
+      <a:effectRef idx="0">
+        <a:scrgbClr r="0" g="0" b="0"/>
+      </a:effectRef>
+      <a:fontRef idx="minor"/>
+    </dgm:style>
+  </dgm:styleLbl>
+  <dgm:styleLbl name="fgAcc2">
+    <dgm:scene3d>
+      <a:camera prst="orthographicFront"/>
+      <a:lightRig rig="threePt" dir="t"/>
+    </dgm:scene3d>
+    <dgm:sp3d/>
+    <dgm:txPr/>
+    <dgm:style>
+      <a:lnRef idx="2">
+        <a:scrgbClr r="0" g="0" b="0"/>
+      </a:lnRef>
+      <a:fillRef idx="1">
+        <a:scrgbClr r="0" g="0" b="0"/>
+      </a:fillRef>
+      <a:effectRef idx="0">
+        <a:scrgbClr r="0" g="0" b="0"/>
+      </a:effectRef>
+      <a:fontRef idx="minor"/>
+    </dgm:style>
+  </dgm:styleLbl>
+  <dgm:styleLbl name="fgAcc3">
+    <dgm:scene3d>
+      <a:camera prst="orthographicFront"/>
+      <a:lightRig rig="threePt" dir="t"/>
+    </dgm:scene3d>
+    <dgm:sp3d/>
+    <dgm:txPr/>
+    <dgm:style>
+      <a:lnRef idx="2">
+        <a:scrgbClr r="0" g="0" b="0"/>
+      </a:lnRef>
+      <a:fillRef idx="1">
+        <a:scrgbClr r="0" g="0" b="0"/>
+      </a:fillRef>
+      <a:effectRef idx="0">
+        <a:scrgbClr r="0" g="0" b="0"/>
+      </a:effectRef>
+      <a:fontRef idx="minor"/>
+    </dgm:style>
+  </dgm:styleLbl>
+  <dgm:styleLbl name="fgAcc4">
+    <dgm:scene3d>
+      <a:camera prst="orthographicFront"/>
+      <a:lightRig rig="threePt" dir="t"/>
+    </dgm:scene3d>
+    <dgm:sp3d/>
+    <dgm:txPr/>
+    <dgm:style>
+      <a:lnRef idx="2">
+        <a:scrgbClr r="0" g="0" b="0"/>
+      </a:lnRef>
+      <a:fillRef idx="1">
+        <a:scrgbClr r="0" g="0" b="0"/>
+      </a:fillRef>
+      <a:effectRef idx="0">
+        <a:scrgbClr r="0" g="0" b="0"/>
+      </a:effectRef>
+      <a:fontRef idx="minor"/>
+    </dgm:style>
+  </dgm:styleLbl>
+  <dgm:styleLbl name="bgShp">
+    <dgm:scene3d>
+      <a:camera prst="orthographicFront"/>
+      <a:lightRig rig="threePt" dir="t"/>
+    </dgm:scene3d>
+    <dgm:sp3d/>
+    <dgm:txPr/>
+    <dgm:style>
+      <a:lnRef idx="0">
+        <a:scrgbClr r="0" g="0" b="0"/>
+      </a:lnRef>
+      <a:fillRef idx="1">
+        <a:scrgbClr r="0" g="0" b="0"/>
+      </a:fillRef>
+      <a:effectRef idx="0">
+        <a:scrgbClr r="0" g="0" b="0"/>
+      </a:effectRef>
+      <a:fontRef idx="minor"/>
+    </dgm:style>
+  </dgm:styleLbl>
+  <dgm:styleLbl name="dkBgShp">
+    <dgm:scene3d>
+      <a:camera prst="orthographicFront"/>
+      <a:lightRig rig="threePt" dir="t"/>
+    </dgm:scene3d>
+    <dgm:sp3d/>
+    <dgm:txPr/>
+    <dgm:style>
+      <a:lnRef idx="0">
+        <a:scrgbClr r="0" g="0" b="0"/>
+      </a:lnRef>
+      <a:fillRef idx="1">
+        <a:scrgbClr r="0" g="0" b="0"/>
+      </a:fillRef>
+      <a:effectRef idx="0">
+        <a:scrgbClr r="0" g="0" b="0"/>
+      </a:effectRef>
+      <a:fontRef idx="minor"/>
+    </dgm:style>
+  </dgm:styleLbl>
+  <dgm:styleLbl name="trBgShp">
+    <dgm:scene3d>
+      <a:camera prst="orthographicFront"/>
+      <a:lightRig rig="threePt" dir="t"/>
+    </dgm:scene3d>
+    <dgm:sp3d/>
+    <dgm:txPr/>
+    <dgm:style>
+      <a:lnRef idx="0">
+        <a:scrgbClr r="0" g="0" b="0"/>
+      </a:lnRef>
+      <a:fillRef idx="1">
+        <a:scrgbClr r="0" g="0" b="0"/>
+      </a:fillRef>
+      <a:effectRef idx="0">
+        <a:scrgbClr r="0" g="0" b="0"/>
+      </a:effectRef>
+      <a:fontRef idx="minor"/>
+    </dgm:style>
+  </dgm:styleLbl>
+  <dgm:styleLbl name="fgShp">
+    <dgm:scene3d>
+      <a:camera prst="orthographicFront"/>
+      <a:lightRig rig="threePt" dir="t"/>
+    </dgm:scene3d>
+    <dgm:sp3d/>
+    <dgm:txPr/>
+    <dgm:style>
+      <a:lnRef idx="2">
+        <a:scrgbClr r="0" g="0" b="0"/>
+      </a:lnRef>
+      <a:fillRef idx="1">
+        <a:scrgbClr r="0" g="0" b="0"/>
+      </a:fillRef>
+      <a:effectRef idx="0">
+        <a:scrgbClr r="0" g="0" b="0"/>
+      </a:effectRef>
+      <a:fontRef idx="minor"/>
+    </dgm:style>
+  </dgm:styleLbl>
+  <dgm:styleLbl name="revTx">
+    <dgm:scene3d>
+      <a:camera prst="orthographicFront"/>
+      <a:lightRig rig="threePt" dir="t"/>
+    </dgm:scene3d>
+    <dgm:sp3d/>
+    <dgm:txPr/>
+    <dgm:style>
+      <a:lnRef idx="0">
+        <a:scrgbClr r="0" g="0" b="0"/>
+      </a:lnRef>
+      <a:fillRef idx="0">
+        <a:scrgbClr r="0" g="0" b="0"/>
+      </a:fillRef>
+      <a:effectRef idx="0">
+        <a:scrgbClr r="0" g="0" b="0"/>
+      </a:effectRef>
+      <a:fontRef idx="minor"/>
+    </dgm:style>
+  </dgm:styleLbl>
+</dgm:styleDef>
+</file>
+
+<file path=ppt/diagrams/quickStyle4.xml><?xml version="1.0" encoding="utf-8"?>
+<dgm:styleDef xmlns:dgm="http://schemas.openxmlformats.org/drawingml/2006/diagram" xmlns:a="http://schemas.openxmlformats.org/drawingml/2006/main" uniqueId="urn:microsoft.com/office/officeart/2005/8/quickstyle/simple1">
+  <dgm:title val=""/>
+  <dgm:desc val=""/>
+  <dgm:catLst>
+    <dgm:cat type="simple" pri="10100"/>
+  </dgm:catLst>
+  <dgm:scene3d>
+    <a:camera prst="orthographicFront"/>
+    <a:lightRig rig="threePt" dir="t"/>
+  </dgm:scene3d>
+  <dgm:styleLbl name="node0">
+    <dgm:scene3d>
+      <a:camera prst="orthographicFront"/>
+      <a:lightRig rig="threePt" dir="t"/>
+    </dgm:scene3d>
+    <dgm:sp3d/>
+    <dgm:txPr/>
+    <dgm:style>
+      <a:lnRef idx="2">
+        <a:scrgbClr r="0" g="0" b="0"/>
+      </a:lnRef>
+      <a:fillRef idx="1">
+        <a:scrgbClr r="0" g="0" b="0"/>
+      </a:fillRef>
+      <a:effectRef idx="0">
+        <a:scrgbClr r="0" g="0" b="0"/>
+      </a:effectRef>
+      <a:fontRef idx="minor">
+        <a:schemeClr val="lt1"/>
+      </a:fontRef>
+    </dgm:style>
+  </dgm:styleLbl>
+  <dgm:styleLbl name="lnNode1">
+    <dgm:scene3d>
+      <a:camera prst="orthographicFront"/>
+      <a:lightRig rig="threePt" dir="t"/>
+    </dgm:scene3d>
+    <dgm:sp3d/>
+    <dgm:txPr/>
+    <dgm:style>
+      <a:lnRef idx="2">
+        <a:scrgbClr r="0" g="0" b="0"/>
+      </a:lnRef>
+      <a:fillRef idx="1">
+        <a:scrgbClr r="0" g="0" b="0"/>
+      </a:fillRef>
+      <a:effectRef idx="0">
+        <a:scrgbClr r="0" g="0" b="0"/>
+      </a:effectRef>
+      <a:fontRef idx="minor">
+        <a:schemeClr val="lt1"/>
+      </a:fontRef>
+    </dgm:style>
+  </dgm:styleLbl>
+  <dgm:styleLbl name="vennNode1">
+    <dgm:scene3d>
+      <a:camera prst="orthographicFront"/>
+      <a:lightRig rig="threePt" dir="t"/>
+    </dgm:scene3d>
+    <dgm:sp3d/>
+    <dgm:txPr/>
+    <dgm:style>
+      <a:lnRef idx="2">
+        <a:scrgbClr r="0" g="0" b="0"/>
+      </a:lnRef>
+      <a:fillRef idx="1">
+        <a:scrgbClr r="0" g="0" b="0"/>
+      </a:fillRef>
+      <a:effectRef idx="0">
+        <a:scrgbClr r="0" g="0" b="0"/>
+      </a:effectRef>
+      <a:fontRef idx="minor">
+        <a:schemeClr val="tx1"/>
+      </a:fontRef>
+    </dgm:style>
+  </dgm:styleLbl>
+  <dgm:styleLbl name="alignNode1">
+    <dgm:scene3d>
+      <a:camera prst="orthographicFront"/>
+      <a:lightRig rig="threePt" dir="t"/>
+    </dgm:scene3d>
+    <dgm:sp3d/>
+    <dgm:txPr/>
+    <dgm:style>
+      <a:lnRef idx="2">
+        <a:scrgbClr r="0" g="0" b="0"/>
+      </a:lnRef>
+      <a:fillRef idx="1">
+        <a:scrgbClr r="0" g="0" b="0"/>
+      </a:fillRef>
+      <a:effectRef idx="0">
+        <a:scrgbClr r="0" g="0" b="0"/>
+      </a:effectRef>
+      <a:fontRef idx="minor">
+        <a:schemeClr val="lt1"/>
+      </a:fontRef>
+    </dgm:style>
+  </dgm:styleLbl>
+  <dgm:styleLbl name="node1">
+    <dgm:scene3d>
+      <a:camera prst="orthographicFront"/>
+      <a:lightRig rig="threePt" dir="t"/>
+    </dgm:scene3d>
+    <dgm:sp3d/>
+    <dgm:txPr/>
+    <dgm:style>
+      <a:lnRef idx="2">
+        <a:scrgbClr r="0" g="0" b="0"/>
+      </a:lnRef>
+      <a:fillRef idx="1">
+        <a:scrgbClr r="0" g="0" b="0"/>
+      </a:fillRef>
+      <a:effectRef idx="0">
+        <a:scrgbClr r="0" g="0" b="0"/>
+      </a:effectRef>
+      <a:fontRef idx="minor">
+        <a:schemeClr val="lt1"/>
+      </a:fontRef>
+    </dgm:style>
+  </dgm:styleLbl>
+  <dgm:styleLbl name="node2">
+    <dgm:scene3d>
+      <a:camera prst="orthographicFront"/>
+      <a:lightRig rig="threePt" dir="t"/>
+    </dgm:scene3d>
+    <dgm:sp3d/>
+    <dgm:txPr/>
+    <dgm:style>
+      <a:lnRef idx="2">
+        <a:scrgbClr r="0" g="0" b="0"/>
+      </a:lnRef>
+      <a:fillRef idx="1">
+        <a:scrgbClr r="0" g="0" b="0"/>
+      </a:fillRef>
+      <a:effectRef idx="0">
+        <a:scrgbClr r="0" g="0" b="0"/>
+      </a:effectRef>
+      <a:fontRef idx="minor">
+        <a:schemeClr val="lt1"/>
+      </a:fontRef>
+    </dgm:style>
+  </dgm:styleLbl>
+  <dgm:styleLbl name="node3">
+    <dgm:scene3d>
+      <a:camera prst="orthographicFront"/>
+      <a:lightRig rig="threePt" dir="t"/>
+    </dgm:scene3d>
+    <dgm:sp3d/>
+    <dgm:txPr/>
+    <dgm:style>
+      <a:lnRef idx="2">
+        <a:scrgbClr r="0" g="0" b="0"/>
+      </a:lnRef>
+      <a:fillRef idx="1">
+        <a:scrgbClr r="0" g="0" b="0"/>
+      </a:fillRef>
+      <a:effectRef idx="0">
+        <a:scrgbClr r="0" g="0" b="0"/>
+      </a:effectRef>
+      <a:fontRef idx="minor">
+        <a:schemeClr val="lt1"/>
+      </a:fontRef>
+    </dgm:style>
+  </dgm:styleLbl>
+  <dgm:styleLbl name="node4">
+    <dgm:scene3d>
+      <a:camera prst="orthographicFront"/>
+      <a:lightRig rig="threePt" dir="t"/>
+    </dgm:scene3d>
+    <dgm:sp3d/>
+    <dgm:txPr/>
+    <dgm:style>
+      <a:lnRef idx="2">
+        <a:scrgbClr r="0" g="0" b="0"/>
+      </a:lnRef>
+      <a:fillRef idx="1">
+        <a:scrgbClr r="0" g="0" b="0"/>
+      </a:fillRef>
+      <a:effectRef idx="0">
+        <a:scrgbClr r="0" g="0" b="0"/>
+      </a:effectRef>
+      <a:fontRef idx="minor">
+        <a:schemeClr val="lt1"/>
+      </a:fontRef>
+    </dgm:style>
+  </dgm:styleLbl>
+  <dgm:styleLbl name="fgImgPlace1">
+    <dgm:scene3d>
+      <a:camera prst="orthographicFront"/>
+      <a:lightRig rig="threePt" dir="t"/>
+    </dgm:scene3d>
+    <dgm:sp3d/>
+    <dgm:txPr/>
+    <dgm:style>
+      <a:lnRef idx="2">
+        <a:scrgbClr r="0" g="0" b="0"/>
+      </a:lnRef>
+      <a:fillRef idx="1">
+        <a:scrgbClr r="0" g="0" b="0"/>
+      </a:fillRef>
+      <a:effectRef idx="0">
+        <a:scrgbClr r="0" g="0" b="0"/>
+      </a:effectRef>
+      <a:fontRef idx="minor"/>
+    </dgm:style>
+  </dgm:styleLbl>
+  <dgm:styleLbl name="alignImgPlace1">
+    <dgm:scene3d>
+      <a:camera prst="orthographicFront"/>
+      <a:lightRig rig="threePt" dir="t"/>
+    </dgm:scene3d>
+    <dgm:sp3d/>
+    <dgm:txPr/>
+    <dgm:style>
+      <a:lnRef idx="2">
+        <a:scrgbClr r="0" g="0" b="0"/>
+      </a:lnRef>
+      <a:fillRef idx="1">
+        <a:scrgbClr r="0" g="0" b="0"/>
+      </a:fillRef>
+      <a:effectRef idx="0">
+        <a:scrgbClr r="0" g="0" b="0"/>
+      </a:effectRef>
+      <a:fontRef idx="minor"/>
+    </dgm:style>
+  </dgm:styleLbl>
+  <dgm:styleLbl name="bgImgPlace1">
+    <dgm:scene3d>
+      <a:camera prst="orthographicFront"/>
+      <a:lightRig rig="threePt" dir="t"/>
+    </dgm:scene3d>
+    <dgm:sp3d/>
+    <dgm:txPr/>
+    <dgm:style>
+      <a:lnRef idx="2">
+        <a:scrgbClr r="0" g="0" b="0"/>
+      </a:lnRef>
+      <a:fillRef idx="1">
+        <a:scrgbClr r="0" g="0" b="0"/>
+      </a:fillRef>
+      <a:effectRef idx="0">
+        <a:scrgbClr r="0" g="0" b="0"/>
+      </a:effectRef>
+      <a:fontRef idx="minor"/>
+    </dgm:style>
+  </dgm:styleLbl>
+  <dgm:styleLbl name="sibTrans2D1">
+    <dgm:scene3d>
+      <a:camera prst="orthographicFront"/>
+      <a:lightRig rig="threePt" dir="t"/>
+    </dgm:scene3d>
+    <dgm:sp3d/>
+    <dgm:txPr/>
+    <dgm:style>
+      <a:lnRef idx="0">
+        <a:scrgbClr r="0" g="0" b="0"/>
+      </a:lnRef>
+      <a:fillRef idx="1">
+        <a:scrgbClr r="0" g="0" b="0"/>
+      </a:fillRef>
+      <a:effectRef idx="0">
+        <a:scrgbClr r="0" g="0" b="0"/>
+      </a:effectRef>
+      <a:fontRef idx="minor">
+        <a:schemeClr val="lt1"/>
+      </a:fontRef>
+    </dgm:style>
+  </dgm:styleLbl>
+  <dgm:styleLbl name="fgSibTrans2D1">
+    <dgm:scene3d>
+      <a:camera prst="orthographicFront"/>
+      <a:lightRig rig="threePt" dir="t"/>
+    </dgm:scene3d>
+    <dgm:sp3d/>
+    <dgm:txPr/>
+    <dgm:style>
+      <a:lnRef idx="0">
+        <a:scrgbClr r="0" g="0" b="0"/>
+      </a:lnRef>
+      <a:fillRef idx="1">
+        <a:scrgbClr r="0" g="0" b="0"/>
+      </a:fillRef>
+      <a:effectRef idx="0">
+        <a:scrgbClr r="0" g="0" b="0"/>
+      </a:effectRef>
+      <a:fontRef idx="minor">
+        <a:schemeClr val="lt1"/>
+      </a:fontRef>
+    </dgm:style>
+  </dgm:styleLbl>
+  <dgm:styleLbl name="bgSibTrans2D1">
+    <dgm:scene3d>
+      <a:camera prst="orthographicFront"/>
+      <a:lightRig rig="threePt" dir="t"/>
+    </dgm:scene3d>
+    <dgm:sp3d/>
+    <dgm:txPr/>
+    <dgm:style>
+      <a:lnRef idx="0">
+        <a:scrgbClr r="0" g="0" b="0"/>
+      </a:lnRef>
+      <a:fillRef idx="1">
+        <a:scrgbClr r="0" g="0" b="0"/>
+      </a:fillRef>
+      <a:effectRef idx="0">
+        <a:scrgbClr r="0" g="0" b="0"/>
+      </a:effectRef>
+      <a:fontRef idx="minor">
+        <a:schemeClr val="lt1"/>
+      </a:fontRef>
+    </dgm:style>
+  </dgm:styleLbl>
+  <dgm:styleLbl name="sibTrans1D1">
+    <dgm:scene3d>
+      <a:camera prst="orthographicFront"/>
+      <a:lightRig rig="threePt" dir="t"/>
+    </dgm:scene3d>
+    <dgm:sp3d/>
+    <dgm:txPr/>
+    <dgm:style>
+      <a:lnRef idx="1">
+        <a:scrgbClr r="0" g="0" b="0"/>
+      </a:lnRef>
+      <a:fillRef idx="0">
+        <a:scrgbClr r="0" g="0" b="0"/>
+      </a:fillRef>
+      <a:effectRef idx="0">
+        <a:scrgbClr r="0" g="0" b="0"/>
+      </a:effectRef>
+      <a:fontRef idx="minor"/>
+    </dgm:style>
+  </dgm:styleLbl>
+  <dgm:styleLbl name="callout">
+    <dgm:scene3d>
+      <a:camera prst="orthographicFront"/>
+      <a:lightRig rig="threePt" dir="t"/>
+    </dgm:scene3d>
+    <dgm:sp3d/>
+    <dgm:txPr/>
+    <dgm:style>
+      <a:lnRef idx="2">
+        <a:scrgbClr r="0" g="0" b="0"/>
+      </a:lnRef>
+      <a:fillRef idx="1">
+        <a:scrgbClr r="0" g="0" b="0"/>
+      </a:fillRef>
+      <a:effectRef idx="0">
+        <a:scrgbClr r="0" g="0" b="0"/>
+      </a:effectRef>
+      <a:fontRef idx="minor"/>
+    </dgm:style>
+  </dgm:styleLbl>
+  <dgm:styleLbl name="asst0">
+    <dgm:scene3d>
+      <a:camera prst="orthographicFront"/>
+      <a:lightRig rig="threePt" dir="t"/>
+    </dgm:scene3d>
+    <dgm:sp3d/>
+    <dgm:txPr/>
+    <dgm:style>
+      <a:lnRef idx="2">
+        <a:scrgbClr r="0" g="0" b="0"/>
+      </a:lnRef>
+      <a:fillRef idx="1">
+        <a:scrgbClr r="0" g="0" b="0"/>
+      </a:fillRef>
+      <a:effectRef idx="0">
+        <a:scrgbClr r="0" g="0" b="0"/>
+      </a:effectRef>
+      <a:fontRef idx="minor">
+        <a:schemeClr val="lt1"/>
+      </a:fontRef>
+    </dgm:style>
+  </dgm:styleLbl>
+  <dgm:styleLbl name="asst1">
+    <dgm:scene3d>
+      <a:camera prst="orthographicFront"/>
+      <a:lightRig rig="threePt" dir="t"/>
+    </dgm:scene3d>
+    <dgm:sp3d/>
+    <dgm:txPr/>
+    <dgm:style>
+      <a:lnRef idx="2">
+        <a:scrgbClr r="0" g="0" b="0"/>
+      </a:lnRef>
+      <a:fillRef idx="1">
+        <a:scrgbClr r="0" g="0" b="0"/>
+      </a:fillRef>
+      <a:effectRef idx="0">
+        <a:scrgbClr r="0" g="0" b="0"/>
+      </a:effectRef>
+      <a:fontRef idx="minor">
+        <a:schemeClr val="lt1"/>
+      </a:fontRef>
+    </dgm:style>
+  </dgm:styleLbl>
+  <dgm:styleLbl name="asst2">
+    <dgm:scene3d>
+      <a:camera prst="orthographicFront"/>
+      <a:lightRig rig="threePt" dir="t"/>
+    </dgm:scene3d>
+    <dgm:sp3d/>
+    <dgm:txPr/>
+    <dgm:style>
+      <a:lnRef idx="2">
+        <a:scrgbClr r="0" g="0" b="0"/>
+      </a:lnRef>
+      <a:fillRef idx="1">
+        <a:scrgbClr r="0" g="0" b="0"/>
+      </a:fillRef>
+      <a:effectRef idx="0">
+        <a:scrgbClr r="0" g="0" b="0"/>
+      </a:effectRef>
+      <a:fontRef idx="minor">
+        <a:schemeClr val="lt1"/>
+      </a:fontRef>
+    </dgm:style>
+  </dgm:styleLbl>
+  <dgm:styleLbl name="asst3">
+    <dgm:scene3d>
+      <a:camera prst="orthographicFront"/>
+      <a:lightRig rig="threePt" dir="t"/>
+    </dgm:scene3d>
+    <dgm:sp3d/>
+    <dgm:txPr/>
+    <dgm:style>
+      <a:lnRef idx="2">
+        <a:scrgbClr r="0" g="0" b="0"/>
+      </a:lnRef>
+      <a:fillRef idx="1">
+        <a:scrgbClr r="0" g="0" b="0"/>
+      </a:fillRef>
+      <a:effectRef idx="0">
+        <a:scrgbClr r="0" g="0" b="0"/>
+      </a:effectRef>
+      <a:fontRef idx="minor">
+        <a:schemeClr val="lt1"/>
+      </a:fontRef>
+    </dgm:style>
+  </dgm:styleLbl>
+  <dgm:styleLbl name="asst4">
+    <dgm:scene3d>
+      <a:camera prst="orthographicFront"/>
+      <a:lightRig rig="threePt" dir="t"/>
+    </dgm:scene3d>
+    <dgm:sp3d/>
+    <dgm:txPr/>
+    <dgm:style>
+      <a:lnRef idx="2">
+        <a:scrgbClr r="0" g="0" b="0"/>
+      </a:lnRef>
+      <a:fillRef idx="1">
+        <a:scrgbClr r="0" g="0" b="0"/>
+      </a:fillRef>
+      <a:effectRef idx="0">
+        <a:scrgbClr r="0" g="0" b="0"/>
+      </a:effectRef>
+      <a:fontRef idx="minor">
+        <a:schemeClr val="lt1"/>
+      </a:fontRef>
+    </dgm:style>
+  </dgm:styleLbl>
+  <dgm:styleLbl name="parChTrans2D1">
+    <dgm:scene3d>
+      <a:camera prst="orthographicFront"/>
+      <a:lightRig rig="threePt" dir="t"/>
+    </dgm:scene3d>
+    <dgm:sp3d/>
+    <dgm:txPr/>
+    <dgm:style>
+      <a:lnRef idx="2">
+        <a:scrgbClr r="0" g="0" b="0"/>
+      </a:lnRef>
+      <a:fillRef idx="1">
+        <a:scrgbClr r="0" g="0" b="0"/>
+      </a:fillRef>
+      <a:effectRef idx="0">
+        <a:scrgbClr r="0" g="0" b="0"/>
+      </a:effectRef>
+      <a:fontRef idx="minor">
+        <a:schemeClr val="lt1"/>
+      </a:fontRef>
+    </dgm:style>
+  </dgm:styleLbl>
+  <dgm:styleLbl name="parChTrans2D2">
+    <dgm:scene3d>
+      <a:camera prst="orthographicFront"/>
+      <a:lightRig rig="threePt" dir="t"/>
+    </dgm:scene3d>
+    <dgm:sp3d/>
+    <dgm:txPr/>
+    <dgm:style>
+      <a:lnRef idx="2">
+        <a:scrgbClr r="0" g="0" b="0"/>
+      </a:lnRef>
+      <a:fillRef idx="1">
+        <a:scrgbClr r="0" g="0" b="0"/>
+      </a:fillRef>
+      <a:effectRef idx="0">
+        <a:scrgbClr r="0" g="0" b="0"/>
+      </a:effectRef>
+      <a:fontRef idx="minor">
+        <a:schemeClr val="lt1"/>
+      </a:fontRef>
+    </dgm:style>
+  </dgm:styleLbl>
+  <dgm:styleLbl name="parChTrans2D3">
+    <dgm:scene3d>
+      <a:camera prst="orthographicFront"/>
+      <a:lightRig rig="threePt" dir="t"/>
+    </dgm:scene3d>
+    <dgm:sp3d/>
+    <dgm:txPr/>
+    <dgm:style>
+      <a:lnRef idx="2">
+        <a:scrgbClr r="0" g="0" b="0"/>
+      </a:lnRef>
+      <a:fillRef idx="1">
+        <a:scrgbClr r="0" g="0" b="0"/>
+      </a:fillRef>
+      <a:effectRef idx="0">
+        <a:scrgbClr r="0" g="0" b="0"/>
+      </a:effectRef>
+      <a:fontRef idx="minor">
+        <a:schemeClr val="lt1"/>
+      </a:fontRef>
+    </dgm:style>
+  </dgm:styleLbl>
+  <dgm:styleLbl name="parChTrans2D4">
+    <dgm:scene3d>
+      <a:camera prst="orthographicFront"/>
+      <a:lightRig rig="threePt" dir="t"/>
+    </dgm:scene3d>
+    <dgm:sp3d/>
+    <dgm:txPr/>
+    <dgm:style>
+      <a:lnRef idx="2">
+        <a:scrgbClr r="0" g="0" b="0"/>
+      </a:lnRef>
+      <a:fillRef idx="1">
+        <a:scrgbClr r="0" g="0" b="0"/>
+      </a:fillRef>
+      <a:effectRef idx="0">
+        <a:scrgbClr r="0" g="0" b="0"/>
+      </a:effectRef>
+      <a:fontRef idx="minor">
+        <a:schemeClr val="lt1"/>
+      </a:fontRef>
+    </dgm:style>
+  </dgm:styleLbl>
+  <dgm:styleLbl name="parChTrans1D1">
+    <dgm:scene3d>
+      <a:camera prst="orthographicFront"/>
+      <a:lightRig rig="threePt" dir="t"/>
+    </dgm:scene3d>
+    <dgm:sp3d/>
+    <dgm:txPr/>
+    <dgm:style>
+      <a:lnRef idx="2">
+        <a:scrgbClr r="0" g="0" b="0"/>
+      </a:lnRef>
+      <a:fillRef idx="0">
+        <a:scrgbClr r="0" g="0" b="0"/>
+      </a:fillRef>
+      <a:effectRef idx="0">
+        <a:scrgbClr r="0" g="0" b="0"/>
+      </a:effectRef>
+      <a:fontRef idx="minor"/>
+    </dgm:style>
+  </dgm:styleLbl>
+  <dgm:styleLbl name="parChTrans1D2">
+    <dgm:scene3d>
+      <a:camera prst="orthographicFront"/>
+      <a:lightRig rig="threePt" dir="t"/>
+    </dgm:scene3d>
+    <dgm:sp3d/>
+    <dgm:txPr/>
+    <dgm:style>
+      <a:lnRef idx="2">
+        <a:scrgbClr r="0" g="0" b="0"/>
+      </a:lnRef>
+      <a:fillRef idx="0">
+        <a:scrgbClr r="0" g="0" b="0"/>
+      </a:fillRef>
+      <a:effectRef idx="0">
+        <a:scrgbClr r="0" g="0" b="0"/>
+      </a:effectRef>
+      <a:fontRef idx="minor"/>
+    </dgm:style>
+  </dgm:styleLbl>
+  <dgm:styleLbl name="parChTrans1D3">
+    <dgm:scene3d>
+      <a:camera prst="orthographicFront"/>
+      <a:lightRig rig="threePt" dir="t"/>
+    </dgm:scene3d>
+    <dgm:sp3d/>
+    <dgm:txPr/>
+    <dgm:style>
+      <a:lnRef idx="2">
+        <a:scrgbClr r="0" g="0" b="0"/>
+      </a:lnRef>
+      <a:fillRef idx="0">
+        <a:scrgbClr r="0" g="0" b="0"/>
+      </a:fillRef>
+      <a:effectRef idx="0">
+        <a:scrgbClr r="0" g="0" b="0"/>
+      </a:effectRef>
+      <a:fontRef idx="minor"/>
+    </dgm:style>
+  </dgm:styleLbl>
+  <dgm:styleLbl name="parChTrans1D4">
+    <dgm:scene3d>
+      <a:camera prst="orthographicFront"/>
+      <a:lightRig rig="threePt" dir="t"/>
+    </dgm:scene3d>
+    <dgm:sp3d/>
+    <dgm:txPr/>
+    <dgm:style>
+      <a:lnRef idx="2">
+        <a:scrgbClr r="0" g="0" b="0"/>
+      </a:lnRef>
+      <a:fillRef idx="0">
+        <a:scrgbClr r="0" g="0" b="0"/>
+      </a:fillRef>
+      <a:effectRef idx="0">
+        <a:scrgbClr r="0" g="0" b="0"/>
+      </a:effectRef>
+      <a:fontRef idx="minor"/>
+    </dgm:style>
+  </dgm:styleLbl>
+  <dgm:styleLbl name="fgAcc1">
+    <dgm:scene3d>
+      <a:camera prst="orthographicFront"/>
+      <a:lightRig rig="threePt" dir="t"/>
+    </dgm:scene3d>
+    <dgm:sp3d/>
+    <dgm:txPr/>
+    <dgm:style>
+      <a:lnRef idx="2">
+        <a:scrgbClr r="0" g="0" b="0"/>
+      </a:lnRef>
+      <a:fillRef idx="1">
+        <a:scrgbClr r="0" g="0" b="0"/>
+      </a:fillRef>
+      <a:effectRef idx="0">
+        <a:scrgbClr r="0" g="0" b="0"/>
+      </a:effectRef>
+      <a:fontRef idx="minor"/>
+    </dgm:style>
+  </dgm:styleLbl>
+  <dgm:styleLbl name="conFgAcc1">
+    <dgm:scene3d>
+      <a:camera prst="orthographicFront"/>
+      <a:lightRig rig="threePt" dir="t"/>
+    </dgm:scene3d>
+    <dgm:sp3d/>
+    <dgm:txPr/>
+    <dgm:style>
+      <a:lnRef idx="2">
+        <a:scrgbClr r="0" g="0" b="0"/>
+      </a:lnRef>
+      <a:fillRef idx="1">
+        <a:scrgbClr r="0" g="0" b="0"/>
+      </a:fillRef>
+      <a:effectRef idx="0">
+        <a:scrgbClr r="0" g="0" b="0"/>
+      </a:effectRef>
+      <a:fontRef idx="minor"/>
+    </dgm:style>
+  </dgm:styleLbl>
+  <dgm:styleLbl name="alignAcc1">
+    <dgm:scene3d>
+      <a:camera prst="orthographicFront"/>
+      <a:lightRig rig="threePt" dir="t"/>
+    </dgm:scene3d>
+    <dgm:sp3d/>
+    <dgm:txPr/>
+    <dgm:style>
+      <a:lnRef idx="2">
+        <a:scrgbClr r="0" g="0" b="0"/>
+      </a:lnRef>
+      <a:fillRef idx="1">
+        <a:scrgbClr r="0" g="0" b="0"/>
+      </a:fillRef>
+      <a:effectRef idx="0">
+        <a:scrgbClr r="0" g="0" b="0"/>
+      </a:effectRef>
+      <a:fontRef idx="minor"/>
+    </dgm:style>
+  </dgm:styleLbl>
+  <dgm:styleLbl name="trAlignAcc1">
+    <dgm:scene3d>
+      <a:camera prst="orthographicFront"/>
+      <a:lightRig rig="threePt" dir="t"/>
+    </dgm:scene3d>
+    <dgm:sp3d/>
+    <dgm:txPr/>
+    <dgm:style>
+      <a:lnRef idx="1">
+        <a:scrgbClr r="0" g="0" b="0"/>
+      </a:lnRef>
+      <a:fillRef idx="1">
+        <a:scrgbClr r="0" g="0" b="0"/>
+      </a:fillRef>
+      <a:effectRef idx="0">
+        <a:scrgbClr r="0" g="0" b="0"/>
+      </a:effectRef>
+      <a:fontRef idx="minor"/>
+    </dgm:style>
+  </dgm:styleLbl>
+  <dgm:styleLbl name="bgAcc1">
+    <dgm:scene3d>
+      <a:camera prst="orthographicFront"/>
+      <a:lightRig rig="threePt" dir="t"/>
+    </dgm:scene3d>
+    <dgm:sp3d/>
+    <dgm:txPr/>
+    <dgm:style>
+      <a:lnRef idx="2">
+        <a:scrgbClr r="0" g="0" b="0"/>
+      </a:lnRef>
+      <a:fillRef idx="1">
+        <a:scrgbClr r="0" g="0" b="0"/>
+      </a:fillRef>
+      <a:effectRef idx="0">
+        <a:scrgbClr r="0" g="0" b="0"/>
+      </a:effectRef>
+      <a:fontRef idx="minor"/>
+    </dgm:style>
+  </dgm:styleLbl>
+  <dgm:styleLbl name="solidFgAcc1">
+    <dgm:scene3d>
+      <a:camera prst="orthographicFront"/>
+      <a:lightRig rig="threePt" dir="t"/>
+    </dgm:scene3d>
+    <dgm:sp3d/>
+    <dgm:txPr/>
+    <dgm:style>
+      <a:lnRef idx="2">
+        <a:scrgbClr r="0" g="0" b="0"/>
+      </a:lnRef>
+      <a:fillRef idx="1">
+        <a:scrgbClr r="0" g="0" b="0"/>
+      </a:fillRef>
+      <a:effectRef idx="0">
+        <a:scrgbClr r="0" g="0" b="0"/>
+      </a:effectRef>
+      <a:fontRef idx="minor"/>
+    </dgm:style>
+  </dgm:styleLbl>
+  <dgm:styleLbl name="solidAlignAcc1">
+    <dgm:scene3d>
+      <a:camera prst="orthographicFront"/>
+      <a:lightRig rig="threePt" dir="t"/>
+    </dgm:scene3d>
+    <dgm:sp3d/>
+    <dgm:txPr/>
+    <dgm:style>
+      <a:lnRef idx="2">
+        <a:scrgbClr r="0" g="0" b="0"/>
+      </a:lnRef>
+      <a:fillRef idx="1">
+        <a:scrgbClr r="0" g="0" b="0"/>
+      </a:fillRef>
+      <a:effectRef idx="0">
+        <a:scrgbClr r="0" g="0" b="0"/>
+      </a:effectRef>
+      <a:fontRef idx="minor"/>
+    </dgm:style>
+  </dgm:styleLbl>
+  <dgm:styleLbl name="solidBgAcc1">
+    <dgm:scene3d>
+      <a:camera prst="orthographicFront"/>
+      <a:lightRig rig="threePt" dir="t"/>
+    </dgm:scene3d>
+    <dgm:sp3d/>
+    <dgm:txPr/>
+    <dgm:style>
+      <a:lnRef idx="2">
+        <a:scrgbClr r="0" g="0" b="0"/>
+      </a:lnRef>
+      <a:fillRef idx="1">
+        <a:scrgbClr r="0" g="0" b="0"/>
+      </a:fillRef>
+      <a:effectRef idx="0">
+        <a:scrgbClr r="0" g="0" b="0"/>
+      </a:effectRef>
+      <a:fontRef idx="minor"/>
+    </dgm:style>
+  </dgm:styleLbl>
+  <dgm:styleLbl name="fgAccFollowNode1">
+    <dgm:scene3d>
+      <a:camera prst="orthographicFront"/>
+      <a:lightRig rig="threePt" dir="t"/>
+    </dgm:scene3d>
+    <dgm:sp3d/>
+    <dgm:txPr/>
+    <dgm:style>
+      <a:lnRef idx="2">
+        <a:scrgbClr r="0" g="0" b="0"/>
+      </a:lnRef>
+      <a:fillRef idx="1">
+        <a:scrgbClr r="0" g="0" b="0"/>
+      </a:fillRef>
+      <a:effectRef idx="0">
+        <a:scrgbClr r="0" g="0" b="0"/>
+      </a:effectRef>
+      <a:fontRef idx="minor"/>
+    </dgm:style>
+  </dgm:styleLbl>
+  <dgm:styleLbl name="alignAccFollowNode1">
+    <dgm:scene3d>
+      <a:camera prst="orthographicFront"/>
+      <a:lightRig rig="threePt" dir="t"/>
+    </dgm:scene3d>
+    <dgm:sp3d/>
+    <dgm:txPr/>
+    <dgm:style>
+      <a:lnRef idx="2">
+        <a:scrgbClr r="0" g="0" b="0"/>
+      </a:lnRef>
+      <a:fillRef idx="1">
+        <a:scrgbClr r="0" g="0" b="0"/>
+      </a:fillRef>
+      <a:effectRef idx="0">
+        <a:scrgbClr r="0" g="0" b="0"/>
+      </a:effectRef>
+      <a:fontRef idx="minor"/>
+    </dgm:style>
+  </dgm:styleLbl>
+  <dgm:styleLbl name="bgAccFollowNode1">
+    <dgm:scene3d>
+      <a:camera prst="orthographicFront"/>
+      <a:lightRig rig="threePt" dir="t"/>
+    </dgm:scene3d>
+    <dgm:sp3d/>
+    <dgm:txPr/>
+    <dgm:style>
+      <a:lnRef idx="2">
+        <a:scrgbClr r="0" g="0" b="0"/>
+      </a:lnRef>
+      <a:fillRef idx="1">
+        <a:scrgbClr r="0" g="0" b="0"/>
+      </a:fillRef>
+      <a:effectRef idx="0">
+        <a:scrgbClr r="0" g="0" b="0"/>
+      </a:effectRef>
+      <a:fontRef idx="minor"/>
+    </dgm:style>
+  </dgm:styleLbl>
+  <dgm:styleLbl name="fgAcc0">
+    <dgm:scene3d>
+      <a:camera prst="orthographicFront"/>
+      <a:lightRig rig="threePt" dir="t"/>
+    </dgm:scene3d>
+    <dgm:sp3d/>
+    <dgm:txPr/>
+    <dgm:style>
+      <a:lnRef idx="2">
+        <a:scrgbClr r="0" g="0" b="0"/>
+      </a:lnRef>
+      <a:fillRef idx="1">
+        <a:scrgbClr r="0" g="0" b="0"/>
+      </a:fillRef>
+      <a:effectRef idx="0">
+        <a:scrgbClr r="0" g="0" b="0"/>
+      </a:effectRef>
+      <a:fontRef idx="minor"/>
+    </dgm:style>
+  </dgm:styleLbl>
+  <dgm:styleLbl name="fgAcc2">
+    <dgm:scene3d>
+      <a:camera prst="orthographicFront"/>
+      <a:lightRig rig="threePt" dir="t"/>
+    </dgm:scene3d>
+    <dgm:sp3d/>
+    <dgm:txPr/>
+    <dgm:style>
+      <a:lnRef idx="2">
+        <a:scrgbClr r="0" g="0" b="0"/>
+      </a:lnRef>
+      <a:fillRef idx="1">
+        <a:scrgbClr r="0" g="0" b="0"/>
+      </a:fillRef>
+      <a:effectRef idx="0">
+        <a:scrgbClr r="0" g="0" b="0"/>
+      </a:effectRef>
+      <a:fontRef idx="minor"/>
+    </dgm:style>
+  </dgm:styleLbl>
+  <dgm:styleLbl name="fgAcc3">
+    <dgm:scene3d>
+      <a:camera prst="orthographicFront"/>
+      <a:lightRig rig="threePt" dir="t"/>
+    </dgm:scene3d>
+    <dgm:sp3d/>
+    <dgm:txPr/>
+    <dgm:style>
+      <a:lnRef idx="2">
+        <a:scrgbClr r="0" g="0" b="0"/>
+      </a:lnRef>
+      <a:fillRef idx="1">
+        <a:scrgbClr r="0" g="0" b="0"/>
+      </a:fillRef>
+      <a:effectRef idx="0">
+        <a:scrgbClr r="0" g="0" b="0"/>
+      </a:effectRef>
+      <a:fontRef idx="minor"/>
+    </dgm:style>
+  </dgm:styleLbl>
+  <dgm:styleLbl name="fgAcc4">
+    <dgm:scene3d>
+      <a:camera prst="orthographicFront"/>
+      <a:lightRig rig="threePt" dir="t"/>
+    </dgm:scene3d>
+    <dgm:sp3d/>
+    <dgm:txPr/>
+    <dgm:style>
+      <a:lnRef idx="2">
+        <a:scrgbClr r="0" g="0" b="0"/>
+      </a:lnRef>
+      <a:fillRef idx="1">
+        <a:scrgbClr r="0" g="0" b="0"/>
+      </a:fillRef>
+      <a:effectRef idx="0">
+        <a:scrgbClr r="0" g="0" b="0"/>
+      </a:effectRef>
+      <a:fontRef idx="minor"/>
+    </dgm:style>
+  </dgm:styleLbl>
+  <dgm:styleLbl name="bgShp">
+    <dgm:scene3d>
+      <a:camera prst="orthographicFront"/>
+      <a:lightRig rig="threePt" dir="t"/>
+    </dgm:scene3d>
+    <dgm:sp3d/>
+    <dgm:txPr/>
+    <dgm:style>
+      <a:lnRef idx="0">
+        <a:scrgbClr r="0" g="0" b="0"/>
+      </a:lnRef>
+      <a:fillRef idx="1">
+        <a:scrgbClr r="0" g="0" b="0"/>
+      </a:fillRef>
+      <a:effectRef idx="0">
+        <a:scrgbClr r="0" g="0" b="0"/>
+      </a:effectRef>
+      <a:fontRef idx="minor"/>
+    </dgm:style>
+  </dgm:styleLbl>
+  <dgm:styleLbl name="dkBgShp">
+    <dgm:scene3d>
+      <a:camera prst="orthographicFront"/>
+      <a:lightRig rig="threePt" dir="t"/>
+    </dgm:scene3d>
+    <dgm:sp3d/>
+    <dgm:txPr/>
+    <dgm:style>
+      <a:lnRef idx="0">
+        <a:scrgbClr r="0" g="0" b="0"/>
+      </a:lnRef>
+      <a:fillRef idx="1">
+        <a:scrgbClr r="0" g="0" b="0"/>
+      </a:fillRef>
+      <a:effectRef idx="0">
+        <a:scrgbClr r="0" g="0" b="0"/>
+      </a:effectRef>
+      <a:fontRef idx="minor"/>
+    </dgm:style>
+  </dgm:styleLbl>
+  <dgm:styleLbl name="trBgShp">
+    <dgm:scene3d>
+      <a:camera prst="orthographicFront"/>
+      <a:lightRig rig="threePt" dir="t"/>
+    </dgm:scene3d>
+    <dgm:sp3d/>
+    <dgm:txPr/>
+    <dgm:style>
+      <a:lnRef idx="0">
+        <a:scrgbClr r="0" g="0" b="0"/>
+      </a:lnRef>
+      <a:fillRef idx="1">
+        <a:scrgbClr r="0" g="0" b="0"/>
+      </a:fillRef>
+      <a:effectRef idx="0">
+        <a:scrgbClr r="0" g="0" b="0"/>
+      </a:effectRef>
+      <a:fontRef idx="minor"/>
+    </dgm:style>
+  </dgm:styleLbl>
+  <dgm:styleLbl name="fgShp">
+    <dgm:scene3d>
+      <a:camera prst="orthographicFront"/>
+      <a:lightRig rig="threePt" dir="t"/>
+    </dgm:scene3d>
+    <dgm:sp3d/>
+    <dgm:txPr/>
+    <dgm:style>
+      <a:lnRef idx="2">
+        <a:scrgbClr r="0" g="0" b="0"/>
+      </a:lnRef>
+      <a:fillRef idx="1">
+        <a:scrgbClr r="0" g="0" b="0"/>
+      </a:fillRef>
+      <a:effectRef idx="0">
+        <a:scrgbClr r="0" g="0" b="0"/>
+      </a:effectRef>
+      <a:fontRef idx="minor"/>
+    </dgm:style>
+  </dgm:styleLbl>
+  <dgm:styleLbl name="revTx">
+    <dgm:scene3d>
+      <a:camera prst="orthographicFront"/>
+      <a:lightRig rig="threePt" dir="t"/>
+    </dgm:scene3d>
+    <dgm:sp3d/>
+    <dgm:txPr/>
+    <dgm:style>
+      <a:lnRef idx="0">
+        <a:scrgbClr r="0" g="0" b="0"/>
+      </a:lnRef>
+      <a:fillRef idx="0">
+        <a:scrgbClr r="0" g="0" b="0"/>
+      </a:fillRef>
+      <a:effectRef idx="0">
+        <a:scrgbClr r="0" g="0" b="0"/>
+      </a:effectRef>
+      <a:fontRef idx="minor"/>
+    </dgm:style>
+  </dgm:styleLbl>
+</dgm:styleDef>
+</file>
+
+<file path=ppt/diagrams/quickStyle5.xml><?xml version="1.0" encoding="utf-8"?>
+<dgm:styleDef xmlns:dgm="http://schemas.openxmlformats.org/drawingml/2006/diagram" xmlns:a="http://schemas.openxmlformats.org/drawingml/2006/main" uniqueId="urn:microsoft.com/office/officeart/2005/8/quickstyle/simple1">
+  <dgm:title val=""/>
+  <dgm:desc val=""/>
+  <dgm:catLst>
+    <dgm:cat type="simple" pri="10100"/>
+  </dgm:catLst>
+  <dgm:scene3d>
+    <a:camera prst="orthographicFront"/>
+    <a:lightRig rig="threePt" dir="t"/>
+  </dgm:scene3d>
+  <dgm:styleLbl name="node0">
+    <dgm:scene3d>
+      <a:camera prst="orthographicFront"/>
+      <a:lightRig rig="threePt" dir="t"/>
+    </dgm:scene3d>
+    <dgm:sp3d/>
+    <dgm:txPr/>
+    <dgm:style>
+      <a:lnRef idx="2">
+        <a:scrgbClr r="0" g="0" b="0"/>
+      </a:lnRef>
+      <a:fillRef idx="1">
+        <a:scrgbClr r="0" g="0" b="0"/>
+      </a:fillRef>
+      <a:effectRef idx="0">
+        <a:scrgbClr r="0" g="0" b="0"/>
+      </a:effectRef>
+      <a:fontRef idx="minor">
+        <a:schemeClr val="lt1"/>
+      </a:fontRef>
+    </dgm:style>
+  </dgm:styleLbl>
+  <dgm:styleLbl name="lnNode1">
+    <dgm:scene3d>
+      <a:camera prst="orthographicFront"/>
+      <a:lightRig rig="threePt" dir="t"/>
+    </dgm:scene3d>
+    <dgm:sp3d/>
+    <dgm:txPr/>
+    <dgm:style>
+      <a:lnRef idx="2">
+        <a:scrgbClr r="0" g="0" b="0"/>
+      </a:lnRef>
+      <a:fillRef idx="1">
+        <a:scrgbClr r="0" g="0" b="0"/>
+      </a:fillRef>
+      <a:effectRef idx="0">
+        <a:scrgbClr r="0" g="0" b="0"/>
+      </a:effectRef>
+      <a:fontRef idx="minor">
+        <a:schemeClr val="lt1"/>
+      </a:fontRef>
+    </dgm:style>
+  </dgm:styleLbl>
+  <dgm:styleLbl name="vennNode1">
+    <dgm:scene3d>
+      <a:camera prst="orthographicFront"/>
+      <a:lightRig rig="threePt" dir="t"/>
+    </dgm:scene3d>
+    <dgm:sp3d/>
+    <dgm:txPr/>
+    <dgm:style>
+      <a:lnRef idx="2">
+        <a:scrgbClr r="0" g="0" b="0"/>
+      </a:lnRef>
+      <a:fillRef idx="1">
+        <a:scrgbClr r="0" g="0" b="0"/>
+      </a:fillRef>
+      <a:effectRef idx="0">
+        <a:scrgbClr r="0" g="0" b="0"/>
+      </a:effectRef>
+      <a:fontRef idx="minor">
+        <a:schemeClr val="tx1"/>
+      </a:fontRef>
+    </dgm:style>
+  </dgm:styleLbl>
+  <dgm:styleLbl name="alignNode1">
+    <dgm:scene3d>
+      <a:camera prst="orthographicFront"/>
+      <a:lightRig rig="threePt" dir="t"/>
+    </dgm:scene3d>
+    <dgm:sp3d/>
+    <dgm:txPr/>
+    <dgm:style>
+      <a:lnRef idx="2">
+        <a:scrgbClr r="0" g="0" b="0"/>
+      </a:lnRef>
+      <a:fillRef idx="1">
+        <a:scrgbClr r="0" g="0" b="0"/>
+      </a:fillRef>
+      <a:effectRef idx="0">
+        <a:scrgbClr r="0" g="0" b="0"/>
+      </a:effectRef>
+      <a:fontRef idx="minor">
+        <a:schemeClr val="lt1"/>
+      </a:fontRef>
+    </dgm:style>
+  </dgm:styleLbl>
+  <dgm:styleLbl name="node1">
+    <dgm:scene3d>
+      <a:camera prst="orthographicFront"/>
+      <a:lightRig rig="threePt" dir="t"/>
+    </dgm:scene3d>
+    <dgm:sp3d/>
+    <dgm:txPr/>
+    <dgm:style>
+      <a:lnRef idx="2">
+        <a:scrgbClr r="0" g="0" b="0"/>
+      </a:lnRef>
+      <a:fillRef idx="1">
+        <a:scrgbClr r="0" g="0" b="0"/>
+      </a:fillRef>
+      <a:effectRef idx="0">
+        <a:scrgbClr r="0" g="0" b="0"/>
+      </a:effectRef>
+      <a:fontRef idx="minor">
+        <a:schemeClr val="lt1"/>
+      </a:fontRef>
+    </dgm:style>
+  </dgm:styleLbl>
+  <dgm:styleLbl name="node2">
+    <dgm:scene3d>
+      <a:camera prst="orthographicFront"/>
+      <a:lightRig rig="threePt" dir="t"/>
+    </dgm:scene3d>
+    <dgm:sp3d/>
+    <dgm:txPr/>
+    <dgm:style>
+      <a:lnRef idx="2">
+        <a:scrgbClr r="0" g="0" b="0"/>
+      </a:lnRef>
+      <a:fillRef idx="1">
+        <a:scrgbClr r="0" g="0" b="0"/>
+      </a:fillRef>
+      <a:effectRef idx="0">
+        <a:scrgbClr r="0" g="0" b="0"/>
+      </a:effectRef>
+      <a:fontRef idx="minor">
+        <a:schemeClr val="lt1"/>
+      </a:fontRef>
+    </dgm:style>
+  </dgm:styleLbl>
+  <dgm:styleLbl name="node3">
+    <dgm:scene3d>
+      <a:camera prst="orthographicFront"/>
+      <a:lightRig rig="threePt" dir="t"/>
+    </dgm:scene3d>
+    <dgm:sp3d/>
+    <dgm:txPr/>
+    <dgm:style>
+      <a:lnRef idx="2">
+        <a:scrgbClr r="0" g="0" b="0"/>
+      </a:lnRef>
+      <a:fillRef idx="1">
+        <a:scrgbClr r="0" g="0" b="0"/>
+      </a:fillRef>
+      <a:effectRef idx="0">
+        <a:scrgbClr r="0" g="0" b="0"/>
+      </a:effectRef>
+      <a:fontRef idx="minor">
+        <a:schemeClr val="lt1"/>
+      </a:fontRef>
+    </dgm:style>
+  </dgm:styleLbl>
+  <dgm:styleLbl name="node4">
+    <dgm:scene3d>
+      <a:camera prst="orthographicFront"/>
+      <a:lightRig rig="threePt" dir="t"/>
+    </dgm:scene3d>
+    <dgm:sp3d/>
+    <dgm:txPr/>
+    <dgm:style>
+      <a:lnRef idx="2">
+        <a:scrgbClr r="0" g="0" b="0"/>
+      </a:lnRef>
+      <a:fillRef idx="1">
+        <a:scrgbClr r="0" g="0" b="0"/>
+      </a:fillRef>
+      <a:effectRef idx="0">
+        <a:scrgbClr r="0" g="0" b="0"/>
+      </a:effectRef>
+      <a:fontRef idx="minor">
+        <a:schemeClr val="lt1"/>
+      </a:fontRef>
+    </dgm:style>
+  </dgm:styleLbl>
+  <dgm:styleLbl name="fgImgPlace1">
+    <dgm:scene3d>
+      <a:camera prst="orthographicFront"/>
+      <a:lightRig rig="threePt" dir="t"/>
+    </dgm:scene3d>
+    <dgm:sp3d/>
+    <dgm:txPr/>
+    <dgm:style>
+      <a:lnRef idx="2">
+        <a:scrgbClr r="0" g="0" b="0"/>
+      </a:lnRef>
+      <a:fillRef idx="1">
+        <a:scrgbClr r="0" g="0" b="0"/>
+      </a:fillRef>
+      <a:effectRef idx="0">
+        <a:scrgbClr r="0" g="0" b="0"/>
+      </a:effectRef>
+      <a:fontRef idx="minor"/>
+    </dgm:style>
+  </dgm:styleLbl>
+  <dgm:styleLbl name="alignImgPlace1">
+    <dgm:scene3d>
+      <a:camera prst="orthographicFront"/>
+      <a:lightRig rig="threePt" dir="t"/>
+    </dgm:scene3d>
+    <dgm:sp3d/>
+    <dgm:txPr/>
+    <dgm:style>
+      <a:lnRef idx="2">
+        <a:scrgbClr r="0" g="0" b="0"/>
+      </a:lnRef>
+      <a:fillRef idx="1">
+        <a:scrgbClr r="0" g="0" b="0"/>
+      </a:fillRef>
+      <a:effectRef idx="0">
+        <a:scrgbClr r="0" g="0" b="0"/>
+      </a:effectRef>
+      <a:fontRef idx="minor"/>
+    </dgm:style>
+  </dgm:styleLbl>
+  <dgm:styleLbl name="bgImgPlace1">
+    <dgm:scene3d>
+      <a:camera prst="orthographicFront"/>
+      <a:lightRig rig="threePt" dir="t"/>
+    </dgm:scene3d>
+    <dgm:sp3d/>
+    <dgm:txPr/>
+    <dgm:style>
+      <a:lnRef idx="2">
+        <a:scrgbClr r="0" g="0" b="0"/>
+      </a:lnRef>
+      <a:fillRef idx="1">
+        <a:scrgbClr r="0" g="0" b="0"/>
+      </a:fillRef>
+      <a:effectRef idx="0">
+        <a:scrgbClr r="0" g="0" b="0"/>
+      </a:effectRef>
+      <a:fontRef idx="minor"/>
+    </dgm:style>
+  </dgm:styleLbl>
+  <dgm:styleLbl name="sibTrans2D1">
+    <dgm:scene3d>
+      <a:camera prst="orthographicFront"/>
+      <a:lightRig rig="threePt" dir="t"/>
+    </dgm:scene3d>
+    <dgm:sp3d/>
+    <dgm:txPr/>
+    <dgm:style>
+      <a:lnRef idx="0">
+        <a:scrgbClr r="0" g="0" b="0"/>
+      </a:lnRef>
+      <a:fillRef idx="1">
+        <a:scrgbClr r="0" g="0" b="0"/>
+      </a:fillRef>
+      <a:effectRef idx="0">
+        <a:scrgbClr r="0" g="0" b="0"/>
+      </a:effectRef>
+      <a:fontRef idx="minor">
+        <a:schemeClr val="lt1"/>
+      </a:fontRef>
+    </dgm:style>
+  </dgm:styleLbl>
+  <dgm:styleLbl name="fgSibTrans2D1">
+    <dgm:scene3d>
+      <a:camera prst="orthographicFront"/>
+      <a:lightRig rig="threePt" dir="t"/>
+    </dgm:scene3d>
+    <dgm:sp3d/>
+    <dgm:txPr/>
+    <dgm:style>
+      <a:lnRef idx="0">
+        <a:scrgbClr r="0" g="0" b="0"/>
+      </a:lnRef>
+      <a:fillRef idx="1">
+        <a:scrgbClr r="0" g="0" b="0"/>
+      </a:fillRef>
+      <a:effectRef idx="0">
+        <a:scrgbClr r="0" g="0" b="0"/>
+      </a:effectRef>
+      <a:fontRef idx="minor">
+        <a:schemeClr val="lt1"/>
+      </a:fontRef>
+    </dgm:style>
+  </dgm:styleLbl>
+  <dgm:styleLbl name="bgSibTrans2D1">
+    <dgm:scene3d>
+      <a:camera prst="orthographicFront"/>
+      <a:lightRig rig="threePt" dir="t"/>
+    </dgm:scene3d>
+    <dgm:sp3d/>
+    <dgm:txPr/>
+    <dgm:style>
+      <a:lnRef idx="0">
+        <a:scrgbClr r="0" g="0" b="0"/>
+      </a:lnRef>
+      <a:fillRef idx="1">
+        <a:scrgbClr r="0" g="0" b="0"/>
+      </a:fillRef>
+      <a:effectRef idx="0">
+        <a:scrgbClr r="0" g="0" b="0"/>
+      </a:effectRef>
+      <a:fontRef idx="minor">
+        <a:schemeClr val="lt1"/>
+      </a:fontRef>
+    </dgm:style>
+  </dgm:styleLbl>
+  <dgm:styleLbl name="sibTrans1D1">
+    <dgm:scene3d>
+      <a:camera prst="orthographicFront"/>
+      <a:lightRig rig="threePt" dir="t"/>
+    </dgm:scene3d>
+    <dgm:sp3d/>
+    <dgm:txPr/>
+    <dgm:style>
+      <a:lnRef idx="1">
+        <a:scrgbClr r="0" g="0" b="0"/>
+      </a:lnRef>
+      <a:fillRef idx="0">
+        <a:scrgbClr r="0" g="0" b="0"/>
+      </a:fillRef>
+      <a:effectRef idx="0">
+        <a:scrgbClr r="0" g="0" b="0"/>
+      </a:effectRef>
+      <a:fontRef idx="minor"/>
+    </dgm:style>
+  </dgm:styleLbl>
+  <dgm:styleLbl name="callout">
+    <dgm:scene3d>
+      <a:camera prst="orthographicFront"/>
+      <a:lightRig rig="threePt" dir="t"/>
+    </dgm:scene3d>
+    <dgm:sp3d/>
+    <dgm:txPr/>
+    <dgm:style>
+      <a:lnRef idx="2">
+        <a:scrgbClr r="0" g="0" b="0"/>
+      </a:lnRef>
+      <a:fillRef idx="1">
+        <a:scrgbClr r="0" g="0" b="0"/>
+      </a:fillRef>
+      <a:effectRef idx="0">
+        <a:scrgbClr r="0" g="0" b="0"/>
+      </a:effectRef>
+      <a:fontRef idx="minor"/>
+    </dgm:style>
+  </dgm:styleLbl>
+  <dgm:styleLbl name="asst0">
+    <dgm:scene3d>
+      <a:camera prst="orthographicFront"/>
+      <a:lightRig rig="threePt" dir="t"/>
+    </dgm:scene3d>
+    <dgm:sp3d/>
+    <dgm:txPr/>
+    <dgm:style>
+      <a:lnRef idx="2">
+        <a:scrgbClr r="0" g="0" b="0"/>
+      </a:lnRef>
+      <a:fillRef idx="1">
+        <a:scrgbClr r="0" g="0" b="0"/>
+      </a:fillRef>
+      <a:effectRef idx="0">
+        <a:scrgbClr r="0" g="0" b="0"/>
+      </a:effectRef>
+      <a:fontRef idx="minor">
+        <a:schemeClr val="lt1"/>
+      </a:fontRef>
+    </dgm:style>
+  </dgm:styleLbl>
+  <dgm:styleLbl name="asst1">
+    <dgm:scene3d>
+      <a:camera prst="orthographicFront"/>
+      <a:lightRig rig="threePt" dir="t"/>
+    </dgm:scene3d>
+    <dgm:sp3d/>
+    <dgm:txPr/>
+    <dgm:style>
+      <a:lnRef idx="2">
+        <a:scrgbClr r="0" g="0" b="0"/>
+      </a:lnRef>
+      <a:fillRef idx="1">
+        <a:scrgbClr r="0" g="0" b="0"/>
+      </a:fillRef>
+      <a:effectRef idx="0">
+        <a:scrgbClr r="0" g="0" b="0"/>
+      </a:effectRef>
+      <a:fontRef idx="minor">
+        <a:schemeClr val="lt1"/>
+      </a:fontRef>
+    </dgm:style>
+  </dgm:styleLbl>
+  <dgm:styleLbl name="asst2">
+    <dgm:scene3d>
+      <a:camera prst="orthographicFront"/>
+      <a:lightRig rig="threePt" dir="t"/>
+    </dgm:scene3d>
+    <dgm:sp3d/>
+    <dgm:txPr/>
+    <dgm:style>
+      <a:lnRef idx="2">
+        <a:scrgbClr r="0" g="0" b="0"/>
+      </a:lnRef>
+      <a:fillRef idx="1">
+        <a:scrgbClr r="0" g="0" b="0"/>
+      </a:fillRef>
+      <a:effectRef idx="0">
+        <a:scrgbClr r="0" g="0" b="0"/>
+      </a:effectRef>
+      <a:fontRef idx="minor">
+        <a:schemeClr val="lt1"/>
+      </a:fontRef>
+    </dgm:style>
+  </dgm:styleLbl>
+  <dgm:styleLbl name="asst3">
+    <dgm:scene3d>
+      <a:camera prst="orthographicFront"/>
+      <a:lightRig rig="threePt" dir="t"/>
+    </dgm:scene3d>
+    <dgm:sp3d/>
+    <dgm:txPr/>
+    <dgm:style>
+      <a:lnRef idx="2">
+        <a:scrgbClr r="0" g="0" b="0"/>
+      </a:lnRef>
+      <a:fillRef idx="1">
+        <a:scrgbClr r="0" g="0" b="0"/>
+      </a:fillRef>
+      <a:effectRef idx="0">
+        <a:scrgbClr r="0" g="0" b="0"/>
+      </a:effectRef>
+      <a:fontRef idx="minor">
+        <a:schemeClr val="lt1"/>
+      </a:fontRef>
+    </dgm:style>
+  </dgm:styleLbl>
+  <dgm:styleLbl name="asst4">
+    <dgm:scene3d>
+      <a:camera prst="orthographicFront"/>
+      <a:lightRig rig="threePt" dir="t"/>
+    </dgm:scene3d>
+    <dgm:sp3d/>
+    <dgm:txPr/>
+    <dgm:style>
+      <a:lnRef idx="2">
+        <a:scrgbClr r="0" g="0" b="0"/>
+      </a:lnRef>
+      <a:fillRef idx="1">
+        <a:scrgbClr r="0" g="0" b="0"/>
+      </a:fillRef>
+      <a:effectRef idx="0">
+        <a:scrgbClr r="0" g="0" b="0"/>
+      </a:effectRef>
+      <a:fontRef idx="minor">
+        <a:schemeClr val="lt1"/>
+      </a:fontRef>
+    </dgm:style>
+  </dgm:styleLbl>
+  <dgm:styleLbl name="parChTrans2D1">
+    <dgm:scene3d>
+      <a:camera prst="orthographicFront"/>
+      <a:lightRig rig="threePt" dir="t"/>
+    </dgm:scene3d>
+    <dgm:sp3d/>
+    <dgm:txPr/>
+    <dgm:style>
+      <a:lnRef idx="2">
+        <a:scrgbClr r="0" g="0" b="0"/>
+      </a:lnRef>
+      <a:fillRef idx="1">
+        <a:scrgbClr r="0" g="0" b="0"/>
+      </a:fillRef>
+      <a:effectRef idx="0">
+        <a:scrgbClr r="0" g="0" b="0"/>
+      </a:effectRef>
+      <a:fontRef idx="minor">
+        <a:schemeClr val="lt1"/>
+      </a:fontRef>
+    </dgm:style>
+  </dgm:styleLbl>
+  <dgm:styleLbl name="parChTrans2D2">
+    <dgm:scene3d>
+      <a:camera prst="orthographicFront"/>
+      <a:lightRig rig="threePt" dir="t"/>
+    </dgm:scene3d>
+    <dgm:sp3d/>
+    <dgm:txPr/>
+    <dgm:style>
+      <a:lnRef idx="2">
+        <a:scrgbClr r="0" g="0" b="0"/>
+      </a:lnRef>
+      <a:fillRef idx="1">
+        <a:scrgbClr r="0" g="0" b="0"/>
+      </a:fillRef>
+      <a:effectRef idx="0">
+        <a:scrgbClr r="0" g="0" b="0"/>
+      </a:effectRef>
+      <a:fontRef idx="minor">
+        <a:schemeClr val="lt1"/>
+      </a:fontRef>
+    </dgm:style>
+  </dgm:styleLbl>
+  <dgm:styleLbl name="parChTrans2D3">
+    <dgm:scene3d>
+      <a:camera prst="orthographicFront"/>
+      <a:lightRig rig="threePt" dir="t"/>
+    </dgm:scene3d>
+    <dgm:sp3d/>
+    <dgm:txPr/>
+    <dgm:style>
+      <a:lnRef idx="2">
+        <a:scrgbClr r="0" g="0" b="0"/>
+      </a:lnRef>
+      <a:fillRef idx="1">
+        <a:scrgbClr r="0" g="0" b="0"/>
+      </a:fillRef>
+      <a:effectRef idx="0">
+        <a:scrgbClr r="0" g="0" b="0"/>
+      </a:effectRef>
+      <a:fontRef idx="minor">
+        <a:schemeClr val="lt1"/>
+      </a:fontRef>
+    </dgm:style>
+  </dgm:styleLbl>
+  <dgm:styleLbl name="parChTrans2D4">
+    <dgm:scene3d>
+      <a:camera prst="orthographicFront"/>
+      <a:lightRig rig="threePt" dir="t"/>
+    </dgm:scene3d>
+    <dgm:sp3d/>
+    <dgm:txPr/>
+    <dgm:style>
+      <a:lnRef idx="2">
+        <a:scrgbClr r="0" g="0" b="0"/>
+      </a:lnRef>
+      <a:fillRef idx="1">
+        <a:scrgbClr r="0" g="0" b="0"/>
+      </a:fillRef>
+      <a:effectRef idx="0">
+        <a:scrgbClr r="0" g="0" b="0"/>
+      </a:effectRef>
+      <a:fontRef idx="minor">
+        <a:schemeClr val="lt1"/>
+      </a:fontRef>
+    </dgm:style>
+  </dgm:styleLbl>
+  <dgm:styleLbl name="parChTrans1D1">
+    <dgm:scene3d>
+      <a:camera prst="orthographicFront"/>
+      <a:lightRig rig="threePt" dir="t"/>
+    </dgm:scene3d>
+    <dgm:sp3d/>
+    <dgm:txPr/>
+    <dgm:style>
+      <a:lnRef idx="2">
+        <a:scrgbClr r="0" g="0" b="0"/>
+      </a:lnRef>
+      <a:fillRef idx="0">
+        <a:scrgbClr r="0" g="0" b="0"/>
+      </a:fillRef>
+      <a:effectRef idx="0">
+        <a:scrgbClr r="0" g="0" b="0"/>
+      </a:effectRef>
+      <a:fontRef idx="minor"/>
+    </dgm:style>
+  </dgm:styleLbl>
+  <dgm:styleLbl name="parChTrans1D2">
+    <dgm:scene3d>
+      <a:camera prst="orthographicFront"/>
+      <a:lightRig rig="threePt" dir="t"/>
+    </dgm:scene3d>
+    <dgm:sp3d/>
+    <dgm:txPr/>
+    <dgm:style>
+      <a:lnRef idx="2">
+        <a:scrgbClr r="0" g="0" b="0"/>
+      </a:lnRef>
+      <a:fillRef idx="0">
+        <a:scrgbClr r="0" g="0" b="0"/>
+      </a:fillRef>
+      <a:effectRef idx="0">
+        <a:scrgbClr r="0" g="0" b="0"/>
+      </a:effectRef>
+      <a:fontRef idx="minor"/>
+    </dgm:style>
+  </dgm:styleLbl>
+  <dgm:styleLbl name="parChTrans1D3">
+    <dgm:scene3d>
+      <a:camera prst="orthographicFront"/>
+      <a:lightRig rig="threePt" dir="t"/>
+    </dgm:scene3d>
+    <dgm:sp3d/>
+    <dgm:txPr/>
+    <dgm:style>
+      <a:lnRef idx="2">
+        <a:scrgbClr r="0" g="0" b="0"/>
+      </a:lnRef>
+      <a:fillRef idx="0">
+        <a:scrgbClr r="0" g="0" b="0"/>
+      </a:fillRef>
+      <a:effectRef idx="0">
+        <a:scrgbClr r="0" g="0" b="0"/>
+      </a:effectRef>
+      <a:fontRef idx="minor"/>
+    </dgm:style>
+  </dgm:styleLbl>
+  <dgm:styleLbl name="parChTrans1D4">
+    <dgm:scene3d>
+      <a:camera prst="orthographicFront"/>
+      <a:lightRig rig="threePt" dir="t"/>
+    </dgm:scene3d>
+    <dgm:sp3d/>
+    <dgm:txPr/>
+    <dgm:style>
+      <a:lnRef idx="2">
+        <a:scrgbClr r="0" g="0" b="0"/>
+      </a:lnRef>
+      <a:fillRef idx="0">
+        <a:scrgbClr r="0" g="0" b="0"/>
+      </a:fillRef>
+      <a:effectRef idx="0">
+        <a:scrgbClr r="0" g="0" b="0"/>
+      </a:effectRef>
+      <a:fontRef idx="minor"/>
+    </dgm:style>
+  </dgm:styleLbl>
+  <dgm:styleLbl name="fgAcc1">
+    <dgm:scene3d>
+      <a:camera prst="orthographicFront"/>
+      <a:lightRig rig="threePt" dir="t"/>
+    </dgm:scene3d>
+    <dgm:sp3d/>
+    <dgm:txPr/>
+    <dgm:style>
+      <a:lnRef idx="2">
+        <a:scrgbClr r="0" g="0" b="0"/>
+      </a:lnRef>
+      <a:fillRef idx="1">
+        <a:scrgbClr r="0" g="0" b="0"/>
+      </a:fillRef>
+      <a:effectRef idx="0">
+        <a:scrgbClr r="0" g="0" b="0"/>
+      </a:effectRef>
+      <a:fontRef idx="minor"/>
+    </dgm:style>
+  </dgm:styleLbl>
+  <dgm:styleLbl name="conFgAcc1">
+    <dgm:scene3d>
+      <a:camera prst="orthographicFront"/>
+      <a:lightRig rig="threePt" dir="t"/>
+    </dgm:scene3d>
+    <dgm:sp3d/>
+    <dgm:txPr/>
+    <dgm:style>
+      <a:lnRef idx="2">
+        <a:scrgbClr r="0" g="0" b="0"/>
+      </a:lnRef>
+      <a:fillRef idx="1">
+        <a:scrgbClr r="0" g="0" b="0"/>
+      </a:fillRef>
+      <a:effectRef idx="0">
+        <a:scrgbClr r="0" g="0" b="0"/>
+      </a:effectRef>
+      <a:fontRef idx="minor"/>
+    </dgm:style>
+  </dgm:styleLbl>
+  <dgm:styleLbl name="alignAcc1">
+    <dgm:scene3d>
+      <a:camera prst="orthographicFront"/>
+      <a:lightRig rig="threePt" dir="t"/>
+    </dgm:scene3d>
+    <dgm:sp3d/>
+    <dgm:txPr/>
+    <dgm:style>
+      <a:lnRef idx="2">
+        <a:scrgbClr r="0" g="0" b="0"/>
+      </a:lnRef>
+      <a:fillRef idx="1">
+        <a:scrgbClr r="0" g="0" b="0"/>
+      </a:fillRef>
+      <a:effectRef idx="0">
+        <a:scrgbClr r="0" g="0" b="0"/>
+      </a:effectRef>
+      <a:fontRef idx="minor"/>
+    </dgm:style>
+  </dgm:styleLbl>
+  <dgm:styleLbl name="trAlignAcc1">
+    <dgm:scene3d>
+      <a:camera prst="orthographicFront"/>
+      <a:lightRig rig="threePt" dir="t"/>
+    </dgm:scene3d>
+    <dgm:sp3d/>
+    <dgm:txPr/>
+    <dgm:style>
+      <a:lnRef idx="1">
+        <a:scrgbClr r="0" g="0" b="0"/>
+      </a:lnRef>
+      <a:fillRef idx="1">
+        <a:scrgbClr r="0" g="0" b="0"/>
+      </a:fillRef>
+      <a:effectRef idx="0">
+        <a:scrgbClr r="0" g="0" b="0"/>
+      </a:effectRef>
+      <a:fontRef idx="minor"/>
+    </dgm:style>
+  </dgm:styleLbl>
+  <dgm:styleLbl name="bgAcc1">
+    <dgm:scene3d>
+      <a:camera prst="orthographicFront"/>
+      <a:lightRig rig="threePt" dir="t"/>
+    </dgm:scene3d>
+    <dgm:sp3d/>
+    <dgm:txPr/>
+    <dgm:style>
+      <a:lnRef idx="2">
+        <a:scrgbClr r="0" g="0" b="0"/>
+      </a:lnRef>
+      <a:fillRef idx="1">
+        <a:scrgbClr r="0" g="0" b="0"/>
+      </a:fillRef>
+      <a:effectRef idx="0">
+        <a:scrgbClr r="0" g="0" b="0"/>
+      </a:effectRef>
+      <a:fontRef idx="minor"/>
+    </dgm:style>
+  </dgm:styleLbl>
+  <dgm:styleLbl name="solidFgAcc1">
+    <dgm:scene3d>
+      <a:camera prst="orthographicFront"/>
+      <a:lightRig rig="threePt" dir="t"/>
+    </dgm:scene3d>
+    <dgm:sp3d/>
+    <dgm:txPr/>
+    <dgm:style>
+      <a:lnRef idx="2">
+        <a:scrgbClr r="0" g="0" b="0"/>
+      </a:lnRef>
+      <a:fillRef idx="1">
+        <a:scrgbClr r="0" g="0" b="0"/>
+      </a:fillRef>
+      <a:effectRef idx="0">
+        <a:scrgbClr r="0" g="0" b="0"/>
+      </a:effectRef>
+      <a:fontRef idx="minor"/>
+    </dgm:style>
+  </dgm:styleLbl>
+  <dgm:styleLbl name="solidAlignAcc1">
+    <dgm:scene3d>
+      <a:camera prst="orthographicFront"/>
+      <a:lightRig rig="threePt" dir="t"/>
+    </dgm:scene3d>
+    <dgm:sp3d/>
+    <dgm:txPr/>
+    <dgm:style>
+      <a:lnRef idx="2">
+        <a:scrgbClr r="0" g="0" b="0"/>
+      </a:lnRef>
+      <a:fillRef idx="1">
+        <a:scrgbClr r="0" g="0" b="0"/>
+      </a:fillRef>
+      <a:effectRef idx="0">
+        <a:scrgbClr r="0" g="0" b="0"/>
+      </a:effectRef>
+      <a:fontRef idx="minor"/>
+    </dgm:style>
+  </dgm:styleLbl>
+  <dgm:styleLbl name="solidBgAcc1">
+    <dgm:scene3d>
+      <a:camera prst="orthographicFront"/>
+      <a:lightRig rig="threePt" dir="t"/>
+    </dgm:scene3d>
+    <dgm:sp3d/>
+    <dgm:txPr/>
+    <dgm:style>
+      <a:lnRef idx="2">
+        <a:scrgbClr r="0" g="0" b="0"/>
+      </a:lnRef>
+      <a:fillRef idx="1">
+        <a:scrgbClr r="0" g="0" b="0"/>
+      </a:fillRef>
+      <a:effectRef idx="0">
+        <a:scrgbClr r="0" g="0" b="0"/>
+      </a:effectRef>
+      <a:fontRef idx="minor"/>
+    </dgm:style>
+  </dgm:styleLbl>
+  <dgm:styleLbl name="fgAccFollowNode1">
+    <dgm:scene3d>
+      <a:camera prst="orthographicFront"/>
+      <a:lightRig rig="threePt" dir="t"/>
+    </dgm:scene3d>
+    <dgm:sp3d/>
+    <dgm:txPr/>
+    <dgm:style>
+      <a:lnRef idx="2">
+        <a:scrgbClr r="0" g="0" b="0"/>
+      </a:lnRef>
+      <a:fillRef idx="1">
+        <a:scrgbClr r="0" g="0" b="0"/>
+      </a:fillRef>
+      <a:effectRef idx="0">
+        <a:scrgbClr r="0" g="0" b="0"/>
+      </a:effectRef>
+      <a:fontRef idx="minor"/>
+    </dgm:style>
+  </dgm:styleLbl>
+  <dgm:styleLbl name="alignAccFollowNode1">
+    <dgm:scene3d>
+      <a:camera prst="orthographicFront"/>
+      <a:lightRig rig="threePt" dir="t"/>
+    </dgm:scene3d>
+    <dgm:sp3d/>
+    <dgm:txPr/>
+    <dgm:style>
+      <a:lnRef idx="2">
+        <a:scrgbClr r="0" g="0" b="0"/>
+      </a:lnRef>
+      <a:fillRef idx="1">
+        <a:scrgbClr r="0" g="0" b="0"/>
+      </a:fillRef>
+      <a:effectRef idx="0">
+        <a:scrgbClr r="0" g="0" b="0"/>
+      </a:effectRef>
+      <a:fontRef idx="minor"/>
+    </dgm:style>
+  </dgm:styleLbl>
+  <dgm:styleLbl name="bgAccFollowNode1">
+    <dgm:scene3d>
+      <a:camera prst="orthographicFront"/>
+      <a:lightRig rig="threePt" dir="t"/>
+    </dgm:scene3d>
+    <dgm:sp3d/>
+    <dgm:txPr/>
+    <dgm:style>
+      <a:lnRef idx="2">
+        <a:scrgbClr r="0" g="0" b="0"/>
+      </a:lnRef>
+      <a:fillRef idx="1">
+        <a:scrgbClr r="0" g="0" b="0"/>
+      </a:fillRef>
+      <a:effectRef idx="0">
+        <a:scrgbClr r="0" g="0" b="0"/>
+      </a:effectRef>
+      <a:fontRef idx="minor"/>
+    </dgm:style>
+  </dgm:styleLbl>
+  <dgm:styleLbl name="fgAcc0">
+    <dgm:scene3d>
+      <a:camera prst="orthographicFront"/>
+      <a:lightRig rig="threePt" dir="t"/>
+    </dgm:scene3d>
+    <dgm:sp3d/>
+    <dgm:txPr/>
+    <dgm:style>
+      <a:lnRef idx="2">
+        <a:scrgbClr r="0" g="0" b="0"/>
+      </a:lnRef>
+      <a:fillRef idx="1">
+        <a:scrgbClr r="0" g="0" b="0"/>
+      </a:fillRef>
+      <a:effectRef idx="0">
+        <a:scrgbClr r="0" g="0" b="0"/>
+      </a:effectRef>
+      <a:fontRef idx="minor"/>
+    </dgm:style>
+  </dgm:styleLbl>
+  <dgm:styleLbl name="fgAcc2">
+    <dgm:scene3d>
+      <a:camera prst="orthographicFront"/>
+      <a:lightRig rig="threePt" dir="t"/>
+    </dgm:scene3d>
+    <dgm:sp3d/>
+    <dgm:txPr/>
+    <dgm:style>
+      <a:lnRef idx="2">
+        <a:scrgbClr r="0" g="0" b="0"/>
+      </a:lnRef>
+      <a:fillRef idx="1">
+        <a:scrgbClr r="0" g="0" b="0"/>
+      </a:fillRef>
+      <a:effectRef idx="0">
+        <a:scrgbClr r="0" g="0" b="0"/>
+      </a:effectRef>
+      <a:fontRef idx="minor"/>
+    </dgm:style>
+  </dgm:styleLbl>
+  <dgm:styleLbl name="fgAcc3">
+    <dgm:scene3d>
+      <a:camera prst="orthographicFront"/>
+      <a:lightRig rig="threePt" dir="t"/>
+    </dgm:scene3d>
+    <dgm:sp3d/>
+    <dgm:txPr/>
+    <dgm:style>
+      <a:lnRef idx="2">
+        <a:scrgbClr r="0" g="0" b="0"/>
+      </a:lnRef>
+      <a:fillRef idx="1">
+        <a:scrgbClr r="0" g="0" b="0"/>
+      </a:fillRef>
+      <a:effectRef idx="0">
+        <a:scrgbClr r="0" g="0" b="0"/>
+      </a:effectRef>
+      <a:fontRef idx="minor"/>
+    </dgm:style>
+  </dgm:styleLbl>
+  <dgm:styleLbl name="fgAcc4">
+    <dgm:scene3d>
+      <a:camera prst="orthographicFront"/>
+      <a:lightRig rig="threePt" dir="t"/>
+    </dgm:scene3d>
+    <dgm:sp3d/>
+    <dgm:txPr/>
+    <dgm:style>
+      <a:lnRef idx="2">
+        <a:scrgbClr r="0" g="0" b="0"/>
+      </a:lnRef>
+      <a:fillRef idx="1">
+        <a:scrgbClr r="0" g="0" b="0"/>
+      </a:fillRef>
+      <a:effectRef idx="0">
+        <a:scrgbClr r="0" g="0" b="0"/>
+      </a:effectRef>
+      <a:fontRef idx="minor"/>
+    </dgm:style>
+  </dgm:styleLbl>
+  <dgm:styleLbl name="bgShp">
+    <dgm:scene3d>
+      <a:camera prst="orthographicFront"/>
+      <a:lightRig rig="threePt" dir="t"/>
+    </dgm:scene3d>
+    <dgm:sp3d/>
+    <dgm:txPr/>
+    <dgm:style>
+      <a:lnRef idx="0">
+        <a:scrgbClr r="0" g="0" b="0"/>
+      </a:lnRef>
+      <a:fillRef idx="1">
+        <a:scrgbClr r="0" g="0" b="0"/>
+      </a:fillRef>
+      <a:effectRef idx="0">
+        <a:scrgbClr r="0" g="0" b="0"/>
+      </a:effectRef>
+      <a:fontRef idx="minor"/>
+    </dgm:style>
+  </dgm:styleLbl>
+  <dgm:styleLbl name="dkBgShp">
+    <dgm:scene3d>
+      <a:camera prst="orthographicFront"/>
+      <a:lightRig rig="threePt" dir="t"/>
+    </dgm:scene3d>
+    <dgm:sp3d/>
+    <dgm:txPr/>
+    <dgm:style>
+      <a:lnRef idx="0">
+        <a:scrgbClr r="0" g="0" b="0"/>
+      </a:lnRef>
+      <a:fillRef idx="1">
+        <a:scrgbClr r="0" g="0" b="0"/>
+      </a:fillRef>
+      <a:effectRef idx="0">
+        <a:scrgbClr r="0" g="0" b="0"/>
+      </a:effectRef>
+      <a:fontRef idx="minor"/>
+    </dgm:style>
+  </dgm:styleLbl>
+  <dgm:styleLbl name="trBgShp">
+    <dgm:scene3d>
+      <a:camera prst="orthographicFront"/>
+      <a:lightRig rig="threePt" dir="t"/>
+    </dgm:scene3d>
+    <dgm:sp3d/>
+    <dgm:txPr/>
+    <dgm:style>
+      <a:lnRef idx="0">
+        <a:scrgbClr r="0" g="0" b="0"/>
+      </a:lnRef>
+      <a:fillRef idx="1">
+        <a:scrgbClr r="0" g="0" b="0"/>
+      </a:fillRef>
+      <a:effectRef idx="0">
+        <a:scrgbClr r="0" g="0" b="0"/>
+      </a:effectRef>
+      <a:fontRef idx="minor"/>
+    </dgm:style>
+  </dgm:styleLbl>
+  <dgm:styleLbl name="fgShp">
+    <dgm:scene3d>
+      <a:camera prst="orthographicFront"/>
+      <a:lightRig rig="threePt" dir="t"/>
+    </dgm:scene3d>
+    <dgm:sp3d/>
+    <dgm:txPr/>
+    <dgm:style>
+      <a:lnRef idx="2">
+        <a:scrgbClr r="0" g="0" b="0"/>
+      </a:lnRef>
+      <a:fillRef idx="1">
+        <a:scrgbClr r="0" g="0" b="0"/>
+      </a:fillRef>
+      <a:effectRef idx="0">
+        <a:scrgbClr r="0" g="0" b="0"/>
+      </a:effectRef>
+      <a:fontRef idx="minor"/>
+    </dgm:style>
+  </dgm:styleLbl>
+  <dgm:styleLbl name="revTx">
+    <dgm:scene3d>
+      <a:camera prst="orthographicFront"/>
+      <a:lightRig rig="threePt" dir="t"/>
+    </dgm:scene3d>
+    <dgm:sp3d/>
+    <dgm:txPr/>
+    <dgm:style>
+      <a:lnRef idx="0">
+        <a:scrgbClr r="0" g="0" b="0"/>
+      </a:lnRef>
+      <a:fillRef idx="0">
+        <a:scrgbClr r="0" g="0" b="0"/>
+      </a:fillRef>
+      <a:effectRef idx="0">
+        <a:scrgbClr r="0" g="0" b="0"/>
+      </a:effectRef>
+      <a:fontRef idx="minor"/>
+    </dgm:style>
+  </dgm:styleLbl>
+</dgm:styleDef>
+</file>
+
+<file path=ppt/diagrams/quickStyle6.xml><?xml version="1.0" encoding="utf-8"?>
 <dgm:styleDef xmlns:dgm="http://schemas.openxmlformats.org/drawingml/2006/diagram" xmlns:a="http://schemas.openxmlformats.org/drawingml/2006/main" uniqueId="urn:microsoft.com/office/officeart/2005/8/quickstyle/simple1">
   <dgm:title val=""/>
   <dgm:desc val=""/>
@@ -15272,10 +21625,9 @@
           <a:lstStyle/>
           <a:p>
             <a:r>
-              <a:rPr lang="en-US"/>
-              <a:t>Your name | Teacher’s name | School</a:t>
+              <a:rPr lang="en-US" dirty="0"/>
+              <a:t>Hao Wu | CS221 | Mentor: Sydney Li</a:t>
             </a:r>
-            <a:endParaRPr lang="en-US" dirty="0"/>
           </a:p>
         </p:txBody>
       </p:sp>
@@ -15311,14 +21663,57 @@
             <p:ph type="body" sz="quarter" idx="39"/>
           </p:nvPr>
         </p:nvSpPr>
-        <p:spPr/>
+        <p:spPr>
+          <a:xfrm>
+            <a:off x="714375" y="3952240"/>
+            <a:ext cx="8001000" cy="4313743"/>
+          </a:xfrm>
+        </p:spPr>
         <p:txBody>
           <a:bodyPr/>
           <a:lstStyle/>
           <a:p>
             <a:r>
-              <a:rPr lang="en-US" dirty="0"/>
-              <a:t>Type your question here (statement of the problem)</a:t>
+              <a:rPr lang="en-US" sz="1800" dirty="0"/>
+              <a:t>From Amazon’s Alexa to </a:t>
+            </a:r>
+            <a:r>
+              <a:rPr lang="en-US" sz="1800" dirty="0" err="1"/>
+              <a:t>MicroSoft's</a:t>
+            </a:r>
+            <a:r>
+              <a:rPr lang="en-US" sz="1800" dirty="0"/>
+              <a:t> Cortana, these AI assistants rely on the ability to translate natural language instructions to machine commands, </a:t>
+            </a:r>
+            <a:r>
+              <a:rPr lang="en-US" sz="1800" dirty="0" err="1"/>
+              <a:t>e.g</a:t>
+            </a:r>
+            <a:r>
+              <a:rPr lang="en-US" sz="1800" dirty="0"/>
+              <a:t> launch </a:t>
+            </a:r>
+            <a:r>
+              <a:rPr lang="en-US" sz="1800" dirty="0" err="1"/>
+              <a:t>itunes</a:t>
+            </a:r>
+            <a:r>
+              <a:rPr lang="en-US" sz="1800" dirty="0"/>
+              <a:t>, search for the weather. The performance of these commercially available AI assistants are great, but they are not perfect. </a:t>
+            </a:r>
+          </a:p>
+          <a:p>
+            <a:r>
+              <a:rPr lang="en-US" sz="1800" dirty="0"/>
+              <a:t>Although this project does not aim to surpass Alexa or Cortana, it strives to come up with an AI program that can assist users of Unix systems by </a:t>
+            </a:r>
+            <a:r>
+              <a:rPr lang="en-US" sz="1800" i="1" dirty="0"/>
+              <a:t>translating English instructions to Unix commands; </a:t>
+            </a:r>
+            <a:r>
+              <a:rPr lang="en-US" sz="1800" dirty="0"/>
+              <a:t>specifically, instructions to navigate directories,  finding files, opening files and listing directory content. It will especially benefit users who are unfamiliar with or unaware of the command line utilities and would like to exploit such utilities. It will be a good aid to developers working in Unix environment, or simply serve as a shortcut to regular users.</a:t>
             </a:r>
           </a:p>
         </p:txBody>
@@ -15362,30 +21757,35 @@
         </p:nvSpPr>
         <p:spPr>
           <a:xfrm>
-            <a:off x="714375" y="9078783"/>
-            <a:ext cx="8001000" cy="1559726"/>
+            <a:off x="714375" y="9078782"/>
+            <a:ext cx="8001000" cy="2109677"/>
           </a:xfrm>
         </p:spPr>
         <p:txBody>
-          <a:bodyPr/>
+          <a:bodyPr>
+            <a:normAutofit/>
+          </a:bodyPr>
           <a:lstStyle/>
           <a:p>
             <a:r>
               <a:rPr lang="en-US" dirty="0"/>
-              <a:t>Type your answer / solution here</a:t>
+              <a:t>Learning/extracting the same meaning behind different phrasings of an instruction</a:t>
             </a:r>
           </a:p>
           <a:p>
             <a:r>
               <a:rPr lang="en-US" dirty="0"/>
-              <a:t>Write hypothesis before you begin the experiment</a:t>
+              <a:t>Distinguish actions, arguments, and rhetoric with in English instructions, ignore useless/decorative words/expressions, e.g. “please”, “can you”; while learning important things such as “find”, “go”.</a:t>
             </a:r>
           </a:p>
           <a:p>
             <a:r>
               <a:rPr lang="en-US" dirty="0"/>
-              <a:t>This should be your best educated guess based on your research</a:t>
+              <a:t>Ensure correct ordering during translation</a:t>
             </a:r>
+          </a:p>
+          <a:p>
+            <a:endParaRPr lang="en-US" dirty="0"/>
           </a:p>
         </p:txBody>
       </p:sp>
@@ -15401,7 +21801,7 @@
         </p:nvSpPr>
         <p:spPr>
           <a:xfrm>
-            <a:off x="714375" y="10790743"/>
+            <a:off x="714375" y="11261220"/>
             <a:ext cx="8001000" cy="677333"/>
           </a:xfrm>
         </p:spPr>
@@ -15428,20 +21828,131 @@
         </p:nvSpPr>
         <p:spPr>
           <a:xfrm>
-            <a:off x="714375" y="11618784"/>
-            <a:ext cx="8001000" cy="3348589"/>
+            <a:off x="714375" y="12089261"/>
+            <a:ext cx="8001000" cy="5482459"/>
           </a:xfrm>
         </p:spPr>
         <p:txBody>
-          <a:bodyPr/>
+          <a:bodyPr>
+            <a:normAutofit lnSpcReduction="10000"/>
+          </a:bodyPr>
           <a:lstStyle/>
           <a:p>
             <a:pPr marL="0" indent="0">
               <a:buNone/>
             </a:pPr>
             <a:r>
+              <a:rPr lang="en-US" b="1" dirty="0"/>
+              <a:t>Training set: 5035</a:t>
+            </a:r>
+            <a:r>
               <a:rPr lang="en-US" dirty="0"/>
-              <a:t>Type a brief overview or summary of your project. (Click the Bullets button on the Home tab to remove the bullets.)</a:t>
+              <a:t> pairs of instruction and command</a:t>
+            </a:r>
+          </a:p>
+          <a:p>
+            <a:pPr marL="0" indent="0">
+              <a:buNone/>
+            </a:pPr>
+            <a:r>
+              <a:rPr lang="en-US" b="1" dirty="0"/>
+              <a:t>Validation set: 298</a:t>
+            </a:r>
+            <a:r>
+              <a:rPr lang="en-US" dirty="0"/>
+              <a:t> pairs. </a:t>
+            </a:r>
+          </a:p>
+          <a:p>
+            <a:pPr marL="0" indent="0">
+              <a:buNone/>
+            </a:pPr>
+            <a:r>
+              <a:rPr lang="en-US" dirty="0"/>
+              <a:t>The types of instructions are: finding a file/folder, listing what’s in a directory or catting a file, go to certain directory, go certain levels up directory tree, and go back to previous folder.</a:t>
+            </a:r>
+          </a:p>
+          <a:p>
+            <a:pPr marL="0" indent="0">
+              <a:buNone/>
+            </a:pPr>
+            <a:r>
+              <a:rPr lang="en-US" b="1" dirty="0"/>
+              <a:t>Note on Validation Set:</a:t>
+            </a:r>
+          </a:p>
+          <a:p>
+            <a:pPr marL="0" indent="0">
+              <a:buNone/>
+            </a:pPr>
+            <a:r>
+              <a:rPr lang="en-US" dirty="0"/>
+              <a:t>The validation set contains only instructions that have structures/phrasing previously </a:t>
+            </a:r>
+            <a:r>
+              <a:rPr lang="en-US" b="1" dirty="0"/>
+              <a:t>unseen</a:t>
+            </a:r>
+            <a:r>
+              <a:rPr lang="en-US" dirty="0"/>
+              <a:t> in the training set to measure how good the model is at learning the underlying structures of this translation problem.</a:t>
+            </a:r>
+          </a:p>
+          <a:p>
+            <a:pPr marL="0" indent="0">
+              <a:buNone/>
+            </a:pPr>
+            <a:r>
+              <a:rPr lang="en-US" b="1" dirty="0"/>
+              <a:t>Generation Method:</a:t>
+            </a:r>
+          </a:p>
+          <a:p>
+            <a:pPr marL="342900" indent="-342900">
+              <a:buFont typeface="+mj-lt"/>
+              <a:buAutoNum type="arabicPeriod"/>
+            </a:pPr>
+            <a:r>
+              <a:rPr lang="en-US" dirty="0"/>
+              <a:t>Collecting synonyms of different action words, e.g. find, and different structures of instructions, e.g. “Can you do something”, “do something for me”.</a:t>
+            </a:r>
+          </a:p>
+          <a:p>
+            <a:pPr marL="342900" indent="-342900">
+              <a:buFont typeface="+mj-lt"/>
+              <a:buAutoNum type="arabicPeriod"/>
+            </a:pPr>
+            <a:r>
+              <a:rPr lang="en-US" dirty="0"/>
+              <a:t>Plug in different action words into different phrasings in a meaningful way</a:t>
+            </a:r>
+          </a:p>
+          <a:p>
+            <a:pPr marL="342900" indent="-342900">
+              <a:buFont typeface="+mj-lt"/>
+              <a:buAutoNum type="arabicPeriod"/>
+            </a:pPr>
+            <a:r>
+              <a:rPr lang="en-US" dirty="0"/>
+              <a:t>For instructions involving arguments, e.g. find </a:t>
+            </a:r>
+            <a:r>
+              <a:rPr lang="en-US" dirty="0" err="1"/>
+              <a:t>somefile</a:t>
+            </a:r>
+            <a:r>
+              <a:rPr lang="en-US" dirty="0"/>
+              <a:t>, try different file names</a:t>
+            </a:r>
+          </a:p>
+          <a:p>
+            <a:pPr marL="342900" indent="-342900">
+              <a:buFont typeface="+mj-lt"/>
+              <a:buAutoNum type="arabicPeriod"/>
+            </a:pPr>
+            <a:r>
+              <a:rPr lang="en-US" dirty="0"/>
+              <a:t>For instructions of iterative nature, e.g. go up 3 levels, use different numbers</a:t>
             </a:r>
           </a:p>
         </p:txBody>
@@ -15543,41 +22054,41 @@
           </a:p>
         </p:txBody>
       </p:sp>
-      <p:sp>
-        <p:nvSpPr>
-          <p:cNvPr id="6" name="Content Placeholder 5"/>
-          <p:cNvSpPr>
-            <a:spLocks noGrp="1"/>
-          </p:cNvSpPr>
+      <p:pic>
+        <p:nvPicPr>
+          <p:cNvPr id="13" name="Content Placeholder 12">
+            <a:extLst>
+              <a:ext uri="{FF2B5EF4-FFF2-40B4-BE49-F238E27FC236}">
+                <a16:creationId xmlns:a16="http://schemas.microsoft.com/office/drawing/2014/main" id="{F157465A-1776-47FB-BBE2-05F8F5D62142}"/>
+              </a:ext>
+            </a:extLst>
+          </p:cNvPr>
+          <p:cNvPicPr>
+            <a:picLocks noGrp="1" noChangeAspect="1"/>
+          </p:cNvPicPr>
           <p:nvPr>
             <p:ph sz="quarter" idx="33"/>
           </p:nvPr>
-        </p:nvSpPr>
-        <p:spPr/>
-        <p:txBody>
-          <a:bodyPr/>
-          <a:lstStyle/>
-          <a:p>
-            <a:r>
-              <a:rPr lang="en-US"/>
-              <a:t>Include results based on your experiments</a:t>
-            </a:r>
-          </a:p>
-          <a:p>
-            <a:r>
-              <a:rPr lang="en-US"/>
-              <a:t>Result 2</a:t>
-            </a:r>
-          </a:p>
-          <a:p>
-            <a:r>
-              <a:rPr lang="en-US"/>
-              <a:t>Result 3</a:t>
-            </a:r>
-            <a:endParaRPr lang="en-US" dirty="0"/>
-          </a:p>
-        </p:txBody>
-      </p:sp>
+        </p:nvPicPr>
+        <p:blipFill>
+          <a:blip r:embed="rId7">
+            <a:extLst>
+              <a:ext uri="{28A0092B-C50C-407E-A947-70E740481C1C}">
+                <a14:useLocalDpi xmlns:a14="http://schemas.microsoft.com/office/drawing/2010/main" val="0"/>
+              </a:ext>
+            </a:extLst>
+          </a:blip>
+          <a:stretch>
+            <a:fillRect/>
+          </a:stretch>
+        </p:blipFill>
+        <p:spPr>
+          <a:xfrm>
+            <a:off x="18716625" y="7366873"/>
+            <a:ext cx="4690222" cy="3476179"/>
+          </a:xfrm>
+        </p:spPr>
+      </p:pic>
       <p:sp>
         <p:nvSpPr>
           <p:cNvPr id="71" name="Text Placeholder 70"/>
@@ -15612,25 +22123,32 @@
         </p:nvSpPr>
         <p:spPr>
           <a:xfrm>
-            <a:off x="18688050" y="11784638"/>
-            <a:ext cx="8001000" cy="2413770"/>
+            <a:off x="18688050" y="11784637"/>
+            <a:ext cx="8001000" cy="3235983"/>
           </a:xfrm>
         </p:spPr>
         <p:txBody>
-          <a:bodyPr/>
+          <a:bodyPr>
+            <a:normAutofit/>
+          </a:bodyPr>
           <a:lstStyle/>
           <a:p>
+            <a:pPr marL="0" indent="0">
+              <a:buNone/>
+            </a:pPr>
             <a:r>
-              <a:rPr lang="en-US"/>
-              <a:t>Brief summary of what you discovered based on results</a:t>
+              <a:rPr lang="en-US" dirty="0"/>
+              <a:t>The 2 layered RNN is great at learning different phrasing and their underlying meanings. It especially produces good results with the “Key Additions”. After through examination, the model is able to detect arguments with high accuracy, and “flattening” iterative instructions also greatly improved the translation accuracy of them.</a:t>
             </a:r>
           </a:p>
           <a:p>
+            <a:pPr marL="0" indent="0">
+              <a:buNone/>
+            </a:pPr>
             <a:r>
-              <a:rPr lang="en-US"/>
-              <a:t>Indicate and explain whether or not the data supports your hypothesis</a:t>
+              <a:rPr lang="en-US" dirty="0"/>
+              <a:t>Given the promising results of this project, it is possible that some of the techniques used can be extrapolated to other types of machine translations. There are still areas for improvement, such as detecting arguments considering the context rather than just analyzing the features of the argument alone, and I would love to continue exploring after this course.</a:t>
             </a:r>
-            <a:endParaRPr lang="en-US" dirty="0"/>
           </a:p>
         </p:txBody>
       </p:sp>
@@ -15644,7 +22162,12 @@
             <p:ph type="body" sz="quarter" idx="34"/>
           </p:nvPr>
         </p:nvSpPr>
-        <p:spPr/>
+        <p:spPr>
+          <a:xfrm>
+            <a:off x="18688049" y="15224693"/>
+            <a:ext cx="8001000" cy="473994"/>
+          </a:xfrm>
+        </p:spPr>
         <p:txBody>
           <a:bodyPr/>
           <a:lstStyle/>
@@ -15667,15 +22190,80 @@
             <p:ph sz="quarter" idx="35"/>
           </p:nvPr>
         </p:nvSpPr>
-        <p:spPr/>
+        <p:spPr>
+          <a:xfrm>
+            <a:off x="18688050" y="15836900"/>
+            <a:ext cx="8001000" cy="1734820"/>
+          </a:xfrm>
+        </p:spPr>
         <p:txBody>
-          <a:bodyPr/>
+          <a:bodyPr>
+            <a:normAutofit fontScale="40000" lnSpcReduction="20000"/>
+          </a:bodyPr>
           <a:lstStyle/>
           <a:p>
+            <a:pPr marL="0" indent="0">
+              <a:buNone/>
+            </a:pPr>
             <a:r>
-              <a:rPr lang="en-US" dirty="0"/>
-              <a:t>Include print and electronic sources in alphabetical order</a:t>
+              <a:rPr lang="en-US" sz="3800" dirty="0" err="1"/>
+              <a:t>TensorFlow</a:t>
             </a:r>
+            <a:r>
+              <a:rPr lang="en-US" sz="3800" dirty="0"/>
+              <a:t>, </a:t>
+            </a:r>
+            <a:r>
+              <a:rPr lang="en-US" sz="3800" i="1" dirty="0"/>
+              <a:t>“Sequence-to-Sequence Models”</a:t>
+            </a:r>
+            <a:endParaRPr lang="en-US" sz="3800" dirty="0"/>
+          </a:p>
+          <a:p>
+            <a:pPr marL="0" indent="0">
+              <a:buNone/>
+            </a:pPr>
+            <a:r>
+              <a:rPr lang="en-US" sz="3800" u="sng" dirty="0">
+                <a:hlinkClick r:id="rId8"/>
+              </a:rPr>
+              <a:t>https://www.tensorflow.org/versions/r1.0/tutorials/seq2seq</a:t>
+            </a:r>
+            <a:endParaRPr lang="en-US" sz="3800" u="sng" dirty="0"/>
+          </a:p>
+          <a:p>
+            <a:pPr marL="0" indent="0">
+              <a:buNone/>
+            </a:pPr>
+            <a:r>
+              <a:rPr lang="en-US" sz="3800" dirty="0"/>
+              <a:t>Leonardo </a:t>
+            </a:r>
+            <a:r>
+              <a:rPr lang="en-US" sz="3800" dirty="0" err="1"/>
+              <a:t>Araujosantos</a:t>
+            </a:r>
+            <a:r>
+              <a:rPr lang="en-US" sz="3800" dirty="0"/>
+              <a:t>, </a:t>
+            </a:r>
+            <a:r>
+              <a:rPr lang="en-US" sz="3800" i="1" dirty="0"/>
+              <a:t>“Machine Translation Using Recurrent Neural Networks”</a:t>
+            </a:r>
+            <a:endParaRPr lang="en-US" sz="3800" dirty="0"/>
+          </a:p>
+          <a:p>
+            <a:pPr marL="0" indent="0">
+              <a:buNone/>
+            </a:pPr>
+            <a:r>
+              <a:rPr lang="en-US" sz="3800" i="1" u="sng" dirty="0">
+                <a:hlinkClick r:id="rId9"/>
+              </a:rPr>
+              <a:t>https://leonardoaraujosantos.gitbooks.io/artificial-inteligence/content/recurrent_neural_networks/machine-translation-using-rnn.html</a:t>
+            </a:r>
+            <a:endParaRPr lang="en-US" sz="3800" dirty="0"/>
           </a:p>
         </p:txBody>
       </p:sp>
@@ -15696,7 +22284,7 @@
           </p:nvPr>
         </p:nvPicPr>
         <p:blipFill>
-          <a:blip r:embed="rId7" cstate="print">
+          <a:blip r:embed="rId10" cstate="print">
             <a:extLst>
               <a:ext uri="{28A0092B-C50C-407E-A947-70E740481C1C}">
                 <a14:useLocalDpi xmlns:a14="http://schemas.microsoft.com/office/drawing/2010/main" val="0"/>
@@ -15727,7 +22315,7 @@
           </p:nvPr>
         </p:nvPicPr>
         <p:blipFill>
-          <a:blip r:embed="rId8">
+          <a:blip r:embed="rId11">
             <a:extLst>
               <a:ext uri="{28A0092B-C50C-407E-A947-70E740481C1C}">
                 <a14:useLocalDpi xmlns:a14="http://schemas.microsoft.com/office/drawing/2010/main" val="0"/>
@@ -15807,46 +22395,285 @@
           <p:nvPr>
             <p:extLst>
               <p:ext uri="{D42A27DB-BD31-4B8C-83A1-F6EECF244321}">
-                <p14:modId xmlns:p14="http://schemas.microsoft.com/office/powerpoint/2010/main" val="1854087641"/>
+                <p14:modId xmlns:p14="http://schemas.microsoft.com/office/powerpoint/2010/main" val="1357822442"/>
               </p:ext>
             </p:extLst>
           </p:nvPr>
         </p:nvGraphicFramePr>
         <p:xfrm>
-          <a:off x="9715500" y="6698221"/>
-          <a:ext cx="8001000" cy="3886651"/>
+          <a:off x="9715500" y="6698220"/>
+          <a:ext cx="8001000" cy="5240333"/>
         </p:xfrm>
         <a:graphic>
           <a:graphicData uri="http://schemas.openxmlformats.org/drawingml/2006/diagram">
-            <dgm:relIds xmlns:dgm="http://schemas.openxmlformats.org/drawingml/2006/diagram" xmlns:r="http://schemas.openxmlformats.org/officeDocument/2006/relationships" r:dm="rId9" r:lo="rId10" r:qs="rId11" r:cs="rId12"/>
+            <dgm:relIds xmlns:dgm="http://schemas.openxmlformats.org/drawingml/2006/diagram" xmlns:r="http://schemas.openxmlformats.org/officeDocument/2006/relationships" r:dm="rId12" r:lo="rId13" r:qs="rId14" r:cs="rId15"/>
           </a:graphicData>
         </a:graphic>
       </p:graphicFrame>
-      <p:sp>
-        <p:nvSpPr>
-          <p:cNvPr id="40" name="Content Placeholder 39">
+      <p:graphicFrame>
+        <p:nvGraphicFramePr>
+          <p:cNvPr id="2" name="Content Placeholder 1">
             <a:extLst>
               <a:ext uri="{FF2B5EF4-FFF2-40B4-BE49-F238E27FC236}">
-                <a16:creationId xmlns:a16="http://schemas.microsoft.com/office/drawing/2014/main" id="{5176C528-0BA7-4D49-A5B2-FA12B3F7CA35}"/>
+                <a16:creationId xmlns:a16="http://schemas.microsoft.com/office/drawing/2014/main" id="{1FA87B65-2D5C-41E5-9CE3-570924661542}"/>
               </a:ext>
             </a:extLst>
           </p:cNvPr>
-          <p:cNvSpPr>
-            <a:spLocks noGrp="1"/>
-          </p:cNvSpPr>
+          <p:cNvGraphicFramePr>
+            <a:graphicFrameLocks noGrp="1"/>
+          </p:cNvGraphicFramePr>
           <p:nvPr>
             <p:ph sz="quarter" idx="32"/>
+            <p:extLst>
+              <p:ext uri="{D42A27DB-BD31-4B8C-83A1-F6EECF244321}">
+                <p14:modId xmlns:p14="http://schemas.microsoft.com/office/powerpoint/2010/main" val="970891724"/>
+              </p:ext>
+            </p:extLst>
           </p:nvPr>
-        </p:nvSpPr>
-        <p:spPr/>
-        <p:txBody>
-          <a:bodyPr/>
-          <a:lstStyle/>
-          <a:p>
-            <a:endParaRPr lang="en-US"/>
-          </a:p>
-        </p:txBody>
-      </p:sp>
+        </p:nvGraphicFramePr>
+        <p:xfrm>
+          <a:off x="18688050" y="3952875"/>
+          <a:ext cx="8001000" cy="1188720"/>
+        </p:xfrm>
+        <a:graphic>
+          <a:graphicData uri="http://schemas.openxmlformats.org/drawingml/2006/table">
+            <a:tbl>
+              <a:tblPr firstRow="1" bandRow="1">
+                <a:tableStyleId>{69012ECD-51FC-41F1-AA8D-1B2483CD663E}</a:tableStyleId>
+              </a:tblPr>
+              <a:tblGrid>
+                <a:gridCol w="2000250">
+                  <a:extLst>
+                    <a:ext uri="{9D8B030D-6E8A-4147-A177-3AD203B41FA5}">
+                      <a16:colId xmlns:a16="http://schemas.microsoft.com/office/drawing/2014/main" val="3318547455"/>
+                    </a:ext>
+                  </a:extLst>
+                </a:gridCol>
+                <a:gridCol w="2000250">
+                  <a:extLst>
+                    <a:ext uri="{9D8B030D-6E8A-4147-A177-3AD203B41FA5}">
+                      <a16:colId xmlns:a16="http://schemas.microsoft.com/office/drawing/2014/main" val="218747081"/>
+                    </a:ext>
+                  </a:extLst>
+                </a:gridCol>
+                <a:gridCol w="2000250">
+                  <a:extLst>
+                    <a:ext uri="{9D8B030D-6E8A-4147-A177-3AD203B41FA5}">
+                      <a16:colId xmlns:a16="http://schemas.microsoft.com/office/drawing/2014/main" val="2225927308"/>
+                    </a:ext>
+                  </a:extLst>
+                </a:gridCol>
+                <a:gridCol w="2000250">
+                  <a:extLst>
+                    <a:ext uri="{9D8B030D-6E8A-4147-A177-3AD203B41FA5}">
+                      <a16:colId xmlns:a16="http://schemas.microsoft.com/office/drawing/2014/main" val="2503432057"/>
+                    </a:ext>
+                  </a:extLst>
+                </a:gridCol>
+              </a:tblGrid>
+              <a:tr h="370840">
+                <a:tc>
+                  <a:txBody>
+                    <a:bodyPr/>
+                    <a:lstStyle/>
+                    <a:p>
+                      <a:endParaRPr lang="en-US" sz="2000" dirty="0"/>
+                    </a:p>
+                  </a:txBody>
+                  <a:tcPr/>
+                </a:tc>
+                <a:tc>
+                  <a:txBody>
+                    <a:bodyPr/>
+                    <a:lstStyle/>
+                    <a:p>
+                      <a:r>
+                        <a:rPr lang="en-US" sz="2000" dirty="0"/>
+                        <a:t>PM</a:t>
+                      </a:r>
+                    </a:p>
+                  </a:txBody>
+                  <a:tcPr/>
+                </a:tc>
+                <a:tc>
+                  <a:txBody>
+                    <a:bodyPr/>
+                    <a:lstStyle/>
+                    <a:p>
+                      <a:r>
+                        <a:rPr lang="en-US" sz="2000" dirty="0"/>
+                        <a:t>CO</a:t>
+                      </a:r>
+                    </a:p>
+                  </a:txBody>
+                  <a:tcPr/>
+                </a:tc>
+                <a:tc>
+                  <a:txBody>
+                    <a:bodyPr/>
+                    <a:lstStyle/>
+                    <a:p>
+                      <a:r>
+                        <a:rPr lang="en-US" sz="2000" dirty="0"/>
+                        <a:t>CM</a:t>
+                      </a:r>
+                    </a:p>
+                  </a:txBody>
+                  <a:tcPr/>
+                </a:tc>
+                <a:extLst>
+                  <a:ext uri="{0D108BD9-81ED-4DB2-BD59-A6C34878D82A}">
+                    <a16:rowId xmlns:a16="http://schemas.microsoft.com/office/drawing/2014/main" val="213279477"/>
+                  </a:ext>
+                </a:extLst>
+              </a:tr>
+              <a:tr h="370840">
+                <a:tc>
+                  <a:txBody>
+                    <a:bodyPr/>
+                    <a:lstStyle/>
+                    <a:p>
+                      <a:r>
+                        <a:rPr lang="en-US" sz="2000" dirty="0">
+                          <a:solidFill>
+                            <a:schemeClr val="bg1"/>
+                          </a:solidFill>
+                        </a:rPr>
+                        <a:t>Training</a:t>
+                      </a:r>
+                    </a:p>
+                  </a:txBody>
+                  <a:tcPr>
+                    <a:solidFill>
+                      <a:schemeClr val="accent1"/>
+                    </a:solidFill>
+                  </a:tcPr>
+                </a:tc>
+                <a:tc>
+                  <a:txBody>
+                    <a:bodyPr/>
+                    <a:lstStyle/>
+                    <a:p>
+                      <a:r>
+                        <a:rPr lang="en-US" sz="2000" dirty="0"/>
+                        <a:t>99.6%</a:t>
+                      </a:r>
+                    </a:p>
+                  </a:txBody>
+                  <a:tcPr/>
+                </a:tc>
+                <a:tc>
+                  <a:txBody>
+                    <a:bodyPr/>
+                    <a:lstStyle/>
+                    <a:p>
+                      <a:r>
+                        <a:rPr lang="en-US" sz="2000" dirty="0"/>
+                        <a:t>100%</a:t>
+                      </a:r>
+                    </a:p>
+                  </a:txBody>
+                  <a:tcPr/>
+                </a:tc>
+                <a:tc>
+                  <a:txBody>
+                    <a:bodyPr/>
+                    <a:lstStyle/>
+                    <a:p>
+                      <a:r>
+                        <a:rPr lang="en-US" sz="2000" b="0" i="0" kern="1200" dirty="0">
+                          <a:solidFill>
+                            <a:schemeClr val="tx1"/>
+                          </a:solidFill>
+                          <a:effectLst/>
+                          <a:latin typeface="+mn-lt"/>
+                          <a:ea typeface="+mn-ea"/>
+                          <a:cs typeface="+mn-cs"/>
+                        </a:rPr>
+                        <a:t>97.7%</a:t>
+                      </a:r>
+                      <a:endParaRPr lang="en-US" sz="2000" dirty="0"/>
+                    </a:p>
+                  </a:txBody>
+                  <a:tcPr/>
+                </a:tc>
+                <a:extLst>
+                  <a:ext uri="{0D108BD9-81ED-4DB2-BD59-A6C34878D82A}">
+                    <a16:rowId xmlns:a16="http://schemas.microsoft.com/office/drawing/2014/main" val="2784883602"/>
+                  </a:ext>
+                </a:extLst>
+              </a:tr>
+              <a:tr h="370840">
+                <a:tc>
+                  <a:txBody>
+                    <a:bodyPr/>
+                    <a:lstStyle/>
+                    <a:p>
+                      <a:r>
+                        <a:rPr lang="en-US" sz="2000" dirty="0">
+                          <a:solidFill>
+                            <a:schemeClr val="bg1"/>
+                          </a:solidFill>
+                        </a:rPr>
+                        <a:t>Validation</a:t>
+                      </a:r>
+                    </a:p>
+                  </a:txBody>
+                  <a:tcPr>
+                    <a:solidFill>
+                      <a:schemeClr val="accent1"/>
+                    </a:solidFill>
+                  </a:tcPr>
+                </a:tc>
+                <a:tc>
+                  <a:txBody>
+                    <a:bodyPr/>
+                    <a:lstStyle/>
+                    <a:p>
+                      <a:r>
+                        <a:rPr lang="en-US" sz="2000" dirty="0"/>
+                        <a:t>99.6%</a:t>
+                      </a:r>
+                    </a:p>
+                  </a:txBody>
+                  <a:tcPr/>
+                </a:tc>
+                <a:tc>
+                  <a:txBody>
+                    <a:bodyPr/>
+                    <a:lstStyle/>
+                    <a:p>
+                      <a:r>
+                        <a:rPr lang="en-US" sz="2000" dirty="0"/>
+                        <a:t>100%</a:t>
+                      </a:r>
+                    </a:p>
+                  </a:txBody>
+                  <a:tcPr/>
+                </a:tc>
+                <a:tc>
+                  <a:txBody>
+                    <a:bodyPr/>
+                    <a:lstStyle/>
+                    <a:p>
+                      <a:r>
+                        <a:rPr lang="en-US" sz="2000" dirty="0"/>
+                        <a:t>97%</a:t>
+                      </a:r>
+                    </a:p>
+                  </a:txBody>
+                  <a:tcPr/>
+                </a:tc>
+                <a:extLst>
+                  <a:ext uri="{0D108BD9-81ED-4DB2-BD59-A6C34878D82A}">
+                    <a16:rowId xmlns:a16="http://schemas.microsoft.com/office/drawing/2014/main" val="1389103947"/>
+                  </a:ext>
+                </a:extLst>
+              </a:tr>
+            </a:tbl>
+          </a:graphicData>
+        </a:graphic>
+      </p:graphicFrame>
       <p:graphicFrame>
         <p:nvGraphicFramePr>
           <p:cNvPr id="49" name="Content Placeholder 38">
@@ -15862,18 +22689,18 @@
           <p:nvPr>
             <p:extLst>
               <p:ext uri="{D42A27DB-BD31-4B8C-83A1-F6EECF244321}">
-                <p14:modId xmlns:p14="http://schemas.microsoft.com/office/powerpoint/2010/main" val="1305490358"/>
+                <p14:modId xmlns:p14="http://schemas.microsoft.com/office/powerpoint/2010/main" val="1604043188"/>
               </p:ext>
             </p:extLst>
           </p:nvPr>
         </p:nvGraphicFramePr>
         <p:xfrm>
-          <a:off x="9715500" y="11089418"/>
+          <a:off x="9715500" y="12335512"/>
           <a:ext cx="8001000" cy="1136449"/>
         </p:xfrm>
         <a:graphic>
           <a:graphicData uri="http://schemas.openxmlformats.org/drawingml/2006/diagram">
-            <dgm:relIds xmlns:dgm="http://schemas.openxmlformats.org/drawingml/2006/diagram" xmlns:r="http://schemas.openxmlformats.org/officeDocument/2006/relationships" r:dm="rId14" r:lo="rId15" r:qs="rId16" r:cs="rId17"/>
+            <dgm:relIds xmlns:dgm="http://schemas.openxmlformats.org/drawingml/2006/diagram" xmlns:r="http://schemas.openxmlformats.org/officeDocument/2006/relationships" r:dm="rId17" r:lo="rId18" r:qs="rId19" r:cs="rId20"/>
           </a:graphicData>
         </a:graphic>
       </p:graphicFrame>
@@ -15891,8 +22718,8 @@
         </p:nvSpPr>
         <p:spPr>
           <a:xfrm>
-            <a:off x="9715500" y="10768847"/>
-            <a:ext cx="8001000" cy="320571"/>
+            <a:off x="9715500" y="12014941"/>
+            <a:ext cx="8001000" cy="338554"/>
           </a:xfrm>
           <a:prstGeom prst="rect">
             <a:avLst/>
@@ -15927,12 +22754,256 @@
           <a:lstStyle/>
           <a:p>
             <a:r>
-              <a:rPr lang="en-US" sz="1500" dirty="0"/>
+              <a:rPr lang="en-US" sz="1600" dirty="0"/>
               <a:t>Hyperparameters</a:t>
             </a:r>
           </a:p>
         </p:txBody>
       </p:sp>
+      <p:sp>
+        <p:nvSpPr>
+          <p:cNvPr id="3" name="TextBox 2">
+            <a:extLst>
+              <a:ext uri="{FF2B5EF4-FFF2-40B4-BE49-F238E27FC236}">
+                <a16:creationId xmlns:a16="http://schemas.microsoft.com/office/drawing/2014/main" id="{F56A8A18-E1EF-4A80-A359-FF61CE6E4EC2}"/>
+              </a:ext>
+            </a:extLst>
+          </p:cNvPr>
+          <p:cNvSpPr txBox="1"/>
+          <p:nvPr/>
+        </p:nvSpPr>
+        <p:spPr>
+          <a:xfrm>
+            <a:off x="18688049" y="5246811"/>
+            <a:ext cx="8001000" cy="2169825"/>
+          </a:xfrm>
+          <a:prstGeom prst="rect">
+            <a:avLst/>
+          </a:prstGeom>
+          <a:noFill/>
+        </p:spPr>
+        <p:txBody>
+          <a:bodyPr wrap="square" rtlCol="0">
+            <a:spAutoFit/>
+          </a:bodyPr>
+          <a:lstStyle/>
+          <a:p>
+            <a:r>
+              <a:rPr lang="en-US" sz="1500" dirty="0"/>
+              <a:t>PM: On average, the percentage of segments of each command that are correct. </a:t>
+            </a:r>
+            <a:r>
+              <a:rPr lang="en-US" sz="1500" dirty="0" err="1"/>
+              <a:t>E.g</a:t>
+            </a:r>
+            <a:r>
+              <a:rPr lang="en-US" sz="1500" dirty="0"/>
+              <a:t>:</a:t>
+            </a:r>
+          </a:p>
+          <a:p>
+            <a:r>
+              <a:rPr lang="en-US" sz="1500" dirty="0"/>
+              <a:t>when the prediction is (find / -name somefile.txt) and oracle/target is (find . –name somefile.txt), PM is 3/4 = 75%</a:t>
+            </a:r>
+          </a:p>
+          <a:p>
+            <a:endParaRPr lang="en-US" sz="1500" dirty="0"/>
+          </a:p>
+          <a:p>
+            <a:r>
+              <a:rPr lang="en-US" sz="1500" dirty="0"/>
+              <a:t>CO: The percentage of output sequences that has the correct ordering. For example,</a:t>
+            </a:r>
+          </a:p>
+          <a:p>
+            <a:r>
+              <a:rPr lang="en-US" sz="1500" dirty="0"/>
+              <a:t>if the command sequence of the oracle is (A B C D), our output (A B F D) will</a:t>
+            </a:r>
+          </a:p>
+          <a:p>
+            <a:r>
+              <a:rPr lang="en-US" sz="1500" dirty="0"/>
+              <a:t>be considered as having the right ordering.</a:t>
+            </a:r>
+          </a:p>
+          <a:p>
+            <a:endParaRPr lang="en-US" sz="1500" dirty="0"/>
+          </a:p>
+          <a:p>
+            <a:r>
+              <a:rPr lang="en-US" sz="1500" dirty="0"/>
+              <a:t>CM: Percentage of completely correct output/command</a:t>
+            </a:r>
+          </a:p>
+        </p:txBody>
+      </p:sp>
+      <p:graphicFrame>
+        <p:nvGraphicFramePr>
+          <p:cNvPr id="17" name="Diagram 16">
+            <a:extLst>
+              <a:ext uri="{FF2B5EF4-FFF2-40B4-BE49-F238E27FC236}">
+                <a16:creationId xmlns:a16="http://schemas.microsoft.com/office/drawing/2014/main" id="{54E1386C-97BA-44F0-B273-61A57B42B825}"/>
+              </a:ext>
+            </a:extLst>
+          </p:cNvPr>
+          <p:cNvGraphicFramePr/>
+          <p:nvPr>
+            <p:extLst>
+              <p:ext uri="{D42A27DB-BD31-4B8C-83A1-F6EECF244321}">
+                <p14:modId xmlns:p14="http://schemas.microsoft.com/office/powerpoint/2010/main" val="1975486458"/>
+              </p:ext>
+            </p:extLst>
+          </p:nvPr>
+        </p:nvGraphicFramePr>
+        <p:xfrm>
+          <a:off x="23571200" y="6766629"/>
+          <a:ext cx="3117849" cy="1708160"/>
+        </p:xfrm>
+        <a:graphic>
+          <a:graphicData uri="http://schemas.openxmlformats.org/drawingml/2006/diagram">
+            <dgm:relIds xmlns:dgm="http://schemas.openxmlformats.org/drawingml/2006/diagram" xmlns:r="http://schemas.openxmlformats.org/officeDocument/2006/relationships" r:dm="rId22" r:lo="rId23" r:qs="rId24" r:cs="rId25"/>
+          </a:graphicData>
+        </a:graphic>
+      </p:graphicFrame>
+      <p:graphicFrame>
+        <p:nvGraphicFramePr>
+          <p:cNvPr id="20" name="Diagram 19">
+            <a:extLst>
+              <a:ext uri="{FF2B5EF4-FFF2-40B4-BE49-F238E27FC236}">
+                <a16:creationId xmlns:a16="http://schemas.microsoft.com/office/drawing/2014/main" id="{2D3B3D3C-A782-45AE-8DAA-8A54826D74AD}"/>
+              </a:ext>
+            </a:extLst>
+          </p:cNvPr>
+          <p:cNvGraphicFramePr/>
+          <p:nvPr>
+            <p:extLst>
+              <p:ext uri="{D42A27DB-BD31-4B8C-83A1-F6EECF244321}">
+                <p14:modId xmlns:p14="http://schemas.microsoft.com/office/powerpoint/2010/main" val="1409744422"/>
+              </p:ext>
+            </p:extLst>
+          </p:nvPr>
+        </p:nvGraphicFramePr>
+        <p:xfrm>
+          <a:off x="20169187" y="7461227"/>
+          <a:ext cx="1700213" cy="323165"/>
+        </p:xfrm>
+        <a:graphic>
+          <a:graphicData uri="http://schemas.openxmlformats.org/drawingml/2006/diagram">
+            <dgm:relIds xmlns:dgm="http://schemas.openxmlformats.org/drawingml/2006/diagram" xmlns:r="http://schemas.openxmlformats.org/officeDocument/2006/relationships" r:dm="rId27" r:lo="rId28" r:qs="rId29" r:cs="rId30"/>
+          </a:graphicData>
+        </a:graphic>
+      </p:graphicFrame>
+      <p:sp>
+        <p:nvSpPr>
+          <p:cNvPr id="24" name="AutoShape 4" descr="data:image/png;base64,iVBORw0KGgoAAAANSUhEUgAAAfYAAAE2CAYAAACTA7AIAAAgAElEQVR4Xu2dC3hV1bXvR4gBgoSnEBKIBJRAVZQKVxHlYaH0XIpaD1jxCUIRlVZb6em5t6fvhz2n5/hoe0UQSpGXrdQHj2JVsFBUfKEoPjABBAyEVxAIEAiQ3O8/w9yuLPZjrewVsvca//V9fmr2XGvP8V9jjd8cY841d0ZNTU2N8KACVIAKUAEqQAVCoUAGwR6K+0gjqAAVoAJUgAoYBQh2OgIVoAJUgApQgRApQLCH6GbSFCpABagAFaACBDt9gApQASpABahAiBQg2EN0M2kKFaACVIAKUAGCnT5ABagAFaACVCBEChDsIbqZNIUKUAEqQAWoAMFOH6ACVIAKUAEqECIFCPYQ3UyaQgWoABWgAlSAYKcPUAEqQAWoABUIkQIEe4huJk2hAlSAClABKkCw0weoABWgAlSACoRIAYI9RDeTplABKkAFqAAVINjpA1SAClABKkAFQqQAwR6im0lTqAAVoAJUgAoQ7PQBKkAFqAAVoAIhUiApsB89elRmzZolW7ZsiSlJYWGhjB8/Xpo3by41NTVSUlIiixcvlj179khGRoYUFBTI6NGjJTc3N3KNoNuF6H7RFCpABagAFaACcRVICuwnT56UzZs3y6FDh077ksOHD8vy5cvlsssukxEjRpjPN2zYIHPmzDEw79evn1RVVcnq1avlxIkTMmnSJOnQoUODtKMPUAEqQAWoABXQokBSYI8n0iuvvCIrVqyQiRMnSn5+vmAQMHfuXJOpA+KtWrUyp2/btk1mzpwp/fv3NwOAoNtpuZG0kwpQASpABagAFGgQsFdWVsqMGTOkTZs2csstt0hmZqYcPHhQpk6dKj169JBRo0ZF1Ec5H2Bv1qyZjBs3TnBukO2ysrJ4p6kAFaACVIAKqFGgQcD+0UcfyZNPPmmg3qtXLyNmaWmpgf3AgQNl2LBhEYExnz5v3jypqKgwc/F79+4NtB3m9nlQASpABagAFdCiQOBgP378uPzpT38y+t1xxx1iM2Zbch80aFAdsKPd/PnzZevWrTJ58mQ5cOCAyeCDate6dWst95J2UgEqQAWoABUIvhT/6aefGrBfd9110rdv34jEBDu9jQpQASpABahAwysQaMaOhW/Ivnft2lVngRzMSGWwFxcXm6kAHlSAClABKkAFGluBnJwcKSoqqnc3AgX7jh075PHHH5errrrqtHJ7Ks+xo98aD7ymiAFNXl6eRvONzWVlZYKHqGXLlio10OwDmm23zk7/T90YiLfJ6nsEBnYsgnv22Wfl448/lrvuukvat29fp092VTw2rBkzZkzks1ir4oNqx1XxsV0DAxo82M4pk/o6Urqet3btWjOwSeYhSlfb0W/NPqDZduuz9P9wxsDAwF5eXi7Tpk2Tnj17mtfZsKuc84hVpt+4caPMnj1bhgwZYrL8oNulc9Bt6L4zsIkwsIUzsHl5duj/9P+w+kBgYMcucytXrpQJEyZIt27doj5XFuLYYW7AgAFm57lVq1aZ99yxkU27du3MeUG38/KQa2wTVqf2cy8JdoKdFStWrMLmA4GAHWX26dOnS9u2bWXs2LGRV9yiBVjsFb9o0aK4e8XjvKDb+Qn2WtoS7MxYNPuAZttZiq9VIKw+EAjYtYAwbHaG1an93Cdm7MzYw5at0f+9KxDWGEiwe/eB0LUMq1P7uVEEO8FOsLMUHzYfINj9UCBkbQl2luI1+4Bm21mKZyk+ZDijOVYBBjaCXbMPaLadYCfYScKQKsDARrBr9gHNthPsBHtIsUazGNgIds0+oNl2gp1gJwFDqgADG8Gu2Qc0206wE+whxRrNYmAj2DX7gGbbCXaCnQQMqQIMbAS7Zh/QbDvBTrCHFGs0i4GNYNfsA5ptJ9gJdhIwpAowsBHsmn1As+0EO8EeUqzRLAY2gl2zD2i2nWAn2EnAkCrAwEawa/YBzbYT7AR7SLFGsxjYCHbNPqDZdoKdYCcBQ6oAAxvBrtkHNNtOsBPsIcUazWJgI9g1+4Bm2wl2gp0EDKkCDGwEu2Yf0Gw7wU6whxRrNIuBjWDX7AOabSfYCfYzTsCaGpFpi3fIW59UyAPf6iad2jX13Ie1xRXym/nbZPI3OsvVX27j+TyNDRnYCHbNPqDZdoKdYI8w74NPD8u3f1cihypPxuXg8H5t5YGJ3evNSoD9Pxdsk9c+PCDT7i+Szuc083ytVz84IP8+fbP88NauMuLydp7PS6bhjKVlMn/5Lvl/9/WQi7qdncylzui5DGwEu2Yf0Gw7wU6wR2Bz4PAJeWtDhZw4WWP+9tnuYzL77zvlqt6t62THee2byiXntTyjkGrMLyPYG1P95L577dq1kpeXJ/n5+cldKE3P1gw3zbYT7AR7zJBlM/hbhuXKxJF5aRraku82wZ68ho11BYJ9h5SVlUnfvn0b6xY02vcS7KxYhdUHMmpqUPiu3xEP7C+/87n8YPpm+d4NXWTF2s8Fbf/zzu7ylUvbSll5lTy2eIegzdGqaunYJku+fX1n+d+Xt5eMjNq+/HDGZnl/82GZ9e+9zOcWnj8ZWyjLXi+X1z44ICeqRQb2bi3/5+ZzpUObLHOe/d7fTqr9Lvv/Px1bKB9uOSxL15RL1fFq6dX1bPnZuELpntc8YvyRoyfld09vlyWv7TXXvqiwhXzjqnPkoYWl8pPbu5rrRTv8gB1rAPAdG7YdMZfCd/zfW7pKjy7ZkUtXV9fI317fJ48t2i679x+X5k2bmO/+zvWdI3aicUlppfxm/lb5YEvttXqd20LuG9VZ+hbleLqhYXVqT8afakSwE+waBzXM2Jmx1ytjt0BtelaGnJvbXHoWtJAbv9JRWp+daebpq6tFbh7WUVpmZ8qy1/fJuyUV8ssJ3WToKXhGA/sfl5XJ2c0z5crerWXAha0EkPzbmnIZ1retAPhnZWbEBHu7VlnSqyBbvnZZO9my86gsXLlHzsvPlt/fe7655vETNfKruVvl+Tf3yb9c1i5y/eff2GcGAnZQkgzYV7zzufz4j59K9/xs+eaQDnLseI08tXK37Dt4Qh6efJ5cfGr64skVu+WRv5bKV/u1NdMcO8qrZM4LOw3UseagfassKS6tlG8/Uiyw6+ahHU23FqzYLdt2HZX/vvs8ufKi1gn5RrAzY9HsA5ptJ9gJ9qTA/vX+7eVHt3WVrLNqU3EA9S//2C2/HN9NvtS1hfnb3gPH5c4Hi6Uwt5n89q7zDKCjgX3G0h1y5zX5MmFEnsnsMdf/g2mbZOOOozLrBz3lnNZZMcHu7sfDC0tNZv7od4tMP94tOST3/qFERg/uIPf+a5dI5WDRq3vl13O3Jg32iiMnZfIjxca2332nh+S0yDS2b997zAx0sPL/4cnnS3WNyHf/UCLHT9bIH+7tYQY+OJ755x6zoBDQHnxJG/nT8zvN+oY/3NdDLu5eu2APAxbo2P9LOfKL8d0I9oQKEOya4abZdoKdYE8K7LYkHi/GHj56Uu79/UbTxGbQsUrx7pXneC0O5XVbso9Vinf348W39skD87dFVrKjnD7vpV11QIn+2OmGZEvxb39SIff9YaN85187y5iv1GbY9sAgY9kb5fLY94qksFNzM6j5aOsR+e+7zosMftz6weYH5m2V+0Z3kRsGd5AmTU7NYXiAmW3CwEawa/YBzbYT7AR74GDH3PDvni6VdRsPmTl2e2AlvV+wA8jIqv2CHQOAX8zZGgG7eyBh+xQU2N0DDqeo+OyHMz+Vh+45TwZc1Fo2bq806xNQVsf6gqsubmPgfX7n7EglAesBfj1vm7z09j5pmtVELuuVIyOvaC8DL24TqY4kYjwDG8Gu2Qc0206wE+yBgh2Z6/cf2yQXFp4tE76eJ106NJPKYyflx7O2SFZmhkqwo3rwkz9tiYAdgmPOH4v9lr2xT155f7+ZrhjSp438dFyhWROAA8seUcp/8e3PzQLFku2Vkteuqfz2ru5mTUOig4GNYNfsA5ptJ9gJ9kDB/pNZn8q7Gw/JzH/rKblta3eUS6YUH1TGjjnrJ17YedomM0Fl7F5L8V1zmwv2C8hu1iQCcKySn7akTGY/X2bm2Add3Eb2HzphtGvT8qxIFo/FhFOmbpJBF7fmHHuiUc2pz7kqnqviuSqe+ziEzQca/HU399w2St7rNh02i93sVrGle47JPY+USIfWWY2WsafK4jlocffDxWaB3H/c2jUCbTsw+OX4QvNWwP2PbpKyfVXy+JQis2gQx8HDJ+Tuh0uka24zTzv/MWNhxq7ZBzTbzoydGXugGTsWff3iiS3mla9RgzrItt1HzTvbgFJjzrEn+7obVqiP+5dOUtDx9O1vv9yjpalOeHndDSv9sShu6etfvHaHDH7B8t1mpfz0+4vMd7ivlZmZIS+8uU/e+LhCfnx7VzPfnuhgYCPYNfuAZtsJdoI9ULBjXvj5N8rlkae3y76Dx83isHu+0Vn++f4BswLdZvJeV8UHVYqHkclsUDN9yY6YOjmrFl42qMEgA68ELli+y2xQg70AvtwjR6bcWFBnQ50616qpMesVJl2bL8P7tYtk+vHgzsBGsGv2Ac22E+wEe6LEL9Sfr3pvv/zbY5vivseergIwsBHsmn1As+0EO8Gertzy1W9kyTP/VibXXtk+8mtyqC78et5WAdzxjjleNwvTwcBGsGv2Ac22E+wEe5hYdpot1dXV0qRJE7PKHBvI7Pq8Sm4elmumCF778KD8/c19MrJ/O/MzsNg1LkwHAxvBrtkHNNtOsBPsYWLZabYcPHhQcnJyJCMjw/zOPObKsXc9FqwB7oD8jVd39LzpSzqJxcBGsGv2Ac22E+wEezqxyndfAfasrCzJzg5Xmd2LEAxsBLtmH9BsO8FOsHthRNq2AdhRim/ZsmXa2lDfjjOwEeyafUCz7QQ7wV5fbqTFeQR7mYRt1yU/jsed57jzHP2fO8+FzQeS2nnOTwBN1bYEO8Gel8fAFrbA5iXeMGNnxSqsPkCwsxTPjJ1gV+kDYQ3qXgY1LMWzFO/HT9KuLTN2ZuzM2HX6AMHOjD2sPsCMnRm7ymyNGUu4MxYvGUZYg7oX2+n/4fZ/gp1gJ9hZilfpAwQ7M/aw+gDBTrCrDOrMWMKdsXjJWsMa1L3YTv8Pt/8T7AQ7wc6MXaUPEOzM2MPqAwQ7wa4yqDNjCXfG4iVrDWtQ92I7/T/c/k+wE+wEOzN2lT5AsDNjD6sPEOwEu8qgzowl3BmLl6w1rEHdi+30/3D7P8FOsBPszNhV+gDBzow9rD5AsBPsKoM6M5ZwZyxestawBnUvttP/w+3/BDvBTrAzY1fpAwQ7M/aw+gDBTrCrDOrMWMKdsXjJWsMa1L3YTv8Pt/8T7AQ7wc6MXaUPEOzM2MPqAwQ7wa4yqDNjCXfG4iVrDWtQ92I7/T/c/k+wE+wEOzN2lT5AsIc/Yy/+7IgUFbSIOdYJqw8Q7AS7yqDOjCXcGYuXrDWsQd2L7Rr8/+dPbJElr5UbsC/40ZeiyhJWHyDYCXaCnRm7Sh8Ia1BPFuwVR05KSekR6dGlheS0yPRzuZRpCxuu/t66SH8A9miZe1h9QD3YKw4dkbkv7ZXLL2wrfYtyUsYxk+3I2uIKycnOVFmG8qPd2rVrJY9gJ9j9OE0DtLUw7dS+meS3b9oA3xD9ktH8/2ezt8jSNfEz3TPWwXp+EeLfpAeLI2f/z93nyZA+bU67mh+w4x5NeqhYysqPyfT7i+LG1np2O7DT1IO98li1DLz3XblzZJ7ceU1+YMI25oVQfkIZCkeskSo+8+PUjWlPQ343wb5DysrKPIN9wYrd8tBTn5mg9rOxXc2tWfneAclr11TeKakdTN7/zYIGu2UIrk++vFv6FrWsMxB/csVuk12OvKK95+9OJf+/+VcfC+aDYcM/Hu7j2YZISb24QsrKq3zZj3Pd/r+jvEqu/eH6yPdPn1LkKeFBzHlo4Wfm/gOi8ea1fRtXjxOsn9pTY8V3Pz5gBzy4Zrzyvpfu4l4Xl1b6vl9ero02BHsIwX7ng8XyTnGF8QEEup+NK4zqD36c2qtDpVu7hgL7ynX7BbCZ8s0uZyTIISDbTA//vbP8mFzqoQLlxwfcQR/BDdkLYOs8Eg2SoQ38c8zQXN/ZKbIwZGPOQasziP90bKH0LMg2mVVRlxYGMtHKyfacAUUiv5/S15Pbot/IZJH5xRpAoG+PLykzfYg2wIFW0MwJPlz3+49tivQBNlwzwNsABTpu31sVGcjjO28e2tGzPW++t0muH5grPbp3qR2kufoS617a+Wv0tW/PnDqDAfjhtCk9ZdW6/ZJ/TlO5tEeOp5I+tKvP4CSasY8v2SGPLy2LfHTT0I6S0+Iswd+h7f03FJg+efV/d2kfF178QG/f/ovznIkXqsQYPAV9EOwhBHu/SWsjfoKHDA4Y7fDq1H6cDg8ARu44Ig9PeZXc8quPDAD8BC3n92KE6w7WuB4CbV77plHLbFFtdgAQnwcBdltGtSB1AtDq724Tq28zlu6QtZ9UGHu8Zr7ORULIoqETvg/BbEqC7Llkc6ksWL5L8vLzZcglrU327c6Gof3Pntgqh46cENiW6EDAnP+jC8y9QQYHWBSXHjH+gEBvS6S2ndfSs7u8aoOicyALYDr76QSTHYAArMiQ7RGrTOu002ps/wY4wJfdB7Jdq5Hb120pF3o6z3dmgrie877hnFXv7TeDNLdONst39sFrxu8E+NA+2fJfd19gLuMG4uBL2siD95xXx0z03+qHPmGAhipOvAM23Tky31R1ooHeCbtEA8NE/ofPnT4RrT2eL9z3WDEQNuKwAzBn/+z14g2ibGyyA0CsWcA0y59X7JIla8rrDIbxHejPTV/B4COYNQ0Ee8jA7nzorAOitBfNYfyAHZlBrAwQgQcHgoAzMNhqgTtwxVzIUl4lABseCjw0eBhQ4oXjT5m6yQQ4M2A4lZU8+NRnJivGgcELstRYc5TOoAog2EwuWbAjiNtBC/qJubcnV+yqky2gv9YutEEwxL8BUGQ10BUQRLB1Hsi8Jo7Mr3Pv3HOxbtjhPrszaNsvfGYHQnY9yc9nbZAlbxw2X+s812YjuBbs8wJ0N2Dc/cD1kUXbjNsGTveKZZxXUXnSDApwz9EegTXagX46S8fR2uB7ARX4C/47r30zU/a2hxtesBX3ZXCfNuZeuaFuz3OD213RsNfFdyF7xOfO77Ula3f/4Q+PTyky9/Ha/1gfuZ+2GoHsPt798DJQcQ8KUNUr6pIt//NUaaTaBzth/5QbC+STzyqlX1FL46tuyOE8lJUTHda/7DMAf4cf4u/QxdqE78Q9QiUABwa6GBAinsRaBwWtnIOGRGDHdZEpr1xbZvxr5FVfVDqcgx57j52VImunLcdDD/gpnnM7+LL6xqpqRdPK+ZyWlFZKjy7ZiSSN+TnBnoZgt4HPPYLHgwGAuINgrHkyC/aiL/Ux85Z4QKMtMHE6KcDlHCQ4QY5ROQKifUDR7qahuQb27qBvF5/YkjUeXPy3hYENAvg32jozLBv4sOrV3R7f4wy4NkhjlOwMqjZj8gt2DCSQfe7YW2WCDQKe87p2hO/8W72fzlMnWsDjf5GN27lYaIug5wRlrO/CvSn+rDLS1to/+L535fDR6phdhI+5IdIyO9P4AMqmOFAxQcC12aVfe53Zq52rdQ8KYl0z2kDG7/ejPQYXdq0AKk72+6E9yvb2gK3WbptpWfiYf5+aJsB/2+w5GhS89BHXd/qRfe4SaWOfYdw3VHCsT9ppAHy383ny0hfbBvcKg21nmTve+fCVQ5V1p2r8fJ+7Le4H7ILO15xaT9GyxVmy9LW95u/QCM+/c2oj1ve59cXgBtew17L3EH9HYhHtcD4fFvTRkiv3udAF57oHRHYgcLSqWtY8emm9pSLYGwnsuPlOh0emiWwKWRwOAMQGVDyoKE/hsCVpPKTOkbkzc3R7g7tkZEur+HefQpEjJ78IIHbOzMwlXtLa9MH5kDizSHe26McLbRnWZrvxznXDxZ4bL1ODZtAoGvQQnPGwAkZewY5rQQcvEPWjg7stsjyUiqNlQO5AlMz34FxjvwNEia5ngzR8BPfA+oUtnZqqyIOf1Ol7rMDuzvLgywAmsupEh9cMMdF1/H6OjBFTG87XqBJdwz0wiNUeOuHwC0H4MnR3DrSc32ErFMi2bQk42cFQrPOj3WvEnkRl+kQaBvk5kgK7/qg+18XziQG9rRS6r4G4467MONtAI8QeO/jC84fkwK1R1lkZBHt9bpA9pzFWxccq7cWzAyNllCbhBDYYA3hYyQ9n/fnsLTGDtAWCLUk+fqrcHe373FlBNJjEysQT3QdkjcjIbPBKNsAk+r5onwNCyHStnV7Bjmvd/MuPYpYcEfQxGIp3IMihKgFw26zP2d5ZggXg7MpZL3biXARvZJexgryX68RqA5ibwVLlyUi50ZZPnVUeQAZ9R3BDRgW/jTY/iQwZfU2kGcCF+wXb8N3wf1zXPU/u7jcCKCCMaZFogyR8fs1l2fLkqkOeZbFTSO6pJc8XONUQvgJ9LGDQF5Te3WXweNe1A32nL8fzz1jX+uYVIpXVZ8v2z5vUAZ4dMOBZxUAKpXE7FRbrWoAeDufU3KRr8mJWB6AD/GPB8t2RdQTuhAfXc1/Xr97O9hhAwj+jPX9ermurn+61CInOtf6IZyXatKj73g29tK3816TuiS4b83Nm7Kcydi8LjfyobEo6a8pNEIQDOzNtP9dJh7bRsg0EA5TIsJAJgdVCK1aWj2vA6ZHh1LdMCK2cpVKrHQID5utwfff0hR+wW2jhXo4ccI6xDQeujewXf5++pCwSpPBZtLcT4Bt4kBE00Tez50CLTFnwowtOe+gxEEAQccIJWtmVz28XHzIDPmQBzoARa44R9wWAjBXYoB/mwXEtm31E082vXzoXdDoHMNf8cP1pWSrsswu24u0t4Q6Gzntvp2PcgwroDdugX8vM/fKbJ8tkzRevO8c0C31a+Ujta2jO+2fXnbizwGh+iDhgB+PRvsj9ipZtg3sGH0OWiOs+GON1MvQLFRPcW/d0SbTvQ8wbct7uyD4OzjUrthpo37aA70e7V87rYrBhqoun3h/HYMVMV3x33Wn3GDZNn9LzNH/HM2Tm3nvWzuXbZAT/dg6obHXAGXuciQPuC/pi38Cw/TRTLnimHCvmY910u/DNrtZ3M8KpV6LnId7bSTjX7acP3XOeDDo1UEp07WifE+ynwG6DTX1EdJ+DB9BZUsSo1Dl/7HxgAT+bwTmDAfqD0e6Df/nM08IUe00bPMyqT9dCGHc/O7bOlN0HvM9/4cF1PxDo5/e/2eW0h8W5QM6WCu33u6GDh3PJA70jDzmcHFUFHH5H1hhRI7uwC9ESQckP2P36BoIi7h8ON3gtIBDo3fpE+x5nUPPyZgGuiWwVh/Oe4b4g67X7HODzK4pEjkntwMRZJvRrb7z2NsOx0LbAdmY+ibIa9/XdmTNgZAduztfJnGBxLiS1a0zyCnubZxDrJqALnkMstnNq5A7M0BdrLawdbp9+e3rfOiDyEl9wTdgEkDhL8n6TDtxHPAOAIa5l17FYfWErngto5PZ/tLWLO916J8pSY63lcd4n6AAf8/omhLsPsA0DUzuNBDvtVF20azrvix2cQecpj20y/j5heI48/+Z+Kf7izbjIV3p5nQ362gG/O1Y543m8/UTsF1qd/N7vBgP7zp07Zfr06XL4cO3qWucxfPhwGTZsmPlTTU2NlJSUyOLFi2XPnj2SkZEhBQUFMnr0aMnNzY2cFnS7eAHHluK9PHjxroMgHq8c7j431gjOCSScA+eDcyaae7MPrfP9VzgcAOksXyLDw4FBw0cbd8vvFtWuxLaZmi2juefL8Dng6xxZOkfdzvnVRFo6Mx58dyxHdq8ytnPjNlBFux+x3gCIde8aEuxBghHXsoNDr+842+/HPcP8KrJUu/bAzoVf1LWpTLi6SgZe0dfTACMZmxAEbSB2XgfAMD4xtKOvd/7dWU6sQIzvRSXF2m+/O9pbIc7FmMhQbbBOtNLc2RfnKns7h4rpg2gl2Gh6et01zc+9cNrlPM+P/yfK2mM9e87FZIl09GOTl7bOwUi0V/fgA8+vKZPHXqy9moVxogzb/d1mUDx7S22F4tT6HjPNsGK3mUY60xv2BJKxb9u2TWbOnCmdO3eWNm3qbtt30UUXyYUXXmh02LBhg8yZM8fAvF+/flJVVSWrV6+WEydOyKRJk6RDhw4N0q6hwA5Ht3OE0eato5Xj7GtWfravtatZnYC3c2xwImT99RkBw6nNazgVtVk3gq6d28Wo2vl9TkdH4EF2E22+CJ95sQ2BHA8d+u2cJ3TfKxswo2V6GKTgobEZaaIBRdQgqnhLWQQjlKP97DznJZieqTZO0GCQueDHte9iez0Sve4JX0awhj/H2uTJ+V1mbcHeKjNoTiaQO+1yTgF4tctPOz9gx3XdFRabcNiBf6zvtuuCvMQGP/1P1NZWQZDlI8a574v1Acmp3SQG01DOSkyi66fq54GAff369bJw4UKZMGGCdO1au82k+zh58qTMnTvXZOqAeKtWrUwTOyjo37+/jBgxQoJul0j4+mbscJh47/faDRlQ8sH8m3MldqI+xfocGRtGgHZRUn2vY89LFNicD7HXrSWT7VOs8+OVq80GKJ8diTtAiBlwFIMdmiTygYa6n0Fd15bE7boAP9dNZdsBQiwqS3aQkEgPv2DH9fC8mddQl5R52uEyUR8a8/NU9oFkdAkE7G+99ZYsW7bMALtTp05R+3Pw4EGZOnWq9OjRQ0aNGhVpc/ToUZPtN2vWTMaNGyeVlZWBtsvKyoqrT33BHm3hRKyFLXYBSjI3qiHO9eLUZmFXgh+TaYi+nalr1iewnam+nYnv8eIDZ6IfjfEdmm23eifj/wA8Kho4UC2pT9WwMe678zvD6gOBgH358uWycuVK6dixo2C+vbq6+rS589LSUpkxY4YMHDgwMpviVjkAAB6pSURBVOcOgTGfPm/ePKmoqJDx48fL3r17A23XvHnzQMFud5Fy7hJmV2B63aO5sZ3Za8aeKv1syH4kE9gasl9n6tphDWxe9NNsexBg96JxqrcJqw8EAvb58+cLyvFFRUXmn+3bt8v7778v2dnZkblzW3IfNGhQHbDjxuP8rVu3yuTJk+XAgQMmgw+qXevWrQMDe7T3ceszr5sqzh5Wp/ajL8Hu79fd/Gib6m3p/8H8VkKq3+d4/QurDwQCdsyLHzt2zIAcK91xrFu3Tp566inzc5AovacL2LEYDuVnbMjvXGjhXqENG5N9daOxH4iwOrUfXQl2gh0xSutB/w+n/wcC9mgPhZ07b9KkiSmx7969O9BM3Gtm7zVjL8oTGdpbIq89tGgqcv81IgWnfj3xwaUixae2PO/SXuSe4SLta3+jgAcVoAJUgApQgcAUyMnJMdXv+h4NBvaGnjv3OhfvdY4d7/MeOVYjm3cej2jZvVOWPDLpHFm/pUr+44kvtgvF3/BZuh+HDh0yaxvy8mr3odd44FUvPEQtW9bu0a/t0OwDmm23fk7/T90YmJ+fX+9wlDTYy8vLZdWqVXLxxRfL+eefH+kIMvZZs2aZ/0fGjnfWsSq+sLBQxowZU6ddtFXxQbXzuio+2q9YoZPY3xu/oWt/kCWIXYHqfbcCPpGleM4xavYBzbbbUMJSPEvxUbGCUe+0adPM5jK33nqrZGbW/krRli1bDNid76djkdyuXbvqvMe+ceNGmT17tgwZMsQsqsN8fZDtErHQvu7mbBfrF6ncW58munaqf87ARrBr9gHNthPstQqE1QeSztghziuvvCJLly4176j36dNHkK0jiwfkJ06cKO3atTMiWohjEDBgwACTxZ+JdvEAGw3s7l8hs+ef6e0QG3pgEFan9qMbM5ZwZixefID+z4FtWH0gELBjPv29996TF198UVCaB9C7desm1157bZ094PGwYa/4RYsWxd0rviHaxXrQo4Edu6xhUxb3Fq74idQwHWF1aj/3iGAn2LkqPk+Smc/187ylWtuwxsBAwJ5qN8tPf2KBHXsaY14dG9H0LMj2tP+5n+9NhbZhdWo/2hLsBDvBTrCHzQcI9lM/2+qEAX5yUcNBsLMUqdkHNNvOOXbOsYeacdEydoI91Le8jnHM2Jmxhy1b8/P00v/D6f/M2Jmxm90BtR4MbOEMbF78mRk7K1Zh9QGC3QX2dN773Uswc7YJq1P70YFgJ9g5sOUce9h8gGAn2Jmx5zGwhS2weRnccWDLjD2sPkCwE+wEO8Gu0gfCGtS9DGq4eI6L5/z4Sdq1PVpVLVd9591Iv1mKT7tbmFSHWYpnKV5jtYJgJ9iTCpypfvKx49Vy5bcJ9lS/Tw3VP4KdYCfYORUVNh9QX4p3g33wJW3kwXvOayiOpNR1WYrkHKNmH9BsOzN2ZuwpBaOgO+MG+50j8yRsW8fG0oyBjWDX7AOabSfYCfagWZpS1yPYy1QunGJgC3dg8xJkCHYObMPqAyzFu+bYmbF7CYnhacM5ds6xh21+1c/TSf8Pp/8T7AQ7M3a+7qbSB8KarRHs3hUIqw8Q7AS7yqDOUjxL8WEN6t6xxlJ8WH1APdirjlfLAMfrbizF+wkL6d+WpchwliK9eGZYg7oX2zmwDffAVj3Yj5+skSvueSfyLEyfUhTK316P9rAzsDFj0ewDmm0n2Al2PwPAtGtLsHNVfB7n2FVOxxDsHNiG1QeYsTNjVxnUmbGEO2PxkmGENah7sZ3+H27/J9gJdoKdGbtKHyDYmbGH1QcIdoJdZVBnxhLujMVL1hrWoO7Fdvp/uP2fYHeBffEDvSW/fVM/z0batmVgY8ai2Qc0206wE+xpCy4vHa+urpHL7v5iVfzb0/t6OS0UbRjYCHbNPqDZdoKdYA8FxGIZQbBzVTxXxev0AYKdA9uw+oD6UnyNiPyvSWsN94u6ZMuCH18Q6oGM07iwOrWfG8gNarhBDfeK5++xh80H1IMdEFi5br/5Bz/XqmV+HXYT7MxYNPuAZttZimcp3k8CxLZppAADG8Gu2Qc0206wE+xphCp21Y8CDGwEu2Yf0Gw7wU6w+2EF26aRAgxsBLtmH9BsO8FOsKcRqthVPwowsBHsmn1As+0EO8HuhxVsm0YKMLAR7Jp9QLPtBDvBnkaoYlf9KMDARrBr9gHNthPsBLsfVrBtGinAwEawa/YBzbYT7AR7GqGKXfWjAAMbwa7ZBzTbTrAT7H5YwbZppAADG8Gu2Qc0206wE+xphCp21Y8CDGwEu2Yf0Gw7wU6w+2EF26aRAgxsBLtmH9BsO8FOsKcRqthVPwowsBHsmn1As+0EO8HuhxVsm0YKMLAR7Jp9QLPtBDvBnkaoYlf9KMDARrBr9gHNthPsBLsfVrBtGinAwEawa/YBzbYT7AR7GqGKXfWjAAMbwa7ZBzTbTrAT7H5YwbZppAADG8Gu2Qc0206wE+xphCp21Y8CDGwEu2Yf0Gw7wU6w+2EF26aRAgxsBLtmH9BsO8FOsKcRqthVPwowsBHsmn1As+0EO8HuhxVsm0YKMLAR7Jp9QLPtBDvBnkaoYlf9KMDARrBr9gHNthPsBLsfVrBtGinAwEawa/YBzbYT7AR7GqGKXfWjAAMbwa7ZBzTbTrAT7H5YwbZppAADG8Gu2Qc0206wE+xphCp21Y8CDGwEu2Yf0Gw7wU6w+2EF26aRAgxsBLtmH9BsO8FOsKcRqthVPwowsBHsmn1As+0EO8HuhxVsm0YKMLAR7Jp9QLPtBDvBnkaoYlf9KMDARrBr9gHNthPsBLsfVrBtGinAwEawa/YBzbYT7AR7GqGKXfWjAAMbwa7ZBzTbTrAT7H5YwbZppAADG8Gu2Qc0206wE+xphCp21Y8CDGwEu2Yf0Gw7wU6w+2EF26aRAgxsBLtmH9BsO8FOsKcRqthVPwowsBHsmn1As+0EO8HuhxVsm0YKMLAR7Jp9QLPtBDvBnkaoYlf9KMDARrBr9gHNthPsBLsfVrBtGinAwEawa/YBzbYT7AR7GqGKXfWjAAMbwa7ZBzTbTrAT7H5YwbZppAADG8Gu2Qc0206wE+xphCp21Y8CDGwEu2Yf0Gw7wU6wJ2TF0aNHZdmyZbJ27Vo5fvy4tGjRQgYOHCiDBg2SrKysyPk1NTVSUlIiixcvlj179khGRoYUFBTI6NGjJTc3t8HaJTRAaQMGNoJdsw9otp1gJ9jjYq+yslKeeOIJ2blzpwwePFjatGkjpaWlsmbNGunTp4+MGjVKMjMzzTU2bNggc+bMMTDv16+fVFVVyerVq+XEiRMyadIk6dChQ4O0U8rthGYzsBHsmn1As+0EO8EeFxBvvfWWPPPMM3LbbbfJBRdcYNoiM1+yZIm8++67BtidOnWSkydPyty5c02mjr+1atXKtN22bZvMnDlT+vfvLyNGjAi8XUK6KW7AwEawa/YBzbYT7AR7XPR9+OGHsmnTJhk6dKicffbZkbbr16+XhQsXyoQJE6Rr165y8OBBmTp1qvTo0cNk8fZAGR9gb9asmYwbN05QAQiynXMqQDHDo5rOwEawa/YBzbYT7AR7vXi4fPlyefXVVyMZO8rzM2bMMHPvw4YNqzOfPm/ePKmoqJDx48fL3r17A23XvHnzevVfw0kMbAS7Zh/QbDvBTrD7Ylx1dbV8/PHHJltHad7OsduSOxbUOcGOi8+fP1+2bt0qkydPlgMHDpgMPqh2rVu39tV/TY0Z2Ah2zT6g2XaCnWD3xDoA+dFHH5X9+/eb9nbhHErszrn0oIDtdQBAsMe+fQxsBLtmH9BsO8FOsHsCO15zKy4uNivdN2/eLOvWrZPevXunRcaOfmMqgAcVoAJUgApQgcZWICcnR4qKiurdjYwaLGFvgOPNN9+U5557Tm6//Xbp1auXeQUuVefYMXLXeBw6dMgMaPLy8jSab2wuKysTPEQtW7ZUqYFmH9Bsu3V2+n/qxsD8/Px6x6SkwY731bHgDfPm2dnZkY7YOfWrr75a8I9dFV9YWChjxoyJtIu1Kj6odlwVz1J8vKcDmyphYJPMQ1Tvpy8FTtRcjtZsO0vxLMXHDT9Y/b5y5Urzqtr5558fafv666/LokWLZOzYsSZjx3vsWCS3a9euOu+xb9y4UWbPni1Dhgwxg4Og26VA7EzZLjCwcY5dsw9otp1gJ9jjgmnfvn2mxI73z+3Oc9iFDpl8586dDdjtK2cW4thhbsCAAWY+ftWqVWZnuokTJ0q7du3MdwXdLmXJ2sgdY2Aj2DX7gGbbCXaCPSF+Pv/8c3nhhRcEm9LYveL79u0rw4cPNxvPOA/sFY9MPt5e8WgfdLuERihswMBGsGv2Ac22E+wEu0Lk6TCZgY1g1+wDmm0n2Al2HZRTaCUDG8Gu2Qc0206wE+wKkafDZAY2gl2zD2i2nWAn2HVQTqGVDGwEu2Yf0Gw7wU6wK0SeDpMZ2Ah2zT6g2XaCnWDXQTmFVjKwEeyafUCz7QQ7wa4QeTpMZmAj2DX7gGbbCXaCXQflFFrJwEawa/YBzbYT7AS7QuTpMJmBjWDX7AOabSfYCXYdlFNoJQMbwa7ZBzTbTrAT7AqRp8NkBjaCXbMPaLadYCfYdVBOoZUMbAS7Zh/QbDvBTrArRJ4OkxnYCHbNPqDZdoKdYNdBOYVWMrAR7Jp9QLPtBDvBrhB5OkxmYCPYNfuAZtsJdoJdB+UUWsnARrBr9gHNthPsBLtC5OkwmYGNYNfsA5ptJ9gJdh2UU2glAxvBrtkHNNtOsBPsCpGnw2QGNoJdsw9otp1gJ9h1UE6hlQxsBLtmH9BsO8FOsCtEng6TGdgIds0+oNl2gp1g10E5hVYysBHsmn1As+0EO8GuEHk6TGZgI9g1+4Bm2wl2gl0H5RRaycBGsGv2Ac22E+wEu0Lk6TCZgY1g1+wDmm0n2Al2HZRTaCUDG8Gu2Qc0206wE+wKkafDZAY2gl2zD2i2nWAn2HVQTqGVDGwEu2Yf0Gw7wU6wK0SeDpMZ2Ah2zT6g2XaCnWDXQTmFVjKwEeyafUCz7QQ7wa4QeTpMZmAj2DX7gGbbCXaCXQflFFrJwEawa/YBzbYT7AS7QuTpMJmBjWDX7AOabSfYCXYdlFNoJQMbwa7ZBzTbTrAT7AqRp8NkBjaCXbMPaLadYCfYdVBOoZUMbAS7Zh/QbDvBTrArRJ4OkxnYCHbNPqDZdoKdYNdBOYVWMrAR7Jp9QLPtBDvBrhB5OkxmYCPYNfuAZtsJdoJdB+UUWsnARrBr9gHNthPsBLtC5OkwmYGNYNfsA5ptJ9gJdh2UU2glAxvBrtkHNNtOsBPsCpGnw2QGNoJdsw9otp1gJ9h1UE6hlQxsBLtmH9BsO8FOsCtEng6TGdgIds0+oNl2gp1g10E5hVYysBHsmn1As+0EO8GuEHk6TGZgI9g1+4Bm2wl2gl0H5RRaycBGsGv2Ac22E+wEu0Lk6TCZgY1g1+wDmm0n2Al2HZRTaCUDG8Gu2Qc0206wE+wKkafDZAY2gl2zD2i2nWAn2HVQTqGVDGwEu2Yf0Gw7wU6wK0SeDpMZ2Ah2zT6g2XaCnWDXQTmFVjKwEeyafUCz7QQ7wa4QeTpMZmAj2DX7gGbbCXaCXQflFFrJwEawa/YBzbYT7AS7QuTpMJmBjWDX7AOabSfYCXYdlFNoJQMbwa7ZBzTbTrAT7AqRp8NkBjaCXbMPaLadYCfYdVBOoZUMbAS7Zh/QbDvBTrArRJ4OkxnYCHbNPqDZdoKdYNdBOYVWMrAR7Jp9QLPtBDvBrhB5OkxmYCPYNfuAZtsJdoJdB+UUWsnARrBr9gHNthPsBLtC5OkwmYGNYNfsA5ptJ9gJdh2UU2glAxvBrtkHNNtOsBPsCpGnw2QGNoJdsw9otp1gJ9h1UE6hlQxsBLtmH9BsO8FOsHtG3uHDh2XNmjWyfft2ufHGG6V58+Z1zq2pqZGSkhJZvHix7NmzRzIyMqSgoEBGjx4tubm5kbZBt/NsgLKGDGwEu2Yf0Gw7wU6wx8UdILxz5055+eWX5cMPP5QTJ05IYWGhjB8//jSwb9iwQebMmWNg3q9fP6mqqpLVq1ebcyZNmiQdOnQw3xV0O2W89mwuAxvBrtkHNNtOsBPscUFx4MABefTRRw2cBwwYIFu2bDHAdoP95MmTMnfuXJOpA+KtWrUy1922bZvMnDlT+vfvLyNGjJCg23mmnMKGDGwEu2Yf0Gw7wU6wx0Xe8ePHZe/evaaU3qRJE5k/f74A9m6wHzx4UKZOnSo9evSQUaNGRa559OhRA/ZmzZrJuHHjpLKyMtB2WVlZCpHtzWQGNoJdsw9otp1gJ9i9UeJUq1hgLy0tlRkzZsjAgQNl2LBhdebT582bJxUVFWYwgEFCkO3c8/y+jAl5YwY2gl2zD2i2nWAn2H3hLRbYbcl90KBBdcCOi+OcrVu3yuTJk022jww+qHatW7f21X9NjRnYCHbNPqDZdoKdYPfFOoLdl1yN2piBjWDX7AOabSfYCXZf8ElHsBcXF5upAB5UgApQASpABRpbgZycHCkqKqp3NzJq8L5agEc6zrFj5M6DClABKkAFqECqKJCfn1/vrpwxsNtV8XjHfcyYMZEOx1oVH1Q7roqvt2/wRCpABagAFUhDBc4Y2PF+OrL5Xbt21XmPfePGjTJ79mwZMmSIWVQXdLs0vCfsMhWgAlSAClCBeitwxsCOHlqIY4c5bGaDjWxWrVolmZmZMnHiRGnXrp0xJOh29VaHJ1IBKkAFqAAVSDMFzijYoQ32il+0aFHcveIbol2a3Rd2lwpQASpABahAvRQIHOz16gVPogJUgApQASpABQJRgGAPREZehApQASpABahAaihAsKfGfWAvqAAVoAJUgAoEogDBHoiMvAgVoAJUgApQgdRQgGBPjfvAXlABKkAFqAAVCEQBgj0QGVPnItgH4KOPPpLXXnvN/L59QUHBaZ0rKyuTZ555Rj777DPBxoN4/fC6664zP6nrPLy2SxXrP//8c1myZIl88skngp8TbtGihfk1QfygkHOjImyKtGzZMlm7dm2kHdoMHjzYvHppD1zjn//8p6xevVqOHDlirtGvXz+jK35mONWOaHZFs9+rXfANvMWyePHihG+xpJoW6M+GDRtkzpw50qVLl9N+Rtqrb3ttlyr2w+YnnnjC7AfiPm677Tbp3bu3+XNYnwFrM+7bSy+9JJs2bTLPKn5gzPmDYGF/Bgj2VHkik+zH4cOHZc2aNQbohw4dEvxc7be+9S0599xzT4M1fhYX0LvyyivlrLPOMufs2bNHxo0bJ+eff75pjwfDS7skux3Y6fv27TP9RUCDXa1atTKBfd26ddK3b18ZNWqUgTYeaAQ+/NrgFVdcIZ06dTIDAbQDBAHtjIwMM+B59tln5e233zbnd+/eXbZv3240xh7Ot956a51BQGCG1PNClZWVxq6dO3eaAUqbNm0EP5WM/vbp0ydivx+7LBgxOMSABvtOYJBz4sQJs8kUBoSpeuB5wK9E4p5hF0v8JLT9CWevvu21XSppsH79elmwYIEZpJ999tl1uobnAoOcsD4DMBb+DR/9+9//bmLApZdeKp07dzbPrB3ca3gGCPZUeiqT6At29fvwww/lwgsvlI4dOxrnjgb2pUuXGljdeeedYvciRqb7+OOPS15entxyyy0GWF7bJdHlQE99+umnBUHNaRcgP2/ePNmyZYsBESCOEfysWbPka1/7msnkcaDdwoULzWd33XWXtG/fXvbu3SvTpk2TXr16GSgC9jiWL18uK1eulAkTJki3bt0CtSGZi7311lumCoOs7IILLjCXQgBDBePdd9+N2O/VLmgyd+5cM+CDdgiSOOzPL/fv398MglL1ePnll+WVV14x9w330wl2r77ttV0qaQD/fOONN0yGisFdtCOszwBsxeZmqNJgkD506FBp0qTJaRJoeAYI9lR6KpPoC7IL7NyHshMAB1C5wY6MC1ADuJGdO0ewACC2+wXYmjZt6qldy5Ytk+hxcKeirAi7cDgDuAUxyulWi3/84x+mvG5Bb3uBjP0vf/mLjB071sAcgyQMlm6//Xbz//bYunWr/PGPf5Thw4fLVVddFZwRSV4J/UXARjBzZmrWFzAQ6dq1q2e77G87IPPDwMYe7t92SMXfYsCzgGwdlYsPPvigjl+E9Rmw9weDEVRa8BzHej7D+gzY7chRUcJz7JxWcz5eXp/tdH4GCPYkA2oqnh4L7NZRUVpFZu48XnzxRZPJY6SPLGfq1Klmfj5eO+ecVSrqgD4h0EGPu+++22Qwf/7zn2Xz5s2nzblZYN9www1mHhLBD/+4B0f79++XRx99VC6//HLz2wapfiCDe/XVVyMDGa92oYyPqQ1kPk47UQXAIBA/c+weRKWCFrZKg1I8fBeDM+eAL+zPAOzFAA+DO1RbkLH27NlTrr/++kjVJazPgM3EL7nkEsHUHKbYqqurzfQi7EflBkfYnwHYSLCnQjQKuA+xwH7gwAEDJWRubmADADazBbC9tHPP3wdsRtKXQ2CbPn26KU3jwcaABYEPEHcvprElZpTnATKnHk4742mYdIcDvAAC2scff2wqN7DfrjHwapdbD2fXYmkYYPfrfSn4PqZlsAYC88nuSk6YnwFbucK6AtxzrAsB3JDBY5oNg1QAP6zPgJ1iwBoCTJNhXQgGoJg6w1QSqnT4nfOwPwMEe73DR2qfSLCL2MVkeLDxA0N2vjGsQc16pAUXKgs47MI5u4o/zEEN9xoDOQzEMJBBgNcEdtxv2IxSdHZ2trn/qLCsWLHCrBC/5pprzPRRWJ8BxD2sC4HP33jjjZFS/DvvvGMGuF//+teN/WF+BmwcYMae2oyuV++0gx3l2L/+9a8mY73jjjtMhcIeYQ1q1j4E9uLiYrOCHVMOWDuAqYWwZ+wAGF5htAsFsWI/2tqLMGfssYKFnT7C2wF2eiKMVSsLdudrfdDEPf1CsNcLKzypsRXQPMduof7+++8L5ssxenceYZ1fjOVzb775pjz33HORRYBhnV/E1AEWNX71q1+NLGqMBvawz7FH8wO74LFt27YG7GF9BmKB3foBpiEAffxUuJf1M+m6zoSl+MYmcAN9f6JV8fhaLHzC6ndbrou2Kj5Ru1RZFW9ltGVHPLTRoI52+AxzbijPYw7WHtFWxaOsh0CAVwjtkaqr4vG+OhYPYX2ALcOiz3au/Oqrrxb8gxXBXuyyAESWN2bMmIj9qboqHrBCyTXegTcZsIbCWZ4P0zNg9y3Agke82mkPd5UirM9ArHUh2NcDr67a13nD+gw4fZ+l+AaCa2NeNhbY0SeUK5HFOd/3tovMsNjmpptuMovMvLZrTDud3w2o4/1dvLeNV74AMfvuubPdp59+GnldzfkeOwY2O3bsiKyeLy8vN8EAK4rte+y23IvvibZHQGNqYd+vd24yhP68/vrrsmjRoshrfF7tsq8O4RVI53vseE949uzZMmTIkJR6KwB7FWA/BueBaQkM4nCgv5h7B/C8+rbXdo15353fjc2JsMbA7o5o/R8DHkxNwY+x2VJYnwGsq8GbHJiGsgvloA8G7U899VTE/rA+AwR7qjyJDdSPeGC3EMeOcxjZI2PBZjbI0Jzz0V7bNZAJvi9rH17Mp1922WWnnY/qAgYuOABxzENj5znsSoVVw++9954BFQYFduc5BHZog3I+AG8zIrxOM3r06JTaec7uvIfgZneeQ6BHJg8b8V4vdl6zgxMvdlmIY756wIABJmCijIn3g1HxwL4JqXzE2t/Aq297bZcqGtgd1TBwtz6LwQ4GN9iMCj6Aao59JTBszwDuA55lVKSwSRd81q6Kd9qv4Rlgxp4qT2WA/YgHdnwNsjCM4BPtFe+1XYBdr/elsCgOcI51OLcVPXbsmMna8N6+3VM+2l7xCIAAGV4DTIe94hHEX3jhBfPevrULGRpK0M697f3Yhb3ikfEDchjwYG8DDGpyc3Prfa/O1InxNi7y6tte250pmxJ9D+4t9i3AwA0leGwghMWT2CXQ7h6Ia4T1GYBtTp9FAoOB+MiRI8022vYI+zNAsCd6Uvg5FaACVIAKUIE0UoBgT6Obxa5SASpABagAFUikAMGeSCF+TgWoABWgAlQgjRQg2NPoZrGrVIAKUAEqQAUSKUCwJ1KIn1MBKkAFqAAVSCMFCPY0ulnsKhWgAlSAClCBRAoQ7IkU4udUgApQASpABdJIAYI9jW4Wu0oFqAAVoAJUIJECBHsihfg5FaACVIAKUIE0UoBgT6Obxa5SASpABagAFUikAMGeSCF+TgWoABWgAlQgjRQg2NPoZrGrVIAKUAEqQAUSKUCwJ1KIn1MBKkAFqAAVSCMFCPY0ulnsKhWgAlSAClCBRAoQ7IkU4udUgApQASpABdJIAYI9jW4Wu0oFqAAVoAJUIJECBHsihfg5FaACVIAKUIE0UoBgT6Obxa5SASpABagAFUikAMGeSCF+TgWoABWgAlQgjRT4/4hJfVu5dSbhAAAAAElFTkSuQmCC">
+            <a:extLst>
+              <a:ext uri="{FF2B5EF4-FFF2-40B4-BE49-F238E27FC236}">
+                <a16:creationId xmlns:a16="http://schemas.microsoft.com/office/drawing/2014/main" id="{BA67C25D-F5FD-4FBD-9DA2-05CB8AC1A36D}"/>
+              </a:ext>
+            </a:extLst>
+          </p:cNvPr>
+          <p:cNvSpPr>
+            <a:spLocks noChangeAspect="1" noChangeArrowheads="1"/>
+          </p:cNvSpPr>
+          <p:nvPr/>
+        </p:nvSpPr>
+        <p:spPr bwMode="auto">
+          <a:xfrm>
+            <a:off x="13563599" y="7255565"/>
+            <a:ext cx="2040835" cy="2040835"/>
+          </a:xfrm>
+          <a:prstGeom prst="rect">
+            <a:avLst/>
+          </a:prstGeom>
+          <a:noFill/>
+          <a:extLst>
+            <a:ext uri="{909E8E84-426E-40DD-AFC4-6F175D3DCCD1}">
+              <a14:hiddenFill xmlns:a14="http://schemas.microsoft.com/office/drawing/2010/main">
+                <a:solidFill>
+                  <a:srgbClr val="FFFFFF"/>
+                </a:solidFill>
+              </a14:hiddenFill>
+            </a:ext>
+          </a:extLst>
+        </p:spPr>
+        <p:txBody>
+          <a:bodyPr vert="horz" wrap="square" lIns="91440" tIns="45720" rIns="91440" bIns="45720" numCol="1" anchor="t" anchorCtr="0" compatLnSpc="1">
+            <a:prstTxWarp prst="textNoShape">
+              <a:avLst/>
+            </a:prstTxWarp>
+          </a:bodyPr>
+          <a:lstStyle/>
+          <a:p>
+            <a:endParaRPr lang="en-US"/>
+          </a:p>
+        </p:txBody>
+      </p:sp>
+      <p:pic>
+        <p:nvPicPr>
+          <p:cNvPr id="26" name="Picture 25">
+            <a:extLst>
+              <a:ext uri="{FF2B5EF4-FFF2-40B4-BE49-F238E27FC236}">
+                <a16:creationId xmlns:a16="http://schemas.microsoft.com/office/drawing/2014/main" id="{4ECF711D-0BD3-4592-8792-43AF609047DF}"/>
+              </a:ext>
+            </a:extLst>
+          </p:cNvPr>
+          <p:cNvPicPr>
+            <a:picLocks noChangeAspect="1"/>
+          </p:cNvPicPr>
+          <p:nvPr/>
+        </p:nvPicPr>
+        <p:blipFill>
+          <a:blip r:embed="rId32">
+            <a:extLst>
+              <a:ext uri="{28A0092B-C50C-407E-A947-70E740481C1C}">
+                <a14:useLocalDpi xmlns:a14="http://schemas.microsoft.com/office/drawing/2010/main" val="0"/>
+              </a:ext>
+            </a:extLst>
+          </a:blip>
+          <a:stretch>
+            <a:fillRect/>
+          </a:stretch>
+        </p:blipFill>
+        <p:spPr>
+          <a:xfrm>
+            <a:off x="23498174" y="8602183"/>
+            <a:ext cx="3190875" cy="1971675"/>
+          </a:xfrm>
+          <a:prstGeom prst="rect">
+            <a:avLst/>
+          </a:prstGeom>
+        </p:spPr>
+      </p:pic>
+      <p:graphicFrame>
+        <p:nvGraphicFramePr>
+          <p:cNvPr id="28" name="Diagram 27">
+            <a:extLst>
+              <a:ext uri="{FF2B5EF4-FFF2-40B4-BE49-F238E27FC236}">
+                <a16:creationId xmlns:a16="http://schemas.microsoft.com/office/drawing/2014/main" id="{B6F55AED-AC7C-4EA2-BCA3-ECAD968B8EEC}"/>
+              </a:ext>
+            </a:extLst>
+          </p:cNvPr>
+          <p:cNvGraphicFramePr/>
+          <p:nvPr>
+            <p:extLst>
+              <p:ext uri="{D42A27DB-BD31-4B8C-83A1-F6EECF244321}">
+                <p14:modId xmlns:p14="http://schemas.microsoft.com/office/powerpoint/2010/main" val="3690819893"/>
+              </p:ext>
+            </p:extLst>
+          </p:nvPr>
+        </p:nvGraphicFramePr>
+        <p:xfrm>
+          <a:off x="25186822" y="8667724"/>
+          <a:ext cx="1502227" cy="323165"/>
+        </p:xfrm>
+        <a:graphic>
+          <a:graphicData uri="http://schemas.openxmlformats.org/drawingml/2006/diagram">
+            <dgm:relIds xmlns:dgm="http://schemas.openxmlformats.org/drawingml/2006/diagram" xmlns:r="http://schemas.openxmlformats.org/officeDocument/2006/relationships" r:dm="rId33" r:lo="rId34" r:qs="rId35" r:cs="rId36"/>
+          </a:graphicData>
+        </a:graphic>
+      </p:graphicFrame>
     </p:spTree>
     <p:extLst>
       <p:ext uri="{BB962C8B-B14F-4D97-AF65-F5344CB8AC3E}">
